--- a/shapely_proposal.pptx
+++ b/shapely_proposal.pptx
@@ -16,13 +16,13 @@
     <p:sldId id="275" r:id="rId7"/>
     <p:sldId id="277" r:id="rId8"/>
     <p:sldId id="281" r:id="rId9"/>
-    <p:sldId id="290" r:id="rId10"/>
-    <p:sldId id="256" r:id="rId11"/>
-    <p:sldId id="266" r:id="rId12"/>
-    <p:sldId id="278" r:id="rId13"/>
-    <p:sldId id="279" r:id="rId14"/>
-    <p:sldId id="268" r:id="rId15"/>
-    <p:sldId id="282" r:id="rId16"/>
+    <p:sldId id="256" r:id="rId10"/>
+    <p:sldId id="266" r:id="rId11"/>
+    <p:sldId id="278" r:id="rId12"/>
+    <p:sldId id="279" r:id="rId13"/>
+    <p:sldId id="268" r:id="rId14"/>
+    <p:sldId id="282" r:id="rId15"/>
+    <p:sldId id="294" r:id="rId16"/>
     <p:sldId id="284" r:id="rId17"/>
     <p:sldId id="285" r:id="rId18"/>
     <p:sldId id="286" r:id="rId19"/>
@@ -149,754 +149,15 @@
 </p:presentation>
 </file>
 
-<file path=ppt/diagrams/colors1.xml><?xml version="1.0" encoding="utf-8"?>
-<dgm:colorsDef xmlns:dgm="http://schemas.openxmlformats.org/drawingml/2006/diagram" xmlns:a="http://schemas.openxmlformats.org/drawingml/2006/main" uniqueId="urn:microsoft.com/office/officeart/2005/8/colors/accent1_2">
-  <dgm:title val=""/>
-  <dgm:desc val=""/>
-  <dgm:catLst>
-    <dgm:cat type="accent1" pri="11200"/>
-  </dgm:catLst>
-  <dgm:styleLbl name="node0">
-    <dgm:fillClrLst meth="repeat">
-      <a:schemeClr val="accent1"/>
-    </dgm:fillClrLst>
-    <dgm:linClrLst meth="repeat">
-      <a:schemeClr val="lt1"/>
-    </dgm:linClrLst>
-    <dgm:effectClrLst/>
-    <dgm:txLinClrLst/>
-    <dgm:txFillClrLst/>
-    <dgm:txEffectClrLst/>
-  </dgm:styleLbl>
-  <dgm:styleLbl name="alignNode1">
-    <dgm:fillClrLst meth="repeat">
-      <a:schemeClr val="accent1"/>
-    </dgm:fillClrLst>
-    <dgm:linClrLst meth="repeat">
-      <a:schemeClr val="accent1"/>
-    </dgm:linClrLst>
-    <dgm:effectClrLst/>
-    <dgm:txLinClrLst/>
-    <dgm:txFillClrLst/>
-    <dgm:txEffectClrLst/>
-  </dgm:styleLbl>
-  <dgm:styleLbl name="node1">
-    <dgm:fillClrLst meth="repeat">
-      <a:schemeClr val="accent1"/>
-    </dgm:fillClrLst>
-    <dgm:linClrLst meth="repeat">
-      <a:schemeClr val="lt1"/>
-    </dgm:linClrLst>
-    <dgm:effectClrLst/>
-    <dgm:txLinClrLst/>
-    <dgm:txFillClrLst/>
-    <dgm:txEffectClrLst/>
-  </dgm:styleLbl>
-  <dgm:styleLbl name="lnNode1">
-    <dgm:fillClrLst meth="repeat">
-      <a:schemeClr val="accent1"/>
-    </dgm:fillClrLst>
-    <dgm:linClrLst meth="repeat">
-      <a:schemeClr val="lt1"/>
-    </dgm:linClrLst>
-    <dgm:effectClrLst/>
-    <dgm:txLinClrLst/>
-    <dgm:txFillClrLst/>
-    <dgm:txEffectClrLst/>
-  </dgm:styleLbl>
-  <dgm:styleLbl name="vennNode1">
-    <dgm:fillClrLst meth="repeat">
-      <a:schemeClr val="accent1">
-        <a:alpha val="50000"/>
-      </a:schemeClr>
-    </dgm:fillClrLst>
-    <dgm:linClrLst meth="repeat">
-      <a:schemeClr val="lt1"/>
-    </dgm:linClrLst>
-    <dgm:effectClrLst/>
-    <dgm:txLinClrLst/>
-    <dgm:txFillClrLst/>
-    <dgm:txEffectClrLst/>
-  </dgm:styleLbl>
-  <dgm:styleLbl name="node2">
-    <dgm:fillClrLst meth="repeat">
-      <a:schemeClr val="accent1"/>
-    </dgm:fillClrLst>
-    <dgm:linClrLst meth="repeat">
-      <a:schemeClr val="lt1"/>
-    </dgm:linClrLst>
-    <dgm:effectClrLst/>
-    <dgm:txLinClrLst/>
-    <dgm:txFillClrLst/>
-    <dgm:txEffectClrLst/>
-  </dgm:styleLbl>
-  <dgm:styleLbl name="node3">
-    <dgm:fillClrLst meth="repeat">
-      <a:schemeClr val="accent1"/>
-    </dgm:fillClrLst>
-    <dgm:linClrLst meth="repeat">
-      <a:schemeClr val="lt1"/>
-    </dgm:linClrLst>
-    <dgm:effectClrLst/>
-    <dgm:txLinClrLst/>
-    <dgm:txFillClrLst/>
-    <dgm:txEffectClrLst/>
-  </dgm:styleLbl>
-  <dgm:styleLbl name="node4">
-    <dgm:fillClrLst meth="repeat">
-      <a:schemeClr val="accent1"/>
-    </dgm:fillClrLst>
-    <dgm:linClrLst meth="repeat">
-      <a:schemeClr val="lt1"/>
-    </dgm:linClrLst>
-    <dgm:effectClrLst/>
-    <dgm:txLinClrLst/>
-    <dgm:txFillClrLst/>
-    <dgm:txEffectClrLst/>
-  </dgm:styleLbl>
-  <dgm:styleLbl name="fgImgPlace1">
-    <dgm:fillClrLst meth="repeat">
-      <a:schemeClr val="accent1">
-        <a:tint val="50000"/>
-      </a:schemeClr>
-    </dgm:fillClrLst>
-    <dgm:linClrLst meth="repeat">
-      <a:schemeClr val="lt1"/>
-    </dgm:linClrLst>
-    <dgm:effectClrLst/>
-    <dgm:txLinClrLst/>
-    <dgm:txFillClrLst meth="repeat">
-      <a:schemeClr val="lt1"/>
-    </dgm:txFillClrLst>
-    <dgm:txEffectClrLst/>
-  </dgm:styleLbl>
-  <dgm:styleLbl name="alignImgPlace1">
-    <dgm:fillClrLst meth="repeat">
-      <a:schemeClr val="accent1">
-        <a:tint val="50000"/>
-      </a:schemeClr>
-    </dgm:fillClrLst>
-    <dgm:linClrLst meth="repeat">
-      <a:schemeClr val="lt1"/>
-    </dgm:linClrLst>
-    <dgm:effectClrLst/>
-    <dgm:txLinClrLst/>
-    <dgm:txFillClrLst meth="repeat">
-      <a:schemeClr val="lt1"/>
-    </dgm:txFillClrLst>
-    <dgm:txEffectClrLst/>
-  </dgm:styleLbl>
-  <dgm:styleLbl name="bgImgPlace1">
-    <dgm:fillClrLst meth="repeat">
-      <a:schemeClr val="accent1">
-        <a:tint val="50000"/>
-      </a:schemeClr>
-    </dgm:fillClrLst>
-    <dgm:linClrLst meth="repeat">
-      <a:schemeClr val="lt1"/>
-    </dgm:linClrLst>
-    <dgm:effectClrLst/>
-    <dgm:txLinClrLst/>
-    <dgm:txFillClrLst meth="repeat">
-      <a:schemeClr val="lt1"/>
-    </dgm:txFillClrLst>
-    <dgm:txEffectClrLst/>
-  </dgm:styleLbl>
-  <dgm:styleLbl name="sibTrans2D1">
-    <dgm:fillClrLst meth="repeat">
-      <a:schemeClr val="accent1">
-        <a:tint val="60000"/>
-      </a:schemeClr>
-    </dgm:fillClrLst>
-    <dgm:linClrLst meth="repeat">
-      <a:schemeClr val="accent1">
-        <a:tint val="60000"/>
-      </a:schemeClr>
-    </dgm:linClrLst>
-    <dgm:effectClrLst/>
-    <dgm:txLinClrLst/>
-    <dgm:txFillClrLst/>
-    <dgm:txEffectClrLst/>
-  </dgm:styleLbl>
-  <dgm:styleLbl name="fgSibTrans2D1">
-    <dgm:fillClrLst meth="repeat">
-      <a:schemeClr val="accent1">
-        <a:tint val="60000"/>
-      </a:schemeClr>
-    </dgm:fillClrLst>
-    <dgm:linClrLst meth="repeat">
-      <a:schemeClr val="accent1">
-        <a:tint val="60000"/>
-      </a:schemeClr>
-    </dgm:linClrLst>
-    <dgm:effectClrLst/>
-    <dgm:txLinClrLst/>
-    <dgm:txFillClrLst/>
-    <dgm:txEffectClrLst/>
-  </dgm:styleLbl>
-  <dgm:styleLbl name="bgSibTrans2D1">
-    <dgm:fillClrLst meth="repeat">
-      <a:schemeClr val="accent1">
-        <a:tint val="60000"/>
-      </a:schemeClr>
-    </dgm:fillClrLst>
-    <dgm:linClrLst meth="repeat">
-      <a:schemeClr val="accent1">
-        <a:tint val="60000"/>
-      </a:schemeClr>
-    </dgm:linClrLst>
-    <dgm:effectClrLst/>
-    <dgm:txLinClrLst/>
-    <dgm:txFillClrLst/>
-    <dgm:txEffectClrLst/>
-  </dgm:styleLbl>
-  <dgm:styleLbl name="sibTrans1D1">
-    <dgm:fillClrLst meth="repeat">
-      <a:schemeClr val="accent1"/>
-    </dgm:fillClrLst>
-    <dgm:linClrLst meth="repeat">
-      <a:schemeClr val="accent1"/>
-    </dgm:linClrLst>
-    <dgm:effectClrLst/>
-    <dgm:txLinClrLst/>
-    <dgm:txFillClrLst meth="repeat">
-      <a:schemeClr val="tx1"/>
-    </dgm:txFillClrLst>
-    <dgm:txEffectClrLst/>
-  </dgm:styleLbl>
-  <dgm:styleLbl name="callout">
-    <dgm:fillClrLst meth="repeat">
-      <a:schemeClr val="accent1"/>
-    </dgm:fillClrLst>
-    <dgm:linClrLst meth="repeat">
-      <a:schemeClr val="accent1">
-        <a:tint val="50000"/>
-      </a:schemeClr>
-    </dgm:linClrLst>
-    <dgm:effectClrLst/>
-    <dgm:txLinClrLst/>
-    <dgm:txFillClrLst meth="repeat">
-      <a:schemeClr val="tx1"/>
-    </dgm:txFillClrLst>
-    <dgm:txEffectClrLst/>
-  </dgm:styleLbl>
-  <dgm:styleLbl name="asst0">
-    <dgm:fillClrLst meth="repeat">
-      <a:schemeClr val="accent1"/>
-    </dgm:fillClrLst>
-    <dgm:linClrLst meth="repeat">
-      <a:schemeClr val="lt1"/>
-    </dgm:linClrLst>
-    <dgm:effectClrLst/>
-    <dgm:txLinClrLst/>
-    <dgm:txFillClrLst/>
-    <dgm:txEffectClrLst/>
-  </dgm:styleLbl>
-  <dgm:styleLbl name="asst1">
-    <dgm:fillClrLst meth="repeat">
-      <a:schemeClr val="accent1"/>
-    </dgm:fillClrLst>
-    <dgm:linClrLst meth="repeat">
-      <a:schemeClr val="lt1"/>
-    </dgm:linClrLst>
-    <dgm:effectClrLst/>
-    <dgm:txLinClrLst/>
-    <dgm:txFillClrLst/>
-    <dgm:txEffectClrLst/>
-  </dgm:styleLbl>
-  <dgm:styleLbl name="asst2">
-    <dgm:fillClrLst meth="repeat">
-      <a:schemeClr val="accent1"/>
-    </dgm:fillClrLst>
-    <dgm:linClrLst meth="repeat">
-      <a:schemeClr val="lt1"/>
-    </dgm:linClrLst>
-    <dgm:effectClrLst/>
-    <dgm:txLinClrLst/>
-    <dgm:txFillClrLst/>
-    <dgm:txEffectClrLst/>
-  </dgm:styleLbl>
-  <dgm:styleLbl name="asst3">
-    <dgm:fillClrLst meth="repeat">
-      <a:schemeClr val="accent1"/>
-    </dgm:fillClrLst>
-    <dgm:linClrLst meth="repeat">
-      <a:schemeClr val="lt1"/>
-    </dgm:linClrLst>
-    <dgm:effectClrLst/>
-    <dgm:txLinClrLst/>
-    <dgm:txFillClrLst/>
-    <dgm:txEffectClrLst/>
-  </dgm:styleLbl>
-  <dgm:styleLbl name="asst4">
-    <dgm:fillClrLst meth="repeat">
-      <a:schemeClr val="accent1"/>
-    </dgm:fillClrLst>
-    <dgm:linClrLst meth="repeat">
-      <a:schemeClr val="lt1"/>
-    </dgm:linClrLst>
-    <dgm:effectClrLst/>
-    <dgm:txLinClrLst/>
-    <dgm:txFillClrLst/>
-    <dgm:txEffectClrLst/>
-  </dgm:styleLbl>
-  <dgm:styleLbl name="parChTrans2D1">
-    <dgm:fillClrLst meth="repeat">
-      <a:schemeClr val="accent1">
-        <a:tint val="60000"/>
-      </a:schemeClr>
-    </dgm:fillClrLst>
-    <dgm:linClrLst meth="repeat">
-      <a:schemeClr val="accent1">
-        <a:tint val="60000"/>
-      </a:schemeClr>
-    </dgm:linClrLst>
-    <dgm:effectClrLst/>
-    <dgm:txLinClrLst/>
-    <dgm:txFillClrLst meth="repeat">
-      <a:schemeClr val="lt1"/>
-    </dgm:txFillClrLst>
-    <dgm:txEffectClrLst/>
-  </dgm:styleLbl>
-  <dgm:styleLbl name="parChTrans2D2">
-    <dgm:fillClrLst meth="repeat">
-      <a:schemeClr val="accent1"/>
-    </dgm:fillClrLst>
-    <dgm:linClrLst meth="repeat">
-      <a:schemeClr val="accent1"/>
-    </dgm:linClrLst>
-    <dgm:effectClrLst/>
-    <dgm:txLinClrLst/>
-    <dgm:txFillClrLst meth="repeat">
-      <a:schemeClr val="lt1"/>
-    </dgm:txFillClrLst>
-    <dgm:txEffectClrLst/>
-  </dgm:styleLbl>
-  <dgm:styleLbl name="parChTrans2D3">
-    <dgm:fillClrLst meth="repeat">
-      <a:schemeClr val="accent1"/>
-    </dgm:fillClrLst>
-    <dgm:linClrLst meth="repeat">
-      <a:schemeClr val="accent1"/>
-    </dgm:linClrLst>
-    <dgm:effectClrLst/>
-    <dgm:txLinClrLst/>
-    <dgm:txFillClrLst meth="repeat">
-      <a:schemeClr val="lt1"/>
-    </dgm:txFillClrLst>
-    <dgm:txEffectClrLst/>
-  </dgm:styleLbl>
-  <dgm:styleLbl name="parChTrans2D4">
-    <dgm:fillClrLst meth="repeat">
-      <a:schemeClr val="accent1"/>
-    </dgm:fillClrLst>
-    <dgm:linClrLst meth="repeat">
-      <a:schemeClr val="accent1"/>
-    </dgm:linClrLst>
-    <dgm:effectClrLst/>
-    <dgm:txLinClrLst/>
-    <dgm:txFillClrLst meth="repeat">
-      <a:schemeClr val="lt1"/>
-    </dgm:txFillClrLst>
-    <dgm:txEffectClrLst/>
-  </dgm:styleLbl>
-  <dgm:styleLbl name="parChTrans1D1">
-    <dgm:fillClrLst meth="repeat">
-      <a:schemeClr val="accent1"/>
-    </dgm:fillClrLst>
-    <dgm:linClrLst meth="repeat">
-      <a:schemeClr val="accent1">
-        <a:shade val="60000"/>
-      </a:schemeClr>
-    </dgm:linClrLst>
-    <dgm:effectClrLst/>
-    <dgm:txLinClrLst/>
-    <dgm:txFillClrLst meth="repeat">
-      <a:schemeClr val="tx1"/>
-    </dgm:txFillClrLst>
-    <dgm:txEffectClrLst/>
-  </dgm:styleLbl>
-  <dgm:styleLbl name="parChTrans1D2">
-    <dgm:fillClrLst meth="repeat">
-      <a:schemeClr val="accent1"/>
-    </dgm:fillClrLst>
-    <dgm:linClrLst meth="repeat">
-      <a:schemeClr val="accent1">
-        <a:shade val="60000"/>
-      </a:schemeClr>
-    </dgm:linClrLst>
-    <dgm:effectClrLst/>
-    <dgm:txLinClrLst/>
-    <dgm:txFillClrLst meth="repeat">
-      <a:schemeClr val="tx1"/>
-    </dgm:txFillClrLst>
-    <dgm:txEffectClrLst/>
-  </dgm:styleLbl>
-  <dgm:styleLbl name="parChTrans1D3">
-    <dgm:fillClrLst meth="repeat">
-      <a:schemeClr val="accent1"/>
-    </dgm:fillClrLst>
-    <dgm:linClrLst meth="repeat">
-      <a:schemeClr val="accent1">
-        <a:shade val="80000"/>
-      </a:schemeClr>
-    </dgm:linClrLst>
-    <dgm:effectClrLst/>
-    <dgm:txLinClrLst/>
-    <dgm:txFillClrLst meth="repeat">
-      <a:schemeClr val="tx1"/>
-    </dgm:txFillClrLst>
-    <dgm:txEffectClrLst/>
-  </dgm:styleLbl>
-  <dgm:styleLbl name="parChTrans1D4">
-    <dgm:fillClrLst meth="repeat">
-      <a:schemeClr val="accent1"/>
-    </dgm:fillClrLst>
-    <dgm:linClrLst meth="repeat">
-      <a:schemeClr val="accent1">
-        <a:shade val="80000"/>
-      </a:schemeClr>
-    </dgm:linClrLst>
-    <dgm:effectClrLst/>
-    <dgm:txLinClrLst/>
-    <dgm:txFillClrLst meth="repeat">
-      <a:schemeClr val="tx1"/>
-    </dgm:txFillClrLst>
-    <dgm:txEffectClrLst/>
-  </dgm:styleLbl>
-  <dgm:styleLbl name="fgAcc1">
-    <dgm:fillClrLst meth="repeat">
-      <a:schemeClr val="lt1">
-        <a:alpha val="90000"/>
-      </a:schemeClr>
-    </dgm:fillClrLst>
-    <dgm:linClrLst meth="repeat">
-      <a:schemeClr val="accent1"/>
-    </dgm:linClrLst>
-    <dgm:effectClrLst/>
-    <dgm:txLinClrLst/>
-    <dgm:txFillClrLst meth="repeat">
-      <a:schemeClr val="dk1"/>
-    </dgm:txFillClrLst>
-    <dgm:txEffectClrLst/>
-  </dgm:styleLbl>
-  <dgm:styleLbl name="conFgAcc1">
-    <dgm:fillClrLst meth="repeat">
-      <a:schemeClr val="lt1">
-        <a:alpha val="90000"/>
-      </a:schemeClr>
-    </dgm:fillClrLst>
-    <dgm:linClrLst meth="repeat">
-      <a:schemeClr val="accent1"/>
-    </dgm:linClrLst>
-    <dgm:effectClrLst/>
-    <dgm:txLinClrLst/>
-    <dgm:txFillClrLst meth="repeat">
-      <a:schemeClr val="dk1"/>
-    </dgm:txFillClrLst>
-    <dgm:txEffectClrLst/>
-  </dgm:styleLbl>
-  <dgm:styleLbl name="alignAcc1">
-    <dgm:fillClrLst meth="repeat">
-      <a:schemeClr val="lt1">
-        <a:alpha val="90000"/>
-      </a:schemeClr>
-    </dgm:fillClrLst>
-    <dgm:linClrLst meth="repeat">
-      <a:schemeClr val="accent1"/>
-    </dgm:linClrLst>
-    <dgm:effectClrLst/>
-    <dgm:txLinClrLst/>
-    <dgm:txFillClrLst meth="repeat">
-      <a:schemeClr val="dk1"/>
-    </dgm:txFillClrLst>
-    <dgm:txEffectClrLst/>
-  </dgm:styleLbl>
-  <dgm:styleLbl name="trAlignAcc1">
-    <dgm:fillClrLst meth="repeat">
-      <a:schemeClr val="lt1">
-        <a:alpha val="40000"/>
-      </a:schemeClr>
-    </dgm:fillClrLst>
-    <dgm:linClrLst meth="repeat">
-      <a:schemeClr val="accent1"/>
-    </dgm:linClrLst>
-    <dgm:effectClrLst/>
-    <dgm:txLinClrLst/>
-    <dgm:txFillClrLst meth="repeat">
-      <a:schemeClr val="dk1"/>
-    </dgm:txFillClrLst>
-    <dgm:txEffectClrLst/>
-  </dgm:styleLbl>
-  <dgm:styleLbl name="bgAcc1">
-    <dgm:fillClrLst meth="repeat">
-      <a:schemeClr val="lt1">
-        <a:alpha val="90000"/>
-      </a:schemeClr>
-    </dgm:fillClrLst>
-    <dgm:linClrLst meth="repeat">
-      <a:schemeClr val="accent1"/>
-    </dgm:linClrLst>
-    <dgm:effectClrLst/>
-    <dgm:txLinClrLst/>
-    <dgm:txFillClrLst meth="repeat">
-      <a:schemeClr val="dk1"/>
-    </dgm:txFillClrLst>
-    <dgm:txEffectClrLst/>
-  </dgm:styleLbl>
-  <dgm:styleLbl name="solidFgAcc1">
-    <dgm:fillClrLst meth="repeat">
-      <a:schemeClr val="lt1"/>
-    </dgm:fillClrLst>
-    <dgm:linClrLst meth="repeat">
-      <a:schemeClr val="accent1"/>
-    </dgm:linClrLst>
-    <dgm:effectClrLst/>
-    <dgm:txLinClrLst/>
-    <dgm:txFillClrLst meth="repeat">
-      <a:schemeClr val="dk1"/>
-    </dgm:txFillClrLst>
-    <dgm:txEffectClrLst/>
-  </dgm:styleLbl>
-  <dgm:styleLbl name="solidAlignAcc1">
-    <dgm:fillClrLst meth="repeat">
-      <a:schemeClr val="lt1"/>
-    </dgm:fillClrLst>
-    <dgm:linClrLst meth="repeat">
-      <a:schemeClr val="accent1"/>
-    </dgm:linClrLst>
-    <dgm:effectClrLst/>
-    <dgm:txLinClrLst/>
-    <dgm:txFillClrLst meth="repeat">
-      <a:schemeClr val="dk1"/>
-    </dgm:txFillClrLst>
-    <dgm:txEffectClrLst/>
-  </dgm:styleLbl>
-  <dgm:styleLbl name="solidBgAcc1">
-    <dgm:fillClrLst meth="repeat">
-      <a:schemeClr val="lt1"/>
-    </dgm:fillClrLst>
-    <dgm:linClrLst meth="repeat">
-      <a:schemeClr val="accent1"/>
-    </dgm:linClrLst>
-    <dgm:effectClrLst/>
-    <dgm:txLinClrLst/>
-    <dgm:txFillClrLst meth="repeat">
-      <a:schemeClr val="dk1"/>
-    </dgm:txFillClrLst>
-    <dgm:txEffectClrLst/>
-  </dgm:styleLbl>
-  <dgm:styleLbl name="fgAccFollowNode1">
-    <dgm:fillClrLst meth="repeat">
-      <a:schemeClr val="accent1">
-        <a:alpha val="90000"/>
-        <a:tint val="40000"/>
-      </a:schemeClr>
-    </dgm:fillClrLst>
-    <dgm:linClrLst meth="repeat">
-      <a:schemeClr val="accent1">
-        <a:alpha val="90000"/>
-        <a:tint val="40000"/>
-      </a:schemeClr>
-    </dgm:linClrLst>
-    <dgm:effectClrLst/>
-    <dgm:txLinClrLst/>
-    <dgm:txFillClrLst meth="repeat">
-      <a:schemeClr val="dk1"/>
-    </dgm:txFillClrLst>
-    <dgm:txEffectClrLst/>
-  </dgm:styleLbl>
-  <dgm:styleLbl name="alignAccFollowNode1">
-    <dgm:fillClrLst meth="repeat">
-      <a:schemeClr val="accent1">
-        <a:alpha val="90000"/>
-        <a:tint val="40000"/>
-      </a:schemeClr>
-    </dgm:fillClrLst>
-    <dgm:linClrLst meth="repeat">
-      <a:schemeClr val="accent1">
-        <a:alpha val="90000"/>
-        <a:tint val="40000"/>
-      </a:schemeClr>
-    </dgm:linClrLst>
-    <dgm:effectClrLst/>
-    <dgm:txLinClrLst/>
-    <dgm:txFillClrLst meth="repeat">
-      <a:schemeClr val="dk1"/>
-    </dgm:txFillClrLst>
-    <dgm:txEffectClrLst/>
-  </dgm:styleLbl>
-  <dgm:styleLbl name="bgAccFollowNode1">
-    <dgm:fillClrLst meth="repeat">
-      <a:schemeClr val="accent1">
-        <a:alpha val="90000"/>
-        <a:tint val="40000"/>
-      </a:schemeClr>
-    </dgm:fillClrLst>
-    <dgm:linClrLst meth="repeat">
-      <a:schemeClr val="accent1">
-        <a:alpha val="90000"/>
-        <a:tint val="40000"/>
-      </a:schemeClr>
-    </dgm:linClrLst>
-    <dgm:effectClrLst/>
-    <dgm:txLinClrLst/>
-    <dgm:txFillClrLst meth="repeat">
-      <a:schemeClr val="dk1"/>
-    </dgm:txFillClrLst>
-    <dgm:txEffectClrLst/>
-  </dgm:styleLbl>
-  <dgm:styleLbl name="fgAcc0">
-    <dgm:fillClrLst meth="repeat">
-      <a:schemeClr val="lt1">
-        <a:alpha val="90000"/>
-      </a:schemeClr>
-    </dgm:fillClrLst>
-    <dgm:linClrLst meth="repeat">
-      <a:schemeClr val="accent1"/>
-    </dgm:linClrLst>
-    <dgm:effectClrLst/>
-    <dgm:txLinClrLst/>
-    <dgm:txFillClrLst meth="repeat">
-      <a:schemeClr val="dk1"/>
-    </dgm:txFillClrLst>
-    <dgm:txEffectClrLst/>
-  </dgm:styleLbl>
-  <dgm:styleLbl name="fgAcc2">
-    <dgm:fillClrLst meth="repeat">
-      <a:schemeClr val="lt1">
-        <a:alpha val="90000"/>
-      </a:schemeClr>
-    </dgm:fillClrLst>
-    <dgm:linClrLst meth="repeat">
-      <a:schemeClr val="accent1"/>
-    </dgm:linClrLst>
-    <dgm:effectClrLst/>
-    <dgm:txLinClrLst/>
-    <dgm:txFillClrLst meth="repeat">
-      <a:schemeClr val="dk1"/>
-    </dgm:txFillClrLst>
-    <dgm:txEffectClrLst/>
-  </dgm:styleLbl>
-  <dgm:styleLbl name="fgAcc3">
-    <dgm:fillClrLst meth="repeat">
-      <a:schemeClr val="lt1">
-        <a:alpha val="90000"/>
-      </a:schemeClr>
-    </dgm:fillClrLst>
-    <dgm:linClrLst meth="repeat">
-      <a:schemeClr val="accent1"/>
-    </dgm:linClrLst>
-    <dgm:effectClrLst/>
-    <dgm:txLinClrLst/>
-    <dgm:txFillClrLst meth="repeat">
-      <a:schemeClr val="dk1"/>
-    </dgm:txFillClrLst>
-    <dgm:txEffectClrLst/>
-  </dgm:styleLbl>
-  <dgm:styleLbl name="fgAcc4">
-    <dgm:fillClrLst meth="repeat">
-      <a:schemeClr val="lt1">
-        <a:alpha val="90000"/>
-      </a:schemeClr>
-    </dgm:fillClrLst>
-    <dgm:linClrLst meth="repeat">
-      <a:schemeClr val="accent1"/>
-    </dgm:linClrLst>
-    <dgm:effectClrLst/>
-    <dgm:txLinClrLst/>
-    <dgm:txFillClrLst meth="repeat">
-      <a:schemeClr val="dk1"/>
-    </dgm:txFillClrLst>
-    <dgm:txEffectClrLst/>
-  </dgm:styleLbl>
-  <dgm:styleLbl name="bgShp">
-    <dgm:fillClrLst meth="repeat">
-      <a:schemeClr val="accent1">
-        <a:tint val="40000"/>
-      </a:schemeClr>
-    </dgm:fillClrLst>
-    <dgm:linClrLst meth="repeat">
-      <a:schemeClr val="accent1"/>
-    </dgm:linClrLst>
-    <dgm:effectClrLst/>
-    <dgm:txLinClrLst/>
-    <dgm:txFillClrLst meth="repeat">
-      <a:schemeClr val="dk1"/>
-    </dgm:txFillClrLst>
-    <dgm:txEffectClrLst/>
-  </dgm:styleLbl>
-  <dgm:styleLbl name="dkBgShp">
-    <dgm:fillClrLst meth="repeat">
-      <a:schemeClr val="accent1">
-        <a:shade val="80000"/>
-      </a:schemeClr>
-    </dgm:fillClrLst>
-    <dgm:linClrLst meth="repeat">
-      <a:schemeClr val="accent1"/>
-    </dgm:linClrLst>
-    <dgm:effectClrLst/>
-    <dgm:txLinClrLst/>
-    <dgm:txFillClrLst meth="repeat">
-      <a:schemeClr val="lt1"/>
-    </dgm:txFillClrLst>
-    <dgm:txEffectClrLst/>
-  </dgm:styleLbl>
-  <dgm:styleLbl name="trBgShp">
-    <dgm:fillClrLst meth="repeat">
-      <a:schemeClr val="accent1">
-        <a:tint val="50000"/>
-        <a:alpha val="40000"/>
-      </a:schemeClr>
-    </dgm:fillClrLst>
-    <dgm:linClrLst meth="repeat">
-      <a:schemeClr val="accent1"/>
-    </dgm:linClrLst>
-    <dgm:effectClrLst/>
-    <dgm:txLinClrLst/>
-    <dgm:txFillClrLst meth="repeat">
-      <a:schemeClr val="lt1"/>
-    </dgm:txFillClrLst>
-    <dgm:txEffectClrLst/>
-  </dgm:styleLbl>
-  <dgm:styleLbl name="fgShp">
-    <dgm:fillClrLst meth="repeat">
-      <a:schemeClr val="accent1">
-        <a:tint val="60000"/>
-      </a:schemeClr>
-    </dgm:fillClrLst>
-    <dgm:linClrLst meth="repeat">
-      <a:schemeClr val="lt1"/>
-    </dgm:linClrLst>
-    <dgm:effectClrLst/>
-    <dgm:txLinClrLst/>
-    <dgm:txFillClrLst meth="repeat">
-      <a:schemeClr val="dk1"/>
-    </dgm:txFillClrLst>
-    <dgm:txEffectClrLst/>
-  </dgm:styleLbl>
-  <dgm:styleLbl name="revTx">
-    <dgm:fillClrLst meth="repeat">
-      <a:schemeClr val="lt1">
-        <a:alpha val="0"/>
-      </a:schemeClr>
-    </dgm:fillClrLst>
-    <dgm:linClrLst meth="repeat">
-      <a:schemeClr val="dk1">
-        <a:alpha val="0"/>
-      </a:schemeClr>
-    </dgm:linClrLst>
-    <dgm:effectClrLst/>
-    <dgm:txLinClrLst/>
-    <dgm:txFillClrLst meth="repeat">
-      <a:schemeClr val="tx1"/>
-    </dgm:txFillClrLst>
-    <dgm:txEffectClrLst/>
-  </dgm:styleLbl>
-</dgm:colorsDef>
+<file path=ppt/revisionInfo.xml><?xml version="1.0" encoding="utf-8"?>
+<p1510:revInfo xmlns:a="http://schemas.openxmlformats.org/drawingml/2006/main" xmlns:r="http://schemas.openxmlformats.org/officeDocument/2006/relationships" xmlns:p1510="http://schemas.microsoft.com/office/powerpoint/2015/10/main">
+  <p1510:revLst>
+    <p1510:client id="{BE635A1C-6409-4731-94FA-FCA27BB3A6A2}" v="343" dt="2020-02-14T10:16:37.503"/>
+  </p1510:revLst>
+</p1510:revInfo>
 </file>
 
-<file path=ppt/diagrams/colors2.xml><?xml version="1.0" encoding="utf-8"?>
+<file path=ppt/diagrams/colors1.xml><?xml version="1.0" encoding="utf-8"?>
 <dgm:colorsDef xmlns:dgm="http://schemas.openxmlformats.org/drawingml/2006/diagram" xmlns:a="http://schemas.openxmlformats.org/drawingml/2006/main" uniqueId="urn:microsoft.com/office/officeart/2018/5/colors/Iconchunking_neutralicontext_colorful1">
   <dgm:title val=""/>
   <dgm:desc val=""/>
@@ -1820,338 +1081,6 @@
 <file path=ppt/diagrams/data1.xml><?xml version="1.0" encoding="utf-8"?>
 <dgm:dataModel xmlns:dgm="http://schemas.openxmlformats.org/drawingml/2006/diagram" xmlns:a="http://schemas.openxmlformats.org/drawingml/2006/main">
   <dgm:ptLst>
-    <dgm:pt modelId="{4B19C4F1-2B22-40F3-869B-1D473117B1AE}" type="doc">
-      <dgm:prSet loTypeId="urn:microsoft.com/office/officeart/2005/8/layout/vList6" loCatId="list" qsTypeId="urn:microsoft.com/office/officeart/2005/8/quickstyle/simple1" qsCatId="simple" csTypeId="urn:microsoft.com/office/officeart/2005/8/colors/accent1_2" csCatId="accent1" phldr="1"/>
-      <dgm:spPr/>
-      <dgm:t>
-        <a:bodyPr/>
-        <a:lstStyle/>
-        <a:p>
-          <a:endParaRPr lang="en-US"/>
-        </a:p>
-      </dgm:t>
-    </dgm:pt>
-    <dgm:pt modelId="{E4C21B94-4B35-4B66-81DC-F8835E622377}">
-      <dgm:prSet phldrT="[Text]"/>
-      <dgm:spPr/>
-      <dgm:t>
-        <a:bodyPr/>
-        <a:lstStyle/>
-        <a:p>
-          <a:pPr algn="l"/>
-          <a:r>
-            <a:rPr lang="en-US" dirty="0"/>
-            <a:t>1. Shapely accelerated smart labelling</a:t>
-          </a:r>
-        </a:p>
-      </dgm:t>
-    </dgm:pt>
-    <dgm:pt modelId="{0FF2AF70-A11B-472D-BF33-0F4509D12EA9}" type="parTrans" cxnId="{73B4AD64-A019-425F-A18C-B39DCA3AAF51}">
-      <dgm:prSet/>
-      <dgm:spPr/>
-      <dgm:t>
-        <a:bodyPr/>
-        <a:lstStyle/>
-        <a:p>
-          <a:endParaRPr lang="en-US"/>
-        </a:p>
-      </dgm:t>
-    </dgm:pt>
-    <dgm:pt modelId="{5E3DAF96-E309-4435-8F70-D66A6F41D9DA}" type="sibTrans" cxnId="{73B4AD64-A019-425F-A18C-B39DCA3AAF51}">
-      <dgm:prSet/>
-      <dgm:spPr/>
-      <dgm:t>
-        <a:bodyPr/>
-        <a:lstStyle/>
-        <a:p>
-          <a:endParaRPr lang="en-US"/>
-        </a:p>
-      </dgm:t>
-    </dgm:pt>
-    <dgm:pt modelId="{BA5F4D73-F4C3-44EF-8B7F-78CAD79F100B}">
-      <dgm:prSet phldrT="[Text]"/>
-      <dgm:spPr/>
-      <dgm:t>
-        <a:bodyPr/>
-        <a:lstStyle/>
-        <a:p>
-          <a:r>
-            <a:rPr lang="en-US" dirty="0"/>
-            <a:t>Demo paper</a:t>
-          </a:r>
-        </a:p>
-      </dgm:t>
-    </dgm:pt>
-    <dgm:pt modelId="{64CDBF5B-71B9-4B51-B265-168FB76A602C}" type="parTrans" cxnId="{298FB64D-ACE1-46E3-BC79-A9FB8CCBE44F}">
-      <dgm:prSet/>
-      <dgm:spPr/>
-      <dgm:t>
-        <a:bodyPr/>
-        <a:lstStyle/>
-        <a:p>
-          <a:endParaRPr lang="en-US"/>
-        </a:p>
-      </dgm:t>
-    </dgm:pt>
-    <dgm:pt modelId="{A55439A5-4148-4B25-AB7C-05DEB8B5C186}" type="sibTrans" cxnId="{298FB64D-ACE1-46E3-BC79-A9FB8CCBE44F}">
-      <dgm:prSet/>
-      <dgm:spPr/>
-      <dgm:t>
-        <a:bodyPr/>
-        <a:lstStyle/>
-        <a:p>
-          <a:endParaRPr lang="en-US"/>
-        </a:p>
-      </dgm:t>
-    </dgm:pt>
-    <dgm:pt modelId="{4294BF32-6AF9-4271-923F-7800C07446B3}">
-      <dgm:prSet phldrT="[Text]"/>
-      <dgm:spPr/>
-      <dgm:t>
-        <a:bodyPr/>
-        <a:lstStyle/>
-        <a:p>
-          <a:r>
-            <a:rPr lang="en-US" dirty="0"/>
-            <a:t>December 2019</a:t>
-          </a:r>
-        </a:p>
-      </dgm:t>
-    </dgm:pt>
-    <dgm:pt modelId="{9259B512-B53A-4A1E-9D07-1E962807ACAF}" type="parTrans" cxnId="{3FA1E16C-73E6-4541-8494-F186A9FA63B5}">
-      <dgm:prSet/>
-      <dgm:spPr/>
-      <dgm:t>
-        <a:bodyPr/>
-        <a:lstStyle/>
-        <a:p>
-          <a:endParaRPr lang="en-US"/>
-        </a:p>
-      </dgm:t>
-    </dgm:pt>
-    <dgm:pt modelId="{95224207-D232-4994-BA4F-6C3CE23EE1A5}" type="sibTrans" cxnId="{3FA1E16C-73E6-4541-8494-F186A9FA63B5}">
-      <dgm:prSet/>
-      <dgm:spPr/>
-      <dgm:t>
-        <a:bodyPr/>
-        <a:lstStyle/>
-        <a:p>
-          <a:endParaRPr lang="en-US"/>
-        </a:p>
-      </dgm:t>
-    </dgm:pt>
-    <dgm:pt modelId="{24B3F587-8090-47DB-A660-4E008CA09177}">
-      <dgm:prSet phldrT="[Text]"/>
-      <dgm:spPr/>
-      <dgm:t>
-        <a:bodyPr/>
-        <a:lstStyle/>
-        <a:p>
-          <a:pPr algn="l"/>
-          <a:r>
-            <a:rPr lang="en-US" dirty="0"/>
-            <a:t>2. Case study report on explainable AI</a:t>
-          </a:r>
-        </a:p>
-      </dgm:t>
-    </dgm:pt>
-    <dgm:pt modelId="{2E3AE3E6-14CE-4AEE-9FB5-51AAE9CD12AC}" type="parTrans" cxnId="{5A0357DE-BA3B-4BD6-A9DE-F3B7D5CEC272}">
-      <dgm:prSet/>
-      <dgm:spPr/>
-      <dgm:t>
-        <a:bodyPr/>
-        <a:lstStyle/>
-        <a:p>
-          <a:endParaRPr lang="en-US"/>
-        </a:p>
-      </dgm:t>
-    </dgm:pt>
-    <dgm:pt modelId="{6DA7E731-2870-40A7-93C1-43FC780ACB2F}" type="sibTrans" cxnId="{5A0357DE-BA3B-4BD6-A9DE-F3B7D5CEC272}">
-      <dgm:prSet/>
-      <dgm:spPr/>
-      <dgm:t>
-        <a:bodyPr/>
-        <a:lstStyle/>
-        <a:p>
-          <a:endParaRPr lang="en-US"/>
-        </a:p>
-      </dgm:t>
-    </dgm:pt>
-    <dgm:pt modelId="{92AE5CC1-531A-4A2B-B972-FCA22E18C985}">
-      <dgm:prSet phldrT="[Text]"/>
-      <dgm:spPr/>
-      <dgm:t>
-        <a:bodyPr/>
-        <a:lstStyle/>
-        <a:p>
-          <a:r>
-            <a:rPr lang="en-US" dirty="0"/>
-            <a:t>Case study report – </a:t>
-          </a:r>
-          <a:r>
-            <a:rPr lang="en-US" dirty="0" err="1"/>
-            <a:t>Rabo</a:t>
-          </a:r>
-          <a:r>
-            <a:rPr lang="en-US" dirty="0"/>
-            <a:t>/ </a:t>
-          </a:r>
-          <a:r>
-            <a:rPr lang="en-US" dirty="0" err="1"/>
-            <a:t>Achmea</a:t>
-          </a:r>
-          <a:endParaRPr lang="en-US" dirty="0"/>
-        </a:p>
-      </dgm:t>
-    </dgm:pt>
-    <dgm:pt modelId="{7E03232C-BB3B-48C0-B97B-26B73EA93FBF}" type="parTrans" cxnId="{9ED28BB5-6DB9-47CC-9F66-E2934C207334}">
-      <dgm:prSet/>
-      <dgm:spPr/>
-      <dgm:t>
-        <a:bodyPr/>
-        <a:lstStyle/>
-        <a:p>
-          <a:endParaRPr lang="en-US"/>
-        </a:p>
-      </dgm:t>
-    </dgm:pt>
-    <dgm:pt modelId="{B0096304-058B-42DF-B90D-B8DDB21BC99D}" type="sibTrans" cxnId="{9ED28BB5-6DB9-47CC-9F66-E2934C207334}">
-      <dgm:prSet/>
-      <dgm:spPr/>
-      <dgm:t>
-        <a:bodyPr/>
-        <a:lstStyle/>
-        <a:p>
-          <a:endParaRPr lang="en-US"/>
-        </a:p>
-      </dgm:t>
-    </dgm:pt>
-    <dgm:pt modelId="{0F429C6A-8B7F-4B3A-915B-93CB08881532}">
-      <dgm:prSet phldrT="[Text]"/>
-      <dgm:spPr/>
-      <dgm:t>
-        <a:bodyPr/>
-        <a:lstStyle/>
-        <a:p>
-          <a:r>
-            <a:rPr lang="en-US" dirty="0"/>
-            <a:t>March 2020 </a:t>
-          </a:r>
-        </a:p>
-      </dgm:t>
-    </dgm:pt>
-    <dgm:pt modelId="{267AC3AE-5FF8-4375-8CB6-022FF36FF045}" type="parTrans" cxnId="{9B49C30B-4DFA-479D-A80D-04F4E8102C7B}">
-      <dgm:prSet/>
-      <dgm:spPr/>
-      <dgm:t>
-        <a:bodyPr/>
-        <a:lstStyle/>
-        <a:p>
-          <a:endParaRPr lang="en-US"/>
-        </a:p>
-      </dgm:t>
-    </dgm:pt>
-    <dgm:pt modelId="{363DDD86-1841-4C3D-86B3-128C5F09141F}" type="sibTrans" cxnId="{9B49C30B-4DFA-479D-A80D-04F4E8102C7B}">
-      <dgm:prSet/>
-      <dgm:spPr/>
-      <dgm:t>
-        <a:bodyPr/>
-        <a:lstStyle/>
-        <a:p>
-          <a:endParaRPr lang="en-US"/>
-        </a:p>
-      </dgm:t>
-    </dgm:pt>
-    <dgm:pt modelId="{865ACBAC-D3FD-4DE3-A6C9-C6F0225E1903}" type="pres">
-      <dgm:prSet presAssocID="{4B19C4F1-2B22-40F3-869B-1D473117B1AE}" presName="Name0" presStyleCnt="0">
-        <dgm:presLayoutVars>
-          <dgm:dir/>
-          <dgm:animLvl val="lvl"/>
-          <dgm:resizeHandles/>
-        </dgm:presLayoutVars>
-      </dgm:prSet>
-      <dgm:spPr/>
-    </dgm:pt>
-    <dgm:pt modelId="{EA7E0091-A986-425C-9296-853AEF92E90B}" type="pres">
-      <dgm:prSet presAssocID="{E4C21B94-4B35-4B66-81DC-F8835E622377}" presName="linNode" presStyleCnt="0"/>
-      <dgm:spPr/>
-    </dgm:pt>
-    <dgm:pt modelId="{11C1998B-C152-48EB-9D34-65AD984DC6A6}" type="pres">
-      <dgm:prSet presAssocID="{E4C21B94-4B35-4B66-81DC-F8835E622377}" presName="parentShp" presStyleLbl="node1" presStyleIdx="0" presStyleCnt="2">
-        <dgm:presLayoutVars>
-          <dgm:bulletEnabled val="1"/>
-        </dgm:presLayoutVars>
-      </dgm:prSet>
-      <dgm:spPr/>
-    </dgm:pt>
-    <dgm:pt modelId="{B38E8311-EA54-448D-85A5-7E9D935FAD1F}" type="pres">
-      <dgm:prSet presAssocID="{E4C21B94-4B35-4B66-81DC-F8835E622377}" presName="childShp" presStyleLbl="bgAccFollowNode1" presStyleIdx="0" presStyleCnt="2">
-        <dgm:presLayoutVars>
-          <dgm:bulletEnabled val="1"/>
-        </dgm:presLayoutVars>
-      </dgm:prSet>
-      <dgm:spPr/>
-    </dgm:pt>
-    <dgm:pt modelId="{16B5BAB0-9F2D-490F-83B8-E95435854709}" type="pres">
-      <dgm:prSet presAssocID="{5E3DAF96-E309-4435-8F70-D66A6F41D9DA}" presName="spacing" presStyleCnt="0"/>
-      <dgm:spPr/>
-    </dgm:pt>
-    <dgm:pt modelId="{7B3BE436-47D7-46D7-B8B6-E612695E30F0}" type="pres">
-      <dgm:prSet presAssocID="{24B3F587-8090-47DB-A660-4E008CA09177}" presName="linNode" presStyleCnt="0"/>
-      <dgm:spPr/>
-    </dgm:pt>
-    <dgm:pt modelId="{2E7FBC8C-CFC8-49B8-B6F4-6BE4E24B5837}" type="pres">
-      <dgm:prSet presAssocID="{24B3F587-8090-47DB-A660-4E008CA09177}" presName="parentShp" presStyleLbl="node1" presStyleIdx="1" presStyleCnt="2">
-        <dgm:presLayoutVars>
-          <dgm:bulletEnabled val="1"/>
-        </dgm:presLayoutVars>
-      </dgm:prSet>
-      <dgm:spPr/>
-    </dgm:pt>
-    <dgm:pt modelId="{560B34BF-6966-485F-8297-2672BFD4F9A2}" type="pres">
-      <dgm:prSet presAssocID="{24B3F587-8090-47DB-A660-4E008CA09177}" presName="childShp" presStyleLbl="bgAccFollowNode1" presStyleIdx="1" presStyleCnt="2">
-        <dgm:presLayoutVars>
-          <dgm:bulletEnabled val="1"/>
-        </dgm:presLayoutVars>
-      </dgm:prSet>
-      <dgm:spPr/>
-    </dgm:pt>
-  </dgm:ptLst>
-  <dgm:cxnLst>
-    <dgm:cxn modelId="{9B49C30B-4DFA-479D-A80D-04F4E8102C7B}" srcId="{24B3F587-8090-47DB-A660-4E008CA09177}" destId="{0F429C6A-8B7F-4B3A-915B-93CB08881532}" srcOrd="1" destOrd="0" parTransId="{267AC3AE-5FF8-4375-8CB6-022FF36FF045}" sibTransId="{363DDD86-1841-4C3D-86B3-128C5F09141F}"/>
-    <dgm:cxn modelId="{D2A33613-3089-4F03-A16F-7D19DB20E13E}" type="presOf" srcId="{92AE5CC1-531A-4A2B-B972-FCA22E18C985}" destId="{560B34BF-6966-485F-8297-2672BFD4F9A2}" srcOrd="0" destOrd="0" presId="urn:microsoft.com/office/officeart/2005/8/layout/vList6"/>
-    <dgm:cxn modelId="{E0CB3A5C-D4AF-41A0-89DB-B66B3565604F}" type="presOf" srcId="{24B3F587-8090-47DB-A660-4E008CA09177}" destId="{2E7FBC8C-CFC8-49B8-B6F4-6BE4E24B5837}" srcOrd="0" destOrd="0" presId="urn:microsoft.com/office/officeart/2005/8/layout/vList6"/>
-    <dgm:cxn modelId="{73B4AD64-A019-425F-A18C-B39DCA3AAF51}" srcId="{4B19C4F1-2B22-40F3-869B-1D473117B1AE}" destId="{E4C21B94-4B35-4B66-81DC-F8835E622377}" srcOrd="0" destOrd="0" parTransId="{0FF2AF70-A11B-472D-BF33-0F4509D12EA9}" sibTransId="{5E3DAF96-E309-4435-8F70-D66A6F41D9DA}"/>
-    <dgm:cxn modelId="{3FA1E16C-73E6-4541-8494-F186A9FA63B5}" srcId="{E4C21B94-4B35-4B66-81DC-F8835E622377}" destId="{4294BF32-6AF9-4271-923F-7800C07446B3}" srcOrd="1" destOrd="0" parTransId="{9259B512-B53A-4A1E-9D07-1E962807ACAF}" sibTransId="{95224207-D232-4994-BA4F-6C3CE23EE1A5}"/>
-    <dgm:cxn modelId="{298FB64D-ACE1-46E3-BC79-A9FB8CCBE44F}" srcId="{E4C21B94-4B35-4B66-81DC-F8835E622377}" destId="{BA5F4D73-F4C3-44EF-8B7F-78CAD79F100B}" srcOrd="0" destOrd="0" parTransId="{64CDBF5B-71B9-4B51-B265-168FB76A602C}" sibTransId="{A55439A5-4148-4B25-AB7C-05DEB8B5C186}"/>
-    <dgm:cxn modelId="{A5D5C975-5B7A-4AE9-9436-DBD9CB9596C3}" type="presOf" srcId="{BA5F4D73-F4C3-44EF-8B7F-78CAD79F100B}" destId="{B38E8311-EA54-448D-85A5-7E9D935FAD1F}" srcOrd="0" destOrd="0" presId="urn:microsoft.com/office/officeart/2005/8/layout/vList6"/>
-    <dgm:cxn modelId="{98CD08AC-3FF1-49F6-A07F-C2EF9C9F179F}" type="presOf" srcId="{4B19C4F1-2B22-40F3-869B-1D473117B1AE}" destId="{865ACBAC-D3FD-4DE3-A6C9-C6F0225E1903}" srcOrd="0" destOrd="0" presId="urn:microsoft.com/office/officeart/2005/8/layout/vList6"/>
-    <dgm:cxn modelId="{9ED28BB5-6DB9-47CC-9F66-E2934C207334}" srcId="{24B3F587-8090-47DB-A660-4E008CA09177}" destId="{92AE5CC1-531A-4A2B-B972-FCA22E18C985}" srcOrd="0" destOrd="0" parTransId="{7E03232C-BB3B-48C0-B97B-26B73EA93FBF}" sibTransId="{B0096304-058B-42DF-B90D-B8DDB21BC99D}"/>
-    <dgm:cxn modelId="{6DD30ACC-DAB9-4A89-9003-FCD5B5D611DC}" type="presOf" srcId="{E4C21B94-4B35-4B66-81DC-F8835E622377}" destId="{11C1998B-C152-48EB-9D34-65AD984DC6A6}" srcOrd="0" destOrd="0" presId="urn:microsoft.com/office/officeart/2005/8/layout/vList6"/>
-    <dgm:cxn modelId="{5A0357DE-BA3B-4BD6-A9DE-F3B7D5CEC272}" srcId="{4B19C4F1-2B22-40F3-869B-1D473117B1AE}" destId="{24B3F587-8090-47DB-A660-4E008CA09177}" srcOrd="1" destOrd="0" parTransId="{2E3AE3E6-14CE-4AEE-9FB5-51AAE9CD12AC}" sibTransId="{6DA7E731-2870-40A7-93C1-43FC780ACB2F}"/>
-    <dgm:cxn modelId="{64B936E5-009A-44F9-BE3F-88A3CE01527B}" type="presOf" srcId="{0F429C6A-8B7F-4B3A-915B-93CB08881532}" destId="{560B34BF-6966-485F-8297-2672BFD4F9A2}" srcOrd="0" destOrd="1" presId="urn:microsoft.com/office/officeart/2005/8/layout/vList6"/>
-    <dgm:cxn modelId="{09D0E1EA-C9AC-4BF4-80CC-0DECD7E2B66F}" type="presOf" srcId="{4294BF32-6AF9-4271-923F-7800C07446B3}" destId="{B38E8311-EA54-448D-85A5-7E9D935FAD1F}" srcOrd="0" destOrd="1" presId="urn:microsoft.com/office/officeart/2005/8/layout/vList6"/>
-    <dgm:cxn modelId="{1AD7190C-DABC-457D-A953-2AC9B1373C83}" type="presParOf" srcId="{865ACBAC-D3FD-4DE3-A6C9-C6F0225E1903}" destId="{EA7E0091-A986-425C-9296-853AEF92E90B}" srcOrd="0" destOrd="0" presId="urn:microsoft.com/office/officeart/2005/8/layout/vList6"/>
-    <dgm:cxn modelId="{8954273E-9DBB-428D-95CD-41C0E96CF51A}" type="presParOf" srcId="{EA7E0091-A986-425C-9296-853AEF92E90B}" destId="{11C1998B-C152-48EB-9D34-65AD984DC6A6}" srcOrd="0" destOrd="0" presId="urn:microsoft.com/office/officeart/2005/8/layout/vList6"/>
-    <dgm:cxn modelId="{14C52FEA-B719-4628-A06A-9E18CC64EA0F}" type="presParOf" srcId="{EA7E0091-A986-425C-9296-853AEF92E90B}" destId="{B38E8311-EA54-448D-85A5-7E9D935FAD1F}" srcOrd="1" destOrd="0" presId="urn:microsoft.com/office/officeart/2005/8/layout/vList6"/>
-    <dgm:cxn modelId="{F1946BAD-561C-4F82-9E33-4E2ED25393EE}" type="presParOf" srcId="{865ACBAC-D3FD-4DE3-A6C9-C6F0225E1903}" destId="{16B5BAB0-9F2D-490F-83B8-E95435854709}" srcOrd="1" destOrd="0" presId="urn:microsoft.com/office/officeart/2005/8/layout/vList6"/>
-    <dgm:cxn modelId="{32E8BFB0-E348-446E-A59F-EAC57B1FEA82}" type="presParOf" srcId="{865ACBAC-D3FD-4DE3-A6C9-C6F0225E1903}" destId="{7B3BE436-47D7-46D7-B8B6-E612695E30F0}" srcOrd="2" destOrd="0" presId="urn:microsoft.com/office/officeart/2005/8/layout/vList6"/>
-    <dgm:cxn modelId="{2713491A-E0A0-4228-924D-35A1B82F29BC}" type="presParOf" srcId="{7B3BE436-47D7-46D7-B8B6-E612695E30F0}" destId="{2E7FBC8C-CFC8-49B8-B6F4-6BE4E24B5837}" srcOrd="0" destOrd="0" presId="urn:microsoft.com/office/officeart/2005/8/layout/vList6"/>
-    <dgm:cxn modelId="{85D3E2A2-4ADA-47FD-9325-E65F37EDAA40}" type="presParOf" srcId="{7B3BE436-47D7-46D7-B8B6-E612695E30F0}" destId="{560B34BF-6966-485F-8297-2672BFD4F9A2}" srcOrd="1" destOrd="0" presId="urn:microsoft.com/office/officeart/2005/8/layout/vList6"/>
-  </dgm:cxnLst>
-  <dgm:bg/>
-  <dgm:whole/>
-  <dgm:extLst>
-    <a:ext uri="http://schemas.microsoft.com/office/drawing/2008/diagram">
-      <dsp:dataModelExt xmlns:dsp="http://schemas.microsoft.com/office/drawing/2008/diagram" relId="rId6" minVer="http://schemas.openxmlformats.org/drawingml/2006/diagram"/>
-    </a:ext>
-  </dgm:extLst>
-</dgm:dataModel>
-</file>
-
-<file path=ppt/diagrams/data2.xml><?xml version="1.0" encoding="utf-8"?>
-<dgm:dataModel xmlns:dgm="http://schemas.openxmlformats.org/drawingml/2006/diagram" xmlns:a="http://schemas.openxmlformats.org/drawingml/2006/main">
-  <dgm:ptLst>
     <dgm:pt modelId="{B9C34167-2EF7-4F84-8E00-0B5E3F93CF07}" type="doc">
       <dgm:prSet loTypeId="urn:microsoft.com/office/officeart/2018/2/layout/IconVerticalSolidList" loCatId="icon" qsTypeId="urn:microsoft.com/office/officeart/2005/8/quickstyle/simple1" qsCatId="simple" csTypeId="urn:microsoft.com/office/officeart/2018/5/colors/Iconchunking_neutralicontext_colorful1" csCatId="colorful" phldr="1"/>
       <dgm:spPr/>
@@ -2501,389 +1430,6 @@
       <dsp:cNvGrpSpPr/>
     </dsp:nvGrpSpPr>
     <dsp:grpSpPr/>
-    <dsp:sp modelId="{B38E8311-EA54-448D-85A5-7E9D935FAD1F}">
-      <dsp:nvSpPr>
-        <dsp:cNvPr id="0" name=""/>
-        <dsp:cNvSpPr/>
-      </dsp:nvSpPr>
-      <dsp:spPr>
-        <a:xfrm>
-          <a:off x="2549313" y="487"/>
-          <a:ext cx="3823969" cy="1902950"/>
-        </a:xfrm>
-        <a:prstGeom prst="rightArrow">
-          <a:avLst>
-            <a:gd name="adj1" fmla="val 75000"/>
-            <a:gd name="adj2" fmla="val 50000"/>
-          </a:avLst>
-        </a:prstGeom>
-        <a:solidFill>
-          <a:schemeClr val="accent1">
-            <a:alpha val="90000"/>
-            <a:tint val="40000"/>
-            <a:hueOff val="0"/>
-            <a:satOff val="0"/>
-            <a:lumOff val="0"/>
-            <a:alphaOff val="0"/>
-          </a:schemeClr>
-        </a:solidFill>
-        <a:ln w="12700" cap="flat" cmpd="sng" algn="ctr">
-          <a:solidFill>
-            <a:schemeClr val="accent1">
-              <a:alpha val="90000"/>
-              <a:tint val="40000"/>
-              <a:hueOff val="0"/>
-              <a:satOff val="0"/>
-              <a:lumOff val="0"/>
-              <a:alphaOff val="0"/>
-            </a:schemeClr>
-          </a:solidFill>
-          <a:prstDash val="solid"/>
-          <a:miter lim="800000"/>
-        </a:ln>
-        <a:effectLst/>
-      </dsp:spPr>
-      <dsp:style>
-        <a:lnRef idx="2">
-          <a:scrgbClr r="0" g="0" b="0"/>
-        </a:lnRef>
-        <a:fillRef idx="1">
-          <a:scrgbClr r="0" g="0" b="0"/>
-        </a:fillRef>
-        <a:effectRef idx="0">
-          <a:scrgbClr r="0" g="0" b="0"/>
-        </a:effectRef>
-        <a:fontRef idx="minor"/>
-      </dsp:style>
-      <dsp:txBody>
-        <a:bodyPr spcFirstLastPara="0" vert="horz" wrap="square" lIns="19050" tIns="19050" rIns="19050" bIns="19050" numCol="1" spcCol="1270" anchor="t" anchorCtr="0">
-          <a:noAutofit/>
-        </a:bodyPr>
-        <a:lstStyle/>
-        <a:p>
-          <a:pPr marL="285750" lvl="1" indent="-285750" algn="l" defTabSz="1333500">
-            <a:lnSpc>
-              <a:spcPct val="90000"/>
-            </a:lnSpc>
-            <a:spcBef>
-              <a:spcPct val="0"/>
-            </a:spcBef>
-            <a:spcAft>
-              <a:spcPct val="15000"/>
-            </a:spcAft>
-            <a:buChar char="•"/>
-          </a:pPr>
-          <a:r>
-            <a:rPr lang="en-US" sz="3000" kern="1200" dirty="0"/>
-            <a:t>Demo paper</a:t>
-          </a:r>
-        </a:p>
-        <a:p>
-          <a:pPr marL="285750" lvl="1" indent="-285750" algn="l" defTabSz="1333500">
-            <a:lnSpc>
-              <a:spcPct val="90000"/>
-            </a:lnSpc>
-            <a:spcBef>
-              <a:spcPct val="0"/>
-            </a:spcBef>
-            <a:spcAft>
-              <a:spcPct val="15000"/>
-            </a:spcAft>
-            <a:buChar char="•"/>
-          </a:pPr>
-          <a:r>
-            <a:rPr lang="en-US" sz="3000" kern="1200" dirty="0"/>
-            <a:t>December 2019</a:t>
-          </a:r>
-        </a:p>
-      </dsp:txBody>
-      <dsp:txXfrm>
-        <a:off x="2549313" y="238356"/>
-        <a:ext cx="3110363" cy="1427212"/>
-      </dsp:txXfrm>
-    </dsp:sp>
-    <dsp:sp modelId="{11C1998B-C152-48EB-9D34-65AD984DC6A6}">
-      <dsp:nvSpPr>
-        <dsp:cNvPr id="0" name=""/>
-        <dsp:cNvSpPr/>
-      </dsp:nvSpPr>
-      <dsp:spPr>
-        <a:xfrm>
-          <a:off x="0" y="487"/>
-          <a:ext cx="2549313" cy="1902950"/>
-        </a:xfrm>
-        <a:prstGeom prst="roundRect">
-          <a:avLst/>
-        </a:prstGeom>
-        <a:solidFill>
-          <a:schemeClr val="accent1">
-            <a:hueOff val="0"/>
-            <a:satOff val="0"/>
-            <a:lumOff val="0"/>
-            <a:alphaOff val="0"/>
-          </a:schemeClr>
-        </a:solidFill>
-        <a:ln w="12700" cap="flat" cmpd="sng" algn="ctr">
-          <a:solidFill>
-            <a:schemeClr val="lt1">
-              <a:hueOff val="0"/>
-              <a:satOff val="0"/>
-              <a:lumOff val="0"/>
-              <a:alphaOff val="0"/>
-            </a:schemeClr>
-          </a:solidFill>
-          <a:prstDash val="solid"/>
-          <a:miter lim="800000"/>
-        </a:ln>
-        <a:effectLst/>
-      </dsp:spPr>
-      <dsp:style>
-        <a:lnRef idx="2">
-          <a:scrgbClr r="0" g="0" b="0"/>
-        </a:lnRef>
-        <a:fillRef idx="1">
-          <a:scrgbClr r="0" g="0" b="0"/>
-        </a:fillRef>
-        <a:effectRef idx="0">
-          <a:scrgbClr r="0" g="0" b="0"/>
-        </a:effectRef>
-        <a:fontRef idx="minor">
-          <a:schemeClr val="lt1"/>
-        </a:fontRef>
-      </dsp:style>
-      <dsp:txBody>
-        <a:bodyPr spcFirstLastPara="0" vert="horz" wrap="square" lIns="106680" tIns="53340" rIns="106680" bIns="53340" numCol="1" spcCol="1270" anchor="ctr" anchorCtr="0">
-          <a:noAutofit/>
-        </a:bodyPr>
-        <a:lstStyle/>
-        <a:p>
-          <a:pPr marL="0" lvl="0" indent="0" algn="l" defTabSz="1244600">
-            <a:lnSpc>
-              <a:spcPct val="90000"/>
-            </a:lnSpc>
-            <a:spcBef>
-              <a:spcPct val="0"/>
-            </a:spcBef>
-            <a:spcAft>
-              <a:spcPct val="35000"/>
-            </a:spcAft>
-            <a:buNone/>
-          </a:pPr>
-          <a:r>
-            <a:rPr lang="en-US" sz="2800" kern="1200" dirty="0"/>
-            <a:t>1. Shapely accelerated smart labelling</a:t>
-          </a:r>
-        </a:p>
-      </dsp:txBody>
-      <dsp:txXfrm>
-        <a:off x="92894" y="93381"/>
-        <a:ext cx="2363525" cy="1717162"/>
-      </dsp:txXfrm>
-    </dsp:sp>
-    <dsp:sp modelId="{560B34BF-6966-485F-8297-2672BFD4F9A2}">
-      <dsp:nvSpPr>
-        <dsp:cNvPr id="0" name=""/>
-        <dsp:cNvSpPr/>
-      </dsp:nvSpPr>
-      <dsp:spPr>
-        <a:xfrm>
-          <a:off x="2549313" y="2093733"/>
-          <a:ext cx="3823969" cy="1902950"/>
-        </a:xfrm>
-        <a:prstGeom prst="rightArrow">
-          <a:avLst>
-            <a:gd name="adj1" fmla="val 75000"/>
-            <a:gd name="adj2" fmla="val 50000"/>
-          </a:avLst>
-        </a:prstGeom>
-        <a:solidFill>
-          <a:schemeClr val="accent1">
-            <a:alpha val="90000"/>
-            <a:tint val="40000"/>
-            <a:hueOff val="0"/>
-            <a:satOff val="0"/>
-            <a:lumOff val="0"/>
-            <a:alphaOff val="0"/>
-          </a:schemeClr>
-        </a:solidFill>
-        <a:ln w="12700" cap="flat" cmpd="sng" algn="ctr">
-          <a:solidFill>
-            <a:schemeClr val="accent1">
-              <a:alpha val="90000"/>
-              <a:tint val="40000"/>
-              <a:hueOff val="0"/>
-              <a:satOff val="0"/>
-              <a:lumOff val="0"/>
-              <a:alphaOff val="0"/>
-            </a:schemeClr>
-          </a:solidFill>
-          <a:prstDash val="solid"/>
-          <a:miter lim="800000"/>
-        </a:ln>
-        <a:effectLst/>
-      </dsp:spPr>
-      <dsp:style>
-        <a:lnRef idx="2">
-          <a:scrgbClr r="0" g="0" b="0"/>
-        </a:lnRef>
-        <a:fillRef idx="1">
-          <a:scrgbClr r="0" g="0" b="0"/>
-        </a:fillRef>
-        <a:effectRef idx="0">
-          <a:scrgbClr r="0" g="0" b="0"/>
-        </a:effectRef>
-        <a:fontRef idx="minor"/>
-      </dsp:style>
-      <dsp:txBody>
-        <a:bodyPr spcFirstLastPara="0" vert="horz" wrap="square" lIns="19050" tIns="19050" rIns="19050" bIns="19050" numCol="1" spcCol="1270" anchor="t" anchorCtr="0">
-          <a:noAutofit/>
-        </a:bodyPr>
-        <a:lstStyle/>
-        <a:p>
-          <a:pPr marL="285750" lvl="1" indent="-285750" algn="l" defTabSz="1333500">
-            <a:lnSpc>
-              <a:spcPct val="90000"/>
-            </a:lnSpc>
-            <a:spcBef>
-              <a:spcPct val="0"/>
-            </a:spcBef>
-            <a:spcAft>
-              <a:spcPct val="15000"/>
-            </a:spcAft>
-            <a:buChar char="•"/>
-          </a:pPr>
-          <a:r>
-            <a:rPr lang="en-US" sz="3000" kern="1200" dirty="0"/>
-            <a:t>Case study report – </a:t>
-          </a:r>
-          <a:r>
-            <a:rPr lang="en-US" sz="3000" kern="1200" dirty="0" err="1"/>
-            <a:t>Rabo</a:t>
-          </a:r>
-          <a:r>
-            <a:rPr lang="en-US" sz="3000" kern="1200" dirty="0"/>
-            <a:t>/ </a:t>
-          </a:r>
-          <a:r>
-            <a:rPr lang="en-US" sz="3000" kern="1200" dirty="0" err="1"/>
-            <a:t>Achmea</a:t>
-          </a:r>
-          <a:endParaRPr lang="en-US" sz="3000" kern="1200" dirty="0"/>
-        </a:p>
-        <a:p>
-          <a:pPr marL="285750" lvl="1" indent="-285750" algn="l" defTabSz="1333500">
-            <a:lnSpc>
-              <a:spcPct val="90000"/>
-            </a:lnSpc>
-            <a:spcBef>
-              <a:spcPct val="0"/>
-            </a:spcBef>
-            <a:spcAft>
-              <a:spcPct val="15000"/>
-            </a:spcAft>
-            <a:buChar char="•"/>
-          </a:pPr>
-          <a:r>
-            <a:rPr lang="en-US" sz="3000" kern="1200" dirty="0"/>
-            <a:t>March 2020 </a:t>
-          </a:r>
-        </a:p>
-      </dsp:txBody>
-      <dsp:txXfrm>
-        <a:off x="2549313" y="2331602"/>
-        <a:ext cx="3110363" cy="1427212"/>
-      </dsp:txXfrm>
-    </dsp:sp>
-    <dsp:sp modelId="{2E7FBC8C-CFC8-49B8-B6F4-6BE4E24B5837}">
-      <dsp:nvSpPr>
-        <dsp:cNvPr id="0" name=""/>
-        <dsp:cNvSpPr/>
-      </dsp:nvSpPr>
-      <dsp:spPr>
-        <a:xfrm>
-          <a:off x="0" y="2093733"/>
-          <a:ext cx="2549313" cy="1902950"/>
-        </a:xfrm>
-        <a:prstGeom prst="roundRect">
-          <a:avLst/>
-        </a:prstGeom>
-        <a:solidFill>
-          <a:schemeClr val="accent1">
-            <a:hueOff val="0"/>
-            <a:satOff val="0"/>
-            <a:lumOff val="0"/>
-            <a:alphaOff val="0"/>
-          </a:schemeClr>
-        </a:solidFill>
-        <a:ln w="12700" cap="flat" cmpd="sng" algn="ctr">
-          <a:solidFill>
-            <a:schemeClr val="lt1">
-              <a:hueOff val="0"/>
-              <a:satOff val="0"/>
-              <a:lumOff val="0"/>
-              <a:alphaOff val="0"/>
-            </a:schemeClr>
-          </a:solidFill>
-          <a:prstDash val="solid"/>
-          <a:miter lim="800000"/>
-        </a:ln>
-        <a:effectLst/>
-      </dsp:spPr>
-      <dsp:style>
-        <a:lnRef idx="2">
-          <a:scrgbClr r="0" g="0" b="0"/>
-        </a:lnRef>
-        <a:fillRef idx="1">
-          <a:scrgbClr r="0" g="0" b="0"/>
-        </a:fillRef>
-        <a:effectRef idx="0">
-          <a:scrgbClr r="0" g="0" b="0"/>
-        </a:effectRef>
-        <a:fontRef idx="minor">
-          <a:schemeClr val="lt1"/>
-        </a:fontRef>
-      </dsp:style>
-      <dsp:txBody>
-        <a:bodyPr spcFirstLastPara="0" vert="horz" wrap="square" lIns="106680" tIns="53340" rIns="106680" bIns="53340" numCol="1" spcCol="1270" anchor="ctr" anchorCtr="0">
-          <a:noAutofit/>
-        </a:bodyPr>
-        <a:lstStyle/>
-        <a:p>
-          <a:pPr marL="0" lvl="0" indent="0" algn="l" defTabSz="1244600">
-            <a:lnSpc>
-              <a:spcPct val="90000"/>
-            </a:lnSpc>
-            <a:spcBef>
-              <a:spcPct val="0"/>
-            </a:spcBef>
-            <a:spcAft>
-              <a:spcPct val="35000"/>
-            </a:spcAft>
-            <a:buNone/>
-          </a:pPr>
-          <a:r>
-            <a:rPr lang="en-US" sz="2800" kern="1200" dirty="0"/>
-            <a:t>2. Case study report on explainable AI</a:t>
-          </a:r>
-        </a:p>
-      </dsp:txBody>
-      <dsp:txXfrm>
-        <a:off x="92894" y="2186627"/>
-        <a:ext cx="2363525" cy="1717162"/>
-      </dsp:txXfrm>
-    </dsp:sp>
-  </dsp:spTree>
-</dsp:drawing>
-</file>
-
-<file path=ppt/diagrams/drawing2.xml><?xml version="1.0" encoding="utf-8"?>
-<dsp:drawing xmlns:dgm="http://schemas.openxmlformats.org/drawingml/2006/diagram" xmlns:dsp="http://schemas.microsoft.com/office/drawing/2008/diagram" xmlns:a="http://schemas.openxmlformats.org/drawingml/2006/main">
-  <dsp:spTree>
-    <dsp:nvGrpSpPr>
-      <dsp:cNvPr id="0" name=""/>
-      <dsp:cNvGrpSpPr/>
-    </dsp:nvGrpSpPr>
-    <dsp:grpSpPr/>
     <dsp:sp modelId="{45EEE084-AFD2-411A-A359-0E4DF27850A0}">
       <dsp:nvSpPr>
         <dsp:cNvPr id="0" name=""/>
@@ -3363,212 +1909,6 @@
 </file>
 
 <file path=ppt/diagrams/layout1.xml><?xml version="1.0" encoding="utf-8"?>
-<dgm:layoutDef xmlns:dgm="http://schemas.openxmlformats.org/drawingml/2006/diagram" xmlns:a="http://schemas.openxmlformats.org/drawingml/2006/main" uniqueId="urn:microsoft.com/office/officeart/2005/8/layout/vList6">
-  <dgm:title val=""/>
-  <dgm:desc val=""/>
-  <dgm:catLst>
-    <dgm:cat type="process" pri="22000"/>
-    <dgm:cat type="list" pri="17000"/>
-  </dgm:catLst>
-  <dgm:sampData>
-    <dgm:dataModel>
-      <dgm:ptLst>
-        <dgm:pt modelId="0" type="doc"/>
-        <dgm:pt modelId="1">
-          <dgm:prSet phldr="1"/>
-        </dgm:pt>
-        <dgm:pt modelId="11">
-          <dgm:prSet phldr="1"/>
-        </dgm:pt>
-        <dgm:pt modelId="12">
-          <dgm:prSet phldr="1"/>
-        </dgm:pt>
-        <dgm:pt modelId="2">
-          <dgm:prSet phldr="1"/>
-        </dgm:pt>
-        <dgm:pt modelId="21">
-          <dgm:prSet phldr="1"/>
-        </dgm:pt>
-        <dgm:pt modelId="22">
-          <dgm:prSet phldr="1"/>
-        </dgm:pt>
-      </dgm:ptLst>
-      <dgm:cxnLst>
-        <dgm:cxn modelId="4" srcId="0" destId="1" srcOrd="0" destOrd="0"/>
-        <dgm:cxn modelId="5" srcId="0" destId="2" srcOrd="1" destOrd="0"/>
-        <dgm:cxn modelId="13" srcId="1" destId="11" srcOrd="0" destOrd="0"/>
-        <dgm:cxn modelId="14" srcId="1" destId="12" srcOrd="0" destOrd="0"/>
-        <dgm:cxn modelId="23" srcId="2" destId="21" srcOrd="0" destOrd="0"/>
-        <dgm:cxn modelId="24" srcId="2" destId="22" srcOrd="0" destOrd="0"/>
-      </dgm:cxnLst>
-      <dgm:bg/>
-      <dgm:whole/>
-    </dgm:dataModel>
-  </dgm:sampData>
-  <dgm:styleData>
-    <dgm:dataModel>
-      <dgm:ptLst>
-        <dgm:pt modelId="0" type="doc"/>
-        <dgm:pt modelId="1"/>
-        <dgm:pt modelId="2"/>
-      </dgm:ptLst>
-      <dgm:cxnLst>
-        <dgm:cxn modelId="3" srcId="0" destId="1" srcOrd="0" destOrd="0"/>
-        <dgm:cxn modelId="4" srcId="0" destId="2" srcOrd="1" destOrd="0"/>
-      </dgm:cxnLst>
-      <dgm:bg/>
-      <dgm:whole/>
-    </dgm:dataModel>
-  </dgm:styleData>
-  <dgm:clrData>
-    <dgm:dataModel>
-      <dgm:ptLst>
-        <dgm:pt modelId="0" type="doc"/>
-        <dgm:pt modelId="1"/>
-        <dgm:pt modelId="2"/>
-        <dgm:pt modelId="3"/>
-        <dgm:pt modelId="4"/>
-      </dgm:ptLst>
-      <dgm:cxnLst>
-        <dgm:cxn modelId="5" srcId="0" destId="1" srcOrd="0" destOrd="0"/>
-        <dgm:cxn modelId="6" srcId="0" destId="2" srcOrd="1" destOrd="0"/>
-        <dgm:cxn modelId="7" srcId="0" destId="3" srcOrd="2" destOrd="0"/>
-        <dgm:cxn modelId="8" srcId="0" destId="4" srcOrd="3" destOrd="0"/>
-      </dgm:cxnLst>
-      <dgm:bg/>
-      <dgm:whole/>
-    </dgm:dataModel>
-  </dgm:clrData>
-  <dgm:layoutNode name="Name0">
-    <dgm:varLst>
-      <dgm:dir/>
-      <dgm:animLvl val="lvl"/>
-      <dgm:resizeHandles/>
-    </dgm:varLst>
-    <dgm:alg type="lin">
-      <dgm:param type="linDir" val="fromT"/>
-    </dgm:alg>
-    <dgm:shape xmlns:r="http://schemas.openxmlformats.org/officeDocument/2006/relationships" r:blip="">
-      <dgm:adjLst/>
-    </dgm:shape>
-    <dgm:presOf/>
-    <dgm:constrLst>
-      <dgm:constr type="w" for="ch" forName="linNode" refType="w"/>
-      <dgm:constr type="h" for="ch" forName="linNode" refType="h"/>
-      <dgm:constr type="h" for="ch" forName="spacing" refType="h" refFor="ch" refForName="linNode" fact="0.1"/>
-      <dgm:constr type="primFontSz" for="des" forName="parentShp" op="equ" val="65"/>
-      <dgm:constr type="primFontSz" for="des" forName="childShp" op="equ" val="65"/>
-    </dgm:constrLst>
-    <dgm:ruleLst/>
-    <dgm:forEach name="Name1" axis="ch" ptType="node">
-      <dgm:layoutNode name="linNode">
-        <dgm:choose name="Name2">
-          <dgm:if name="Name3" func="var" arg="dir" op="equ" val="norm">
-            <dgm:alg type="lin">
-              <dgm:param type="linDir" val="fromL"/>
-            </dgm:alg>
-          </dgm:if>
-          <dgm:else name="Name4">
-            <dgm:alg type="lin">
-              <dgm:param type="linDir" val="fromR"/>
-            </dgm:alg>
-          </dgm:else>
-        </dgm:choose>
-        <dgm:shape xmlns:r="http://schemas.openxmlformats.org/officeDocument/2006/relationships" r:blip="">
-          <dgm:adjLst/>
-        </dgm:shape>
-        <dgm:presOf/>
-        <dgm:choose name="Name5">
-          <dgm:if name="Name6" func="var" arg="dir" op="equ" val="norm">
-            <dgm:constrLst>
-              <dgm:constr type="w" for="ch" forName="parentShp" refType="w" fact="0.4"/>
-              <dgm:constr type="h" for="ch" forName="parentShp" refType="h"/>
-              <dgm:constr type="w" for="ch" forName="childShp" refType="w" fact="0.6"/>
-              <dgm:constr type="h" for="ch" forName="childShp" refType="h" refFor="ch" refForName="parentShp"/>
-            </dgm:constrLst>
-          </dgm:if>
-          <dgm:else name="Name7">
-            <dgm:constrLst>
-              <dgm:constr type="w" for="ch" forName="parentShp" refType="w" fact="0.4"/>
-              <dgm:constr type="h" for="ch" forName="parentShp" refType="h"/>
-              <dgm:constr type="w" for="ch" forName="childShp" refType="w" fact="0.6"/>
-              <dgm:constr type="h" for="ch" forName="childShp" refType="h" refFor="ch" refForName="parentShp"/>
-            </dgm:constrLst>
-          </dgm:else>
-        </dgm:choose>
-        <dgm:ruleLst/>
-        <dgm:layoutNode name="parentShp" styleLbl="node1">
-          <dgm:varLst>
-            <dgm:bulletEnabled val="1"/>
-          </dgm:varLst>
-          <dgm:alg type="tx"/>
-          <dgm:shape xmlns:r="http://schemas.openxmlformats.org/officeDocument/2006/relationships" type="roundRect" r:blip="">
-            <dgm:adjLst/>
-          </dgm:shape>
-          <dgm:presOf axis="self" ptType="node"/>
-          <dgm:constrLst>
-            <dgm:constr type="tMarg" refType="primFontSz" fact="0.15"/>
-            <dgm:constr type="bMarg" refType="primFontSz" fact="0.15"/>
-            <dgm:constr type="lMarg" refType="primFontSz" fact="0.3"/>
-            <dgm:constr type="rMarg" refType="primFontSz" fact="0.3"/>
-          </dgm:constrLst>
-          <dgm:ruleLst>
-            <dgm:rule type="primFontSz" val="5" fact="NaN" max="NaN"/>
-          </dgm:ruleLst>
-        </dgm:layoutNode>
-        <dgm:layoutNode name="childShp" styleLbl="bgAccFollowNode1">
-          <dgm:varLst>
-            <dgm:bulletEnabled val="1"/>
-          </dgm:varLst>
-          <dgm:alg type="tx">
-            <dgm:param type="stBulletLvl" val="1"/>
-          </dgm:alg>
-          <dgm:choose name="Name8">
-            <dgm:if name="Name9" func="var" arg="dir" op="equ" val="norm">
-              <dgm:shape xmlns:r="http://schemas.openxmlformats.org/officeDocument/2006/relationships" type="rightArrow" r:blip="" zOrderOff="-2">
-                <dgm:adjLst>
-                  <dgm:adj idx="1" val="0.75"/>
-                </dgm:adjLst>
-              </dgm:shape>
-            </dgm:if>
-            <dgm:else name="Name10">
-              <dgm:shape xmlns:r="http://schemas.openxmlformats.org/officeDocument/2006/relationships" rot="180" type="rightArrow" r:blip="" zOrderOff="-2">
-                <dgm:adjLst>
-                  <dgm:adj idx="1" val="0.75"/>
-                </dgm:adjLst>
-              </dgm:shape>
-            </dgm:else>
-          </dgm:choose>
-          <dgm:presOf axis="des" ptType="node"/>
-          <dgm:constrLst>
-            <dgm:constr type="secFontSz" refType="primFontSz"/>
-            <dgm:constr type="tMarg" refType="primFontSz" fact="0.05"/>
-            <dgm:constr type="bMarg" refType="primFontSz" fact="0.05"/>
-            <dgm:constr type="lMarg" refType="primFontSz" fact="0.05"/>
-            <dgm:constr type="rMarg" refType="primFontSz" fact="0.05"/>
-          </dgm:constrLst>
-          <dgm:ruleLst>
-            <dgm:rule type="primFontSz" val="5" fact="NaN" max="NaN"/>
-          </dgm:ruleLst>
-        </dgm:layoutNode>
-      </dgm:layoutNode>
-      <dgm:forEach name="Name11" axis="followSib" ptType="sibTrans" cnt="1">
-        <dgm:layoutNode name="spacing">
-          <dgm:alg type="sp"/>
-          <dgm:shape xmlns:r="http://schemas.openxmlformats.org/officeDocument/2006/relationships" r:blip="">
-            <dgm:adjLst/>
-          </dgm:shape>
-          <dgm:presOf/>
-          <dgm:constrLst/>
-          <dgm:ruleLst/>
-        </dgm:layoutNode>
-      </dgm:forEach>
-    </dgm:forEach>
-  </dgm:layoutNode>
-</dgm:layoutDef>
-</file>
-
-<file path=ppt/diagrams/layout2.xml><?xml version="1.0" encoding="utf-8"?>
 <dgm:layoutDef xmlns:dgm="http://schemas.openxmlformats.org/drawingml/2006/diagram" xmlns:a="http://schemas.openxmlformats.org/drawingml/2006/main" uniqueId="urn:microsoft.com/office/officeart/2018/2/layout/IconVerticalSolidList">
   <dgm:title val="Icon Vertical Solid List"/>
   <dgm:desc val="Use to show a series of visuals from top to bottom with Level 1 or Level 1 and Level 2 text grouped in a shape. Works best with icons or small pictures with lengthier descriptions."/>
@@ -4896,1040 +3236,6 @@
 </dgm:styleDef>
 </file>
 
-<file path=ppt/diagrams/quickStyle2.xml><?xml version="1.0" encoding="utf-8"?>
-<dgm:styleDef xmlns:dgm="http://schemas.openxmlformats.org/drawingml/2006/diagram" xmlns:a="http://schemas.openxmlformats.org/drawingml/2006/main" uniqueId="urn:microsoft.com/office/officeart/2005/8/quickstyle/simple1">
-  <dgm:title val=""/>
-  <dgm:desc val=""/>
-  <dgm:catLst>
-    <dgm:cat type="simple" pri="10100"/>
-  </dgm:catLst>
-  <dgm:scene3d>
-    <a:camera prst="orthographicFront"/>
-    <a:lightRig rig="threePt" dir="t"/>
-  </dgm:scene3d>
-  <dgm:styleLbl name="node0">
-    <dgm:scene3d>
-      <a:camera prst="orthographicFront"/>
-      <a:lightRig rig="threePt" dir="t"/>
-    </dgm:scene3d>
-    <dgm:sp3d/>
-    <dgm:txPr/>
-    <dgm:style>
-      <a:lnRef idx="2">
-        <a:scrgbClr r="0" g="0" b="0"/>
-      </a:lnRef>
-      <a:fillRef idx="1">
-        <a:scrgbClr r="0" g="0" b="0"/>
-      </a:fillRef>
-      <a:effectRef idx="0">
-        <a:scrgbClr r="0" g="0" b="0"/>
-      </a:effectRef>
-      <a:fontRef idx="minor">
-        <a:schemeClr val="lt1"/>
-      </a:fontRef>
-    </dgm:style>
-  </dgm:styleLbl>
-  <dgm:styleLbl name="lnNode1">
-    <dgm:scene3d>
-      <a:camera prst="orthographicFront"/>
-      <a:lightRig rig="threePt" dir="t"/>
-    </dgm:scene3d>
-    <dgm:sp3d/>
-    <dgm:txPr/>
-    <dgm:style>
-      <a:lnRef idx="2">
-        <a:scrgbClr r="0" g="0" b="0"/>
-      </a:lnRef>
-      <a:fillRef idx="1">
-        <a:scrgbClr r="0" g="0" b="0"/>
-      </a:fillRef>
-      <a:effectRef idx="0">
-        <a:scrgbClr r="0" g="0" b="0"/>
-      </a:effectRef>
-      <a:fontRef idx="minor">
-        <a:schemeClr val="lt1"/>
-      </a:fontRef>
-    </dgm:style>
-  </dgm:styleLbl>
-  <dgm:styleLbl name="vennNode1">
-    <dgm:scene3d>
-      <a:camera prst="orthographicFront"/>
-      <a:lightRig rig="threePt" dir="t"/>
-    </dgm:scene3d>
-    <dgm:sp3d/>
-    <dgm:txPr/>
-    <dgm:style>
-      <a:lnRef idx="2">
-        <a:scrgbClr r="0" g="0" b="0"/>
-      </a:lnRef>
-      <a:fillRef idx="1">
-        <a:scrgbClr r="0" g="0" b="0"/>
-      </a:fillRef>
-      <a:effectRef idx="0">
-        <a:scrgbClr r="0" g="0" b="0"/>
-      </a:effectRef>
-      <a:fontRef idx="minor">
-        <a:schemeClr val="tx1"/>
-      </a:fontRef>
-    </dgm:style>
-  </dgm:styleLbl>
-  <dgm:styleLbl name="alignNode1">
-    <dgm:scene3d>
-      <a:camera prst="orthographicFront"/>
-      <a:lightRig rig="threePt" dir="t"/>
-    </dgm:scene3d>
-    <dgm:sp3d/>
-    <dgm:txPr/>
-    <dgm:style>
-      <a:lnRef idx="2">
-        <a:scrgbClr r="0" g="0" b="0"/>
-      </a:lnRef>
-      <a:fillRef idx="1">
-        <a:scrgbClr r="0" g="0" b="0"/>
-      </a:fillRef>
-      <a:effectRef idx="0">
-        <a:scrgbClr r="0" g="0" b="0"/>
-      </a:effectRef>
-      <a:fontRef idx="minor">
-        <a:schemeClr val="lt1"/>
-      </a:fontRef>
-    </dgm:style>
-  </dgm:styleLbl>
-  <dgm:styleLbl name="node1">
-    <dgm:scene3d>
-      <a:camera prst="orthographicFront"/>
-      <a:lightRig rig="threePt" dir="t"/>
-    </dgm:scene3d>
-    <dgm:sp3d/>
-    <dgm:txPr/>
-    <dgm:style>
-      <a:lnRef idx="2">
-        <a:scrgbClr r="0" g="0" b="0"/>
-      </a:lnRef>
-      <a:fillRef idx="1">
-        <a:scrgbClr r="0" g="0" b="0"/>
-      </a:fillRef>
-      <a:effectRef idx="0">
-        <a:scrgbClr r="0" g="0" b="0"/>
-      </a:effectRef>
-      <a:fontRef idx="minor">
-        <a:schemeClr val="lt1"/>
-      </a:fontRef>
-    </dgm:style>
-  </dgm:styleLbl>
-  <dgm:styleLbl name="node2">
-    <dgm:scene3d>
-      <a:camera prst="orthographicFront"/>
-      <a:lightRig rig="threePt" dir="t"/>
-    </dgm:scene3d>
-    <dgm:sp3d/>
-    <dgm:txPr/>
-    <dgm:style>
-      <a:lnRef idx="2">
-        <a:scrgbClr r="0" g="0" b="0"/>
-      </a:lnRef>
-      <a:fillRef idx="1">
-        <a:scrgbClr r="0" g="0" b="0"/>
-      </a:fillRef>
-      <a:effectRef idx="0">
-        <a:scrgbClr r="0" g="0" b="0"/>
-      </a:effectRef>
-      <a:fontRef idx="minor">
-        <a:schemeClr val="lt1"/>
-      </a:fontRef>
-    </dgm:style>
-  </dgm:styleLbl>
-  <dgm:styleLbl name="node3">
-    <dgm:scene3d>
-      <a:camera prst="orthographicFront"/>
-      <a:lightRig rig="threePt" dir="t"/>
-    </dgm:scene3d>
-    <dgm:sp3d/>
-    <dgm:txPr/>
-    <dgm:style>
-      <a:lnRef idx="2">
-        <a:scrgbClr r="0" g="0" b="0"/>
-      </a:lnRef>
-      <a:fillRef idx="1">
-        <a:scrgbClr r="0" g="0" b="0"/>
-      </a:fillRef>
-      <a:effectRef idx="0">
-        <a:scrgbClr r="0" g="0" b="0"/>
-      </a:effectRef>
-      <a:fontRef idx="minor">
-        <a:schemeClr val="lt1"/>
-      </a:fontRef>
-    </dgm:style>
-  </dgm:styleLbl>
-  <dgm:styleLbl name="node4">
-    <dgm:scene3d>
-      <a:camera prst="orthographicFront"/>
-      <a:lightRig rig="threePt" dir="t"/>
-    </dgm:scene3d>
-    <dgm:sp3d/>
-    <dgm:txPr/>
-    <dgm:style>
-      <a:lnRef idx="2">
-        <a:scrgbClr r="0" g="0" b="0"/>
-      </a:lnRef>
-      <a:fillRef idx="1">
-        <a:scrgbClr r="0" g="0" b="0"/>
-      </a:fillRef>
-      <a:effectRef idx="0">
-        <a:scrgbClr r="0" g="0" b="0"/>
-      </a:effectRef>
-      <a:fontRef idx="minor">
-        <a:schemeClr val="lt1"/>
-      </a:fontRef>
-    </dgm:style>
-  </dgm:styleLbl>
-  <dgm:styleLbl name="fgImgPlace1">
-    <dgm:scene3d>
-      <a:camera prst="orthographicFront"/>
-      <a:lightRig rig="threePt" dir="t"/>
-    </dgm:scene3d>
-    <dgm:sp3d/>
-    <dgm:txPr/>
-    <dgm:style>
-      <a:lnRef idx="2">
-        <a:scrgbClr r="0" g="0" b="0"/>
-      </a:lnRef>
-      <a:fillRef idx="1">
-        <a:scrgbClr r="0" g="0" b="0"/>
-      </a:fillRef>
-      <a:effectRef idx="0">
-        <a:scrgbClr r="0" g="0" b="0"/>
-      </a:effectRef>
-      <a:fontRef idx="minor"/>
-    </dgm:style>
-  </dgm:styleLbl>
-  <dgm:styleLbl name="alignImgPlace1">
-    <dgm:scene3d>
-      <a:camera prst="orthographicFront"/>
-      <a:lightRig rig="threePt" dir="t"/>
-    </dgm:scene3d>
-    <dgm:sp3d/>
-    <dgm:txPr/>
-    <dgm:style>
-      <a:lnRef idx="2">
-        <a:scrgbClr r="0" g="0" b="0"/>
-      </a:lnRef>
-      <a:fillRef idx="1">
-        <a:scrgbClr r="0" g="0" b="0"/>
-      </a:fillRef>
-      <a:effectRef idx="0">
-        <a:scrgbClr r="0" g="0" b="0"/>
-      </a:effectRef>
-      <a:fontRef idx="minor"/>
-    </dgm:style>
-  </dgm:styleLbl>
-  <dgm:styleLbl name="bgImgPlace1">
-    <dgm:scene3d>
-      <a:camera prst="orthographicFront"/>
-      <a:lightRig rig="threePt" dir="t"/>
-    </dgm:scene3d>
-    <dgm:sp3d/>
-    <dgm:txPr/>
-    <dgm:style>
-      <a:lnRef idx="2">
-        <a:scrgbClr r="0" g="0" b="0"/>
-      </a:lnRef>
-      <a:fillRef idx="1">
-        <a:scrgbClr r="0" g="0" b="0"/>
-      </a:fillRef>
-      <a:effectRef idx="0">
-        <a:scrgbClr r="0" g="0" b="0"/>
-      </a:effectRef>
-      <a:fontRef idx="minor"/>
-    </dgm:style>
-  </dgm:styleLbl>
-  <dgm:styleLbl name="sibTrans2D1">
-    <dgm:scene3d>
-      <a:camera prst="orthographicFront"/>
-      <a:lightRig rig="threePt" dir="t"/>
-    </dgm:scene3d>
-    <dgm:sp3d/>
-    <dgm:txPr/>
-    <dgm:style>
-      <a:lnRef idx="0">
-        <a:scrgbClr r="0" g="0" b="0"/>
-      </a:lnRef>
-      <a:fillRef idx="1">
-        <a:scrgbClr r="0" g="0" b="0"/>
-      </a:fillRef>
-      <a:effectRef idx="0">
-        <a:scrgbClr r="0" g="0" b="0"/>
-      </a:effectRef>
-      <a:fontRef idx="minor">
-        <a:schemeClr val="lt1"/>
-      </a:fontRef>
-    </dgm:style>
-  </dgm:styleLbl>
-  <dgm:styleLbl name="fgSibTrans2D1">
-    <dgm:scene3d>
-      <a:camera prst="orthographicFront"/>
-      <a:lightRig rig="threePt" dir="t"/>
-    </dgm:scene3d>
-    <dgm:sp3d/>
-    <dgm:txPr/>
-    <dgm:style>
-      <a:lnRef idx="0">
-        <a:scrgbClr r="0" g="0" b="0"/>
-      </a:lnRef>
-      <a:fillRef idx="1">
-        <a:scrgbClr r="0" g="0" b="0"/>
-      </a:fillRef>
-      <a:effectRef idx="0">
-        <a:scrgbClr r="0" g="0" b="0"/>
-      </a:effectRef>
-      <a:fontRef idx="minor">
-        <a:schemeClr val="lt1"/>
-      </a:fontRef>
-    </dgm:style>
-  </dgm:styleLbl>
-  <dgm:styleLbl name="bgSibTrans2D1">
-    <dgm:scene3d>
-      <a:camera prst="orthographicFront"/>
-      <a:lightRig rig="threePt" dir="t"/>
-    </dgm:scene3d>
-    <dgm:sp3d/>
-    <dgm:txPr/>
-    <dgm:style>
-      <a:lnRef idx="0">
-        <a:scrgbClr r="0" g="0" b="0"/>
-      </a:lnRef>
-      <a:fillRef idx="1">
-        <a:scrgbClr r="0" g="0" b="0"/>
-      </a:fillRef>
-      <a:effectRef idx="0">
-        <a:scrgbClr r="0" g="0" b="0"/>
-      </a:effectRef>
-      <a:fontRef idx="minor">
-        <a:schemeClr val="lt1"/>
-      </a:fontRef>
-    </dgm:style>
-  </dgm:styleLbl>
-  <dgm:styleLbl name="sibTrans1D1">
-    <dgm:scene3d>
-      <a:camera prst="orthographicFront"/>
-      <a:lightRig rig="threePt" dir="t"/>
-    </dgm:scene3d>
-    <dgm:sp3d/>
-    <dgm:txPr/>
-    <dgm:style>
-      <a:lnRef idx="1">
-        <a:scrgbClr r="0" g="0" b="0"/>
-      </a:lnRef>
-      <a:fillRef idx="0">
-        <a:scrgbClr r="0" g="0" b="0"/>
-      </a:fillRef>
-      <a:effectRef idx="0">
-        <a:scrgbClr r="0" g="0" b="0"/>
-      </a:effectRef>
-      <a:fontRef idx="minor"/>
-    </dgm:style>
-  </dgm:styleLbl>
-  <dgm:styleLbl name="callout">
-    <dgm:scene3d>
-      <a:camera prst="orthographicFront"/>
-      <a:lightRig rig="threePt" dir="t"/>
-    </dgm:scene3d>
-    <dgm:sp3d/>
-    <dgm:txPr/>
-    <dgm:style>
-      <a:lnRef idx="2">
-        <a:scrgbClr r="0" g="0" b="0"/>
-      </a:lnRef>
-      <a:fillRef idx="1">
-        <a:scrgbClr r="0" g="0" b="0"/>
-      </a:fillRef>
-      <a:effectRef idx="0">
-        <a:scrgbClr r="0" g="0" b="0"/>
-      </a:effectRef>
-      <a:fontRef idx="minor"/>
-    </dgm:style>
-  </dgm:styleLbl>
-  <dgm:styleLbl name="asst0">
-    <dgm:scene3d>
-      <a:camera prst="orthographicFront"/>
-      <a:lightRig rig="threePt" dir="t"/>
-    </dgm:scene3d>
-    <dgm:sp3d/>
-    <dgm:txPr/>
-    <dgm:style>
-      <a:lnRef idx="2">
-        <a:scrgbClr r="0" g="0" b="0"/>
-      </a:lnRef>
-      <a:fillRef idx="1">
-        <a:scrgbClr r="0" g="0" b="0"/>
-      </a:fillRef>
-      <a:effectRef idx="0">
-        <a:scrgbClr r="0" g="0" b="0"/>
-      </a:effectRef>
-      <a:fontRef idx="minor">
-        <a:schemeClr val="lt1"/>
-      </a:fontRef>
-    </dgm:style>
-  </dgm:styleLbl>
-  <dgm:styleLbl name="asst1">
-    <dgm:scene3d>
-      <a:camera prst="orthographicFront"/>
-      <a:lightRig rig="threePt" dir="t"/>
-    </dgm:scene3d>
-    <dgm:sp3d/>
-    <dgm:txPr/>
-    <dgm:style>
-      <a:lnRef idx="2">
-        <a:scrgbClr r="0" g="0" b="0"/>
-      </a:lnRef>
-      <a:fillRef idx="1">
-        <a:scrgbClr r="0" g="0" b="0"/>
-      </a:fillRef>
-      <a:effectRef idx="0">
-        <a:scrgbClr r="0" g="0" b="0"/>
-      </a:effectRef>
-      <a:fontRef idx="minor">
-        <a:schemeClr val="lt1"/>
-      </a:fontRef>
-    </dgm:style>
-  </dgm:styleLbl>
-  <dgm:styleLbl name="asst2">
-    <dgm:scene3d>
-      <a:camera prst="orthographicFront"/>
-      <a:lightRig rig="threePt" dir="t"/>
-    </dgm:scene3d>
-    <dgm:sp3d/>
-    <dgm:txPr/>
-    <dgm:style>
-      <a:lnRef idx="2">
-        <a:scrgbClr r="0" g="0" b="0"/>
-      </a:lnRef>
-      <a:fillRef idx="1">
-        <a:scrgbClr r="0" g="0" b="0"/>
-      </a:fillRef>
-      <a:effectRef idx="0">
-        <a:scrgbClr r="0" g="0" b="0"/>
-      </a:effectRef>
-      <a:fontRef idx="minor">
-        <a:schemeClr val="lt1"/>
-      </a:fontRef>
-    </dgm:style>
-  </dgm:styleLbl>
-  <dgm:styleLbl name="asst3">
-    <dgm:scene3d>
-      <a:camera prst="orthographicFront"/>
-      <a:lightRig rig="threePt" dir="t"/>
-    </dgm:scene3d>
-    <dgm:sp3d/>
-    <dgm:txPr/>
-    <dgm:style>
-      <a:lnRef idx="2">
-        <a:scrgbClr r="0" g="0" b="0"/>
-      </a:lnRef>
-      <a:fillRef idx="1">
-        <a:scrgbClr r="0" g="0" b="0"/>
-      </a:fillRef>
-      <a:effectRef idx="0">
-        <a:scrgbClr r="0" g="0" b="0"/>
-      </a:effectRef>
-      <a:fontRef idx="minor">
-        <a:schemeClr val="lt1"/>
-      </a:fontRef>
-    </dgm:style>
-  </dgm:styleLbl>
-  <dgm:styleLbl name="asst4">
-    <dgm:scene3d>
-      <a:camera prst="orthographicFront"/>
-      <a:lightRig rig="threePt" dir="t"/>
-    </dgm:scene3d>
-    <dgm:sp3d/>
-    <dgm:txPr/>
-    <dgm:style>
-      <a:lnRef idx="2">
-        <a:scrgbClr r="0" g="0" b="0"/>
-      </a:lnRef>
-      <a:fillRef idx="1">
-        <a:scrgbClr r="0" g="0" b="0"/>
-      </a:fillRef>
-      <a:effectRef idx="0">
-        <a:scrgbClr r="0" g="0" b="0"/>
-      </a:effectRef>
-      <a:fontRef idx="minor">
-        <a:schemeClr val="lt1"/>
-      </a:fontRef>
-    </dgm:style>
-  </dgm:styleLbl>
-  <dgm:styleLbl name="parChTrans2D1">
-    <dgm:scene3d>
-      <a:camera prst="orthographicFront"/>
-      <a:lightRig rig="threePt" dir="t"/>
-    </dgm:scene3d>
-    <dgm:sp3d/>
-    <dgm:txPr/>
-    <dgm:style>
-      <a:lnRef idx="2">
-        <a:scrgbClr r="0" g="0" b="0"/>
-      </a:lnRef>
-      <a:fillRef idx="1">
-        <a:scrgbClr r="0" g="0" b="0"/>
-      </a:fillRef>
-      <a:effectRef idx="0">
-        <a:scrgbClr r="0" g="0" b="0"/>
-      </a:effectRef>
-      <a:fontRef idx="minor">
-        <a:schemeClr val="lt1"/>
-      </a:fontRef>
-    </dgm:style>
-  </dgm:styleLbl>
-  <dgm:styleLbl name="parChTrans2D2">
-    <dgm:scene3d>
-      <a:camera prst="orthographicFront"/>
-      <a:lightRig rig="threePt" dir="t"/>
-    </dgm:scene3d>
-    <dgm:sp3d/>
-    <dgm:txPr/>
-    <dgm:style>
-      <a:lnRef idx="2">
-        <a:scrgbClr r="0" g="0" b="0"/>
-      </a:lnRef>
-      <a:fillRef idx="1">
-        <a:scrgbClr r="0" g="0" b="0"/>
-      </a:fillRef>
-      <a:effectRef idx="0">
-        <a:scrgbClr r="0" g="0" b="0"/>
-      </a:effectRef>
-      <a:fontRef idx="minor">
-        <a:schemeClr val="lt1"/>
-      </a:fontRef>
-    </dgm:style>
-  </dgm:styleLbl>
-  <dgm:styleLbl name="parChTrans2D3">
-    <dgm:scene3d>
-      <a:camera prst="orthographicFront"/>
-      <a:lightRig rig="threePt" dir="t"/>
-    </dgm:scene3d>
-    <dgm:sp3d/>
-    <dgm:txPr/>
-    <dgm:style>
-      <a:lnRef idx="2">
-        <a:scrgbClr r="0" g="0" b="0"/>
-      </a:lnRef>
-      <a:fillRef idx="1">
-        <a:scrgbClr r="0" g="0" b="0"/>
-      </a:fillRef>
-      <a:effectRef idx="0">
-        <a:scrgbClr r="0" g="0" b="0"/>
-      </a:effectRef>
-      <a:fontRef idx="minor">
-        <a:schemeClr val="lt1"/>
-      </a:fontRef>
-    </dgm:style>
-  </dgm:styleLbl>
-  <dgm:styleLbl name="parChTrans2D4">
-    <dgm:scene3d>
-      <a:camera prst="orthographicFront"/>
-      <a:lightRig rig="threePt" dir="t"/>
-    </dgm:scene3d>
-    <dgm:sp3d/>
-    <dgm:txPr/>
-    <dgm:style>
-      <a:lnRef idx="2">
-        <a:scrgbClr r="0" g="0" b="0"/>
-      </a:lnRef>
-      <a:fillRef idx="1">
-        <a:scrgbClr r="0" g="0" b="0"/>
-      </a:fillRef>
-      <a:effectRef idx="0">
-        <a:scrgbClr r="0" g="0" b="0"/>
-      </a:effectRef>
-      <a:fontRef idx="minor">
-        <a:schemeClr val="lt1"/>
-      </a:fontRef>
-    </dgm:style>
-  </dgm:styleLbl>
-  <dgm:styleLbl name="parChTrans1D1">
-    <dgm:scene3d>
-      <a:camera prst="orthographicFront"/>
-      <a:lightRig rig="threePt" dir="t"/>
-    </dgm:scene3d>
-    <dgm:sp3d/>
-    <dgm:txPr/>
-    <dgm:style>
-      <a:lnRef idx="2">
-        <a:scrgbClr r="0" g="0" b="0"/>
-      </a:lnRef>
-      <a:fillRef idx="0">
-        <a:scrgbClr r="0" g="0" b="0"/>
-      </a:fillRef>
-      <a:effectRef idx="0">
-        <a:scrgbClr r="0" g="0" b="0"/>
-      </a:effectRef>
-      <a:fontRef idx="minor"/>
-    </dgm:style>
-  </dgm:styleLbl>
-  <dgm:styleLbl name="parChTrans1D2">
-    <dgm:scene3d>
-      <a:camera prst="orthographicFront"/>
-      <a:lightRig rig="threePt" dir="t"/>
-    </dgm:scene3d>
-    <dgm:sp3d/>
-    <dgm:txPr/>
-    <dgm:style>
-      <a:lnRef idx="2">
-        <a:scrgbClr r="0" g="0" b="0"/>
-      </a:lnRef>
-      <a:fillRef idx="0">
-        <a:scrgbClr r="0" g="0" b="0"/>
-      </a:fillRef>
-      <a:effectRef idx="0">
-        <a:scrgbClr r="0" g="0" b="0"/>
-      </a:effectRef>
-      <a:fontRef idx="minor"/>
-    </dgm:style>
-  </dgm:styleLbl>
-  <dgm:styleLbl name="parChTrans1D3">
-    <dgm:scene3d>
-      <a:camera prst="orthographicFront"/>
-      <a:lightRig rig="threePt" dir="t"/>
-    </dgm:scene3d>
-    <dgm:sp3d/>
-    <dgm:txPr/>
-    <dgm:style>
-      <a:lnRef idx="2">
-        <a:scrgbClr r="0" g="0" b="0"/>
-      </a:lnRef>
-      <a:fillRef idx="0">
-        <a:scrgbClr r="0" g="0" b="0"/>
-      </a:fillRef>
-      <a:effectRef idx="0">
-        <a:scrgbClr r="0" g="0" b="0"/>
-      </a:effectRef>
-      <a:fontRef idx="minor"/>
-    </dgm:style>
-  </dgm:styleLbl>
-  <dgm:styleLbl name="parChTrans1D4">
-    <dgm:scene3d>
-      <a:camera prst="orthographicFront"/>
-      <a:lightRig rig="threePt" dir="t"/>
-    </dgm:scene3d>
-    <dgm:sp3d/>
-    <dgm:txPr/>
-    <dgm:style>
-      <a:lnRef idx="2">
-        <a:scrgbClr r="0" g="0" b="0"/>
-      </a:lnRef>
-      <a:fillRef idx="0">
-        <a:scrgbClr r="0" g="0" b="0"/>
-      </a:fillRef>
-      <a:effectRef idx="0">
-        <a:scrgbClr r="0" g="0" b="0"/>
-      </a:effectRef>
-      <a:fontRef idx="minor"/>
-    </dgm:style>
-  </dgm:styleLbl>
-  <dgm:styleLbl name="fgAcc1">
-    <dgm:scene3d>
-      <a:camera prst="orthographicFront"/>
-      <a:lightRig rig="threePt" dir="t"/>
-    </dgm:scene3d>
-    <dgm:sp3d/>
-    <dgm:txPr/>
-    <dgm:style>
-      <a:lnRef idx="2">
-        <a:scrgbClr r="0" g="0" b="0"/>
-      </a:lnRef>
-      <a:fillRef idx="1">
-        <a:scrgbClr r="0" g="0" b="0"/>
-      </a:fillRef>
-      <a:effectRef idx="0">
-        <a:scrgbClr r="0" g="0" b="0"/>
-      </a:effectRef>
-      <a:fontRef idx="minor"/>
-    </dgm:style>
-  </dgm:styleLbl>
-  <dgm:styleLbl name="conFgAcc1">
-    <dgm:scene3d>
-      <a:camera prst="orthographicFront"/>
-      <a:lightRig rig="threePt" dir="t"/>
-    </dgm:scene3d>
-    <dgm:sp3d/>
-    <dgm:txPr/>
-    <dgm:style>
-      <a:lnRef idx="2">
-        <a:scrgbClr r="0" g="0" b="0"/>
-      </a:lnRef>
-      <a:fillRef idx="1">
-        <a:scrgbClr r="0" g="0" b="0"/>
-      </a:fillRef>
-      <a:effectRef idx="0">
-        <a:scrgbClr r="0" g="0" b="0"/>
-      </a:effectRef>
-      <a:fontRef idx="minor"/>
-    </dgm:style>
-  </dgm:styleLbl>
-  <dgm:styleLbl name="alignAcc1">
-    <dgm:scene3d>
-      <a:camera prst="orthographicFront"/>
-      <a:lightRig rig="threePt" dir="t"/>
-    </dgm:scene3d>
-    <dgm:sp3d/>
-    <dgm:txPr/>
-    <dgm:style>
-      <a:lnRef idx="2">
-        <a:scrgbClr r="0" g="0" b="0"/>
-      </a:lnRef>
-      <a:fillRef idx="1">
-        <a:scrgbClr r="0" g="0" b="0"/>
-      </a:fillRef>
-      <a:effectRef idx="0">
-        <a:scrgbClr r="0" g="0" b="0"/>
-      </a:effectRef>
-      <a:fontRef idx="minor"/>
-    </dgm:style>
-  </dgm:styleLbl>
-  <dgm:styleLbl name="trAlignAcc1">
-    <dgm:scene3d>
-      <a:camera prst="orthographicFront"/>
-      <a:lightRig rig="threePt" dir="t"/>
-    </dgm:scene3d>
-    <dgm:sp3d/>
-    <dgm:txPr/>
-    <dgm:style>
-      <a:lnRef idx="1">
-        <a:scrgbClr r="0" g="0" b="0"/>
-      </a:lnRef>
-      <a:fillRef idx="1">
-        <a:scrgbClr r="0" g="0" b="0"/>
-      </a:fillRef>
-      <a:effectRef idx="0">
-        <a:scrgbClr r="0" g="0" b="0"/>
-      </a:effectRef>
-      <a:fontRef idx="minor"/>
-    </dgm:style>
-  </dgm:styleLbl>
-  <dgm:styleLbl name="bgAcc1">
-    <dgm:scene3d>
-      <a:camera prst="orthographicFront"/>
-      <a:lightRig rig="threePt" dir="t"/>
-    </dgm:scene3d>
-    <dgm:sp3d/>
-    <dgm:txPr/>
-    <dgm:style>
-      <a:lnRef idx="2">
-        <a:scrgbClr r="0" g="0" b="0"/>
-      </a:lnRef>
-      <a:fillRef idx="1">
-        <a:scrgbClr r="0" g="0" b="0"/>
-      </a:fillRef>
-      <a:effectRef idx="0">
-        <a:scrgbClr r="0" g="0" b="0"/>
-      </a:effectRef>
-      <a:fontRef idx="minor"/>
-    </dgm:style>
-  </dgm:styleLbl>
-  <dgm:styleLbl name="solidFgAcc1">
-    <dgm:scene3d>
-      <a:camera prst="orthographicFront"/>
-      <a:lightRig rig="threePt" dir="t"/>
-    </dgm:scene3d>
-    <dgm:sp3d/>
-    <dgm:txPr/>
-    <dgm:style>
-      <a:lnRef idx="2">
-        <a:scrgbClr r="0" g="0" b="0"/>
-      </a:lnRef>
-      <a:fillRef idx="1">
-        <a:scrgbClr r="0" g="0" b="0"/>
-      </a:fillRef>
-      <a:effectRef idx="0">
-        <a:scrgbClr r="0" g="0" b="0"/>
-      </a:effectRef>
-      <a:fontRef idx="minor"/>
-    </dgm:style>
-  </dgm:styleLbl>
-  <dgm:styleLbl name="solidAlignAcc1">
-    <dgm:scene3d>
-      <a:camera prst="orthographicFront"/>
-      <a:lightRig rig="threePt" dir="t"/>
-    </dgm:scene3d>
-    <dgm:sp3d/>
-    <dgm:txPr/>
-    <dgm:style>
-      <a:lnRef idx="2">
-        <a:scrgbClr r="0" g="0" b="0"/>
-      </a:lnRef>
-      <a:fillRef idx="1">
-        <a:scrgbClr r="0" g="0" b="0"/>
-      </a:fillRef>
-      <a:effectRef idx="0">
-        <a:scrgbClr r="0" g="0" b="0"/>
-      </a:effectRef>
-      <a:fontRef idx="minor"/>
-    </dgm:style>
-  </dgm:styleLbl>
-  <dgm:styleLbl name="solidBgAcc1">
-    <dgm:scene3d>
-      <a:camera prst="orthographicFront"/>
-      <a:lightRig rig="threePt" dir="t"/>
-    </dgm:scene3d>
-    <dgm:sp3d/>
-    <dgm:txPr/>
-    <dgm:style>
-      <a:lnRef idx="2">
-        <a:scrgbClr r="0" g="0" b="0"/>
-      </a:lnRef>
-      <a:fillRef idx="1">
-        <a:scrgbClr r="0" g="0" b="0"/>
-      </a:fillRef>
-      <a:effectRef idx="0">
-        <a:scrgbClr r="0" g="0" b="0"/>
-      </a:effectRef>
-      <a:fontRef idx="minor"/>
-    </dgm:style>
-  </dgm:styleLbl>
-  <dgm:styleLbl name="fgAccFollowNode1">
-    <dgm:scene3d>
-      <a:camera prst="orthographicFront"/>
-      <a:lightRig rig="threePt" dir="t"/>
-    </dgm:scene3d>
-    <dgm:sp3d/>
-    <dgm:txPr/>
-    <dgm:style>
-      <a:lnRef idx="2">
-        <a:scrgbClr r="0" g="0" b="0"/>
-      </a:lnRef>
-      <a:fillRef idx="1">
-        <a:scrgbClr r="0" g="0" b="0"/>
-      </a:fillRef>
-      <a:effectRef idx="0">
-        <a:scrgbClr r="0" g="0" b="0"/>
-      </a:effectRef>
-      <a:fontRef idx="minor"/>
-    </dgm:style>
-  </dgm:styleLbl>
-  <dgm:styleLbl name="alignAccFollowNode1">
-    <dgm:scene3d>
-      <a:camera prst="orthographicFront"/>
-      <a:lightRig rig="threePt" dir="t"/>
-    </dgm:scene3d>
-    <dgm:sp3d/>
-    <dgm:txPr/>
-    <dgm:style>
-      <a:lnRef idx="2">
-        <a:scrgbClr r="0" g="0" b="0"/>
-      </a:lnRef>
-      <a:fillRef idx="1">
-        <a:scrgbClr r="0" g="0" b="0"/>
-      </a:fillRef>
-      <a:effectRef idx="0">
-        <a:scrgbClr r="0" g="0" b="0"/>
-      </a:effectRef>
-      <a:fontRef idx="minor"/>
-    </dgm:style>
-  </dgm:styleLbl>
-  <dgm:styleLbl name="bgAccFollowNode1">
-    <dgm:scene3d>
-      <a:camera prst="orthographicFront"/>
-      <a:lightRig rig="threePt" dir="t"/>
-    </dgm:scene3d>
-    <dgm:sp3d/>
-    <dgm:txPr/>
-    <dgm:style>
-      <a:lnRef idx="2">
-        <a:scrgbClr r="0" g="0" b="0"/>
-      </a:lnRef>
-      <a:fillRef idx="1">
-        <a:scrgbClr r="0" g="0" b="0"/>
-      </a:fillRef>
-      <a:effectRef idx="0">
-        <a:scrgbClr r="0" g="0" b="0"/>
-      </a:effectRef>
-      <a:fontRef idx="minor"/>
-    </dgm:style>
-  </dgm:styleLbl>
-  <dgm:styleLbl name="fgAcc0">
-    <dgm:scene3d>
-      <a:camera prst="orthographicFront"/>
-      <a:lightRig rig="threePt" dir="t"/>
-    </dgm:scene3d>
-    <dgm:sp3d/>
-    <dgm:txPr/>
-    <dgm:style>
-      <a:lnRef idx="2">
-        <a:scrgbClr r="0" g="0" b="0"/>
-      </a:lnRef>
-      <a:fillRef idx="1">
-        <a:scrgbClr r="0" g="0" b="0"/>
-      </a:fillRef>
-      <a:effectRef idx="0">
-        <a:scrgbClr r="0" g="0" b="0"/>
-      </a:effectRef>
-      <a:fontRef idx="minor"/>
-    </dgm:style>
-  </dgm:styleLbl>
-  <dgm:styleLbl name="fgAcc2">
-    <dgm:scene3d>
-      <a:camera prst="orthographicFront"/>
-      <a:lightRig rig="threePt" dir="t"/>
-    </dgm:scene3d>
-    <dgm:sp3d/>
-    <dgm:txPr/>
-    <dgm:style>
-      <a:lnRef idx="2">
-        <a:scrgbClr r="0" g="0" b="0"/>
-      </a:lnRef>
-      <a:fillRef idx="1">
-        <a:scrgbClr r="0" g="0" b="0"/>
-      </a:fillRef>
-      <a:effectRef idx="0">
-        <a:scrgbClr r="0" g="0" b="0"/>
-      </a:effectRef>
-      <a:fontRef idx="minor"/>
-    </dgm:style>
-  </dgm:styleLbl>
-  <dgm:styleLbl name="fgAcc3">
-    <dgm:scene3d>
-      <a:camera prst="orthographicFront"/>
-      <a:lightRig rig="threePt" dir="t"/>
-    </dgm:scene3d>
-    <dgm:sp3d/>
-    <dgm:txPr/>
-    <dgm:style>
-      <a:lnRef idx="2">
-        <a:scrgbClr r="0" g="0" b="0"/>
-      </a:lnRef>
-      <a:fillRef idx="1">
-        <a:scrgbClr r="0" g="0" b="0"/>
-      </a:fillRef>
-      <a:effectRef idx="0">
-        <a:scrgbClr r="0" g="0" b="0"/>
-      </a:effectRef>
-      <a:fontRef idx="minor"/>
-    </dgm:style>
-  </dgm:styleLbl>
-  <dgm:styleLbl name="fgAcc4">
-    <dgm:scene3d>
-      <a:camera prst="orthographicFront"/>
-      <a:lightRig rig="threePt" dir="t"/>
-    </dgm:scene3d>
-    <dgm:sp3d/>
-    <dgm:txPr/>
-    <dgm:style>
-      <a:lnRef idx="2">
-        <a:scrgbClr r="0" g="0" b="0"/>
-      </a:lnRef>
-      <a:fillRef idx="1">
-        <a:scrgbClr r="0" g="0" b="0"/>
-      </a:fillRef>
-      <a:effectRef idx="0">
-        <a:scrgbClr r="0" g="0" b="0"/>
-      </a:effectRef>
-      <a:fontRef idx="minor"/>
-    </dgm:style>
-  </dgm:styleLbl>
-  <dgm:styleLbl name="bgShp">
-    <dgm:scene3d>
-      <a:camera prst="orthographicFront"/>
-      <a:lightRig rig="threePt" dir="t"/>
-    </dgm:scene3d>
-    <dgm:sp3d/>
-    <dgm:txPr/>
-    <dgm:style>
-      <a:lnRef idx="0">
-        <a:scrgbClr r="0" g="0" b="0"/>
-      </a:lnRef>
-      <a:fillRef idx="1">
-        <a:scrgbClr r="0" g="0" b="0"/>
-      </a:fillRef>
-      <a:effectRef idx="0">
-        <a:scrgbClr r="0" g="0" b="0"/>
-      </a:effectRef>
-      <a:fontRef idx="minor"/>
-    </dgm:style>
-  </dgm:styleLbl>
-  <dgm:styleLbl name="dkBgShp">
-    <dgm:scene3d>
-      <a:camera prst="orthographicFront"/>
-      <a:lightRig rig="threePt" dir="t"/>
-    </dgm:scene3d>
-    <dgm:sp3d/>
-    <dgm:txPr/>
-    <dgm:style>
-      <a:lnRef idx="0">
-        <a:scrgbClr r="0" g="0" b="0"/>
-      </a:lnRef>
-      <a:fillRef idx="1">
-        <a:scrgbClr r="0" g="0" b="0"/>
-      </a:fillRef>
-      <a:effectRef idx="0">
-        <a:scrgbClr r="0" g="0" b="0"/>
-      </a:effectRef>
-      <a:fontRef idx="minor"/>
-    </dgm:style>
-  </dgm:styleLbl>
-  <dgm:styleLbl name="trBgShp">
-    <dgm:scene3d>
-      <a:camera prst="orthographicFront"/>
-      <a:lightRig rig="threePt" dir="t"/>
-    </dgm:scene3d>
-    <dgm:sp3d/>
-    <dgm:txPr/>
-    <dgm:style>
-      <a:lnRef idx="0">
-        <a:scrgbClr r="0" g="0" b="0"/>
-      </a:lnRef>
-      <a:fillRef idx="1">
-        <a:scrgbClr r="0" g="0" b="0"/>
-      </a:fillRef>
-      <a:effectRef idx="0">
-        <a:scrgbClr r="0" g="0" b="0"/>
-      </a:effectRef>
-      <a:fontRef idx="minor"/>
-    </dgm:style>
-  </dgm:styleLbl>
-  <dgm:styleLbl name="fgShp">
-    <dgm:scene3d>
-      <a:camera prst="orthographicFront"/>
-      <a:lightRig rig="threePt" dir="t"/>
-    </dgm:scene3d>
-    <dgm:sp3d/>
-    <dgm:txPr/>
-    <dgm:style>
-      <a:lnRef idx="2">
-        <a:scrgbClr r="0" g="0" b="0"/>
-      </a:lnRef>
-      <a:fillRef idx="1">
-        <a:scrgbClr r="0" g="0" b="0"/>
-      </a:fillRef>
-      <a:effectRef idx="0">
-        <a:scrgbClr r="0" g="0" b="0"/>
-      </a:effectRef>
-      <a:fontRef idx="minor"/>
-    </dgm:style>
-  </dgm:styleLbl>
-  <dgm:styleLbl name="revTx">
-    <dgm:scene3d>
-      <a:camera prst="orthographicFront"/>
-      <a:lightRig rig="threePt" dir="t"/>
-    </dgm:scene3d>
-    <dgm:sp3d/>
-    <dgm:txPr/>
-    <dgm:style>
-      <a:lnRef idx="0">
-        <a:scrgbClr r="0" g="0" b="0"/>
-      </a:lnRef>
-      <a:fillRef idx="0">
-        <a:scrgbClr r="0" g="0" b="0"/>
-      </a:fillRef>
-      <a:effectRef idx="0">
-        <a:scrgbClr r="0" g="0" b="0"/>
-      </a:effectRef>
-      <a:fontRef idx="minor"/>
-    </dgm:style>
-  </dgm:styleLbl>
-</dgm:styleDef>
-</file>
-
 <file path=ppt/handoutMasters/handoutMaster1.xml><?xml version="1.0" encoding="utf-8"?>
 <p:handoutMaster xmlns:a="http://schemas.openxmlformats.org/drawingml/2006/main" xmlns:r="http://schemas.openxmlformats.org/officeDocument/2006/relationships" xmlns:p="http://schemas.openxmlformats.org/presentationml/2006/main">
   <p:cSld>
@@ -6012,7 +3318,7 @@
           <a:p>
             <a:fld id="{24CE221E-83ED-4F6C-BA5F-3F9E6FDB6953}" type="datetimeFigureOut">
               <a:rPr lang="en-US"/>
-              <a:t>10/10/2019</a:t>
+              <a:t>2/14/2020</a:t>
             </a:fld>
             <a:endParaRPr dirty="0"/>
           </a:p>
@@ -6177,7 +3483,7 @@
           <a:p>
             <a:fld id="{97853E5F-CE67-483C-A264-F17AC70E9CA2}" type="datetimeFigureOut">
               <a:rPr lang="en-US"/>
-              <a:t>10/10/2019</a:t>
+              <a:t>2/14/2020</a:t>
             </a:fld>
             <a:endParaRPr dirty="0"/>
           </a:p>
@@ -6586,7 +3892,7 @@
           <a:p>
             <a:fld id="{3E0FA9E5-6744-4841-888F-9E7CC0C2B7EC}" type="datetimeFigureOut">
               <a:rPr lang="en-US" smtClean="0"/>
-              <a:t>10/10/2019</a:t>
+              <a:t>2/14/2020</a:t>
             </a:fld>
             <a:endParaRPr lang="en-US" dirty="0"/>
           </a:p>
@@ -6800,7 +4106,7 @@
           <a:p>
             <a:fld id="{3E0FA9E5-6744-4841-888F-9E7CC0C2B7EC}" type="datetimeFigureOut">
               <a:rPr lang="en-US" smtClean="0"/>
-              <a:t>10/10/2019</a:t>
+              <a:t>2/14/2020</a:t>
             </a:fld>
             <a:endParaRPr lang="en-US" dirty="0"/>
           </a:p>
@@ -7024,7 +4330,7 @@
           <a:p>
             <a:fld id="{3E0FA9E5-6744-4841-888F-9E7CC0C2B7EC}" type="datetimeFigureOut">
               <a:rPr lang="en-US" smtClean="0"/>
-              <a:t>10/10/2019</a:t>
+              <a:t>2/14/2020</a:t>
             </a:fld>
             <a:endParaRPr lang="en-US" dirty="0"/>
           </a:p>
@@ -7238,7 +4544,7 @@
           <a:p>
             <a:fld id="{3E0FA9E5-6744-4841-888F-9E7CC0C2B7EC}" type="datetimeFigureOut">
               <a:rPr lang="en-US" smtClean="0"/>
-              <a:t>10/10/2019</a:t>
+              <a:t>2/14/2020</a:t>
             </a:fld>
             <a:endParaRPr lang="en-US" dirty="0"/>
           </a:p>
@@ -7529,7 +4835,7 @@
           <a:p>
             <a:fld id="{3E0FA9E5-6744-4841-888F-9E7CC0C2B7EC}" type="datetimeFigureOut">
               <a:rPr lang="en-US" smtClean="0"/>
-              <a:t>10/10/2019</a:t>
+              <a:t>2/14/2020</a:t>
             </a:fld>
             <a:endParaRPr lang="en-US" dirty="0"/>
           </a:p>
@@ -7810,7 +5116,7 @@
           <a:p>
             <a:fld id="{3E0FA9E5-6744-4841-888F-9E7CC0C2B7EC}" type="datetimeFigureOut">
               <a:rPr lang="en-US" smtClean="0"/>
-              <a:t>10/10/2019</a:t>
+              <a:t>2/14/2020</a:t>
             </a:fld>
             <a:endParaRPr lang="en-US" dirty="0"/>
           </a:p>
@@ -8238,7 +5544,7 @@
           <a:p>
             <a:fld id="{3E0FA9E5-6744-4841-888F-9E7CC0C2B7EC}" type="datetimeFigureOut">
               <a:rPr lang="en-US" smtClean="0"/>
-              <a:t>10/10/2019</a:t>
+              <a:t>2/14/2020</a:t>
             </a:fld>
             <a:endParaRPr lang="en-US" dirty="0"/>
           </a:p>
@@ -8395,7 +5701,7 @@
           <a:p>
             <a:fld id="{3E0FA9E5-6744-4841-888F-9E7CC0C2B7EC}" type="datetimeFigureOut">
               <a:rPr lang="en-US" smtClean="0"/>
-              <a:t>10/10/2019</a:t>
+              <a:t>2/14/2020</a:t>
             </a:fld>
             <a:endParaRPr lang="en-US" dirty="0"/>
           </a:p>
@@ -8524,7 +5830,7 @@
           <a:p>
             <a:fld id="{3E0FA9E5-6744-4841-888F-9E7CC0C2B7EC}" type="datetimeFigureOut">
               <a:rPr lang="en-US" smtClean="0"/>
-              <a:t>10/10/2019</a:t>
+              <a:t>2/14/2020</a:t>
             </a:fld>
             <a:endParaRPr lang="en-US" dirty="0"/>
           </a:p>
@@ -8851,7 +6157,7 @@
           <a:p>
             <a:fld id="{3E0FA9E5-6744-4841-888F-9E7CC0C2B7EC}" type="datetimeFigureOut">
               <a:rPr lang="en-US" smtClean="0"/>
-              <a:t>10/10/2019</a:t>
+              <a:t>2/14/2020</a:t>
             </a:fld>
             <a:endParaRPr lang="en-US" dirty="0"/>
           </a:p>
@@ -9155,7 +6461,7 @@
           <a:p>
             <a:fld id="{B24D0DB8-3820-4C33-BED9-7B5CA8E4467B}" type="datetimeFigureOut">
               <a:rPr lang="en-US" smtClean="0"/>
-              <a:t>10/10/2019</a:t>
+              <a:t>2/14/2020</a:t>
             </a:fld>
             <a:endParaRPr lang="en-US"/>
           </a:p>
@@ -9409,7 +6715,7 @@
             <a:fld id="{3E0FA9E5-6744-4841-888F-9E7CC0C2B7EC}" type="datetimeFigureOut">
               <a:rPr lang="en-US" smtClean="0"/>
               <a:pPr/>
-              <a:t>10/10/2019</a:t>
+              <a:t>2/14/2020</a:t>
             </a:fld>
             <a:endParaRPr lang="en-US" dirty="0"/>
           </a:p>
@@ -10157,14 +7463,6 @@
 <file path=ppt/slides/slide10.xml><?xml version="1.0" encoding="utf-8"?>
 <p:sld xmlns:a="http://schemas.openxmlformats.org/drawingml/2006/main" xmlns:r="http://schemas.openxmlformats.org/officeDocument/2006/relationships" xmlns:p="http://schemas.openxmlformats.org/presentationml/2006/main">
   <p:cSld>
-    <p:bg>
-      <p:bgPr>
-        <a:solidFill>
-          <a:schemeClr val="bg1"/>
-        </a:solidFill>
-        <a:effectLst/>
-      </p:bgPr>
-    </p:bg>
     <p:spTree>
       <p:nvGrpSpPr>
         <p:cNvPr id="1" name=""/>
@@ -10181,314 +7479,6 @@
       </p:grpSpPr>
       <p:sp>
         <p:nvSpPr>
-          <p:cNvPr id="2" name="Title 1">
-            <a:extLst>
-              <a:ext uri="{FF2B5EF4-FFF2-40B4-BE49-F238E27FC236}">
-                <a16:creationId xmlns:a16="http://schemas.microsoft.com/office/drawing/2014/main" id="{1711A4AF-46DD-4516-A84A-CC99499ACABC}"/>
-              </a:ext>
-            </a:extLst>
-          </p:cNvPr>
-          <p:cNvSpPr>
-            <a:spLocks noGrp="1"/>
-          </p:cNvSpPr>
-          <p:nvPr>
-            <p:ph type="title"/>
-          </p:nvPr>
-        </p:nvSpPr>
-        <p:spPr>
-          <a:xfrm>
-            <a:off x="648760" y="629266"/>
-            <a:ext cx="3504582" cy="1622321"/>
-          </a:xfrm>
-        </p:spPr>
-        <p:txBody>
-          <a:bodyPr>
-            <a:normAutofit/>
-          </a:bodyPr>
-          <a:lstStyle/>
-          <a:p>
-            <a:r>
-              <a:rPr lang="en-US" sz="3700"/>
-              <a:t>Experiment (smart labelling)</a:t>
-            </a:r>
-          </a:p>
-        </p:txBody>
-      </p:sp>
-      <p:sp>
-        <p:nvSpPr>
-          <p:cNvPr id="3" name="Content Placeholder 2">
-            <a:extLst>
-              <a:ext uri="{FF2B5EF4-FFF2-40B4-BE49-F238E27FC236}">
-                <a16:creationId xmlns:a16="http://schemas.microsoft.com/office/drawing/2014/main" id="{5907B05B-4A29-42BE-8D4F-3D02B97AE855}"/>
-              </a:ext>
-            </a:extLst>
-          </p:cNvPr>
-          <p:cNvSpPr>
-            <a:spLocks noGrp="1"/>
-          </p:cNvSpPr>
-          <p:nvPr>
-            <p:ph idx="1"/>
-          </p:nvPr>
-        </p:nvSpPr>
-        <p:spPr>
-          <a:xfrm>
-            <a:off x="648762" y="2438400"/>
-            <a:ext cx="3504581" cy="3785419"/>
-          </a:xfrm>
-        </p:spPr>
-        <p:txBody>
-          <a:bodyPr>
-            <a:normAutofit/>
-          </a:bodyPr>
-          <a:lstStyle/>
-          <a:p>
-            <a:r>
-              <a:rPr lang="en-US" sz="2000" dirty="0"/>
-              <a:t>Hypothesis:  Data points in same cluster contain same words, hence label is the same</a:t>
-            </a:r>
-          </a:p>
-          <a:p>
-            <a:r>
-              <a:rPr lang="en-US" sz="2000" dirty="0"/>
-              <a:t>Propagate label of center of cluster to all other cluster points</a:t>
-            </a:r>
-          </a:p>
-          <a:p>
-            <a:r>
-              <a:rPr lang="en-US" sz="2000" dirty="0"/>
-              <a:t>Test what happens to accuracy</a:t>
-            </a:r>
-          </a:p>
-        </p:txBody>
-      </p:sp>
-      <p:sp>
-        <p:nvSpPr>
-          <p:cNvPr id="73" name="Rectangle 72">
-            <a:extLst>
-              <a:ext uri="{FF2B5EF4-FFF2-40B4-BE49-F238E27FC236}">
-                <a16:creationId xmlns:a16="http://schemas.microsoft.com/office/drawing/2014/main" id="{5E39A796-BE83-48B1-B33F-35C4A32AAB57}"/>
-              </a:ext>
-              <a:ext uri="{C183D7F6-B498-43B3-948B-1728B52AA6E4}">
-                <adec:decorative xmlns:adec="http://schemas.microsoft.com/office/drawing/2017/decorative" val="1"/>
-              </a:ext>
-            </a:extLst>
-          </p:cNvPr>
-          <p:cNvSpPr>
-            <a:spLocks noGrp="1" noRot="1" noChangeAspect="1" noMove="1" noResize="1" noEditPoints="1" noAdjustHandles="1" noChangeArrowheads="1" noChangeShapeType="1" noTextEdit="1"/>
-          </p:cNvSpPr>
-          <p:nvPr>
-            <p:extLst>
-              <p:ext uri="{386F3935-93C4-4BCD-93E2-E3B085C9AB24}">
-                <p16:designElem xmlns:p16="http://schemas.microsoft.com/office/powerpoint/2015/main" val="1"/>
-              </p:ext>
-            </p:extLst>
-          </p:nvPr>
-        </p:nvSpPr>
-        <p:spPr>
-          <a:xfrm>
-            <a:off x="4637847" y="0"/>
-            <a:ext cx="7550978" cy="6858000"/>
-          </a:xfrm>
-          <a:prstGeom prst="rect">
-            <a:avLst/>
-          </a:prstGeom>
-          <a:solidFill>
-            <a:srgbClr val="C8CACA"/>
-          </a:solidFill>
-          <a:ln>
-            <a:noFill/>
-          </a:ln>
-        </p:spPr>
-        <p:style>
-          <a:lnRef idx="2">
-            <a:schemeClr val="accent1">
-              <a:shade val="50000"/>
-            </a:schemeClr>
-          </a:lnRef>
-          <a:fillRef idx="1">
-            <a:schemeClr val="accent1"/>
-          </a:fillRef>
-          <a:effectRef idx="0">
-            <a:schemeClr val="accent1"/>
-          </a:effectRef>
-          <a:fontRef idx="minor">
-            <a:schemeClr val="lt1"/>
-          </a:fontRef>
-        </p:style>
-        <p:txBody>
-          <a:bodyPr rtlCol="0" anchor="ctr"/>
-          <a:lstStyle/>
-          <a:p>
-            <a:pPr algn="ctr"/>
-            <a:endParaRPr lang="en-US"/>
-          </a:p>
-        </p:txBody>
-      </p:sp>
-      <p:sp>
-        <p:nvSpPr>
-          <p:cNvPr id="75" name="Rounded Rectangle 9">
-            <a:extLst>
-              <a:ext uri="{FF2B5EF4-FFF2-40B4-BE49-F238E27FC236}">
-                <a16:creationId xmlns:a16="http://schemas.microsoft.com/office/drawing/2014/main" id="{72F84B47-E267-4194-8194-831DB7B5547F}"/>
-              </a:ext>
-              <a:ext uri="{C183D7F6-B498-43B3-948B-1728B52AA6E4}">
-                <adec:decorative xmlns:adec="http://schemas.microsoft.com/office/drawing/2017/decorative" val="1"/>
-              </a:ext>
-            </a:extLst>
-          </p:cNvPr>
-          <p:cNvSpPr>
-            <a:spLocks noGrp="1" noRot="1" noChangeAspect="1" noMove="1" noResize="1" noEditPoints="1" noAdjustHandles="1" noChangeArrowheads="1" noChangeShapeType="1" noTextEdit="1"/>
-          </p:cNvSpPr>
-          <p:nvPr>
-            <p:extLst>
-              <p:ext uri="{386F3935-93C4-4BCD-93E2-E3B085C9AB24}">
-                <p16:designElem xmlns:p16="http://schemas.microsoft.com/office/powerpoint/2015/main" val="1"/>
-              </p:ext>
-            </p:extLst>
-          </p:nvPr>
-        </p:nvSpPr>
-        <p:spPr>
-          <a:xfrm>
-            <a:off x="5122353" y="484632"/>
-            <a:ext cx="6582384" cy="5739187"/>
-          </a:xfrm>
-          <a:prstGeom prst="roundRect">
-            <a:avLst>
-              <a:gd name="adj" fmla="val 0"/>
-            </a:avLst>
-          </a:prstGeom>
-          <a:solidFill>
-            <a:srgbClr val="FFFFFF"/>
-          </a:solidFill>
-          <a:ln w="9525">
-            <a:solidFill>
-              <a:srgbClr val="C8CACA"/>
-            </a:solidFill>
-          </a:ln>
-          <a:effectLst>
-            <a:outerShdw blurRad="57150" dist="19050" dir="5400000" algn="t" rotWithShape="0">
-              <a:prstClr val="black">
-                <a:alpha val="63000"/>
-              </a:prstClr>
-            </a:outerShdw>
-          </a:effectLst>
-        </p:spPr>
-        <p:style>
-          <a:lnRef idx="2">
-            <a:schemeClr val="accent1">
-              <a:shade val="50000"/>
-            </a:schemeClr>
-          </a:lnRef>
-          <a:fillRef idx="1">
-            <a:schemeClr val="accent1"/>
-          </a:fillRef>
-          <a:effectRef idx="0">
-            <a:schemeClr val="accent1"/>
-          </a:effectRef>
-          <a:fontRef idx="minor">
-            <a:schemeClr val="lt1"/>
-          </a:fontRef>
-        </p:style>
-        <p:txBody>
-          <a:bodyPr rtlCol="0" anchor="ctr"/>
-          <a:lstStyle/>
-          <a:p>
-            <a:pPr algn="ctr"/>
-            <a:endParaRPr lang="en-US"/>
-          </a:p>
-        </p:txBody>
-      </p:sp>
-      <p:pic>
-        <p:nvPicPr>
-          <p:cNvPr id="5126" name="Picture 6" descr="Image result for k means clustering">
-            <a:extLst>
-              <a:ext uri="{FF2B5EF4-FFF2-40B4-BE49-F238E27FC236}">
-                <a16:creationId xmlns:a16="http://schemas.microsoft.com/office/drawing/2014/main" id="{E2AE82FB-300E-4B90-81CA-E083604B119F}"/>
-              </a:ext>
-            </a:extLst>
-          </p:cNvPr>
-          <p:cNvPicPr>
-            <a:picLocks noChangeAspect="1" noChangeArrowheads="1"/>
-          </p:cNvPicPr>
-          <p:nvPr/>
-        </p:nvPicPr>
-        <p:blipFill>
-          <a:blip r:embed="rId2">
-            <a:extLst>
-              <a:ext uri="{28A0092B-C50C-407E-A947-70E740481C1C}">
-                <a14:useLocalDpi xmlns:a14="http://schemas.microsoft.com/office/drawing/2010/main" val="0"/>
-              </a:ext>
-            </a:extLst>
-          </a:blip>
-          <a:srcRect/>
-          <a:stretch>
-            <a:fillRect/>
-          </a:stretch>
-        </p:blipFill>
-        <p:spPr bwMode="auto">
-          <a:xfrm>
-            <a:off x="5789612" y="838200"/>
-            <a:ext cx="4723171" cy="4648200"/>
-          </a:xfrm>
-          <a:prstGeom prst="rect">
-            <a:avLst/>
-          </a:prstGeom>
-          <a:noFill/>
-          <a:extLst>
-            <a:ext uri="{909E8E84-426E-40DD-AFC4-6F175D3DCCD1}">
-              <a14:hiddenFill xmlns:a14="http://schemas.microsoft.com/office/drawing/2010/main">
-                <a:solidFill>
-                  <a:srgbClr val="FFFFFF"/>
-                </a:solidFill>
-              </a14:hiddenFill>
-            </a:ext>
-          </a:extLst>
-        </p:spPr>
-      </p:pic>
-    </p:spTree>
-    <p:extLst>
-      <p:ext uri="{BB962C8B-B14F-4D97-AF65-F5344CB8AC3E}">
-        <p14:creationId xmlns:p14="http://schemas.microsoft.com/office/powerpoint/2010/main" val="1791860718"/>
-      </p:ext>
-    </p:extLst>
-  </p:cSld>
-  <p:clrMapOvr>
-    <a:masterClrMapping/>
-  </p:clrMapOvr>
-  <mc:AlternateContent xmlns:mc="http://schemas.openxmlformats.org/markup-compatibility/2006" xmlns:p14="http://schemas.microsoft.com/office/powerpoint/2010/main">
-    <mc:Choice Requires="p14">
-      <p:transition spd="med" p14:dur="700">
-        <p:fade/>
-      </p:transition>
-    </mc:Choice>
-    <mc:Fallback xmlns="">
-      <p:transition spd="med">
-        <p:fade/>
-      </p:transition>
-    </mc:Fallback>
-  </mc:AlternateContent>
-</p:sld>
-</file>
-
-<file path=ppt/slides/slide11.xml><?xml version="1.0" encoding="utf-8"?>
-<p:sld xmlns:a="http://schemas.openxmlformats.org/drawingml/2006/main" xmlns:r="http://schemas.openxmlformats.org/officeDocument/2006/relationships" xmlns:p="http://schemas.openxmlformats.org/presentationml/2006/main">
-  <p:cSld>
-    <p:spTree>
-      <p:nvGrpSpPr>
-        <p:cNvPr id="1" name=""/>
-        <p:cNvGrpSpPr/>
-        <p:nvPr/>
-      </p:nvGrpSpPr>
-      <p:grpSpPr>
-        <a:xfrm>
-          <a:off x="0" y="0"/>
-          <a:ext cx="0" cy="0"/>
-          <a:chOff x="0" y="0"/>
-          <a:chExt cx="0" cy="0"/>
-        </a:xfrm>
-      </p:grpSpPr>
-      <p:sp>
-        <p:nvSpPr>
           <p:cNvPr id="2" name="Title 1"/>
           <p:cNvSpPr>
             <a:spLocks noGrp="1"/>
@@ -10564,7 +7554,7 @@
             <p:ph sz="half" idx="2"/>
             <p:extLst>
               <p:ext uri="{D42A27DB-BD31-4B8C-83A1-F6EECF244321}">
-                <p14:modId xmlns:p14="http://schemas.microsoft.com/office/powerpoint/2010/main" val="609117368"/>
+                <p14:modId xmlns:p14="http://schemas.microsoft.com/office/powerpoint/2010/main" val="708470787"/>
               </p:ext>
             </p:extLst>
           </p:nvPr>
@@ -10587,14 +7577,14 @@
                     </a:ext>
                   </a:extLst>
                 </a:gridCol>
-                <a:gridCol w="1726671">
+                <a:gridCol w="1702329">
                   <a:extLst>
                     <a:ext uri="{9D8B030D-6E8A-4147-A177-3AD203B41FA5}">
                       <a16:colId xmlns:a16="http://schemas.microsoft.com/office/drawing/2014/main" val="20001"/>
                     </a:ext>
                   </a:extLst>
                 </a:gridCol>
-                <a:gridCol w="1726671">
+                <a:gridCol w="1751013">
                   <a:extLst>
                     <a:ext uri="{9D8B030D-6E8A-4147-A177-3AD203B41FA5}">
                       <a16:colId xmlns:a16="http://schemas.microsoft.com/office/drawing/2014/main" val="20002"/>
@@ -10843,6 +7833,157 @@
 </p:sld>
 </file>
 
+<file path=ppt/slides/slide11.xml><?xml version="1.0" encoding="utf-8"?>
+<p:sld xmlns:a="http://schemas.openxmlformats.org/drawingml/2006/main" xmlns:r="http://schemas.openxmlformats.org/officeDocument/2006/relationships" xmlns:p="http://schemas.openxmlformats.org/presentationml/2006/main">
+  <p:cSld>
+    <p:spTree>
+      <p:nvGrpSpPr>
+        <p:cNvPr id="1" name=""/>
+        <p:cNvGrpSpPr/>
+        <p:nvPr/>
+      </p:nvGrpSpPr>
+      <p:grpSpPr>
+        <a:xfrm>
+          <a:off x="0" y="0"/>
+          <a:ext cx="0" cy="0"/>
+          <a:chOff x="0" y="0"/>
+          <a:chExt cx="0" cy="0"/>
+        </a:xfrm>
+      </p:grpSpPr>
+      <p:sp>
+        <p:nvSpPr>
+          <p:cNvPr id="2" name="Title 1">
+            <a:extLst>
+              <a:ext uri="{FF2B5EF4-FFF2-40B4-BE49-F238E27FC236}">
+                <a16:creationId xmlns:a16="http://schemas.microsoft.com/office/drawing/2014/main" id="{4DE09765-01B5-4A97-855C-9E5BE9E2BD67}"/>
+              </a:ext>
+            </a:extLst>
+          </p:cNvPr>
+          <p:cNvSpPr>
+            <a:spLocks noGrp="1"/>
+          </p:cNvSpPr>
+          <p:nvPr>
+            <p:ph type="title"/>
+          </p:nvPr>
+        </p:nvSpPr>
+        <p:spPr/>
+        <p:txBody>
+          <a:bodyPr/>
+          <a:lstStyle/>
+          <a:p>
+            <a:r>
+              <a:rPr lang="en-US" dirty="0"/>
+              <a:t>Next</a:t>
+            </a:r>
+          </a:p>
+        </p:txBody>
+      </p:sp>
+      <p:sp>
+        <p:nvSpPr>
+          <p:cNvPr id="3" name="Content Placeholder 2">
+            <a:extLst>
+              <a:ext uri="{FF2B5EF4-FFF2-40B4-BE49-F238E27FC236}">
+                <a16:creationId xmlns:a16="http://schemas.microsoft.com/office/drawing/2014/main" id="{06C605E3-2D1B-46D6-8186-16E80170106D}"/>
+              </a:ext>
+            </a:extLst>
+          </p:cNvPr>
+          <p:cNvSpPr>
+            <a:spLocks noGrp="1"/>
+          </p:cNvSpPr>
+          <p:nvPr>
+            <p:ph sz="half" idx="1"/>
+          </p:nvPr>
+        </p:nvSpPr>
+        <p:spPr>
+          <a:xfrm>
+            <a:off x="912812" y="1447800"/>
+            <a:ext cx="9753600" cy="3952875"/>
+          </a:xfrm>
+        </p:spPr>
+        <p:txBody>
+          <a:bodyPr>
+            <a:normAutofit/>
+          </a:bodyPr>
+          <a:lstStyle/>
+          <a:p>
+            <a:r>
+              <a:rPr lang="en-US" sz="2000" dirty="0"/>
+              <a:t>How to measure the speed up in labelling?</a:t>
+            </a:r>
+          </a:p>
+          <a:p>
+            <a:pPr lvl="1"/>
+            <a:r>
+              <a:rPr lang="en-US" sz="2000" dirty="0"/>
+              <a:t>Develop tool with options for smart labelling (labelling entire cluster in one go) and conventional labelling</a:t>
+            </a:r>
+          </a:p>
+          <a:p>
+            <a:pPr lvl="1"/>
+            <a:r>
+              <a:rPr lang="en-US" sz="2000" dirty="0"/>
+              <a:t>Design an experiment to measure the time saved by SHAP accelerated labelling vs conventional labelling</a:t>
+            </a:r>
+          </a:p>
+          <a:p>
+            <a:r>
+              <a:rPr lang="en-US" sz="2000" dirty="0"/>
+              <a:t>Can we improve the accuracy even further?</a:t>
+            </a:r>
+          </a:p>
+          <a:p>
+            <a:pPr lvl="1"/>
+            <a:r>
+              <a:rPr lang="en-US" sz="2000" dirty="0"/>
+              <a:t>Feedback : Some experts can provide feedback on which data points wrongly grouped into the cluster</a:t>
+            </a:r>
+          </a:p>
+          <a:p>
+            <a:pPr lvl="1"/>
+            <a:r>
+              <a:rPr lang="en-US" sz="2000" dirty="0"/>
+              <a:t>Model: Neural nets instead of SVC or logistic regression ( we need to train only once at the beginning and at the end – doesn’t affect user experience)</a:t>
+            </a:r>
+          </a:p>
+          <a:p>
+            <a:pPr marL="457063" lvl="1" indent="0">
+              <a:buNone/>
+            </a:pPr>
+            <a:endParaRPr lang="en-US" sz="2000" dirty="0"/>
+          </a:p>
+          <a:p>
+            <a:endParaRPr lang="en-US" sz="2000" dirty="0"/>
+          </a:p>
+          <a:p>
+            <a:endParaRPr lang="en-US" sz="2000" dirty="0"/>
+          </a:p>
+        </p:txBody>
+      </p:sp>
+    </p:spTree>
+    <p:extLst>
+      <p:ext uri="{BB962C8B-B14F-4D97-AF65-F5344CB8AC3E}">
+        <p14:creationId xmlns:p14="http://schemas.microsoft.com/office/powerpoint/2010/main" val="2922144509"/>
+      </p:ext>
+    </p:extLst>
+  </p:cSld>
+  <p:clrMapOvr>
+    <a:masterClrMapping/>
+  </p:clrMapOvr>
+  <mc:AlternateContent xmlns:mc="http://schemas.openxmlformats.org/markup-compatibility/2006" xmlns:p14="http://schemas.microsoft.com/office/powerpoint/2010/main">
+    <mc:Choice Requires="p14">
+      <p:transition spd="med" p14:dur="700">
+        <p:fade/>
+      </p:transition>
+    </mc:Choice>
+    <mc:Fallback xmlns="">
+      <p:transition spd="med">
+        <p:fade/>
+      </p:transition>
+    </mc:Fallback>
+  </mc:AlternateContent>
+</p:sld>
+</file>
+
 <file path=ppt/slides/slide12.xml><?xml version="1.0" encoding="utf-8"?>
 <p:sld xmlns:a="http://schemas.openxmlformats.org/drawingml/2006/main" xmlns:r="http://schemas.openxmlformats.org/officeDocument/2006/relationships" xmlns:p="http://schemas.openxmlformats.org/presentationml/2006/main">
   <p:cSld>
@@ -10862,117 +8003,1831 @@
       </p:grpSpPr>
       <p:sp>
         <p:nvSpPr>
-          <p:cNvPr id="2" name="Title 1">
-            <a:extLst>
-              <a:ext uri="{FF2B5EF4-FFF2-40B4-BE49-F238E27FC236}">
-                <a16:creationId xmlns:a16="http://schemas.microsoft.com/office/drawing/2014/main" id="{4DE09765-01B5-4A97-855C-9E5BE9E2BD67}"/>
-              </a:ext>
-            </a:extLst>
-          </p:cNvPr>
-          <p:cNvSpPr>
-            <a:spLocks noGrp="1"/>
-          </p:cNvSpPr>
-          <p:nvPr>
-            <p:ph type="title"/>
-          </p:nvPr>
-        </p:nvSpPr>
-        <p:spPr/>
-        <p:txBody>
-          <a:bodyPr/>
-          <a:lstStyle/>
-          <a:p>
-            <a:r>
-              <a:rPr lang="en-US" dirty="0"/>
-              <a:t>Next</a:t>
-            </a:r>
-          </a:p>
-        </p:txBody>
-      </p:sp>
-      <p:sp>
-        <p:nvSpPr>
-          <p:cNvPr id="3" name="Content Placeholder 2">
-            <a:extLst>
-              <a:ext uri="{FF2B5EF4-FFF2-40B4-BE49-F238E27FC236}">
-                <a16:creationId xmlns:a16="http://schemas.microsoft.com/office/drawing/2014/main" id="{06C605E3-2D1B-46D6-8186-16E80170106D}"/>
-              </a:ext>
-            </a:extLst>
-          </p:cNvPr>
-          <p:cNvSpPr>
-            <a:spLocks noGrp="1"/>
-          </p:cNvSpPr>
-          <p:nvPr>
-            <p:ph sz="half" idx="1"/>
+          <p:cNvPr id="2" name="OTLSHAPE_TB_00000000000000000000000000000000_LeftEndCaps">
+            <a:extLst>
+              <a:ext uri="{FF2B5EF4-FFF2-40B4-BE49-F238E27FC236}">
+                <a16:creationId xmlns:a16="http://schemas.microsoft.com/office/drawing/2014/main" id="{58970CFA-6AD6-4941-8F0A-A27A05B84C33}"/>
+              </a:ext>
+            </a:extLst>
+          </p:cNvPr>
+          <p:cNvSpPr txBox="1"/>
+          <p:nvPr>
+            <p:custDataLst>
+              <p:tags r:id="rId2"/>
+            </p:custDataLst>
           </p:nvPr>
         </p:nvSpPr>
         <p:spPr>
           <a:xfrm>
-            <a:off x="912812" y="1447800"/>
-            <a:ext cx="9753600" cy="3952875"/>
-          </a:xfrm>
-        </p:spPr>
-        <p:txBody>
-          <a:bodyPr>
-            <a:normAutofit lnSpcReduction="10000"/>
+            <a:off x="317500" y="3098969"/>
+            <a:ext cx="451662" cy="279061"/>
+          </a:xfrm>
+          <a:prstGeom prst="rect">
+            <a:avLst/>
+          </a:prstGeom>
+          <a:noFill/>
+        </p:spPr>
+        <p:txBody>
+          <a:bodyPr vert="horz" wrap="none" lIns="0" tIns="0" rIns="0" bIns="0" rtlCol="0" anchor="ctr" anchorCtr="0">
+            <a:spAutoFit/>
           </a:bodyPr>
           <a:lstStyle/>
           <a:p>
+            <a:pPr algn="ctr"/>
             <a:r>
-              <a:rPr lang="en-US" dirty="0"/>
-              <a:t>How to measure the speed up in labelling?</a:t>
+              <a:rPr lang="en-US" b="1" spc="-38">
+                <a:solidFill>
+                  <a:schemeClr val="accent2"/>
+                </a:solidFill>
+                <a:latin typeface="Calibri" panose="020F0502020204030204" pitchFamily="34" charset="0"/>
+              </a:rPr>
+              <a:t>2019</a:t>
             </a:r>
           </a:p>
-          <a:p>
-            <a:pPr lvl="1"/>
+        </p:txBody>
+      </p:sp>
+      <p:sp>
+        <p:nvSpPr>
+          <p:cNvPr id="3" name="OTLSHAPE_TB_00000000000000000000000000000000_RightEndCaps">
+            <a:extLst>
+              <a:ext uri="{FF2B5EF4-FFF2-40B4-BE49-F238E27FC236}">
+                <a16:creationId xmlns:a16="http://schemas.microsoft.com/office/drawing/2014/main" id="{EE9A1092-41F4-4C9D-B113-70E2010962B8}"/>
+              </a:ext>
+            </a:extLst>
+          </p:cNvPr>
+          <p:cNvSpPr txBox="1"/>
+          <p:nvPr>
+            <p:custDataLst>
+              <p:tags r:id="rId3"/>
+            </p:custDataLst>
+          </p:nvPr>
+        </p:nvSpPr>
+        <p:spPr>
+          <a:xfrm>
+            <a:off x="11407859" y="3098969"/>
+            <a:ext cx="451662" cy="279061"/>
+          </a:xfrm>
+          <a:prstGeom prst="rect">
+            <a:avLst/>
+          </a:prstGeom>
+          <a:noFill/>
+        </p:spPr>
+        <p:txBody>
+          <a:bodyPr vert="horz" wrap="none" lIns="0" tIns="0" rIns="0" bIns="0" rtlCol="0" anchor="ctr" anchorCtr="0">
+            <a:spAutoFit/>
+          </a:bodyPr>
+          <a:lstStyle/>
+          <a:p>
+            <a:pPr algn="ctr"/>
             <a:r>
-              <a:rPr lang="en-US" dirty="0"/>
-              <a:t>Develop tool with options for smart labelling (labelling entire cluster in one go) and conventional labelling</a:t>
+              <a:rPr lang="en-US" b="1" spc="-38">
+                <a:solidFill>
+                  <a:schemeClr val="accent2"/>
+                </a:solidFill>
+                <a:latin typeface="Calibri" panose="020F0502020204030204" pitchFamily="34" charset="0"/>
+              </a:rPr>
+              <a:t>2019</a:t>
             </a:r>
           </a:p>
-          <a:p>
-            <a:pPr lvl="1"/>
+        </p:txBody>
+      </p:sp>
+      <p:cxnSp>
+        <p:nvCxnSpPr>
+          <p:cNvPr id="11" name="OTLSHAPE_T_9fdc1bd0f3ce4fcabc5c04ba06aee51a_HorizontalConnector1">
+            <a:extLst>
+              <a:ext uri="{FF2B5EF4-FFF2-40B4-BE49-F238E27FC236}">
+                <a16:creationId xmlns:a16="http://schemas.microsoft.com/office/drawing/2014/main" id="{5A850767-9056-4CD6-9B65-D32F731A85C7}"/>
+              </a:ext>
+            </a:extLst>
+          </p:cNvPr>
+          <p:cNvCxnSpPr/>
+          <p:nvPr>
+            <p:custDataLst>
+              <p:tags r:id="rId4"/>
+            </p:custDataLst>
+          </p:nvPr>
+        </p:nvCxnSpPr>
+        <p:spPr>
+          <a:xfrm flipH="1">
+            <a:off x="933365" y="4046855"/>
+            <a:ext cx="1051730" cy="0"/>
+          </a:xfrm>
+          <a:prstGeom prst="line">
+            <a:avLst/>
+          </a:prstGeom>
+          <a:ln w="7620" cap="flat" cmpd="sng" algn="ctr">
+            <a:solidFill>
+              <a:srgbClr val="CCCCCC"/>
+            </a:solidFill>
+            <a:prstDash val="solid"/>
+            <a:miter lim="800000"/>
+            <a:headEnd type="none" w="med" len="med"/>
+            <a:tailEnd type="none" w="med" len="med"/>
+          </a:ln>
+        </p:spPr>
+        <p:style>
+          <a:lnRef idx="1">
+            <a:schemeClr val="accent1"/>
+          </a:lnRef>
+          <a:fillRef idx="0">
+            <a:schemeClr val="accent1"/>
+          </a:fillRef>
+          <a:effectRef idx="0">
+            <a:schemeClr val="accent1"/>
+          </a:effectRef>
+          <a:fontRef idx="minor">
+            <a:schemeClr val="tx1"/>
+          </a:fontRef>
+        </p:style>
+      </p:cxnSp>
+      <p:cxnSp>
+        <p:nvCxnSpPr>
+          <p:cNvPr id="12" name="OTLSHAPE_T_c8de343a7a8e4ef6a1e42c2a07c441f9_HorizontalConnector1">
+            <a:extLst>
+              <a:ext uri="{FF2B5EF4-FFF2-40B4-BE49-F238E27FC236}">
+                <a16:creationId xmlns:a16="http://schemas.microsoft.com/office/drawing/2014/main" id="{FD9DE987-58F8-42DE-AA89-DFFAAA8DB99C}"/>
+              </a:ext>
+            </a:extLst>
+          </p:cNvPr>
+          <p:cNvCxnSpPr/>
+          <p:nvPr>
+            <p:custDataLst>
+              <p:tags r:id="rId5"/>
+            </p:custDataLst>
+          </p:nvPr>
+        </p:nvCxnSpPr>
+        <p:spPr>
+          <a:xfrm>
+            <a:off x="2990046" y="4313555"/>
+            <a:ext cx="1158398" cy="0"/>
+          </a:xfrm>
+          <a:prstGeom prst="line">
+            <a:avLst/>
+          </a:prstGeom>
+          <a:ln w="7620" cap="flat" cmpd="sng" algn="ctr">
+            <a:solidFill>
+              <a:srgbClr val="CCCCCC"/>
+            </a:solidFill>
+            <a:prstDash val="solid"/>
+            <a:miter lim="800000"/>
+            <a:headEnd type="none" w="med" len="med"/>
+            <a:tailEnd type="none" w="med" len="med"/>
+          </a:ln>
+        </p:spPr>
+        <p:style>
+          <a:lnRef idx="1">
+            <a:schemeClr val="accent1"/>
+          </a:lnRef>
+          <a:fillRef idx="0">
+            <a:schemeClr val="accent1"/>
+          </a:fillRef>
+          <a:effectRef idx="0">
+            <a:schemeClr val="accent1"/>
+          </a:effectRef>
+          <a:fontRef idx="minor">
+            <a:schemeClr val="tx1"/>
+          </a:fontRef>
+        </p:style>
+      </p:cxnSp>
+      <p:cxnSp>
+        <p:nvCxnSpPr>
+          <p:cNvPr id="13" name="OTLSHAPE_T_81af1e597127426a927f19bf1ea63c13_HorizontalConnector1">
+            <a:extLst>
+              <a:ext uri="{FF2B5EF4-FFF2-40B4-BE49-F238E27FC236}">
+                <a16:creationId xmlns:a16="http://schemas.microsoft.com/office/drawing/2014/main" id="{781F0787-4767-4D63-9DD5-A70B22348DEB}"/>
+              </a:ext>
+            </a:extLst>
+          </p:cNvPr>
+          <p:cNvCxnSpPr/>
+          <p:nvPr>
+            <p:custDataLst>
+              <p:tags r:id="rId6"/>
+            </p:custDataLst>
+          </p:nvPr>
+        </p:nvCxnSpPr>
+        <p:spPr>
+          <a:xfrm>
+            <a:off x="2640838" y="4580255"/>
+            <a:ext cx="4553471" cy="0"/>
+          </a:xfrm>
+          <a:prstGeom prst="line">
+            <a:avLst/>
+          </a:prstGeom>
+          <a:ln w="7620" cap="flat" cmpd="sng" algn="ctr">
+            <a:solidFill>
+              <a:srgbClr val="CCCCCC"/>
+            </a:solidFill>
+            <a:prstDash val="solid"/>
+            <a:miter lim="800000"/>
+            <a:headEnd type="none" w="med" len="med"/>
+            <a:tailEnd type="none" w="med" len="med"/>
+          </a:ln>
+        </p:spPr>
+        <p:style>
+          <a:lnRef idx="1">
+            <a:schemeClr val="accent1"/>
+          </a:lnRef>
+          <a:fillRef idx="0">
+            <a:schemeClr val="accent1"/>
+          </a:fillRef>
+          <a:effectRef idx="0">
+            <a:schemeClr val="accent1"/>
+          </a:effectRef>
+          <a:fontRef idx="minor">
+            <a:schemeClr val="tx1"/>
+          </a:fontRef>
+        </p:style>
+      </p:cxnSp>
+      <p:sp>
+        <p:nvSpPr>
+          <p:cNvPr id="4" name="OTLSHAPE_TB_00000000000000000000000000000000_ScaleContainer">
+            <a:extLst>
+              <a:ext uri="{FF2B5EF4-FFF2-40B4-BE49-F238E27FC236}">
+                <a16:creationId xmlns:a16="http://schemas.microsoft.com/office/drawing/2014/main" id="{6C55D8CA-3CD9-4BE2-BD65-266C0D53A464}"/>
+              </a:ext>
+            </a:extLst>
+          </p:cNvPr>
+          <p:cNvSpPr/>
+          <p:nvPr>
+            <p:custDataLst>
+              <p:tags r:id="rId7"/>
+            </p:custDataLst>
+          </p:nvPr>
+        </p:nvSpPr>
+        <p:spPr>
+          <a:xfrm>
+            <a:off x="933365" y="3048000"/>
+            <a:ext cx="10325100" cy="381000"/>
+          </a:xfrm>
+          <a:prstGeom prst="rect">
+            <a:avLst/>
+          </a:prstGeom>
+          <a:gradFill flip="none" rotWithShape="1">
+            <a:gsLst>
+              <a:gs pos="0">
+                <a:srgbClr val="44546A"/>
+              </a:gs>
+              <a:gs pos="100000">
+                <a:srgbClr val="44546A"/>
+              </a:gs>
+            </a:gsLst>
+            <a:lin ang="5400000" scaled="1"/>
+            <a:tileRect/>
+          </a:gradFill>
+          <a:ln w="12700" cap="flat" cmpd="sng" algn="ctr">
+            <a:noFill/>
+            <a:prstDash val="solid"/>
+            <a:miter lim="800000"/>
+          </a:ln>
+          <a:effectLst>
+            <a:reflection blurRad="6350" stA="50000" endA="300" endPos="55500" dist="50800" dir="5400000" sy="-100000" algn="bl" rotWithShape="0"/>
+          </a:effectLst>
+          <a:scene3d>
+            <a:camera prst="orthographicFront"/>
+            <a:lightRig rig="threePt" dir="t">
+              <a:rot lat="0" lon="0" rev="8700000"/>
+            </a:lightRig>
+          </a:scene3d>
+          <a:sp3d>
+            <a:bevelT w="165100" h="19050"/>
+          </a:sp3d>
+          <a:extLst>
+            <a:ext uri="{91240B29-F687-4F45-9708-019B960494DF}">
+              <a14:hiddenLine xmlns:a14="http://schemas.microsoft.com/office/drawing/2010/main" w="12700" cap="flat" cmpd="sng" algn="ctr">
+                <a:solidFill>
+                  <a:schemeClr val="accent1">
+                    <a:shade val="50000"/>
+                  </a:schemeClr>
+                </a:solidFill>
+                <a:prstDash val="solid"/>
+                <a:miter lim="800000"/>
+              </a14:hiddenLine>
+            </a:ext>
+          </a:extLst>
+        </p:spPr>
+        <p:style>
+          <a:lnRef idx="2">
+            <a:schemeClr val="accent1">
+              <a:shade val="50000"/>
+            </a:schemeClr>
+          </a:lnRef>
+          <a:fillRef idx="1">
+            <a:schemeClr val="accent1"/>
+          </a:fillRef>
+          <a:effectRef idx="0">
+            <a:schemeClr val="accent1"/>
+          </a:effectRef>
+          <a:fontRef idx="minor">
+            <a:schemeClr val="lt1"/>
+          </a:fontRef>
+        </p:style>
+        <p:txBody>
+          <a:bodyPr rtlCol="0" anchor="ctr"/>
+          <a:lstStyle/>
+          <a:p>
+            <a:pPr algn="ctr"/>
+            <a:endParaRPr lang="en-US"/>
+          </a:p>
+        </p:txBody>
+      </p:sp>
+      <p:sp>
+        <p:nvSpPr>
+          <p:cNvPr id="5" name="OTLSHAPE_TB_00000000000000000000000000000000_ElapsedTime">
+            <a:extLst>
+              <a:ext uri="{FF2B5EF4-FFF2-40B4-BE49-F238E27FC236}">
+                <a16:creationId xmlns:a16="http://schemas.microsoft.com/office/drawing/2014/main" id="{E814540E-1A53-43F6-BE9E-16D9DDF10579}"/>
+              </a:ext>
+            </a:extLst>
+          </p:cNvPr>
+          <p:cNvSpPr/>
+          <p:nvPr>
+            <p:custDataLst>
+              <p:tags r:id="rId8"/>
+            </p:custDataLst>
+          </p:nvPr>
+        </p:nvSpPr>
+        <p:spPr>
+          <a:xfrm>
+            <a:off x="933365" y="3352800"/>
+            <a:ext cx="1803400" cy="76200"/>
+          </a:xfrm>
+          <a:prstGeom prst="rect">
+            <a:avLst/>
+          </a:prstGeom>
+          <a:solidFill>
+            <a:srgbClr val="FF0000">
+              <a:alpha val="74902"/>
+            </a:srgbClr>
+          </a:solidFill>
+          <a:ln w="12700" cap="flat" cmpd="sng" algn="ctr">
+            <a:noFill/>
+            <a:prstDash val="solid"/>
+            <a:miter lim="800000"/>
+          </a:ln>
+          <a:effectLst/>
+          <a:scene3d>
+            <a:camera prst="orthographicFront"/>
+            <a:lightRig rig="threePt" dir="t"/>
+          </a:scene3d>
+          <a:sp3d>
+            <a:bevelT w="12700" h="139700"/>
+          </a:sp3d>
+          <a:extLst>
+            <a:ext uri="{91240B29-F687-4F45-9708-019B960494DF}">
+              <a14:hiddenLine xmlns:a14="http://schemas.microsoft.com/office/drawing/2010/main" w="12700" cap="flat" cmpd="sng" algn="ctr">
+                <a:solidFill>
+                  <a:schemeClr val="accent1">
+                    <a:shade val="50000"/>
+                  </a:schemeClr>
+                </a:solidFill>
+                <a:prstDash val="solid"/>
+                <a:miter lim="800000"/>
+              </a14:hiddenLine>
+            </a:ext>
+          </a:extLst>
+        </p:spPr>
+        <p:style>
+          <a:lnRef idx="2">
+            <a:schemeClr val="accent1">
+              <a:shade val="50000"/>
+            </a:schemeClr>
+          </a:lnRef>
+          <a:fillRef idx="1">
+            <a:schemeClr val="accent1"/>
+          </a:fillRef>
+          <a:effectRef idx="0">
+            <a:schemeClr val="accent1"/>
+          </a:effectRef>
+          <a:fontRef idx="minor">
+            <a:schemeClr val="lt1"/>
+          </a:fontRef>
+        </p:style>
+        <p:txBody>
+          <a:bodyPr rtlCol="0" anchor="ctr"/>
+          <a:lstStyle/>
+          <a:p>
+            <a:pPr algn="ctr"/>
+            <a:endParaRPr lang="en-US"/>
+          </a:p>
+        </p:txBody>
+      </p:sp>
+      <p:sp>
+        <p:nvSpPr>
+          <p:cNvPr id="6" name="OTLSHAPE_TB_00000000000000000000000000000000_TodayMarkerShape">
+            <a:extLst>
+              <a:ext uri="{FF2B5EF4-FFF2-40B4-BE49-F238E27FC236}">
+                <a16:creationId xmlns:a16="http://schemas.microsoft.com/office/drawing/2014/main" id="{DB786821-86DE-4C51-8325-83DF8D55BF85}"/>
+              </a:ext>
+            </a:extLst>
+          </p:cNvPr>
+          <p:cNvSpPr/>
+          <p:nvPr>
+            <p:custDataLst>
+              <p:tags r:id="rId9"/>
+            </p:custDataLst>
+          </p:nvPr>
+        </p:nvSpPr>
+        <p:spPr>
+          <a:xfrm>
+            <a:off x="2679839" y="3429000"/>
+            <a:ext cx="114300" cy="127000"/>
+          </a:xfrm>
+          <a:prstGeom prst="triangle">
+            <a:avLst/>
+          </a:prstGeom>
+          <a:solidFill>
+            <a:srgbClr val="FF0000"/>
+          </a:solidFill>
+          <a:ln w="12700" cap="flat" cmpd="sng" algn="ctr">
+            <a:noFill/>
+            <a:prstDash val="solid"/>
+            <a:miter lim="800000"/>
+          </a:ln>
+          <a:effectLst/>
+          <a:extLst>
+            <a:ext uri="{91240B29-F687-4F45-9708-019B960494DF}">
+              <a14:hiddenLine xmlns:a14="http://schemas.microsoft.com/office/drawing/2010/main" w="12700" cap="flat" cmpd="sng" algn="ctr">
+                <a:solidFill>
+                  <a:schemeClr val="accent1">
+                    <a:shade val="50000"/>
+                  </a:schemeClr>
+                </a:solidFill>
+                <a:prstDash val="solid"/>
+                <a:miter lim="800000"/>
+              </a14:hiddenLine>
+            </a:ext>
+          </a:extLst>
+        </p:spPr>
+        <p:style>
+          <a:lnRef idx="2">
+            <a:schemeClr val="accent1">
+              <a:shade val="50000"/>
+            </a:schemeClr>
+          </a:lnRef>
+          <a:fillRef idx="1">
+            <a:schemeClr val="accent1"/>
+          </a:fillRef>
+          <a:effectRef idx="0">
+            <a:schemeClr val="accent1"/>
+          </a:effectRef>
+          <a:fontRef idx="minor">
+            <a:schemeClr val="lt1"/>
+          </a:fontRef>
+        </p:style>
+        <p:txBody>
+          <a:bodyPr rtlCol="0" anchor="ctr"/>
+          <a:lstStyle/>
+          <a:p>
+            <a:pPr algn="ctr"/>
+            <a:endParaRPr lang="en-US"/>
+          </a:p>
+        </p:txBody>
+      </p:sp>
+      <p:sp>
+        <p:nvSpPr>
+          <p:cNvPr id="7" name="OTLSHAPE_TB_00000000000000000000000000000000_TodayMarkerText">
+            <a:extLst>
+              <a:ext uri="{FF2B5EF4-FFF2-40B4-BE49-F238E27FC236}">
+                <a16:creationId xmlns:a16="http://schemas.microsoft.com/office/drawing/2014/main" id="{25729447-DC43-404B-A7D6-FD6984B6D56F}"/>
+              </a:ext>
+            </a:extLst>
+          </p:cNvPr>
+          <p:cNvSpPr txBox="1"/>
+          <p:nvPr>
+            <p:custDataLst>
+              <p:tags r:id="rId10"/>
+            </p:custDataLst>
+          </p:nvPr>
+        </p:nvSpPr>
+        <p:spPr>
+          <a:xfrm>
+            <a:off x="2554140" y="3556000"/>
+            <a:ext cx="368300" cy="186055"/>
+          </a:xfrm>
+          <a:prstGeom prst="rect">
+            <a:avLst/>
+          </a:prstGeom>
+          <a:noFill/>
+        </p:spPr>
+        <p:txBody>
+          <a:bodyPr vert="horz" wrap="none" lIns="0" tIns="0" rIns="0" bIns="0" rtlCol="0" anchor="ctr" anchorCtr="0">
+            <a:spAutoFit/>
+          </a:bodyPr>
+          <a:lstStyle/>
+          <a:p>
+            <a:pPr algn="ctr"/>
             <a:r>
-              <a:rPr lang="en-US" dirty="0"/>
-              <a:t>Design an experiment to measure the time saved by SHAP accelerated labelling vs conventional labelling</a:t>
+              <a:rPr lang="en-US" sz="1200" spc="-12">
+                <a:solidFill>
+                  <a:schemeClr val="dk1"/>
+                </a:solidFill>
+                <a:latin typeface="Calibri" panose="020F0502020204030204" pitchFamily="34" charset="0"/>
+              </a:rPr>
+              <a:t>Today</a:t>
             </a:r>
           </a:p>
+        </p:txBody>
+      </p:sp>
+      <p:sp>
+        <p:nvSpPr>
+          <p:cNvPr id="8" name="OTLSHAPE_TB_00000000000000000000000000000000_TimescaleInterval1">
+            <a:extLst>
+              <a:ext uri="{FF2B5EF4-FFF2-40B4-BE49-F238E27FC236}">
+                <a16:creationId xmlns:a16="http://schemas.microsoft.com/office/drawing/2014/main" id="{A1F120F6-28FB-4C7A-B64B-D5B30F2A273E}"/>
+              </a:ext>
+            </a:extLst>
+          </p:cNvPr>
+          <p:cNvSpPr txBox="1"/>
+          <p:nvPr>
+            <p:custDataLst>
+              <p:tags r:id="rId11"/>
+            </p:custDataLst>
+          </p:nvPr>
+        </p:nvSpPr>
+        <p:spPr>
+          <a:xfrm>
+            <a:off x="996865" y="3145473"/>
+            <a:ext cx="211148" cy="186055"/>
+          </a:xfrm>
+          <a:prstGeom prst="rect">
+            <a:avLst/>
+          </a:prstGeom>
+          <a:noFill/>
+        </p:spPr>
+        <p:txBody>
+          <a:bodyPr vert="horz" wrap="none" lIns="0" tIns="0" rIns="0" bIns="0" rtlCol="0" anchor="ctr" anchorCtr="0">
+            <a:noAutofit/>
+          </a:bodyPr>
+          <a:lstStyle/>
           <a:p>
             <a:r>
-              <a:rPr lang="en-US" dirty="0"/>
-              <a:t>Can we improve the accuracy even further?</a:t>
+              <a:rPr lang="en-US" sz="1200" spc="-22">
+                <a:solidFill>
+                  <a:schemeClr val="lt1"/>
+                </a:solidFill>
+                <a:latin typeface="Calibri" panose="020F0502020204030204" pitchFamily="34" charset="0"/>
+              </a:rPr>
+              <a:t>Oct</a:t>
             </a:r>
           </a:p>
-          <a:p>
-            <a:pPr lvl="1"/>
+        </p:txBody>
+      </p:sp>
+      <p:sp>
+        <p:nvSpPr>
+          <p:cNvPr id="10" name="OTLSHAPE_TB_00000000000000000000000000000000_TimescaleInterval2">
+            <a:extLst>
+              <a:ext uri="{FF2B5EF4-FFF2-40B4-BE49-F238E27FC236}">
+                <a16:creationId xmlns:a16="http://schemas.microsoft.com/office/drawing/2014/main" id="{05EFF711-D291-45C0-807D-ED94750A3010}"/>
+              </a:ext>
+            </a:extLst>
+          </p:cNvPr>
+          <p:cNvSpPr txBox="1"/>
+          <p:nvPr>
+            <p:custDataLst>
+              <p:tags r:id="rId12"/>
+            </p:custDataLst>
+          </p:nvPr>
+        </p:nvSpPr>
+        <p:spPr>
+          <a:xfrm>
+            <a:off x="6242521" y="3145473"/>
+            <a:ext cx="243978" cy="186055"/>
+          </a:xfrm>
+          <a:prstGeom prst="rect">
+            <a:avLst/>
+          </a:prstGeom>
+          <a:noFill/>
+        </p:spPr>
+        <p:txBody>
+          <a:bodyPr vert="horz" wrap="none" lIns="0" tIns="0" rIns="0" bIns="0" rtlCol="0" anchor="ctr" anchorCtr="0">
+            <a:noAutofit/>
+          </a:bodyPr>
+          <a:lstStyle/>
+          <a:p>
             <a:r>
-              <a:rPr lang="en-US" dirty="0"/>
-              <a:t>Feedback : Some experts can provide feedback on which data points wrongly grouped into the cluster</a:t>
+              <a:rPr lang="en-US" sz="1200" spc="-20">
+                <a:solidFill>
+                  <a:schemeClr val="lt1"/>
+                </a:solidFill>
+                <a:latin typeface="Calibri" panose="020F0502020204030204" pitchFamily="34" charset="0"/>
+              </a:rPr>
+              <a:t>Nov</a:t>
             </a:r>
           </a:p>
-          <a:p>
-            <a:pPr lvl="1"/>
+        </p:txBody>
+      </p:sp>
+      <p:cxnSp>
+        <p:nvCxnSpPr>
+          <p:cNvPr id="9" name="OTLSHAPE_TB_00000000000000000000000000000000_Separator1">
+            <a:extLst>
+              <a:ext uri="{FF2B5EF4-FFF2-40B4-BE49-F238E27FC236}">
+                <a16:creationId xmlns:a16="http://schemas.microsoft.com/office/drawing/2014/main" id="{7EED2BDD-F3C5-44FF-9735-C833B6C1B0BA}"/>
+              </a:ext>
+            </a:extLst>
+          </p:cNvPr>
+          <p:cNvCxnSpPr/>
+          <p:nvPr>
+            <p:custDataLst>
+              <p:tags r:id="rId13"/>
+            </p:custDataLst>
+          </p:nvPr>
+        </p:nvCxnSpPr>
+        <p:spPr>
+          <a:xfrm>
+            <a:off x="6179019" y="3136900"/>
+            <a:ext cx="0" cy="203200"/>
+          </a:xfrm>
+          <a:prstGeom prst="line">
+            <a:avLst/>
+          </a:prstGeom>
+          <a:ln w="7620" cap="flat" cmpd="sng" algn="ctr">
+            <a:solidFill>
+              <a:schemeClr val="lt1">
+                <a:alpha val="29804"/>
+              </a:schemeClr>
+            </a:solidFill>
+            <a:prstDash val="solid"/>
+            <a:miter lim="800000"/>
+            <a:headEnd type="none" w="med" len="med"/>
+            <a:tailEnd type="none" w="med" len="med"/>
+          </a:ln>
+        </p:spPr>
+        <p:style>
+          <a:lnRef idx="1">
+            <a:schemeClr val="accent1"/>
+          </a:lnRef>
+          <a:fillRef idx="0">
+            <a:schemeClr val="accent1"/>
+          </a:fillRef>
+          <a:effectRef idx="0">
+            <a:schemeClr val="accent1"/>
+          </a:effectRef>
+          <a:fontRef idx="minor">
+            <a:schemeClr val="tx1"/>
+          </a:fontRef>
+        </p:style>
+      </p:cxnSp>
+      <p:sp>
+        <p:nvSpPr>
+          <p:cNvPr id="14" name="OTLSHAPE_T_9fdc1bd0f3ce4fcabc5c04ba06aee51a_Shape">
+            <a:extLst>
+              <a:ext uri="{FF2B5EF4-FFF2-40B4-BE49-F238E27FC236}">
+                <a16:creationId xmlns:a16="http://schemas.microsoft.com/office/drawing/2014/main" id="{A89A1FA3-3DBF-4FD1-A96A-88693FE9A810}"/>
+              </a:ext>
+            </a:extLst>
+          </p:cNvPr>
+          <p:cNvSpPr/>
+          <p:nvPr>
+            <p:custDataLst>
+              <p:tags r:id="rId14"/>
+            </p:custDataLst>
+          </p:nvPr>
+        </p:nvSpPr>
+        <p:spPr>
+          <a:xfrm>
+            <a:off x="933365" y="3945255"/>
+            <a:ext cx="5422900" cy="203200"/>
+          </a:xfrm>
+          <a:prstGeom prst="rect">
+            <a:avLst/>
+          </a:prstGeom>
+          <a:solidFill>
+            <a:schemeClr val="accent1"/>
+          </a:solidFill>
+          <a:ln w="12700" cap="flat" cmpd="sng" algn="ctr">
+            <a:noFill/>
+            <a:prstDash val="solid"/>
+            <a:miter lim="800000"/>
+          </a:ln>
+          <a:effectLst/>
+          <a:scene3d>
+            <a:camera prst="orthographicFront"/>
+            <a:lightRig rig="balanced" dir="t">
+              <a:rot lat="0" lon="0" rev="8700000"/>
+            </a:lightRig>
+          </a:scene3d>
+          <a:sp3d>
+            <a:bevelT w="165100" h="12700"/>
+          </a:sp3d>
+          <a:extLst>
+            <a:ext uri="{91240B29-F687-4F45-9708-019B960494DF}">
+              <a14:hiddenLine xmlns:a14="http://schemas.microsoft.com/office/drawing/2010/main" w="12700" cap="flat" cmpd="sng" algn="ctr">
+                <a:solidFill>
+                  <a:schemeClr val="accent1">
+                    <a:shade val="50000"/>
+                  </a:schemeClr>
+                </a:solidFill>
+                <a:prstDash val="solid"/>
+                <a:miter lim="800000"/>
+              </a14:hiddenLine>
+            </a:ext>
+          </a:extLst>
+        </p:spPr>
+        <p:style>
+          <a:lnRef idx="2">
+            <a:schemeClr val="accent1">
+              <a:shade val="50000"/>
+            </a:schemeClr>
+          </a:lnRef>
+          <a:fillRef idx="1">
+            <a:schemeClr val="accent1"/>
+          </a:fillRef>
+          <a:effectRef idx="0">
+            <a:schemeClr val="accent1"/>
+          </a:effectRef>
+          <a:fontRef idx="minor">
+            <a:schemeClr val="lt1"/>
+          </a:fontRef>
+        </p:style>
+        <p:txBody>
+          <a:bodyPr rtlCol="0" anchor="ctr"/>
+          <a:lstStyle/>
+          <a:p>
+            <a:pPr algn="ctr"/>
+            <a:endParaRPr lang="en-US"/>
+          </a:p>
+        </p:txBody>
+      </p:sp>
+      <p:sp>
+        <p:nvSpPr>
+          <p:cNvPr id="22" name="OTLSHAPE_T_c8de343a7a8e4ef6a1e42c2a07c441f9_Shape">
+            <a:extLst>
+              <a:ext uri="{FF2B5EF4-FFF2-40B4-BE49-F238E27FC236}">
+                <a16:creationId xmlns:a16="http://schemas.microsoft.com/office/drawing/2014/main" id="{2229B744-B5FF-4502-8ACF-3EB9513AA47F}"/>
+              </a:ext>
+            </a:extLst>
+          </p:cNvPr>
+          <p:cNvSpPr/>
+          <p:nvPr>
+            <p:custDataLst>
+              <p:tags r:id="rId15"/>
+            </p:custDataLst>
+          </p:nvPr>
+        </p:nvSpPr>
+        <p:spPr>
+          <a:xfrm>
+            <a:off x="4148444" y="4211955"/>
+            <a:ext cx="3225800" cy="203200"/>
+          </a:xfrm>
+          <a:prstGeom prst="rect">
+            <a:avLst/>
+          </a:prstGeom>
+          <a:solidFill>
+            <a:schemeClr val="accent1"/>
+          </a:solidFill>
+          <a:ln w="12700" cap="flat" cmpd="sng" algn="ctr">
+            <a:noFill/>
+            <a:prstDash val="solid"/>
+            <a:miter lim="800000"/>
+          </a:ln>
+          <a:effectLst/>
+          <a:scene3d>
+            <a:camera prst="orthographicFront"/>
+            <a:lightRig rig="balanced" dir="t">
+              <a:rot lat="0" lon="0" rev="8700000"/>
+            </a:lightRig>
+          </a:scene3d>
+          <a:sp3d>
+            <a:bevelT w="165100" h="12700"/>
+          </a:sp3d>
+          <a:extLst>
+            <a:ext uri="{91240B29-F687-4F45-9708-019B960494DF}">
+              <a14:hiddenLine xmlns:a14="http://schemas.microsoft.com/office/drawing/2010/main" w="12700" cap="flat" cmpd="sng" algn="ctr">
+                <a:solidFill>
+                  <a:schemeClr val="accent1">
+                    <a:shade val="50000"/>
+                  </a:schemeClr>
+                </a:solidFill>
+                <a:prstDash val="solid"/>
+                <a:miter lim="800000"/>
+              </a14:hiddenLine>
+            </a:ext>
+          </a:extLst>
+        </p:spPr>
+        <p:style>
+          <a:lnRef idx="2">
+            <a:schemeClr val="accent1">
+              <a:shade val="50000"/>
+            </a:schemeClr>
+          </a:lnRef>
+          <a:fillRef idx="1">
+            <a:schemeClr val="accent1"/>
+          </a:fillRef>
+          <a:effectRef idx="0">
+            <a:schemeClr val="accent1"/>
+          </a:effectRef>
+          <a:fontRef idx="minor">
+            <a:schemeClr val="lt1"/>
+          </a:fontRef>
+        </p:style>
+        <p:txBody>
+          <a:bodyPr rtlCol="0" anchor="ctr"/>
+          <a:lstStyle/>
+          <a:p>
+            <a:pPr algn="ctr"/>
+            <a:endParaRPr lang="en-US"/>
+          </a:p>
+        </p:txBody>
+      </p:sp>
+      <p:sp>
+        <p:nvSpPr>
+          <p:cNvPr id="30" name="OTLSHAPE_T_81af1e597127426a927f19bf1ea63c13_Shape">
+            <a:extLst>
+              <a:ext uri="{FF2B5EF4-FFF2-40B4-BE49-F238E27FC236}">
+                <a16:creationId xmlns:a16="http://schemas.microsoft.com/office/drawing/2014/main" id="{C6763F86-F5A1-4ED6-9190-79B5BA4F2EC9}"/>
+              </a:ext>
+            </a:extLst>
+          </p:cNvPr>
+          <p:cNvSpPr/>
+          <p:nvPr>
+            <p:custDataLst>
+              <p:tags r:id="rId16"/>
+            </p:custDataLst>
+          </p:nvPr>
+        </p:nvSpPr>
+        <p:spPr>
+          <a:xfrm>
+            <a:off x="7194309" y="4478655"/>
+            <a:ext cx="2540000" cy="203200"/>
+          </a:xfrm>
+          <a:prstGeom prst="rect">
+            <a:avLst/>
+          </a:prstGeom>
+          <a:solidFill>
+            <a:schemeClr val="accent1"/>
+          </a:solidFill>
+          <a:ln w="12700" cap="flat" cmpd="sng" algn="ctr">
+            <a:noFill/>
+            <a:prstDash val="solid"/>
+            <a:miter lim="800000"/>
+          </a:ln>
+          <a:effectLst/>
+          <a:scene3d>
+            <a:camera prst="orthographicFront"/>
+            <a:lightRig rig="balanced" dir="t">
+              <a:rot lat="0" lon="0" rev="8700000"/>
+            </a:lightRig>
+          </a:scene3d>
+          <a:sp3d>
+            <a:bevelT w="165100" h="12700"/>
+          </a:sp3d>
+          <a:extLst>
+            <a:ext uri="{91240B29-F687-4F45-9708-019B960494DF}">
+              <a14:hiddenLine xmlns:a14="http://schemas.microsoft.com/office/drawing/2010/main" w="12700" cap="flat" cmpd="sng" algn="ctr">
+                <a:solidFill>
+                  <a:schemeClr val="accent1">
+                    <a:shade val="50000"/>
+                  </a:schemeClr>
+                </a:solidFill>
+                <a:prstDash val="solid"/>
+                <a:miter lim="800000"/>
+              </a14:hiddenLine>
+            </a:ext>
+          </a:extLst>
+        </p:spPr>
+        <p:style>
+          <a:lnRef idx="2">
+            <a:schemeClr val="accent1">
+              <a:shade val="50000"/>
+            </a:schemeClr>
+          </a:lnRef>
+          <a:fillRef idx="1">
+            <a:schemeClr val="accent1"/>
+          </a:fillRef>
+          <a:effectRef idx="0">
+            <a:schemeClr val="accent1"/>
+          </a:effectRef>
+          <a:fontRef idx="minor">
+            <a:schemeClr val="lt1"/>
+          </a:fontRef>
+        </p:style>
+        <p:txBody>
+          <a:bodyPr rtlCol="0" anchor="ctr"/>
+          <a:lstStyle/>
+          <a:p>
+            <a:pPr algn="ctr"/>
+            <a:endParaRPr lang="en-US"/>
+          </a:p>
+        </p:txBody>
+      </p:sp>
+      <p:sp>
+        <p:nvSpPr>
+          <p:cNvPr id="15" name="OTLSHAPE_T_9fdc1bd0f3ce4fcabc5c04ba06aee51a_ShapePercentage" hidden="1">
+            <a:extLst>
+              <a:ext uri="{FF2B5EF4-FFF2-40B4-BE49-F238E27FC236}">
+                <a16:creationId xmlns:a16="http://schemas.microsoft.com/office/drawing/2014/main" id="{18653A27-71E0-4BF4-B9CC-AC7A9C5BD55A}"/>
+              </a:ext>
+            </a:extLst>
+          </p:cNvPr>
+          <p:cNvSpPr/>
+          <p:nvPr>
+            <p:custDataLst>
+              <p:tags r:id="rId17"/>
+            </p:custDataLst>
+          </p:nvPr>
+        </p:nvSpPr>
+        <p:spPr>
+          <a:xfrm>
+            <a:off x="12700" y="12700"/>
+            <a:ext cx="0" cy="0"/>
+          </a:xfrm>
+          <a:prstGeom prst="rect">
+            <a:avLst/>
+          </a:prstGeom>
+        </p:spPr>
+        <p:style>
+          <a:lnRef idx="2">
+            <a:schemeClr val="accent1">
+              <a:shade val="50000"/>
+            </a:schemeClr>
+          </a:lnRef>
+          <a:fillRef idx="1">
+            <a:schemeClr val="accent1"/>
+          </a:fillRef>
+          <a:effectRef idx="0">
+            <a:schemeClr val="accent1"/>
+          </a:effectRef>
+          <a:fontRef idx="minor">
+            <a:schemeClr val="lt1"/>
+          </a:fontRef>
+        </p:style>
+        <p:txBody>
+          <a:bodyPr rtlCol="0" anchor="ctr"/>
+          <a:lstStyle/>
+          <a:p>
+            <a:pPr algn="ctr"/>
+            <a:endParaRPr lang="en-US"/>
+          </a:p>
+        </p:txBody>
+      </p:sp>
+      <p:sp>
+        <p:nvSpPr>
+          <p:cNvPr id="23" name="OTLSHAPE_T_c8de343a7a8e4ef6a1e42c2a07c441f9_ShapePercentage" hidden="1">
+            <a:extLst>
+              <a:ext uri="{FF2B5EF4-FFF2-40B4-BE49-F238E27FC236}">
+                <a16:creationId xmlns:a16="http://schemas.microsoft.com/office/drawing/2014/main" id="{6B6C4D82-828A-4223-B8AF-6A82C3EC2C4F}"/>
+              </a:ext>
+            </a:extLst>
+          </p:cNvPr>
+          <p:cNvSpPr/>
+          <p:nvPr>
+            <p:custDataLst>
+              <p:tags r:id="rId18"/>
+            </p:custDataLst>
+          </p:nvPr>
+        </p:nvSpPr>
+        <p:spPr>
+          <a:xfrm>
+            <a:off x="12700" y="12700"/>
+            <a:ext cx="0" cy="0"/>
+          </a:xfrm>
+          <a:prstGeom prst="rect">
+            <a:avLst/>
+          </a:prstGeom>
+        </p:spPr>
+        <p:style>
+          <a:lnRef idx="2">
+            <a:schemeClr val="accent1">
+              <a:shade val="50000"/>
+            </a:schemeClr>
+          </a:lnRef>
+          <a:fillRef idx="1">
+            <a:schemeClr val="accent1"/>
+          </a:fillRef>
+          <a:effectRef idx="0">
+            <a:schemeClr val="accent1"/>
+          </a:effectRef>
+          <a:fontRef idx="minor">
+            <a:schemeClr val="lt1"/>
+          </a:fontRef>
+        </p:style>
+        <p:txBody>
+          <a:bodyPr rtlCol="0" anchor="ctr"/>
+          <a:lstStyle/>
+          <a:p>
+            <a:pPr algn="ctr"/>
+            <a:endParaRPr lang="en-US"/>
+          </a:p>
+        </p:txBody>
+      </p:sp>
+      <p:sp>
+        <p:nvSpPr>
+          <p:cNvPr id="31" name="OTLSHAPE_T_81af1e597127426a927f19bf1ea63c13_ShapePercentage" hidden="1">
+            <a:extLst>
+              <a:ext uri="{FF2B5EF4-FFF2-40B4-BE49-F238E27FC236}">
+                <a16:creationId xmlns:a16="http://schemas.microsoft.com/office/drawing/2014/main" id="{BF2A329D-F660-421F-9F5C-50E79721D1A4}"/>
+              </a:ext>
+            </a:extLst>
+          </p:cNvPr>
+          <p:cNvSpPr/>
+          <p:nvPr>
+            <p:custDataLst>
+              <p:tags r:id="rId19"/>
+            </p:custDataLst>
+          </p:nvPr>
+        </p:nvSpPr>
+        <p:spPr>
+          <a:xfrm>
+            <a:off x="12700" y="12700"/>
+            <a:ext cx="0" cy="0"/>
+          </a:xfrm>
+          <a:prstGeom prst="rect">
+            <a:avLst/>
+          </a:prstGeom>
+        </p:spPr>
+        <p:style>
+          <a:lnRef idx="2">
+            <a:schemeClr val="accent1">
+              <a:shade val="50000"/>
+            </a:schemeClr>
+          </a:lnRef>
+          <a:fillRef idx="1">
+            <a:schemeClr val="accent1"/>
+          </a:fillRef>
+          <a:effectRef idx="0">
+            <a:schemeClr val="accent1"/>
+          </a:effectRef>
+          <a:fontRef idx="minor">
+            <a:schemeClr val="lt1"/>
+          </a:fontRef>
+        </p:style>
+        <p:txBody>
+          <a:bodyPr rtlCol="0" anchor="ctr"/>
+          <a:lstStyle/>
+          <a:p>
+            <a:pPr algn="ctr"/>
+            <a:endParaRPr lang="en-US"/>
+          </a:p>
+        </p:txBody>
+      </p:sp>
+      <p:sp>
+        <p:nvSpPr>
+          <p:cNvPr id="16" name="OTLSHAPE_T_9fdc1bd0f3ce4fcabc5c04ba06aee51a_Duration" hidden="1">
+            <a:extLst>
+              <a:ext uri="{FF2B5EF4-FFF2-40B4-BE49-F238E27FC236}">
+                <a16:creationId xmlns:a16="http://schemas.microsoft.com/office/drawing/2014/main" id="{3D1E88E3-CE8A-4E06-98EC-9B69699AC766}"/>
+              </a:ext>
+            </a:extLst>
+          </p:cNvPr>
+          <p:cNvSpPr txBox="1"/>
+          <p:nvPr>
+            <p:custDataLst>
+              <p:tags r:id="rId20"/>
+            </p:custDataLst>
+          </p:nvPr>
+        </p:nvSpPr>
+        <p:spPr>
+          <a:xfrm>
+            <a:off x="12700" y="12700"/>
+            <a:ext cx="0" cy="276999"/>
+          </a:xfrm>
+          <a:prstGeom prst="rect">
+            <a:avLst/>
+          </a:prstGeom>
+          <a:noFill/>
+        </p:spPr>
+        <p:txBody>
+          <a:bodyPr vert="horz" wrap="square" lIns="0" tIns="0" rIns="0" bIns="0" rtlCol="0" anchor="ctr" anchorCtr="0">
+            <a:spAutoFit/>
+          </a:bodyPr>
+          <a:lstStyle/>
+          <a:p>
+            <a:pPr algn="ctr"/>
+            <a:endParaRPr lang="en-US"/>
+          </a:p>
+        </p:txBody>
+      </p:sp>
+      <p:sp>
+        <p:nvSpPr>
+          <p:cNvPr id="17" name="OTLSHAPE_T_9fdc1bd0f3ce4fcabc5c04ba06aee51a_TextPercentage" hidden="1">
+            <a:extLst>
+              <a:ext uri="{FF2B5EF4-FFF2-40B4-BE49-F238E27FC236}">
+                <a16:creationId xmlns:a16="http://schemas.microsoft.com/office/drawing/2014/main" id="{3EB3F303-F639-40B3-BA97-5C4F7CA8ECB9}"/>
+              </a:ext>
+            </a:extLst>
+          </p:cNvPr>
+          <p:cNvSpPr txBox="1"/>
+          <p:nvPr>
+            <p:custDataLst>
+              <p:tags r:id="rId21"/>
+            </p:custDataLst>
+          </p:nvPr>
+        </p:nvSpPr>
+        <p:spPr>
+          <a:xfrm>
+            <a:off x="12700" y="12700"/>
+            <a:ext cx="0" cy="276999"/>
+          </a:xfrm>
+          <a:prstGeom prst="rect">
+            <a:avLst/>
+          </a:prstGeom>
+          <a:noFill/>
+        </p:spPr>
+        <p:txBody>
+          <a:bodyPr vert="horz" wrap="square" lIns="0" tIns="0" rIns="0" bIns="0" rtlCol="0" anchor="ctr" anchorCtr="0">
+            <a:spAutoFit/>
+          </a:bodyPr>
+          <a:lstStyle/>
+          <a:p>
+            <a:pPr algn="ctr"/>
+            <a:endParaRPr lang="en-US"/>
+          </a:p>
+        </p:txBody>
+      </p:sp>
+      <p:sp>
+        <p:nvSpPr>
+          <p:cNvPr id="18" name="OTLSHAPE_T_9fdc1bd0f3ce4fcabc5c04ba06aee51a_StartDate" hidden="1">
+            <a:extLst>
+              <a:ext uri="{FF2B5EF4-FFF2-40B4-BE49-F238E27FC236}">
+                <a16:creationId xmlns:a16="http://schemas.microsoft.com/office/drawing/2014/main" id="{E7AC973D-A0C4-45D9-938A-7D78D6EA53E3}"/>
+              </a:ext>
+            </a:extLst>
+          </p:cNvPr>
+          <p:cNvSpPr txBox="1"/>
+          <p:nvPr>
+            <p:custDataLst>
+              <p:tags r:id="rId22"/>
+            </p:custDataLst>
+          </p:nvPr>
+        </p:nvSpPr>
+        <p:spPr>
+          <a:xfrm>
+            <a:off x="12700" y="12700"/>
+            <a:ext cx="0" cy="276999"/>
+          </a:xfrm>
+          <a:prstGeom prst="rect">
+            <a:avLst/>
+          </a:prstGeom>
+          <a:noFill/>
+        </p:spPr>
+        <p:txBody>
+          <a:bodyPr vert="horz" wrap="square" lIns="0" tIns="0" rIns="0" bIns="0" rtlCol="0" anchor="ctr" anchorCtr="0">
+            <a:spAutoFit/>
+          </a:bodyPr>
+          <a:lstStyle/>
+          <a:p>
+            <a:pPr algn="ctr"/>
+            <a:endParaRPr lang="en-US"/>
+          </a:p>
+        </p:txBody>
+      </p:sp>
+      <p:sp>
+        <p:nvSpPr>
+          <p:cNvPr id="19" name="OTLSHAPE_T_9fdc1bd0f3ce4fcabc5c04ba06aee51a_EndDate" hidden="1">
+            <a:extLst>
+              <a:ext uri="{FF2B5EF4-FFF2-40B4-BE49-F238E27FC236}">
+                <a16:creationId xmlns:a16="http://schemas.microsoft.com/office/drawing/2014/main" id="{F74252DC-9805-4F90-A99A-9A4EC2803C26}"/>
+              </a:ext>
+            </a:extLst>
+          </p:cNvPr>
+          <p:cNvSpPr txBox="1"/>
+          <p:nvPr>
+            <p:custDataLst>
+              <p:tags r:id="rId23"/>
+            </p:custDataLst>
+          </p:nvPr>
+        </p:nvSpPr>
+        <p:spPr>
+          <a:xfrm>
+            <a:off x="12700" y="12700"/>
+            <a:ext cx="0" cy="276999"/>
+          </a:xfrm>
+          <a:prstGeom prst="rect">
+            <a:avLst/>
+          </a:prstGeom>
+          <a:noFill/>
+        </p:spPr>
+        <p:txBody>
+          <a:bodyPr vert="horz" wrap="square" lIns="0" tIns="0" rIns="0" bIns="0" rtlCol="0" anchor="ctr" anchorCtr="0">
+            <a:spAutoFit/>
+          </a:bodyPr>
+          <a:lstStyle/>
+          <a:p>
+            <a:pPr algn="ctr"/>
+            <a:endParaRPr lang="en-US"/>
+          </a:p>
+        </p:txBody>
+      </p:sp>
+      <p:sp>
+        <p:nvSpPr>
+          <p:cNvPr id="20" name="OTLSHAPE_T_9fdc1bd0f3ce4fcabc5c04ba06aee51a_JoinedDate">
+            <a:extLst>
+              <a:ext uri="{FF2B5EF4-FFF2-40B4-BE49-F238E27FC236}">
+                <a16:creationId xmlns:a16="http://schemas.microsoft.com/office/drawing/2014/main" id="{7E6F4F11-F97F-4E84-8308-690B57FE150E}"/>
+              </a:ext>
+            </a:extLst>
+          </p:cNvPr>
+          <p:cNvSpPr txBox="1"/>
+          <p:nvPr>
+            <p:custDataLst>
+              <p:tags r:id="rId24"/>
+            </p:custDataLst>
+          </p:nvPr>
+        </p:nvSpPr>
+        <p:spPr>
+          <a:xfrm>
+            <a:off x="6398918" y="3969343"/>
+            <a:ext cx="673100" cy="155025"/>
+          </a:xfrm>
+          <a:prstGeom prst="rect">
+            <a:avLst/>
+          </a:prstGeom>
+          <a:noFill/>
+        </p:spPr>
+        <p:txBody>
+          <a:bodyPr vert="horz" wrap="square" lIns="0" tIns="0" rIns="0" bIns="0" rtlCol="0" anchor="ctr" anchorCtr="0">
+            <a:spAutoFit/>
+          </a:bodyPr>
+          <a:lstStyle/>
+          <a:p>
             <a:r>
-              <a:rPr lang="en-US" dirty="0"/>
-              <a:t>Model: Neural nets instead of SVC or logistic regression ( we need to train only once at the beginning and at the end – doesn’t affect user experience)</a:t>
+              <a:rPr lang="en-US" sz="1000" spc="-4">
+                <a:solidFill>
+                  <a:schemeClr val="dk2"/>
+                </a:solidFill>
+                <a:latin typeface="Calibri" panose="020F0502020204030204" pitchFamily="34" charset="0"/>
+              </a:rPr>
+              <a:t>Oct 1 - Nov 1</a:t>
             </a:r>
           </a:p>
-          <a:p>
-            <a:pPr marL="457063" lvl="1" indent="0">
+        </p:txBody>
+      </p:sp>
+      <p:sp>
+        <p:nvSpPr>
+          <p:cNvPr id="21" name="OTLSHAPE_T_9fdc1bd0f3ce4fcabc5c04ba06aee51a_Title">
+            <a:extLst>
+              <a:ext uri="{FF2B5EF4-FFF2-40B4-BE49-F238E27FC236}">
+                <a16:creationId xmlns:a16="http://schemas.microsoft.com/office/drawing/2014/main" id="{A13AC581-5A70-42E0-ACF0-8AC74AAB6434}"/>
+              </a:ext>
+            </a:extLst>
+          </p:cNvPr>
+          <p:cNvSpPr txBox="1"/>
+          <p:nvPr>
+            <p:custDataLst>
+              <p:tags r:id="rId25"/>
+            </p:custDataLst>
+          </p:nvPr>
+        </p:nvSpPr>
+        <p:spPr>
+          <a:xfrm>
+            <a:off x="127000" y="3961596"/>
+            <a:ext cx="1866900" cy="170519"/>
+          </a:xfrm>
+          <a:prstGeom prst="rect">
+            <a:avLst/>
+          </a:prstGeom>
+          <a:noFill/>
+        </p:spPr>
+        <p:txBody>
+          <a:bodyPr vert="horz" wrap="square" lIns="0" tIns="0" rIns="0" bIns="0" rtlCol="0" anchor="ctr" anchorCtr="0">
+            <a:spAutoFit/>
+          </a:bodyPr>
+          <a:lstStyle/>
+          <a:p>
+            <a:r>
+              <a:rPr lang="en-US" sz="1100" b="1" spc="-4">
+                <a:solidFill>
+                  <a:schemeClr val="dk1"/>
+                </a:solidFill>
+                <a:latin typeface="Calibri" panose="020F0502020204030204" pitchFamily="34" charset="0"/>
+              </a:rPr>
+              <a:t>Experiment with shapely cluster</a:t>
+            </a:r>
+          </a:p>
+        </p:txBody>
+      </p:sp>
+      <p:sp>
+        <p:nvSpPr>
+          <p:cNvPr id="24" name="OTLSHAPE_T_c8de343a7a8e4ef6a1e42c2a07c441f9_Duration" hidden="1">
+            <a:extLst>
+              <a:ext uri="{FF2B5EF4-FFF2-40B4-BE49-F238E27FC236}">
+                <a16:creationId xmlns:a16="http://schemas.microsoft.com/office/drawing/2014/main" id="{CC6893D0-9DE2-4A50-B966-54FE54A80A03}"/>
+              </a:ext>
+            </a:extLst>
+          </p:cNvPr>
+          <p:cNvSpPr txBox="1"/>
+          <p:nvPr>
+            <p:custDataLst>
+              <p:tags r:id="rId26"/>
+            </p:custDataLst>
+          </p:nvPr>
+        </p:nvSpPr>
+        <p:spPr>
+          <a:xfrm>
+            <a:off x="12700" y="12700"/>
+            <a:ext cx="0" cy="276999"/>
+          </a:xfrm>
+          <a:prstGeom prst="rect">
+            <a:avLst/>
+          </a:prstGeom>
+          <a:noFill/>
+        </p:spPr>
+        <p:txBody>
+          <a:bodyPr vert="horz" wrap="square" lIns="0" tIns="0" rIns="0" bIns="0" rtlCol="0" anchor="ctr" anchorCtr="0">
+            <a:spAutoFit/>
+          </a:bodyPr>
+          <a:lstStyle/>
+          <a:p>
+            <a:pPr algn="ctr"/>
+            <a:endParaRPr lang="en-US"/>
+          </a:p>
+        </p:txBody>
+      </p:sp>
+      <p:sp>
+        <p:nvSpPr>
+          <p:cNvPr id="25" name="OTLSHAPE_T_c8de343a7a8e4ef6a1e42c2a07c441f9_TextPercentage" hidden="1">
+            <a:extLst>
+              <a:ext uri="{FF2B5EF4-FFF2-40B4-BE49-F238E27FC236}">
+                <a16:creationId xmlns:a16="http://schemas.microsoft.com/office/drawing/2014/main" id="{A8CAABA9-9DA2-4C46-B7B9-C00EAE69890A}"/>
+              </a:ext>
+            </a:extLst>
+          </p:cNvPr>
+          <p:cNvSpPr txBox="1"/>
+          <p:nvPr>
+            <p:custDataLst>
+              <p:tags r:id="rId27"/>
+            </p:custDataLst>
+          </p:nvPr>
+        </p:nvSpPr>
+        <p:spPr>
+          <a:xfrm>
+            <a:off x="12700" y="12700"/>
+            <a:ext cx="0" cy="276999"/>
+          </a:xfrm>
+          <a:prstGeom prst="rect">
+            <a:avLst/>
+          </a:prstGeom>
+          <a:noFill/>
+        </p:spPr>
+        <p:txBody>
+          <a:bodyPr vert="horz" wrap="square" lIns="0" tIns="0" rIns="0" bIns="0" rtlCol="0" anchor="ctr" anchorCtr="0">
+            <a:spAutoFit/>
+          </a:bodyPr>
+          <a:lstStyle/>
+          <a:p>
+            <a:pPr algn="ctr"/>
+            <a:endParaRPr lang="en-US"/>
+          </a:p>
+        </p:txBody>
+      </p:sp>
+      <p:sp>
+        <p:nvSpPr>
+          <p:cNvPr id="26" name="OTLSHAPE_T_c8de343a7a8e4ef6a1e42c2a07c441f9_StartDate" hidden="1">
+            <a:extLst>
+              <a:ext uri="{FF2B5EF4-FFF2-40B4-BE49-F238E27FC236}">
+                <a16:creationId xmlns:a16="http://schemas.microsoft.com/office/drawing/2014/main" id="{C25B900F-DF4E-4BA6-9248-17F355FE98AC}"/>
+              </a:ext>
+            </a:extLst>
+          </p:cNvPr>
+          <p:cNvSpPr txBox="1"/>
+          <p:nvPr>
+            <p:custDataLst>
+              <p:tags r:id="rId28"/>
+            </p:custDataLst>
+          </p:nvPr>
+        </p:nvSpPr>
+        <p:spPr>
+          <a:xfrm>
+            <a:off x="12700" y="12700"/>
+            <a:ext cx="0" cy="276999"/>
+          </a:xfrm>
+          <a:prstGeom prst="rect">
+            <a:avLst/>
+          </a:prstGeom>
+          <a:noFill/>
+        </p:spPr>
+        <p:txBody>
+          <a:bodyPr vert="horz" wrap="square" lIns="0" tIns="0" rIns="0" bIns="0" rtlCol="0" anchor="ctr" anchorCtr="0">
+            <a:spAutoFit/>
+          </a:bodyPr>
+          <a:lstStyle/>
+          <a:p>
+            <a:pPr algn="ctr"/>
+            <a:endParaRPr lang="en-US"/>
+          </a:p>
+        </p:txBody>
+      </p:sp>
+      <p:sp>
+        <p:nvSpPr>
+          <p:cNvPr id="27" name="OTLSHAPE_T_c8de343a7a8e4ef6a1e42c2a07c441f9_EndDate" hidden="1">
+            <a:extLst>
+              <a:ext uri="{FF2B5EF4-FFF2-40B4-BE49-F238E27FC236}">
+                <a16:creationId xmlns:a16="http://schemas.microsoft.com/office/drawing/2014/main" id="{4A117A2D-2FC6-43D8-9553-27CA4AE056D5}"/>
+              </a:ext>
+            </a:extLst>
+          </p:cNvPr>
+          <p:cNvSpPr txBox="1"/>
+          <p:nvPr>
+            <p:custDataLst>
+              <p:tags r:id="rId29"/>
+            </p:custDataLst>
+          </p:nvPr>
+        </p:nvSpPr>
+        <p:spPr>
+          <a:xfrm>
+            <a:off x="12700" y="12700"/>
+            <a:ext cx="0" cy="276999"/>
+          </a:xfrm>
+          <a:prstGeom prst="rect">
+            <a:avLst/>
+          </a:prstGeom>
+          <a:noFill/>
+        </p:spPr>
+        <p:txBody>
+          <a:bodyPr vert="horz" wrap="square" lIns="0" tIns="0" rIns="0" bIns="0" rtlCol="0" anchor="ctr" anchorCtr="0">
+            <a:spAutoFit/>
+          </a:bodyPr>
+          <a:lstStyle/>
+          <a:p>
+            <a:pPr algn="ctr"/>
+            <a:endParaRPr lang="en-US"/>
+          </a:p>
+        </p:txBody>
+      </p:sp>
+      <p:sp>
+        <p:nvSpPr>
+          <p:cNvPr id="28" name="OTLSHAPE_T_c8de343a7a8e4ef6a1e42c2a07c441f9_JoinedDate">
+            <a:extLst>
+              <a:ext uri="{FF2B5EF4-FFF2-40B4-BE49-F238E27FC236}">
+                <a16:creationId xmlns:a16="http://schemas.microsoft.com/office/drawing/2014/main" id="{78E0362B-D8E4-4681-8F25-0C0511895840}"/>
+              </a:ext>
+            </a:extLst>
+          </p:cNvPr>
+          <p:cNvSpPr txBox="1"/>
+          <p:nvPr>
+            <p:custDataLst>
+              <p:tags r:id="rId30"/>
+            </p:custDataLst>
+          </p:nvPr>
+        </p:nvSpPr>
+        <p:spPr>
+          <a:xfrm>
+            <a:off x="7414206" y="4236043"/>
+            <a:ext cx="736600" cy="155025"/>
+          </a:xfrm>
+          <a:prstGeom prst="rect">
+            <a:avLst/>
+          </a:prstGeom>
+          <a:noFill/>
+        </p:spPr>
+        <p:txBody>
+          <a:bodyPr vert="horz" wrap="square" lIns="0" tIns="0" rIns="0" bIns="0" rtlCol="0" anchor="ctr" anchorCtr="0">
+            <a:spAutoFit/>
+          </a:bodyPr>
+          <a:lstStyle/>
+          <a:p>
+            <a:r>
+              <a:rPr lang="en-US" sz="1000" spc="-4">
+                <a:solidFill>
+                  <a:schemeClr val="dk2"/>
+                </a:solidFill>
+                <a:latin typeface="Calibri" panose="020F0502020204030204" pitchFamily="34" charset="0"/>
+              </a:rPr>
+              <a:t>Oct 20 - Nov 7</a:t>
+            </a:r>
+          </a:p>
+        </p:txBody>
+      </p:sp>
+      <p:sp>
+        <p:nvSpPr>
+          <p:cNvPr id="29" name="OTLSHAPE_T_c8de343a7a8e4ef6a1e42c2a07c441f9_Title">
+            <a:extLst>
+              <a:ext uri="{FF2B5EF4-FFF2-40B4-BE49-F238E27FC236}">
+                <a16:creationId xmlns:a16="http://schemas.microsoft.com/office/drawing/2014/main" id="{86E9737A-4C72-4E3F-A841-FD80CE0BBB8D}"/>
+              </a:ext>
+            </a:extLst>
+          </p:cNvPr>
+          <p:cNvSpPr txBox="1"/>
+          <p:nvPr>
+            <p:custDataLst>
+              <p:tags r:id="rId31"/>
+            </p:custDataLst>
+          </p:nvPr>
+        </p:nvSpPr>
+        <p:spPr>
+          <a:xfrm>
+            <a:off x="127000" y="4228296"/>
+            <a:ext cx="2870200" cy="170519"/>
+          </a:xfrm>
+          <a:prstGeom prst="rect">
+            <a:avLst/>
+          </a:prstGeom>
+          <a:noFill/>
+        </p:spPr>
+        <p:txBody>
+          <a:bodyPr vert="horz" wrap="square" lIns="0" tIns="0" rIns="0" bIns="0" rtlCol="0" anchor="ctr" anchorCtr="0">
+            <a:spAutoFit/>
+          </a:bodyPr>
+          <a:lstStyle/>
+          <a:p>
+            <a:r>
+              <a:rPr lang="en-US" sz="1100" b="1" spc="-4">
+                <a:solidFill>
+                  <a:schemeClr val="dk1"/>
+                </a:solidFill>
+                <a:latin typeface="Calibri" panose="020F0502020204030204" pitchFamily="34" charset="0"/>
+              </a:rPr>
+              <a:t>Develop labelling tool with smart labelling option</a:t>
+            </a:r>
+          </a:p>
+        </p:txBody>
+      </p:sp>
+      <p:sp>
+        <p:nvSpPr>
+          <p:cNvPr id="32" name="OTLSHAPE_T_81af1e597127426a927f19bf1ea63c13_Duration" hidden="1">
+            <a:extLst>
+              <a:ext uri="{FF2B5EF4-FFF2-40B4-BE49-F238E27FC236}">
+                <a16:creationId xmlns:a16="http://schemas.microsoft.com/office/drawing/2014/main" id="{F9B99AD6-097E-4A17-9F71-D60558B165A6}"/>
+              </a:ext>
+            </a:extLst>
+          </p:cNvPr>
+          <p:cNvSpPr txBox="1"/>
+          <p:nvPr>
+            <p:custDataLst>
+              <p:tags r:id="rId32"/>
+            </p:custDataLst>
+          </p:nvPr>
+        </p:nvSpPr>
+        <p:spPr>
+          <a:xfrm>
+            <a:off x="12700" y="12700"/>
+            <a:ext cx="0" cy="276999"/>
+          </a:xfrm>
+          <a:prstGeom prst="rect">
+            <a:avLst/>
+          </a:prstGeom>
+          <a:noFill/>
+        </p:spPr>
+        <p:txBody>
+          <a:bodyPr vert="horz" wrap="square" lIns="0" tIns="0" rIns="0" bIns="0" rtlCol="0" anchor="ctr" anchorCtr="0">
+            <a:spAutoFit/>
+          </a:bodyPr>
+          <a:lstStyle/>
+          <a:p>
+            <a:pPr algn="ctr"/>
+            <a:endParaRPr lang="en-US"/>
+          </a:p>
+        </p:txBody>
+      </p:sp>
+      <p:sp>
+        <p:nvSpPr>
+          <p:cNvPr id="33" name="OTLSHAPE_T_81af1e597127426a927f19bf1ea63c13_TextPercentage" hidden="1">
+            <a:extLst>
+              <a:ext uri="{FF2B5EF4-FFF2-40B4-BE49-F238E27FC236}">
+                <a16:creationId xmlns:a16="http://schemas.microsoft.com/office/drawing/2014/main" id="{C9B07E5F-6053-479B-81D6-A144D2BCCD1D}"/>
+              </a:ext>
+            </a:extLst>
+          </p:cNvPr>
+          <p:cNvSpPr txBox="1"/>
+          <p:nvPr>
+            <p:custDataLst>
+              <p:tags r:id="rId33"/>
+            </p:custDataLst>
+          </p:nvPr>
+        </p:nvSpPr>
+        <p:spPr>
+          <a:xfrm>
+            <a:off x="12700" y="12700"/>
+            <a:ext cx="0" cy="276999"/>
+          </a:xfrm>
+          <a:prstGeom prst="rect">
+            <a:avLst/>
+          </a:prstGeom>
+          <a:noFill/>
+        </p:spPr>
+        <p:txBody>
+          <a:bodyPr vert="horz" wrap="square" lIns="0" tIns="0" rIns="0" bIns="0" rtlCol="0" anchor="ctr" anchorCtr="0">
+            <a:spAutoFit/>
+          </a:bodyPr>
+          <a:lstStyle/>
+          <a:p>
+            <a:pPr algn="ctr"/>
+            <a:endParaRPr lang="en-US"/>
+          </a:p>
+        </p:txBody>
+      </p:sp>
+      <p:sp>
+        <p:nvSpPr>
+          <p:cNvPr id="34" name="OTLSHAPE_T_81af1e597127426a927f19bf1ea63c13_StartDate" hidden="1">
+            <a:extLst>
+              <a:ext uri="{FF2B5EF4-FFF2-40B4-BE49-F238E27FC236}">
+                <a16:creationId xmlns:a16="http://schemas.microsoft.com/office/drawing/2014/main" id="{A8A0EC74-5938-4140-9EC6-538FB91F347F}"/>
+              </a:ext>
+            </a:extLst>
+          </p:cNvPr>
+          <p:cNvSpPr txBox="1"/>
+          <p:nvPr>
+            <p:custDataLst>
+              <p:tags r:id="rId34"/>
+            </p:custDataLst>
+          </p:nvPr>
+        </p:nvSpPr>
+        <p:spPr>
+          <a:xfrm>
+            <a:off x="12700" y="12700"/>
+            <a:ext cx="0" cy="276999"/>
+          </a:xfrm>
+          <a:prstGeom prst="rect">
+            <a:avLst/>
+          </a:prstGeom>
+          <a:noFill/>
+        </p:spPr>
+        <p:txBody>
+          <a:bodyPr vert="horz" wrap="square" lIns="0" tIns="0" rIns="0" bIns="0" rtlCol="0" anchor="ctr" anchorCtr="0">
+            <a:spAutoFit/>
+          </a:bodyPr>
+          <a:lstStyle/>
+          <a:p>
+            <a:pPr algn="ctr"/>
+            <a:endParaRPr lang="en-US"/>
+          </a:p>
+        </p:txBody>
+      </p:sp>
+      <p:sp>
+        <p:nvSpPr>
+          <p:cNvPr id="35" name="OTLSHAPE_T_81af1e597127426a927f19bf1ea63c13_EndDate" hidden="1">
+            <a:extLst>
+              <a:ext uri="{FF2B5EF4-FFF2-40B4-BE49-F238E27FC236}">
+                <a16:creationId xmlns:a16="http://schemas.microsoft.com/office/drawing/2014/main" id="{81272DE5-0F12-4B6B-8345-9D6AA688F0ED}"/>
+              </a:ext>
+            </a:extLst>
+          </p:cNvPr>
+          <p:cNvSpPr txBox="1"/>
+          <p:nvPr>
+            <p:custDataLst>
+              <p:tags r:id="rId35"/>
+            </p:custDataLst>
+          </p:nvPr>
+        </p:nvSpPr>
+        <p:spPr>
+          <a:xfrm>
+            <a:off x="12700" y="12700"/>
+            <a:ext cx="0" cy="276999"/>
+          </a:xfrm>
+          <a:prstGeom prst="rect">
+            <a:avLst/>
+          </a:prstGeom>
+          <a:noFill/>
+        </p:spPr>
+        <p:txBody>
+          <a:bodyPr vert="horz" wrap="square" lIns="0" tIns="0" rIns="0" bIns="0" rtlCol="0" anchor="ctr" anchorCtr="0">
+            <a:spAutoFit/>
+          </a:bodyPr>
+          <a:lstStyle/>
+          <a:p>
+            <a:pPr algn="ctr"/>
+            <a:endParaRPr lang="en-US"/>
+          </a:p>
+        </p:txBody>
+      </p:sp>
+      <p:sp>
+        <p:nvSpPr>
+          <p:cNvPr id="36" name="OTLSHAPE_T_81af1e597127426a927f19bf1ea63c13_JoinedDate">
+            <a:extLst>
+              <a:ext uri="{FF2B5EF4-FFF2-40B4-BE49-F238E27FC236}">
+                <a16:creationId xmlns:a16="http://schemas.microsoft.com/office/drawing/2014/main" id="{69E0830E-6AA2-473D-B60E-A2055959E543}"/>
+              </a:ext>
+            </a:extLst>
+          </p:cNvPr>
+          <p:cNvSpPr txBox="1"/>
+          <p:nvPr>
+            <p:custDataLst>
+              <p:tags r:id="rId36"/>
+            </p:custDataLst>
+          </p:nvPr>
+        </p:nvSpPr>
+        <p:spPr>
+          <a:xfrm>
+            <a:off x="9783212" y="4502743"/>
+            <a:ext cx="762000" cy="155025"/>
+          </a:xfrm>
+          <a:prstGeom prst="rect">
+            <a:avLst/>
+          </a:prstGeom>
+          <a:noFill/>
+        </p:spPr>
+        <p:txBody>
+          <a:bodyPr vert="horz" wrap="square" lIns="0" tIns="0" rIns="0" bIns="0" rtlCol="0" anchor="ctr" anchorCtr="0">
+            <a:spAutoFit/>
+          </a:bodyPr>
+          <a:lstStyle/>
+          <a:p>
+            <a:r>
+              <a:rPr lang="en-US" sz="1000" spc="-4">
+                <a:solidFill>
+                  <a:schemeClr val="dk2"/>
+                </a:solidFill>
+                <a:latin typeface="Calibri" panose="020F0502020204030204" pitchFamily="34" charset="0"/>
+              </a:rPr>
+              <a:t>Nov 7 - Nov 21</a:t>
+            </a:r>
+          </a:p>
+        </p:txBody>
+      </p:sp>
+      <p:sp>
+        <p:nvSpPr>
+          <p:cNvPr id="37" name="OTLSHAPE_T_81af1e597127426a927f19bf1ea63c13_Title">
+            <a:extLst>
+              <a:ext uri="{FF2B5EF4-FFF2-40B4-BE49-F238E27FC236}">
+                <a16:creationId xmlns:a16="http://schemas.microsoft.com/office/drawing/2014/main" id="{4F9A70B6-5F23-4369-9C5A-271ECA1E9F2E}"/>
+              </a:ext>
+            </a:extLst>
+          </p:cNvPr>
+          <p:cNvSpPr txBox="1"/>
+          <p:nvPr>
+            <p:custDataLst>
+              <p:tags r:id="rId37"/>
+            </p:custDataLst>
+          </p:nvPr>
+        </p:nvSpPr>
+        <p:spPr>
+          <a:xfrm>
+            <a:off x="127000" y="4494996"/>
+            <a:ext cx="2514600" cy="170519"/>
+          </a:xfrm>
+          <a:prstGeom prst="rect">
+            <a:avLst/>
+          </a:prstGeom>
+          <a:noFill/>
+        </p:spPr>
+        <p:txBody>
+          <a:bodyPr vert="horz" wrap="square" lIns="0" tIns="0" rIns="0" bIns="0" rtlCol="0" anchor="ctr" anchorCtr="0">
+            <a:spAutoFit/>
+          </a:bodyPr>
+          <a:lstStyle/>
+          <a:p>
+            <a:r>
+              <a:rPr lang="en-US" sz="1100" b="1" spc="-2">
+                <a:solidFill>
+                  <a:schemeClr val="dk1"/>
+                </a:solidFill>
+                <a:latin typeface="Calibri" panose="020F0502020204030204" pitchFamily="34" charset="0"/>
+              </a:rPr>
+              <a:t>Experiment with people in the group (time)</a:t>
+            </a:r>
+          </a:p>
+        </p:txBody>
+      </p:sp>
+      <p:sp>
+        <p:nvSpPr>
+          <p:cNvPr id="38" name="Title 1">
+            <a:extLst>
+              <a:ext uri="{FF2B5EF4-FFF2-40B4-BE49-F238E27FC236}">
+                <a16:creationId xmlns:a16="http://schemas.microsoft.com/office/drawing/2014/main" id="{432450FD-51A7-4BB3-AE94-48096D1C7914}"/>
+              </a:ext>
+            </a:extLst>
+          </p:cNvPr>
+          <p:cNvSpPr txBox="1">
+            <a:spLocks/>
+          </p:cNvSpPr>
+          <p:nvPr/>
+        </p:nvSpPr>
+        <p:spPr>
+          <a:xfrm>
+            <a:off x="837982" y="365126"/>
+            <a:ext cx="10512862" cy="1325563"/>
+          </a:xfrm>
+          <a:prstGeom prst="rect">
+            <a:avLst/>
+          </a:prstGeom>
+        </p:spPr>
+        <p:txBody>
+          <a:bodyPr/>
+          <a:lstStyle>
+            <a:lvl1pPr algn="l" defTabSz="914126" rtl="0" eaLnBrk="1" latinLnBrk="0" hangingPunct="1">
+              <a:lnSpc>
+                <a:spcPct val="90000"/>
+              </a:lnSpc>
+              <a:spcBef>
+                <a:spcPct val="0"/>
+              </a:spcBef>
               <a:buNone/>
-            </a:pPr>
+              <a:defRPr sz="4399" kern="1200">
+                <a:solidFill>
+                  <a:schemeClr val="tx1"/>
+                </a:solidFill>
+                <a:latin typeface="+mj-lt"/>
+                <a:ea typeface="+mj-ea"/>
+                <a:cs typeface="+mj-cs"/>
+              </a:defRPr>
+            </a:lvl1pPr>
+          </a:lstStyle>
+          <a:p>
+            <a:r>
+              <a:rPr lang="en-US"/>
+              <a:t>Timeline </a:t>
+            </a:r>
             <a:endParaRPr lang="en-US" dirty="0"/>
           </a:p>
-          <a:p>
-            <a:endParaRPr lang="en-US" dirty="0"/>
-          </a:p>
-          <a:p>
-            <a:endParaRPr lang="en-US" dirty="0"/>
-          </a:p>
         </p:txBody>
       </p:sp>
     </p:spTree>
+    <p:custDataLst>
+      <p:tags r:id="rId1"/>
+    </p:custDataLst>
     <p:extLst>
       <p:ext uri="{BB962C8B-B14F-4D97-AF65-F5344CB8AC3E}">
-        <p14:creationId xmlns:p14="http://schemas.microsoft.com/office/powerpoint/2010/main" val="2922144509"/>
+        <p14:creationId xmlns:p14="http://schemas.microsoft.com/office/powerpoint/2010/main" val="1527837011"/>
       </p:ext>
     </p:extLst>
   </p:cSld>
@@ -11904,29 +10759,8 @@
                   <a:schemeClr val="accent6"/>
                 </a:solidFill>
               </a:rPr>
-              <a:t>Industrial use </a:t>
+              <a:t>Industrial use case: Shapely</a:t>
             </a:r>
-            <a:r>
-              <a:rPr lang="en-US" sz="4700" b="1" err="1">
-                <a:solidFill>
-                  <a:schemeClr val="accent6"/>
-                </a:solidFill>
-              </a:rPr>
-              <a:t>case</a:t>
-            </a:r>
-            <a:r>
-              <a:rPr lang="en-US" sz="4700" b="1">
-                <a:solidFill>
-                  <a:schemeClr val="accent6"/>
-                </a:solidFill>
-              </a:rPr>
-              <a:t>: Shapely</a:t>
-            </a:r>
-            <a:endParaRPr lang="en-US" sz="4700" b="1" dirty="0">
-              <a:solidFill>
-                <a:schemeClr val="accent6"/>
-              </a:solidFill>
-            </a:endParaRPr>
           </a:p>
         </p:txBody>
       </p:sp>
@@ -17405,145 +16239,6 @@
 <file path=ppt/slides/slide6.xml><?xml version="1.0" encoding="utf-8"?>
 <p:sld xmlns:a="http://schemas.openxmlformats.org/drawingml/2006/main" xmlns:r="http://schemas.openxmlformats.org/officeDocument/2006/relationships" xmlns:p="http://schemas.openxmlformats.org/presentationml/2006/main">
   <p:cSld>
-    <p:spTree>
-      <p:nvGrpSpPr>
-        <p:cNvPr id="1" name=""/>
-        <p:cNvGrpSpPr/>
-        <p:nvPr/>
-      </p:nvGrpSpPr>
-      <p:grpSpPr>
-        <a:xfrm>
-          <a:off x="0" y="0"/>
-          <a:ext cx="0" cy="0"/>
-          <a:chOff x="0" y="0"/>
-          <a:chExt cx="0" cy="0"/>
-        </a:xfrm>
-      </p:grpSpPr>
-      <p:sp>
-        <p:nvSpPr>
-          <p:cNvPr id="2" name="Title 1">
-            <a:extLst>
-              <a:ext uri="{FF2B5EF4-FFF2-40B4-BE49-F238E27FC236}">
-                <a16:creationId xmlns:a16="http://schemas.microsoft.com/office/drawing/2014/main" id="{2944D9F9-38E0-4EA7-B27D-B3EB53D65EC2}"/>
-              </a:ext>
-            </a:extLst>
-          </p:cNvPr>
-          <p:cNvSpPr>
-            <a:spLocks noGrp="1"/>
-          </p:cNvSpPr>
-          <p:nvPr>
-            <p:ph type="title"/>
-          </p:nvPr>
-        </p:nvSpPr>
-        <p:spPr/>
-        <p:txBody>
-          <a:bodyPr/>
-          <a:lstStyle/>
-          <a:p>
-            <a:r>
-              <a:rPr lang="en-US" dirty="0"/>
-              <a:t>Proposals</a:t>
-            </a:r>
-          </a:p>
-        </p:txBody>
-      </p:sp>
-      <p:graphicFrame>
-        <p:nvGraphicFramePr>
-          <p:cNvPr id="4" name="Diagram 3">
-            <a:extLst>
-              <a:ext uri="{FF2B5EF4-FFF2-40B4-BE49-F238E27FC236}">
-                <a16:creationId xmlns:a16="http://schemas.microsoft.com/office/drawing/2014/main" id="{7062C2FF-AFBA-4C8C-AB82-818010B120FB}"/>
-              </a:ext>
-            </a:extLst>
-          </p:cNvPr>
-          <p:cNvGraphicFramePr/>
-          <p:nvPr>
-            <p:extLst>
-              <p:ext uri="{D42A27DB-BD31-4B8C-83A1-F6EECF244321}">
-                <p14:modId xmlns:p14="http://schemas.microsoft.com/office/powerpoint/2010/main" val="2458825244"/>
-              </p:ext>
-            </p:extLst>
-          </p:nvPr>
-        </p:nvGraphicFramePr>
-        <p:xfrm>
-          <a:off x="2907770" y="1430414"/>
-          <a:ext cx="6373283" cy="3997171"/>
-        </p:xfrm>
-        <a:graphic>
-          <a:graphicData uri="http://schemas.openxmlformats.org/drawingml/2006/diagram">
-            <dgm:relIds xmlns:dgm="http://schemas.openxmlformats.org/drawingml/2006/diagram" xmlns:r="http://schemas.openxmlformats.org/officeDocument/2006/relationships" r:dm="rId2" r:lo="rId3" r:qs="rId4" r:cs="rId5"/>
-          </a:graphicData>
-        </a:graphic>
-      </p:graphicFrame>
-      <p:sp>
-        <p:nvSpPr>
-          <p:cNvPr id="7" name="Rectangle 6">
-            <a:extLst>
-              <a:ext uri="{FF2B5EF4-FFF2-40B4-BE49-F238E27FC236}">
-                <a16:creationId xmlns:a16="http://schemas.microsoft.com/office/drawing/2014/main" id="{7F5211DB-728F-4B43-A57C-E7E9C72F1AED}"/>
-              </a:ext>
-            </a:extLst>
-          </p:cNvPr>
-          <p:cNvSpPr/>
-          <p:nvPr/>
-        </p:nvSpPr>
-        <p:spPr>
-          <a:xfrm>
-            <a:off x="3351212" y="5562600"/>
-            <a:ext cx="6092825" cy="646331"/>
-          </a:xfrm>
-          <a:prstGeom prst="rect">
-            <a:avLst/>
-          </a:prstGeom>
-        </p:spPr>
-        <p:txBody>
-          <a:bodyPr>
-            <a:spAutoFit/>
-          </a:bodyPr>
-          <a:lstStyle/>
-          <a:p>
-            <a:pPr lvl="0"/>
-            <a:r>
-              <a:rPr lang="en-US" dirty="0">
-                <a:hlinkClick r:id="rId7"/>
-              </a:rPr>
-              <a:t>https://www.journals.elsevier.com/artificial-intelligence/call-for-papers/special-issue-on-explainable-artificial-intelligence</a:t>
-            </a:r>
-            <a:r>
-              <a:rPr lang="en-US" dirty="0"/>
-              <a:t> </a:t>
-            </a:r>
-          </a:p>
-        </p:txBody>
-      </p:sp>
-    </p:spTree>
-    <p:extLst>
-      <p:ext uri="{BB962C8B-B14F-4D97-AF65-F5344CB8AC3E}">
-        <p14:creationId xmlns:p14="http://schemas.microsoft.com/office/powerpoint/2010/main" val="2525625723"/>
-      </p:ext>
-    </p:extLst>
-  </p:cSld>
-  <p:clrMapOvr>
-    <a:masterClrMapping/>
-  </p:clrMapOvr>
-  <mc:AlternateContent xmlns:mc="http://schemas.openxmlformats.org/markup-compatibility/2006" xmlns:p14="http://schemas.microsoft.com/office/powerpoint/2010/main">
-    <mc:Choice Requires="p14">
-      <p:transition spd="med" p14:dur="700">
-        <p:fade/>
-      </p:transition>
-    </mc:Choice>
-    <mc:Fallback xmlns="">
-      <p:transition spd="med">
-        <p:fade/>
-      </p:transition>
-    </mc:Fallback>
-  </mc:AlternateContent>
-</p:sld>
-</file>
-
-<file path=ppt/slides/slide7.xml><?xml version="1.0" encoding="utf-8"?>
-<p:sld xmlns:a="http://schemas.openxmlformats.org/drawingml/2006/main" xmlns:r="http://schemas.openxmlformats.org/officeDocument/2006/relationships" xmlns:p="http://schemas.openxmlformats.org/presentationml/2006/main">
-  <p:cSld>
     <p:bg>
       <p:bgPr>
         <a:solidFill>
@@ -18223,7 +16918,7 @@
 </p:sld>
 </file>
 
-<file path=ppt/slides/slide8.xml><?xml version="1.0" encoding="utf-8"?>
+<file path=ppt/slides/slide7.xml><?xml version="1.0" encoding="utf-8"?>
 <p:sld xmlns:a="http://schemas.openxmlformats.org/drawingml/2006/main" xmlns:r="http://schemas.openxmlformats.org/officeDocument/2006/relationships" xmlns:p="http://schemas.openxmlformats.org/presentationml/2006/main">
   <p:cSld>
     <p:spTree>
@@ -18483,7 +17178,7 @@
 </p:sld>
 </file>
 
-<file path=ppt/slides/slide9.xml><?xml version="1.0" encoding="utf-8"?>
+<file path=ppt/slides/slide8.xml><?xml version="1.0" encoding="utf-8"?>
 <p:sld xmlns:a="http://schemas.openxmlformats.org/drawingml/2006/main" xmlns:r="http://schemas.openxmlformats.org/officeDocument/2006/relationships" xmlns:p="http://schemas.openxmlformats.org/presentationml/2006/main">
   <p:cSld>
     <p:spTree>
@@ -19116,14 +17811,378 @@
 </p:sld>
 </file>
 
+<file path=ppt/slides/slide9.xml><?xml version="1.0" encoding="utf-8"?>
+<p:sld xmlns:a="http://schemas.openxmlformats.org/drawingml/2006/main" xmlns:r="http://schemas.openxmlformats.org/officeDocument/2006/relationships" xmlns:p="http://schemas.openxmlformats.org/presentationml/2006/main">
+  <p:cSld>
+    <p:bg>
+      <p:bgPr>
+        <a:solidFill>
+          <a:schemeClr val="bg1"/>
+        </a:solidFill>
+        <a:effectLst/>
+      </p:bgPr>
+    </p:bg>
+    <p:spTree>
+      <p:nvGrpSpPr>
+        <p:cNvPr id="1" name=""/>
+        <p:cNvGrpSpPr/>
+        <p:nvPr/>
+      </p:nvGrpSpPr>
+      <p:grpSpPr>
+        <a:xfrm>
+          <a:off x="0" y="0"/>
+          <a:ext cx="0" cy="0"/>
+          <a:chOff x="0" y="0"/>
+          <a:chExt cx="0" cy="0"/>
+        </a:xfrm>
+      </p:grpSpPr>
+      <p:sp>
+        <p:nvSpPr>
+          <p:cNvPr id="2" name="Title 1">
+            <a:extLst>
+              <a:ext uri="{FF2B5EF4-FFF2-40B4-BE49-F238E27FC236}">
+                <a16:creationId xmlns:a16="http://schemas.microsoft.com/office/drawing/2014/main" id="{1711A4AF-46DD-4516-A84A-CC99499ACABC}"/>
+              </a:ext>
+            </a:extLst>
+          </p:cNvPr>
+          <p:cNvSpPr>
+            <a:spLocks noGrp="1"/>
+          </p:cNvSpPr>
+          <p:nvPr>
+            <p:ph type="title"/>
+          </p:nvPr>
+        </p:nvSpPr>
+        <p:spPr>
+          <a:xfrm>
+            <a:off x="648760" y="629266"/>
+            <a:ext cx="3504582" cy="1622321"/>
+          </a:xfrm>
+        </p:spPr>
+        <p:txBody>
+          <a:bodyPr>
+            <a:normAutofit/>
+          </a:bodyPr>
+          <a:lstStyle/>
+          <a:p>
+            <a:r>
+              <a:rPr lang="en-US" sz="3700"/>
+              <a:t>Experiment (smart labelling)</a:t>
+            </a:r>
+          </a:p>
+        </p:txBody>
+      </p:sp>
+      <p:sp>
+        <p:nvSpPr>
+          <p:cNvPr id="3" name="Content Placeholder 2">
+            <a:extLst>
+              <a:ext uri="{FF2B5EF4-FFF2-40B4-BE49-F238E27FC236}">
+                <a16:creationId xmlns:a16="http://schemas.microsoft.com/office/drawing/2014/main" id="{5907B05B-4A29-42BE-8D4F-3D02B97AE855}"/>
+              </a:ext>
+            </a:extLst>
+          </p:cNvPr>
+          <p:cNvSpPr>
+            <a:spLocks noGrp="1"/>
+          </p:cNvSpPr>
+          <p:nvPr>
+            <p:ph idx="1"/>
+          </p:nvPr>
+        </p:nvSpPr>
+        <p:spPr>
+          <a:xfrm>
+            <a:off x="648762" y="2438400"/>
+            <a:ext cx="3504581" cy="3785419"/>
+          </a:xfrm>
+        </p:spPr>
+        <p:txBody>
+          <a:bodyPr>
+            <a:normAutofit/>
+          </a:bodyPr>
+          <a:lstStyle/>
+          <a:p>
+            <a:r>
+              <a:rPr lang="en-US" sz="2000" dirty="0"/>
+              <a:t>Hypothesis:  Data points in same cluster contain same words, hence label is the same</a:t>
+            </a:r>
+          </a:p>
+          <a:p>
+            <a:r>
+              <a:rPr lang="en-US" sz="2000" dirty="0"/>
+              <a:t>Propagate label of center of cluster to all other cluster points</a:t>
+            </a:r>
+          </a:p>
+          <a:p>
+            <a:r>
+              <a:rPr lang="en-US" sz="2000" dirty="0"/>
+              <a:t>Test what happens to accuracy</a:t>
+            </a:r>
+          </a:p>
+        </p:txBody>
+      </p:sp>
+      <p:sp>
+        <p:nvSpPr>
+          <p:cNvPr id="73" name="Rectangle 72">
+            <a:extLst>
+              <a:ext uri="{FF2B5EF4-FFF2-40B4-BE49-F238E27FC236}">
+                <a16:creationId xmlns:a16="http://schemas.microsoft.com/office/drawing/2014/main" id="{5E39A796-BE83-48B1-B33F-35C4A32AAB57}"/>
+              </a:ext>
+              <a:ext uri="{C183D7F6-B498-43B3-948B-1728B52AA6E4}">
+                <adec:decorative xmlns:adec="http://schemas.microsoft.com/office/drawing/2017/decorative" val="1"/>
+              </a:ext>
+            </a:extLst>
+          </p:cNvPr>
+          <p:cNvSpPr>
+            <a:spLocks noGrp="1" noRot="1" noChangeAspect="1" noMove="1" noResize="1" noEditPoints="1" noAdjustHandles="1" noChangeArrowheads="1" noChangeShapeType="1" noTextEdit="1"/>
+          </p:cNvSpPr>
+          <p:nvPr>
+            <p:extLst>
+              <p:ext uri="{386F3935-93C4-4BCD-93E2-E3B085C9AB24}">
+                <p16:designElem xmlns:p16="http://schemas.microsoft.com/office/powerpoint/2015/main" val="1"/>
+              </p:ext>
+            </p:extLst>
+          </p:nvPr>
+        </p:nvSpPr>
+        <p:spPr>
+          <a:xfrm>
+            <a:off x="4637847" y="0"/>
+            <a:ext cx="7550978" cy="6858000"/>
+          </a:xfrm>
+          <a:prstGeom prst="rect">
+            <a:avLst/>
+          </a:prstGeom>
+          <a:solidFill>
+            <a:srgbClr val="C8CACA"/>
+          </a:solidFill>
+          <a:ln>
+            <a:noFill/>
+          </a:ln>
+        </p:spPr>
+        <p:style>
+          <a:lnRef idx="2">
+            <a:schemeClr val="accent1">
+              <a:shade val="50000"/>
+            </a:schemeClr>
+          </a:lnRef>
+          <a:fillRef idx="1">
+            <a:schemeClr val="accent1"/>
+          </a:fillRef>
+          <a:effectRef idx="0">
+            <a:schemeClr val="accent1"/>
+          </a:effectRef>
+          <a:fontRef idx="minor">
+            <a:schemeClr val="lt1"/>
+          </a:fontRef>
+        </p:style>
+        <p:txBody>
+          <a:bodyPr rtlCol="0" anchor="ctr"/>
+          <a:lstStyle/>
+          <a:p>
+            <a:pPr algn="ctr"/>
+            <a:endParaRPr lang="en-US"/>
+          </a:p>
+        </p:txBody>
+      </p:sp>
+      <p:sp>
+        <p:nvSpPr>
+          <p:cNvPr id="75" name="Rounded Rectangle 9">
+            <a:extLst>
+              <a:ext uri="{FF2B5EF4-FFF2-40B4-BE49-F238E27FC236}">
+                <a16:creationId xmlns:a16="http://schemas.microsoft.com/office/drawing/2014/main" id="{72F84B47-E267-4194-8194-831DB7B5547F}"/>
+              </a:ext>
+              <a:ext uri="{C183D7F6-B498-43B3-948B-1728B52AA6E4}">
+                <adec:decorative xmlns:adec="http://schemas.microsoft.com/office/drawing/2017/decorative" val="1"/>
+              </a:ext>
+            </a:extLst>
+          </p:cNvPr>
+          <p:cNvSpPr>
+            <a:spLocks noGrp="1" noRot="1" noChangeAspect="1" noMove="1" noResize="1" noEditPoints="1" noAdjustHandles="1" noChangeArrowheads="1" noChangeShapeType="1" noTextEdit="1"/>
+          </p:cNvSpPr>
+          <p:nvPr>
+            <p:extLst>
+              <p:ext uri="{386F3935-93C4-4BCD-93E2-E3B085C9AB24}">
+                <p16:designElem xmlns:p16="http://schemas.microsoft.com/office/powerpoint/2015/main" val="1"/>
+              </p:ext>
+            </p:extLst>
+          </p:nvPr>
+        </p:nvSpPr>
+        <p:spPr>
+          <a:xfrm>
+            <a:off x="5122353" y="484632"/>
+            <a:ext cx="6582384" cy="5739187"/>
+          </a:xfrm>
+          <a:prstGeom prst="roundRect">
+            <a:avLst>
+              <a:gd name="adj" fmla="val 0"/>
+            </a:avLst>
+          </a:prstGeom>
+          <a:solidFill>
+            <a:srgbClr val="FFFFFF"/>
+          </a:solidFill>
+          <a:ln w="9525">
+            <a:solidFill>
+              <a:srgbClr val="C8CACA"/>
+            </a:solidFill>
+          </a:ln>
+          <a:effectLst>
+            <a:outerShdw blurRad="57150" dist="19050" dir="5400000" algn="t" rotWithShape="0">
+              <a:prstClr val="black">
+                <a:alpha val="63000"/>
+              </a:prstClr>
+            </a:outerShdw>
+          </a:effectLst>
+        </p:spPr>
+        <p:style>
+          <a:lnRef idx="2">
+            <a:schemeClr val="accent1">
+              <a:shade val="50000"/>
+            </a:schemeClr>
+          </a:lnRef>
+          <a:fillRef idx="1">
+            <a:schemeClr val="accent1"/>
+          </a:fillRef>
+          <a:effectRef idx="0">
+            <a:schemeClr val="accent1"/>
+          </a:effectRef>
+          <a:fontRef idx="minor">
+            <a:schemeClr val="lt1"/>
+          </a:fontRef>
+        </p:style>
+        <p:txBody>
+          <a:bodyPr rtlCol="0" anchor="ctr"/>
+          <a:lstStyle/>
+          <a:p>
+            <a:pPr algn="ctr"/>
+            <a:endParaRPr lang="en-US"/>
+          </a:p>
+        </p:txBody>
+      </p:sp>
+      <p:pic>
+        <p:nvPicPr>
+          <p:cNvPr id="5126" name="Picture 6" descr="Image result for k means clustering">
+            <a:extLst>
+              <a:ext uri="{FF2B5EF4-FFF2-40B4-BE49-F238E27FC236}">
+                <a16:creationId xmlns:a16="http://schemas.microsoft.com/office/drawing/2014/main" id="{E2AE82FB-300E-4B90-81CA-E083604B119F}"/>
+              </a:ext>
+            </a:extLst>
+          </p:cNvPr>
+          <p:cNvPicPr>
+            <a:picLocks noChangeAspect="1" noChangeArrowheads="1"/>
+          </p:cNvPicPr>
+          <p:nvPr/>
+        </p:nvPicPr>
+        <p:blipFill>
+          <a:blip r:embed="rId2">
+            <a:extLst>
+              <a:ext uri="{28A0092B-C50C-407E-A947-70E740481C1C}">
+                <a14:useLocalDpi xmlns:a14="http://schemas.microsoft.com/office/drawing/2010/main" val="0"/>
+              </a:ext>
+            </a:extLst>
+          </a:blip>
+          <a:srcRect/>
+          <a:stretch>
+            <a:fillRect/>
+          </a:stretch>
+        </p:blipFill>
+        <p:spPr bwMode="auto">
+          <a:xfrm>
+            <a:off x="5789612" y="838200"/>
+            <a:ext cx="4723171" cy="4648200"/>
+          </a:xfrm>
+          <a:prstGeom prst="rect">
+            <a:avLst/>
+          </a:prstGeom>
+          <a:noFill/>
+          <a:extLst>
+            <a:ext uri="{909E8E84-426E-40DD-AFC4-6F175D3DCCD1}">
+              <a14:hiddenFill xmlns:a14="http://schemas.microsoft.com/office/drawing/2010/main">
+                <a:solidFill>
+                  <a:srgbClr val="FFFFFF"/>
+                </a:solidFill>
+              </a14:hiddenFill>
+            </a:ext>
+          </a:extLst>
+        </p:spPr>
+      </p:pic>
+    </p:spTree>
+    <p:extLst>
+      <p:ext uri="{BB962C8B-B14F-4D97-AF65-F5344CB8AC3E}">
+        <p14:creationId xmlns:p14="http://schemas.microsoft.com/office/powerpoint/2010/main" val="1791860718"/>
+      </p:ext>
+    </p:extLst>
+  </p:cSld>
+  <p:clrMapOvr>
+    <a:masterClrMapping/>
+  </p:clrMapOvr>
+  <mc:AlternateContent xmlns:mc="http://schemas.openxmlformats.org/markup-compatibility/2006" xmlns:p14="http://schemas.microsoft.com/office/powerpoint/2010/main">
+    <mc:Choice Requires="p14">
+      <p:transition spd="med" p14:dur="700">
+        <p:fade/>
+      </p:transition>
+    </mc:Choice>
+    <mc:Fallback xmlns="">
+      <p:transition spd="med">
+        <p:fade/>
+      </p:transition>
+    </mc:Fallback>
+  </mc:AlternateContent>
+</p:sld>
+</file>
+
 <file path=ppt/tags/tag1.xml><?xml version="1.0" encoding="utf-8"?>
 <p:tagLst xmlns:a="http://schemas.openxmlformats.org/drawingml/2006/main" xmlns:r="http://schemas.openxmlformats.org/officeDocument/2006/relationships" xmlns:p="http://schemas.openxmlformats.org/presentationml/2006/main">
+  <p:tag name="__PART_0" val="eyIkaWQiOiIxIiwiQ3VsdHVyZUluZm9OYW1lIjoiZW4tVVMiLCJTdHlsZU5hbWUiOm51bGwsIlZlcnNpb24iOnsiJGlkIjoiMiIsIlZlcnNpb24iOiIzLjIuMCIsIk9yaWdpbmFsQXNzZW1ibHlWZXJzaW9uIjoiNC4wMC4wMS4wMCIsIkVkaXRpb24iOiJQcm8iLCJJc1BsdXNFZGl0aW9uIjp0cnVlLCJJc1Byb0VkaXRpb24iOnRydWV9LCJFZmZlY3QiOjEsIlN0eWxlIjp7IiRpZCI6IjMiLCJUaW1lYmFuZFN0eWxlIjp7IiRpZCI6IjQiLCJTY2FsZU1hcmtpbmciOjAsIlNoYXBlIjowLCJTaGFwZVN0eWxlIjp7IiRpZCI6IjUiLCJNYXJnaW4iOnsiJGlkIjoiNiIsIlRvcCI6MCwiTGVmdCI6MTIsIlJpZ2h0IjoxMiwiQm90dG9tIjowfSwiUGFkZGluZyI6eyIkaWQiOiI3IiwiVG9wIjo3LCJMZWZ0IjowLCJSaWdodCI6MCwiQm90dG9tIjo3fSwiQmFja2dyb3VuZCI6eyIkaWQiOiI4IiwiQ29sb3IiOnsiJGlkIjoiOSIsIkEiOjI1NSwiUiI6NjgsIkciOjg0LCJCIjoxMDZ9fSwiSXNWaXNpYmxlIjp0cnVlLCJXaWR0aCI6ODU4LjAsIkhlaWdodCI6MzAuMCwiQm9yZGVyU3R5bGUiOnsiJGlkIjoiMTAiLCJMaW5lQ29sb3IiOnsiJGlkIjoiMTEiLCIkdHlwZSI6Ik5MUkUuQ29tbW9uLkRvbS5Tb2xpZENvbG9yQnJ1c2gsIE5MUkUuQ29tbW9uIiwiQ29sb3IiOnsiJGlkIjoiMTIiLCJBIjoyNTUsIlIiOjI1NSwiRyI6MCwiQiI6MH19LCJMaW5lV2VpZ2h0IjowLjAsIkxpbmVUeXBlIjowLCJQYXJlbnRTdHlsZSI6bnVsbH0sIlBhcmVudFN0eWxlIjpudWxsfSwiUmlnaHRFbmRDYXBzU3R5bGUiOnsiJGlkIjoiMTMiLCJGb250U2V0dGluZ3MiOnsiJGlkIjoiMTQiLCJGb250U2l6ZSI6MTgsIkZvbnROYW1lIjoiQ2FsaWJyaSIsIklzQm9sZCI6dHJ1ZSwiSXNJdGFsaWMiOmZhbHNlLCJJc1VuZGVybGluZWQiOmZhbHNlLCJQYXJlbnRTdHlsZSI6bnVsbH0sIkF1dG9TaXplIjowLCJGb3JlZ3JvdW5kIjp7IiRpZCI6IjE1IiwiQ29sb3IiOnsiJGlkIjoiMTYiLCJBIjoyNTUsIlIiOjIzNywiRyI6MTI1LCJCIjo0OX19LCJNYXhXaWR0aCI6IkluZmluaXR5IiwiTWF4SGVpZ2h0IjoiSW5maW5pdHkiLCJTbWFydEZvcmVncm91bmRJc0FjdGl2ZSI6ZmFsc2UsIkhvcml6b250YWxBbGlnbm1lbnQiOjAsIlZlcnRpY2FsQWxpZ25tZW50IjowLCJTbWFydEZvcmVncm91bmQiOm51bGwsIkJhY2tncm91bmRGaWxsVHlwZSI6MCwiTWFyZ2luIjp7IiRpZCI6IjE3IiwiVG9wIjowLCJMZWZ0IjowLCJSaWdodCI6MjUsIkJvdHRvbSI6MH0sIlBhZGRpbmciOnsiJGlkIjoiMTgiLCJUb3AiOjAsIkxlZnQiOjAsIlJpZ2h0IjowLCJCb3R0b20iOjB9LCJCYWNrZ3JvdW5kIjp7IiRpZCI6IjE5IiwiQ29sb3IiOnsiJGlkIjoiMjAiLCJBIjo4OSwiUiI6MCwiRyI6MCwiQiI6MH19LCJJc1Zpc2libGUiOnRydWUsIldpZHRoIjowLjAsIkhlaWdodCI6MC4wLCJCb3JkZXJTdHlsZSI6bnVsbCwiUGFyZW50U3R5bGUiOm51bGx9LCJMZWZ0RW5kQ2Fwc1N0eWxlIjp7IiRpZCI6IjIxIiwiRm9udFNldHRpbmdzIjp7IiRpZCI6IjIyIiwiRm9udFNpemUiOjE4LCJGb250TmFtZSI6IkNhbGlicmkiLCJJc0JvbGQiOnRydWUsIklzSXRhbGljIjpmYWxzZSwiSXNVbmRlcmxpbmVkIjpmYWxzZSwiUGFyZW50U3R5bGUiOm51bGx9LCJBdXRvU2l6ZSI6MCwiRm9yZWdyb3VuZCI6eyIkaWQiOiIyMyIsIkNvbG9yIjp7IiRpZCI6IjI0IiwiQSI6MjU1LCJSIjoyMzcsIkciOjEyNSwiQiI6NDl9fSwiTWF4V2lkdGgiOiJJbmZpbml0eSIsIk1heEhlaWdodCI6IkluZmluaXR5IiwiU21hcnRGb3JlZ3JvdW5kSXNBY3RpdmUiOmZhbHNlLCJIb3Jpem9udGFsQWxpZ25tZW50IjowLCJWZXJ0aWNhbEFsaWdubWVudCI6MCwiU21hcnRGb3JlZ3JvdW5kIjpudWxsLCJCYWNrZ3JvdW5kRmlsbFR5cGUiOjAsIk1hcmdpbiI6eyIkaWQiOiIyNSIsIlRvcCI6MCwiTGVmdCI6MjUsIlJpZ2h0IjowLCJCb3R0b20iOjB9LCJQYWRkaW5nIjp7IiRpZCI6IjI2IiwiVG9wIjowLCJMZWZ0IjowLCJSaWdodCI6MCwiQm90dG9tIjowfSwiQmFja2dyb3VuZCI6eyIkaWQiOiIyNyIsIkNvbG9yIjp7IiRyZWYiOiIyMCJ9fSwiSXNWaXNpYmxlIjp0cnVlLCJXaWR0aCI6MC4wLCJIZWlnaHQiOjAuMCwiQm9yZGVyU3R5bGUiOm51bGwsIlBhcmVudFN0eWxlIjpudWxsfSwiVG9kYXlUZXh0U3R5bGUiOnsiJGlkIjoiMjgiLCJGb250U2V0dGluZ3MiOnsiJGlkIjoiMjkiLCJGb250U2l6ZSI6MTIsIkZvbnROYW1lIjoiQ2FsaWJyaSIsIklzQm9sZCI6ZmFsc2UsIklzSXRhbGljIjpmYWxzZSwiSXNVbmRlcmxpbmVkIjpmYWxzZSwiUGFyZW50U3R5bGUiOm51bGx9LCJBdXRvU2l6ZSI6MCwiRm9yZWdyb3VuZCI6eyIkaWQiOiIzMCIsIkNvbG9yIjp7IiRpZCI6IjMxIiwiQSI6MjU1LCJSIjowLCJHIjowLCJCIjowfX0sIk1heFdpZHRoIjoyMDAuMCwiTWF4SGVpZ2h0IjoiSW5maW5pdHkiLCJTbWFydEZvcmVncm91bmRJc0FjdGl2ZSI6ZmFsc2UsIkhvcml6b250YWxBbGlnbm1lbnQiOjAsIlZlcnRpY2FsQWxpZ25tZW50IjowLCJTbWFydEZvcmVncm91bmQiOm51bGwsIkJhY2tncm91bmRGaWxsVHlwZSI6MCwiTWFyZ2luIjp7IiRpZCI6IjMyIiwiVG9wIjowLCJMZWZ0IjowLCJSaWdodCI6MCwiQm90dG9tIjowfSwiUGFkZGluZyI6eyIkaWQiOiIzMyIsIlRvcCI6MCwiTGVmdCI6MCwiUmlnaHQiOjAsIkJvdHRvbSI6MH0sIkJhY2tncm91bmQiOnsiJGlkIjoiMzQiLCJDb2xvciI6eyIkcmVmIjoiMjAifX0sIklzVmlzaWJsZSI6dHJ1ZSwiV2lkdGgiOjAuMCwiSGVpZ2h0IjowLjAsIkJvcmRlclN0eWxlIjpudWxsLCJQYXJlbnRTdHlsZSI6bnVsbH0sIlRvZGF5TWFya2VyU3R5bGUiOnsiJGlkIjoiMzUiLCJNYXJnaW4iOnsiJGlkIjoiMzYiLCJUb3AiOjAsIkxlZnQiOjAsIlJpZ2h0IjowLCJCb3R0b20iOjB9LCJQYWRkaW5nIjp7IiRpZCI6IjM3IiwiVG9wIjowLCJMZWZ0IjowLCJSaWdodCI6MCwiQm90dG9tIjowfSwiQmFja2dyb3VuZCI6eyIkaWQiOiIzOCIsIkNvbG9yIjp7IiRpZCI6IjM5IiwiQSI6MjU1LCJSIjoyNTUsIkciOjAsIkIiOjB9fSwiSXNWaXNpYmxlIjp0cnVlLCJXaWR0aCI6MC4wLCJIZWlnaHQiOjAuMCwiQm9yZGVyU3R5bGUiOm51bGwsIlBhcmVudFN0eWxlIjpudWxsfSwiU2NhbGVTdHlsZSI6eyIkaWQiOiI0MCIsIlNob3dTZWdtZW50U2VwYXJhdG9ycyI6dHJ1ZSwiU2VnbWVudFNlcGFyYXRvck9wYWNpdHkiOjMwLCJGb250U2V0dGluZ3MiOnsiJGlkIjoiNDEiLCJGb250U2l6ZSI6MTIsIkZvbnROYW1lIjoiQ2FsaWJyaSIsIklzQm9sZCI6ZmFsc2UsIklzSXRhbGljIjpmYWxzZSwiSXNVbmRlcmxpbmVkIjpmYWxzZSwiUGFyZW50U3R5bGUiOm51bGx9LCJBdXRvU2l6ZSI6MCwiRm9yZWdyb3VuZCI6eyIkaWQiOiI0MiIsIkNvbG9yIjp7IiRpZCI6IjQzIiwiQSI6MjU1LCJSIjoyNTUsIkciOjI1NSwiQiI6MjU1fX0sIk1heFdpZHRoIjoyMDAuMCwiTWF4SGVpZ2h0IjoiSW5maW5pdHkiLCJTbWFydEZvcmVncm91bmRJc0FjdGl2ZSI6ZmFsc2UsIkhvcml6b250YWxBbGlnbm1lbnQiOjAsIlZlcnRpY2FsQWxpZ25tZW50IjoxLCJTbWFydEZvcmVncm91bmQiOm51bGwsIkJhY2tncm91bmRGaWxsVHlwZSI6MCwiTWFyZ2luIjp7IiRpZCI6IjQ0IiwiVG9wIjowLCJMZWZ0Ijo1LCJSaWdodCI6MCwiQm90dG9tIjowfSwiUGFkZGluZyI6eyIkaWQiOiI0NSIsIlRvcCI6MCwiTGVmdCI6MCwiUmlnaHQiOjAsIkJvdHRvbSI6MH0sIkJhY2tncm91bmQiOnsiJGlkIjoiNDYiLCJDb2xvciI6eyIkcmVmIjoiMjAifX0sIklzVmlzaWJsZSI6dHJ1ZSwiV2lkdGgiOjAuMCwiSGVpZ2h0IjowLjAsIkJvcmRlclN0eWxlIjpudWxsLCJQYXJlbnRTdHlsZSI6bnVsbH0sIkVsYXBzZWRUaW1lQmFja2dyb3VuZCI6eyIkaWQiOiI0NyIsIkNvbG9yIjp7IiRpZCI6IjQ4IiwiQSI6MTkxLCJSIjoyNTUsIkciOjAsIkIiOjB9fSwiQXBwZW5kWWVhck9uWWVhckNoYW5nZSI6dHJ1ZSwiRWxhcHNlZFRpbWVGb3JtYXQiOjIsIlRvZGF5TWFya2VyUG9zaXRpb24iOjMsIlF1aWNrUG9zaXRpb24iOjEsIkFic29sdXRlUG9zaXRpb24iOjI0MC4wLCJNYXJnaW4iOnsiJGlkIjoiNDkiLCJUb3AiOjAsIkxlZnQiOjEwLCJSaWdodCI6MTAsIkJvdHRvbSI6MH0sIlBhZGRpbmciOnsiJGlkIjoiNTAiLCJUb3AiOjAsIkxlZnQiOjAsIlJpZ2h0IjowLCJCb3R0b20iOjB9LCJCYWNrZ3JvdW5kIjp7IiRpZCI6IjUxIiwiQ29sb3IiOnsiJGlkIjoiNTIiLCJBIjoyNTUsIlIiOjMxLCJHIjo3MywiQiI6MTI1fX0sIklzVmlzaWJsZSI6dHJ1ZSwiV2lkdGgiOjAuMCwiSGVpZ2h0IjowLjAsIkJvcmRlclN0eWxlIjpudWxsLCJQYXJlbnRTdHlsZSI6bnVsbH0sIkRlZmF1bHRNaWxlc3RvbmVTdHlsZSI6eyIkaWQiOiI1MyIsIlNoYXBlIjowLCJDb25uZWN0b3JNYXJnaW4iOnsiJGlkIjoiNTQiLCJUb3AiOjAsIkxlZnQiOjIsIlJpZ2h0IjoyLCJCb3R0b20iOjB9LCJDb25uZWN0b3JTdHlsZSI6eyIkaWQiOiI1NSIsIkxpbmVDb2xvciI6eyIkaWQiOiI1NiIsIiR0eXBlIjoiTkxSRS5Db21tb24uRG9tLlNvbGlkQ29sb3JCcnVzaCwgTkxSRS5Db21tb24iLCJDb2xvciI6eyIkaWQiOiI1NyIsIkEiOjEyNywiUiI6MzEsIkciOjczLCJCIjoxMjZ9fSwiTGluZVdlaWdodCI6MS4wLCJMaW5lVHlwZSI6MCwiUGFyZW50U3R5bGUiOm51bGx9LCJJc0JlbG93VGltZWJhbmQiOmZhbHNlLCJQb3NpdGlvbk9uVGFzayI6MCwiSGlkZURhdGUiOmZhbHNlLCJTaGFwZVNpemUiOjEsIlNwYWNpbmciOjEuMCwiUGFkZGluZyI6eyIkaWQiOiI1OCIsIlRvcCI6NywiTGVmdCI6MywiUmlnaHQiOjAsIkJvdHRvbSI6Mn0sIlNoYXBlU3R5bGUiOnsiJGlkIjoiNTkiLCJNYXJnaW4iOnsiJGlkIjoiNjAiLCJUb3AiOjAsIkxlZnQiOjAsIlJpZ2h0IjowLCJCb3R0b20iOjB9LCJQYWRkaW5nIjp7IiRpZCI6IjYxIiwiVG9wIjowLCJMZWZ0IjowLCJSaWdodCI6MCwiQm90dG9tIjowfSwiQmFja2dyb3VuZCI6eyIkaWQiOiI2MiIsIkNvbG9yIjp7IiRpZCI6IjYzIiwiQSI6MjU1LCJSIjowLCJHIjoxMTQsIkIiOjE4OH19LCJJc1Zpc2libGUiOnRydWUsIldpZHRoIjoxOC4wLCJIZWlnaHQiOjIwLjAsIkJvcmRlclN0eWxlIjp7IiRpZCI6IjY0IiwiTGluZUNvbG9yIjp7IiRpZCI6IjY1IiwiJHR5cGUiOiJOTFJFLkNvbW1vbi5Eb20uU29saWRDb2xvckJydXNoLCBOTFJFLkNvbW1vbiIsIkNvbG9yIjp7IiRpZCI6IjY2IiwiQSI6MjU1LCJSIjoyNTUsIkciOjAsIkIiOjB9fSwiTGluZVdlaWdodCI6MC4wLCJMaW5lVHlwZSI6MCwiUGFyZW50U3R5bGUiOm51bGx9LCJQYXJlbnRTdHlsZSI6bnVsbH0sIlRpdGxlU3R5bGUiOnsiJGlkIjoiNjciLCJGb250U2V0dGluZ3MiOnsiJGlkIjoiNjgiLCJGb250U2l6ZSI6MTEsIkZvbnROYW1lIjoiQ2FsaWJyaSIsIklzQm9sZCI6dHJ1ZSwiSXNJdGFsaWMiOmZhbHNlLCJJc1VuZGVybGluZWQiOmZhbHNlLCJQYXJlbnRTdHlsZSI6bnVsbH0sIkF1dG9TaXplIjowLCJGb3JlZ3JvdW5kIjp7IiRpZCI6IjY5IiwiQ29sb3IiOnsiJGlkIjoiNzAiLCJBIjoyNTUsIlIiOjAsIkciOjAsIkIiOjB9fSwiTWF4V2lkdGgiOjIwMC4wLCJNYXhIZWlnaHQiOiJJbmZpbml0eSIsIlNtYXJ0Rm9yZWdyb3VuZElzQWN0aXZlIjpmYWxzZSwiSG9yaXpvbnRhbEFsaWdubWVudCI6MSwiVmVydGljYWxBbGlnbm1lbnQiOjAsIlNtYXJ0Rm9yZWdyb3VuZCI6bnVsbCwiQmFja2dyb3VuZEZpbGxUeXBlIjowLCJNYXJnaW4iOnsiJGlkIjoiNzEiLCJUb3AiOjAsIkxlZnQiOjAsIlJpZ2h0IjowLCJCb3R0b20iOjB9LCJQYWRkaW5nIjp7IiRpZCI6IjcyIiwiVG9wIjowLCJMZWZ0IjowLCJSaWdodCI6MCwiQm90dG9tIjowfSwiQmFja2dyb3VuZCI6eyIkaWQiOiI3MyIsIkNvbG9yIjp7IiRyZWYiOiIyMCJ9fSwiSXNWaXNpYmxlIjp0cnVlLCJXaWR0aCI6MC4wLCJIZWlnaHQiOjAuMCwiQm9yZGVyU3R5bGUiOm51bGwsIlBhcmVudFN0eWxlIjpudWxsfSwiRGF0ZVN0eWxlIjp7IiRpZCI6Ijc0IiwiRm9udFNldHRpbmdzIjp7IiRpZCI6Ijc1IiwiRm9udFNpemUiOjEwLCJGb250TmFtZSI6IkNhbGlicmkiLCJJc0JvbGQiOmZhbHNlLCJJc0l0YWxpYyI6ZmFsc2UsIklzVW5kZXJsaW5lZCI6ZmFsc2UsIlBhcmVudFN0eWxlIjpudWxsfSwiQXV0b1NpemUiOjAsIkZvcmVncm91bmQiOnsiJGlkIjoiNzYiLCJDb2xvciI6eyIkaWQiOiI3NyIsIkEiOjI1NSwiUiI6NjgsIkciOjg0LCJCIjoxMDZ9fSwiTWF4V2lkdGgiOjIwMC4wLCJNYXhIZWlnaHQiOiJJbmZpbml0eSIsIlNtYXJ0Rm9yZWdyb3VuZElzQWN0aXZlIjpmYWxzZSwiSG9yaXpvbnRhbEFsaWdubWVudCI6MCwiVmVydGljYWxBbGlnbm1lbnQiOjAsIlNtYXJ0Rm9yZWdyb3VuZCI6bnVsbCwiQmFja2dyb3VuZEZpbGxUeXBlIjowLCJNYXJnaW4iOnsiJGlkIjoiNzgiLCJUb3AiOjAsIkxlZnQiOjAsIlJpZ2h0IjowLCJCb3R0b20iOjB9LCJQYWRkaW5nIjp7IiRpZCI6Ijc5IiwiVG9wIjowLCJMZWZ0IjowLCJSaWdodCI6MCwiQm90dG9tIjowfSwiQmFja2dyb3VuZCI6eyIkaWQiOiI4MCIsIkNvbG9yIjp7IiRyZWYiOiIyMCJ9fSwiSXNWaXNpYmxlIjp0cnVlLCJXaWR0aCI6MC4wLCJIZWlnaHQiOjAuMCwiQm9yZGVyU3R5bGUiOm51bGwsIlBhcmVudFN0eWxlIjpudWxsfSwiRGF0ZUZvcm1hdCI6eyIkaWQiOiI4MSIsIkZvcm1hdFN0cmluZyI6Ik1NTSBkIiwiU2VwYXJhdG9yIjoiLyIsIlVzZUludGVybmF0aW9uYWxEYXRlRm9ybWF0IjpmYWxzZSwiRGF0ZUlzVmlzaWJsZSI6dHJ1ZSwiVGltZUlzVmlzaWJsZSI6ZmFsc2UsIkhvdXJEaWdpdHMiOjEsIkFtUG1EZXNpZ25hdG9yIjoyLCJUcmltMDBNaW51dGVzIjpmYWxzZSwiTGFzdEtub3duVmlzaWJpbGl0eVN0YXRlIjpudWxsfSwiSXNWaXNpYmxlIjp0cnVlLCJQYXJlbnRTdHlsZSI6bnVsbH0sIkRlZmF1bHRUYXNrU3R5bGUiOnsiJGlkIjoiODIiLCJTaGFwZSI6MCwiU2hhcGVUaGlja25lc3MiOjEsIkR1cmF0aW9uRm9ybWF0IjowLCJJbmNsdWRlTm9uV29ya2luZ0RheXNJbkR1cmF0aW9uIjpmYWxzZSwiUGVyY2VudGFnZUNvbXBsZXRlU3R5bGUiOnsiJGlkIjoiODMiLCJGb250U2V0dGluZ3MiOnsiJGlkIjoiODQiLCJGb250U2l6ZSI6MTAsIkZvbnROYW1lIjoiQ2FsaWJyaSIsIklzQm9sZCI6ZmFsc2UsIklzSXRhbGljIjpmYWxzZSwiSXNVbmRlcmxpbmVkIjpmYWxzZSwiUGFyZW50U3R5bGUiOm51bGx9LCJBdXRvU2l6ZSI6MCwiRm9yZWdyb3VuZCI6eyIkaWQiOiI4NSIsIkNvbG9yIjp7IiRpZCI6Ijg2IiwiQSI6MjU1LCJSIjoyMzcsIkciOjEyNSwiQiI6NDl9fSwiTWF4V2lkdGgiOjIwMC4wLCJNYXhIZWlnaHQiOiJJbmZpbml0eSIsIlNtYXJ0Rm9yZWdyb3VuZElzQWN0aXZlIjpmYWxzZSwiSG9yaXpvbnRhbEFsaWdubWVudCI6MCwiVmVydGljYWxBbGlnbm1lbnQiOjAsIlNtYXJ0Rm9yZWdyb3VuZCI6bnVsbCwiQmFja2dyb3VuZEZpbGxUeXBlIjowLCJNYXJnaW4iOnsiJGlkIjoiODciLCJUb3AiOjAsIkxlZnQiOjAsIlJpZ2h0IjowLCJCb3R0b20iOjB9LCJQYWRkaW5nIjp7IiRpZCI6Ijg4IiwiVG9wIjowLCJMZWZ0IjowLCJSaWdodCI6MCwiQm90dG9tIjowfSwiQmFja2dyb3VuZCI6eyIkaWQiOiI4OSIsIkNvbG9yIjp7IiRyZWYiOiIyMCJ9fSwiSXNWaXNpYmxlIjp0cnVlLCJXaWR0aCI6MC4wLCJIZWlnaHQiOjAuMCwiQm9yZGVyU3R5bGUiOm51bGwsIlBhcmVudFN0eWxlIjpudWxsfSwiRHVyYXRpb25TdHlsZSI6eyIkaWQiOiI5MCIsIkZvbnRTZXR0aW5ncyI6eyIkaWQiOiI5MSIsIkZvbnRTaXplIjoxMCwiRm9udE5hbWUiOiJDYWxpYnJpIiwiSXNCb2xkIjpmYWxzZSwiSXNJdGFsaWMiOmZhbHNlLCJJc1VuZGVybGluZWQiOmZhbHNlLCJQYXJlbnRTdHlsZSI6bnVsbH0sIkF1dG9TaXplIjowLCJGb3JlZ3JvdW5kIjp7IiRpZCI6IjkyIiwiQ29sb3IiOnsiJGlkIjoiOTMiLCJBIjoyNTUsIlIiOjIzNywiRyI6MTI1LCJCIjo0OX19LCJNYXhXaWR0aCI6MjAwLjAsIk1heEhlaWdodCI6IkluZmluaXR5IiwiU21hcnRGb3JlZ3JvdW5kSXNBY3RpdmUiOmZhbHNlLCJIb3Jpem9udGFsQWxpZ25tZW50IjowLCJWZXJ0aWNhbEFsaWdubWVudCI6MCwiU21hcnRGb3JlZ3JvdW5kIjpudWxsLCJCYWNrZ3JvdW5kRmlsbFR5cGUiOjAsIk1hcmdpbiI6eyIkaWQiOiI5NCIsIlRvcCI6MCwiTGVmdCI6MCwiUmlnaHQiOjAsIkJvdHRvbSI6MH0sIlBhZGRpbmciOnsiJGlkIjoiOTUiLCJUb3AiOjAsIkxlZnQiOjAsIlJpZ2h0IjowLCJCb3R0b20iOjB9LCJCYWNrZ3JvdW5kIjp7IiRpZCI6Ijk2IiwiQ29sb3IiOnsiJHJlZiI6IjIwIn19LCJJc1Zpc2libGUiOnRydWUsIldpZHRoIjowLjAsIkhlaWdodCI6MC4wLCJCb3JkZXJTdHlsZSI6bnVsbCwiUGFyZW50U3R5bGUiOm51bGx9LCJIb3Jpem9udGFsQ29ubmVjdG9yU3R5bGUiOnsiJGlkIjoiOTciLCJMaW5lQ29sb3IiOnsiJGlkIjoiOTgiLCIkdHlwZSI6Ik5MUkUuQ29tbW9uLkRvbS5Tb2xpZENvbG9yQnJ1c2gsIE5MUkUuQ29tbW9uIiwiQ29sb3IiOnsiJGlkIjoiOTkiLCJBIjoyNTUsIlIiOjIwNCwiRyI6MjA0LCJCIjoyMDR9fSwiTGluZVdlaWdodCI6MS4wLCJMaW5lVHlwZSI6MCwiUGFyZW50U3R5bGUiOm51bGx9LCJWZXJ0aWNhbENvbm5lY3RvclN0eWxlIjp7IiRpZCI6IjEwMCIsIkxpbmVDb2xvciI6eyIkaWQiOiIxMDEiLCIkdHlwZSI6Ik5MUkUuQ29tbW9uLkRvbS5Tb2xpZENvbG9yQnJ1c2gsIE5MUkUuQ29tbW9uIiwiQ29sb3IiOnsiJGlkIjoiMTAyIiwiQSI6MjU1LCJSIjoyMDQsIkciOjIwNCwiQiI6MjA0fX0sIkxpbmVXZWlnaHQiOjAuMCwiTGluZVR5cGUiOjAsIlBhcmVudFN0eWxlIjpudWxsfSwiTWFyZ2luIjpudWxsLCJTdGFydERhdGVQb3NpdGlvbiI6NCwiRW5kRGF0ZVBvc2l0aW9uIjo0LCJEYXRlSXNWaXNpYmxlIjp0cnVlLCJUaXRsZVBvc2l0aW9uIjo1LCJEdXJhdGlvblBvc2l0aW9uIjo2LCJQZXJjZW50YWdlQ29tcGxldGVkUG9zaXRpb24iOjYsIlNwYWNpbmciOjUsIklzQmVsb3dUaW1lYmFuZCI6dHJ1ZSwiUGVyY2VudGFnZUNvbXBsZXRlU2hhcGVPcGFjaXR5IjozNSwiU2hhcGVTdHlsZSI6eyIkaWQiOiIxMDMiLCJNYXJnaW4iOnsiJGlkIjoiMTA0IiwiVG9wIjowLCJMZWZ0Ijo0LCJSaWdodCI6NCwiQm90dG9tIjowfSwiUGFkZGluZyI6eyIkaWQiOiIxMDUiLCJUb3AiOjAsIkxlZnQiOjAsIlJpZ2h0IjowLCJCb3R0b20iOjB9LCJCYWNrZ3JvdW5kIjp7IiRpZCI6IjEwNiIsIkNvbG9yIjp7IiRpZCI6IjEwNyIsIkEiOjI1NSwiUiI6MCwiRyI6MTE0LCJCIjoxODh9fSwiSXNWaXNpYmxlIjp0cnVlLCJXaWR0aCI6MC4wLCJIZWlnaHQiOjE2LjAsIkJvcmRlclN0eWxlIjp7IiRpZCI6IjEwOCIsIkxpbmVDb2xvciI6eyIkaWQiOiIxMDkiLCIkdHlwZSI6Ik5MUkUuQ29tbW9uLkRvbS5Tb2xpZENvbG9yQnJ1c2gsIE5MUkUuQ29tbW9uIiwiQ29sb3IiOnsiJGlkIjoiMTEwIiwiQSI6MjU1LCJSIjoyNTUsIkciOjAsIkIiOjB9fSwiTGluZVdlaWdodCI6MC4wLCJMaW5lVHlwZSI6MCwiUGFyZW50U3R5bGUiOm51bGx9LCJQYXJlbnRTdHlsZSI6bnVsbH0sIlRpdGxlU3R5bGUiOnsiJGlkIjoiMTExIiwiRm9udFNldHRpbmdzIjp7IiRpZCI6IjExMiIsIkZvbnRTaXplIjoxMSwiRm9udE5hbWUiOiJDYWxpYnJpIiwiSXNCb2xkIjp0cnVlLCJJc0l0YWxpYyI6ZmFsc2UsIklzVW5kZXJsaW5lZCI6ZmFsc2UsIlBhcmVudFN0eWxlIjpudWxsfSwiQXV0b1NpemUiOjAsIkZvcmVncm91bmQiOnsiJGlkIjoiMTEzIiwiQ29sb3IiOnsiJGlkIjoiMTE0IiwiQSI6MjU1LCJSIjowLCJHIjowLCJCIjowfX0sIk1heFdpZHRoIjo5NjAuMCwiTWF4SGVpZ2h0IjoiSW5maW5pdHkiLCJTbWFydEZvcmVncm91bmRJc0FjdGl2ZSI6ZmFsc2UsIkhvcml6b250YWxBbGlnbm1lbnQiOjAsIlZlcnRpY2FsQWxpZ25tZW50IjowLCJTbWFydEZvcmVncm91bmQiOm51bGwsIkJhY2tncm91bmRGaWxsVHlwZSI6MCwiTWFyZ2luIjp7IiRpZCI6IjExNSIsIlRvcCI6MCwiTGVmdCI6MCwiUmlnaHQiOjAsIkJvdHRvbSI6MH0sIlBhZGRpbmciOnsiJGlkIjoiMTE2IiwiVG9wIjowLCJMZWZ0IjowLCJSaWdodCI6MCwiQm90dG9tIjowfSwiQmFja2dyb3VuZCI6eyIkaWQiOiIxMTciLCJDb2xvciI6eyIkcmVmIjoiMjAifX0sIklzVmlzaWJsZSI6dHJ1ZSwiV2lkdGgiOjAuMCwiSGVpZ2h0IjowLjAsIkJvcmRlclN0eWxlIjpudWxsLCJQYXJlbnRTdHlsZSI6bnVsbH0sIkRhdGVTdHlsZSI6eyIkaWQiOiIxMTgiLCJGb250U2V0dGluZ3MiOnsiJGlkIjoiMTE5IiwiRm9udFNpemUiOjEwLCJGb250TmFtZSI6IkNhbGlicmkiLCJJc0JvbGQiOmZhbHNlLCJJc0l0YWxpYyI6ZmFsc2UsIklzVW5kZXJsaW5lZCI6ZmFsc2UsIlBhcmVudFN0eWxlIjpudWxsfSwiQXV0b1NpemUiOjAsIkZvcmVncm91bmQiOnsiJGlkIjoiMTIwIiwiQ29sb3IiOnsiJGlkIjoiMTIxIiwiQSI6MjU1LCJSIjo2OCwiRyI6ODQsIkIiOjEwNn19LCJNYXhXaWR0aCI6MjAwLjAsIk1heEhlaWdodCI6IkluZmluaXR5IiwiU21hcnRGb3JlZ3JvdW5kSXNBY3RpdmUiOmZhbHNlLCJIb3Jpem9udGFsQWxpZ25tZW50IjowLCJWZXJ0aWNhbEFsaWdubWVudCI6MCwiU21hcnRGb3JlZ3JvdW5kIjpudWxsLCJCYWNrZ3JvdW5kRmlsbFR5cGUiOjAsIk1hcmdpbiI6eyIkaWQiOiIxMjIiLCJUb3AiOjAsIkxlZnQiOjAsIlJpZ2h0IjowLCJCb3R0b20iOjB9LCJQYWRkaW5nIjp7IiRpZCI6IjEyMyIsIlRvcCI6MCwiTGVmdCI6MCwiUmlnaHQiOjAsIkJvdHRvbSI6MH0sIkJhY2tncm91bmQiOnsiJGlkIjoiMTI0IiwiQ29sb3IiOnsiJHJlZiI6IjIwIn19LCJJc1Zpc2libGUiOnRydWUsIldpZHRoIjowLjAsIkhlaWdodCI6MC4wLCJCb3JkZXJTdHlsZSI6bnVsbCwiUGFyZW50U3R5bGUiOm51bGx9LCJEYXRlRm9ybWF0Ijp7IiRpZCI6IjEyNSIsIkZvcm1hdFN0cmluZyI6Ik1NTSBkIiwiU2VwYXJhdG9yIjoiLyIsIlVzZUludGVybmF0aW9uYWxEYXRlRm9ybWF0IjpmYWxzZSwiRGF0ZUlzVmlzaWJsZSI6dHJ1ZSwiVGltZUlzVmlzaWJsZSI6ZmFsc2UsIkhvdXJEaWdpdHMiOjEsIkFtUG1EZXNpZ25hdG9yIjoyLCJUcmltMDBNaW51dGVzIjpmYWxzZSwiTGFzdEtub3duVmlzaWJpbGl0eVN0YXRlIjpudWxsfSwiSXNWaXNpYmxlIjp0cnVlLCJQYXJlbnRTdHlsZSI6bnVsbCwiX2V4cGxpY2l0bHlTZXQiOnsiJGlkIjoiMTI2IiwiU2hhcGVTdHlsZSI6ZmFsc2UsIlRpdGxlU3R5bGUiOmZhbHNlLCJEYXRlU3R5bGUiOmZhbHNlLCJIb3Jpem9udGFsQ29ubmVjdG9yU3R5bGUiOmZhbHNlLCJWZXJ0aWNhbENvbm5lY3RvclN0eWxlIjpmYWxzZSwiUGVyY2VudGFnZUNvbXBsZXRlU2hhcGVPcGFjaXR5IjpmYWxzZSwiRHVyYXRpb25Gb3JtYXQiOmZhbHNlLCJEdXJhdGlvblBvc2l0aW9uIjpmYWxzZSwiRW5kRGF0ZVBvc2l0aW9uIjpmYWxzZSwiSXNCZWxvd1RpbWViYW5kIjpmYWxzZSwiUGVyY2VudGFnZUNvbXBsZXRlZFBvc2l0aW9uIjpmYWxzZSwiU2hhcGUiOmZhbHNlLCJTaGFwZVRoaWNrbmVzcyI6ZmFsc2UsIlNwYWNpbmciOmZhbHNlLCJTdGFydERhdGVQb3NpdGlvbiI6ZmFsc2UsIlRpdGxlUG9zaXRpb24iOmZhbHNlLCJEYXRlRm9ybWF0IjpmYWxzZSwiSXNWaXNpYmxlIjpmYWxzZSwiTWFyZ2luIjpmYWxzZX19LCJHcmlkbGluZVBhbmVsU3R5bGUiOnsiJGlkIjoiMTI3IiwiR3JpZGxpbmVTdHlsZSI6eyIkaWQiOiIxMjgiLCJMaW5lQ29sb3IiOnsiJGlkIjoiMTI5IiwiJHR5cGUiOiJOTFJFLkNvbW1vbi5Eb20uU29saWRDb2xvckJydXNoLCBOTFJFLkNvbW1vbiIsIkNvbG9yIjp7IiRpZCI6IjEzMCIsIkEiOjM4LCJSIjo5MSwiRyI6MTU1LCJCIjoyMTN9fSwiTGluZVdlaWdodCI6MS4wLCJMaW5lVHlwZSI6MCwiUGFyZW50U3R5bGUiOm51bGx9LCJNYXJnaW4iOnsiJGlkIjoiMTMxIiwiVG9wIjowLCJMZWZ0IjowLCJSaWdodCI6MCwiQm90dG9tIjowfSwiUGFkZGluZyI6eyIkaWQiOiIxMzIiLCJUb3AiOjAsIkxlZnQiOjAsIlJpZ2h0IjowLCJCb3R0b20iOjB9LCJCYWNrZ3JvdW5kIjpudWxsLCJJc1Zpc2libGUiOnRydWUsIldpZHRoIjowLjAsIkhlaWdodCI6MC4wLCJCb3JkZXJTdHlsZSI6eyIkaWQiOiIxMzMiLCJMaW5lQ29sb3IiOm51bGwsIkxpbmVXZWlnaHQiOjAuMCwiTGluZVR5cGUiOjAsIlBhcmVudFN0eWxlIjpudWxsfSwiUGFyZW50U3R5bGUiOm51bGx9LCJTaG93RWxhcHNlZFRpbWVHcmFkaWVudFN0eWxlIjpmYWxzZSwiRGVmYXVsdFN3aW1sYW5lU3R5bGUiOnsiJGlkIjoiMTM0IiwiSGVhZGVyU3R5bGUiOnsiJGlkIjoiMTM1IiwiVGV4dFN0eWxlIjp7IiRpZCI6IjEzNiIsIkZvbnRTZXR0aW5ncyI6eyIkaWQiOiIxMzciLCJGb250U2l6ZSI6MTIsIkZvbnROYW1lIjoiQ2FsaWJyaSIsIklzQm9sZCI6ZmFsc2UsIklzSXRhbGljIjpmYWxzZSwiSXNVbmRlcmxpbmVkIjpmYWxzZSwiUGFyZW50U3R5bGUiOm51bGx9LCJBdXRvU2l6ZSI6MCwiRm9yZWdyb3VuZCI6eyIkaWQiOiIxMzgiLCJDb2xvciI6eyIkaWQiOiIxMzkiLCJBIjoyNTUsIlIiOjMyLCJHIjo1NiwiQiI6MTAwfX0sIk1heFdpZHRoIjowLjAsIk1heEhlaWdodCI6MC4wLCJTbWFydEZvcmVncm91bmRJc0FjdGl2ZSI6ZmFsc2UsIkhvcml6b250YWxBbGlnbm1lbnQiOjAsIlZlcnRpY2FsQWxpZ25tZW50IjowLCJTbWFydEZvcmVncm91bmQiOm51bGwsIkJhY2tncm91bmRGaWxsVHlwZSI6MCwiTWFyZ2luIjp7IiRpZCI6IjE0MCIsIlRvcCI6MCwiTGVmdCI6MCwiUmlnaHQiOjAsIkJvdHRvbSI6MH0sIlBhZGRpbmciOnsiJGlkIjoiMTQxIiwiVG9wIjowLCJMZWZ0IjowLCJSaWdodCI6MCwiQm90dG9tIjowfSwiQmFja2dyb3VuZCI6bnVsbCwiSXNWaXNpYmxlIjpmYWxzZSwiV2lkdGgiOjAuMCwiSGVpZ2h0IjowLjAsIkJvcmRlclN0eWxlIjpudWxsLCJQYXJlbnRTdHlsZSI6bnVsbH0sIlJlY3RhbmdsZVN0eWxlIjp7IiRpZCI6IjE0MiIsIk1hcmdpbiI6eyIkaWQiOiIxNDMiLCJUb3AiOjAsIkxlZnQiOjAsIlJpZ2h0IjowLCJCb3R0b20iOjB9LCJQYWRkaW5nIjp7IiRpZCI6IjE0NCIsIlRvcCI6MCwiTGVmdCI6MCwiUmlnaHQiOjAsIkJvdHRvbSI6MH0sIkJhY2tncm91bmQiOnsiJGlkIjoiMTQ1IiwiQ29sb3IiOnsiJGlkIjoiMTQ2IiwiQSI6MTI3LCJSIjo5MSwiRyI6MTU1LCJCIjoyMTN9fSwiSXNWaXNpYmxlIjpmYWxzZSwiV2lkdGgiOjAuMCwiSGVpZ2h0IjowLjAsIkJvcmRlclN0eWxlIjp7IiRpZCI6IjE0NyIsIkxpbmVDb2xvciI6eyIkaWQiOiIxNDgiLCIkdHlwZSI6Ik5MUkUuQ29tbW9uLkRvbS5Tb2xpZENvbG9yQnJ1c2gsIE5MUkUuQ29tbW9uIiwiQ29sb3IiOnsiJGlkIjoiMTQ5IiwiQSI6MjU1LCJSIjoyNTUsIkciOjAsIkIiOjB9fSwiTGluZVdlaWdodCI6MC4wLCJMaW5lVHlwZSI6MCwiUGFyZW50U3R5bGUiOm51bGx9LCJQYXJlbnRTdHlsZSI6bnVsbH0sIk1hcmdpbiI6eyIkaWQiOiIxNTAiLCJUb3AiOjAsIkxlZnQiOjAsIlJpZ2h0IjowLCJCb3R0b20iOjB9LCJQYWRkaW5nIjp7IiRpZCI6IjE1MSIsIlRvcCI6MCwiTGVmdCI6MCwiUmlnaHQiOjAsIkJvdHRvbSI6MH0sIkJhY2tncm91bmQiOm51bGwsIklzVmlzaWJsZSI6dHJ1ZSwiV2lkdGgiOjAuMCwiSGVpZ2h0IjowLjAsIkJvcmRlclN0eWxlIjpudWxsLCJQYXJlbnRTdHlsZSI6bnVsbH0sIkJhY2tncm91bmRTdHlsZSI6eyIkaWQiOiIxNTIiLCJNYXJnaW4iOnsiJGlkIjoiMTUzIiwiVG9wIjowLCJMZWZ0IjowLCJSaWdodCI6MCwiQm90dG9tIjowfSwiUGFkZGluZyI6eyIkaWQiOiIxNTQiLCJUb3AiOjAsIkxlZnQiOjAsIlJpZ2h0IjowLCJCb3R0b20iOjB9LCJCYWNrZ3JvdW5kIjp7IiRpZCI6IjE1NSIsIkNvbG9yIjp7IiRpZCI6IjE1NiIsIkEiOjM4LCJSIjo5MSwiRyI6MTU1LCJCIjoyMTN9fSwiSXNWaXNpYmxlIjp0cnVlLCJXaWR0aCI6MC4wLCJIZWlnaHQiOjAuMCwiQm9yZGVyU3R5bGUiOnsiJGlkIjoiMTU3IiwiTGluZUNvbG9yIjp7IiRpZCI6IjE1OCIsIiR0eXBlIjoiTkxSRS5Db21tb24uRG9tLlNvbGlkQ29sb3JCcnVzaCwgTkxSRS5Db21tb24iLCJDb2xvciI6eyIkaWQiOiIxNTkiLCJBIjoyNTUsIlIiOjI1NSwiRyI6MCwiQiI6MH19LCJMaW5lV2VpZ2h0IjowLjAsIkxpbmVUeXBlIjowLCJQYXJlbnRTdHlsZSI6bnVsbH0sIlBhcmVudFN0eWxlIjpudWxsfSwiSXNBYm92ZVRpbWViYW5kIjpmYWxzZSwiTWFyZ2luIjp7IiRpZCI6IjE2MCIsIlRvcCI6MCwiTGVmdCI6MCwiUmlnaHQiOjAsIkJvdHRvbSI6MH0sIlBhZGRpbmciOnsiJGlkIjoiMTYxIiwiVG9wIjowLCJMZWZ0IjowLCJSaWdodCI6MCwiQm90dG9tIjowfSwiSXNWaXNpYmxlIjp0cnVlLCJXaWR0aCI6MC4wLCJIZWlnaHQiOjAuMCwiQm9yZGVyU3R5bGUiOm51bGwsIlBhcmVudFN0eWxlIjpudWxsfX0sIlNjYWxlIjp7IiRpZCI6IjE2MiIsIlN0YXJ0RGF0ZSI6IjAwMDEtMDEtMDFUMDA6MDA6MDAiLCJFbmREYXRlIjoiMjAxOS0xMS0yMVQyMzo1OTowMCIsIkZvcm1hdCI6Ik1NTSIsIlR5cGUiOjIsIkF1dG9EYXRlUmFuZ2UiOnRydWUsIldvcmtpbmdEYXlzIjozMSwiVG9kYXlNYXJrZXJUZXh0IjoiVG9kYXkiLCJBdXRvU2NhbGVUeXBlIjp0cnVlfSwiTWlsZXN0b25lcyI6W10sIlRhc2tzIjpbeyIkaWQiOiIxNjMiLCJHcm91cE5hbWUiOm51bGwsIlN0YXJ0RGF0ZSI6IjIwMTktMTAtMDFUMDA6MDA6MDAiLCJFbmREYXRlIjoiMjAxOS0xMS0wMVQyMzo1OTowMCIsIlBlcmNlbnRhZ2VDb21wbGV0ZSI6bnVsbCwiU3R5bGUiOnsiJGlkIjoiMTY0IiwiU2hhcGUiOjAsIlNoYXBlVGhpY2tuZXNzIjoxLCJEdXJhdGlvbkZvcm1hdCI6MCwiSW5jbHVkZU5vbldvcmtpbmdEYXlzSW5EdXJhdGlvbiI6ZmFsc2UsIlBlcmNlbnRhZ2VDb21wbGV0ZVN0eWxlIjp7IiRpZCI6IjE2NSIsIkZvbnRTZXR0aW5ncyI6eyIkaWQiOiIxNjYiLCJGb250U2l6ZSI6MTAsIkZvbnROYW1lIjoiQ2FsaWJyaSIsIklzQm9sZCI6ZmFsc2UsIklzSXRhbGljIjpmYWxzZSwiSXNVbmRlcmxpbmVkIjpmYWxzZSwiUGFyZW50U3R5bGUiOm51bGx9LCJBdXRvU2l6ZSI6MCwiRm9yZWdyb3VuZCI6eyIkcmVmIjoiODUifSwiTWF4V2lkdGgiOjIwMC4wLCJNYXhIZWlnaHQiOiJJbmZpbml0eSIsIlNtYXJ0Rm9yZWdyb3VuZElzQWN0aXZlIjpmYWxzZSwiSG9yaXpvbnRhbEFsaWdubWVudCI6MCwiVmVydGljYWxBbGlnbm1lbnQiOjAsIlNtYXJ0Rm9yZWdyb3VuZCI6bnVsbCwiQmFja2dyb3VuZEZpbGxUeXBlIjowLCJNYXJnaW4iOnsiJGlkIjoiMTY3IiwiVG9wIjowLCJMZWZ0IjowLCJSaWdodCI6MCwiQm90dG9tIjowfSwiUGFkZGluZyI6eyIkaWQiOiIxNjgiLCJUb3AiOjAsIkxlZnQiOjAsIlJpZ2h0IjowLCJCb3R0b20iOjB9LCJCYWNrZ3JvdW5kIjp7IiRyZWYiOiI4OSJ9LCJJc1Zpc2libGUiOnRydWUsIldpZHRoIjowLjAsIkhlaWdodCI6MC4wLCJCb3JkZXJTdHlsZSI6eyIkaWQiOiIxNjkiLCJMaW5lQ29sb3IiOm51bGwsIkxpbmVXZWlnaHQiOjAuMCwiTGluZVR5cGUiOjAsIlBhcmVudFN0eWxlIjpudWxsfSwiUGFyZW50U3R5bGUiOm51bGx9LCJEdXJhdGlvblN0eWxlIjp7IiRpZCI6IjE3MCIsIkZvbnRTZXR0aW5ncyI6eyIkaWQiOiIxNzEiLCJGb250U2l6ZSI6MTAsIkZvbnROYW1lIjoiQ2FsaWJyaSIsIklzQm9sZCI6ZmFsc2UsIklzSXRhbGljIjpmYWxzZSwiSXNVbmRlcmxpbmVkIjpmYWxzZSwiUGFyZW50U3R5bGUiOm51bGx9LCJBdXRvU2l6ZSI6MCwiRm9yZWdyb3VuZCI6eyIkaWQiOiIxNzIiLCJDb2xvciI6eyIkcmVmIjoiOTMifX0sIk1heFdpZHRoIjoyMDAuMCwiTWF4SGVpZ2h0IjoiSW5maW5pdHkiLCJTbWFydEZvcmVncm91bmRJc0FjdGl2ZSI6ZmFsc2UsIkhvcml6b250YWxBbGlnbm1lbnQiOjAsIlZlcnRpY2FsQWxpZ25tZW50IjowLCJTbWFydEZvcmVncm91bmQiOm51bGwsIkJhY2tncm91bmRGaWxsVHlwZSI6MCwiTWFyZ2luIjp7IiRpZCI6IjE3MyIsIlRvcCI6MCwiTGVmdCI6MCwiUmlnaHQiOjAsIkJvdHRvbSI6MH0sIlBhZGRpbmciOnsiJGlkIjoiMTc0IiwiVG9wIjowLCJMZWZ0IjowLCJSaWdodCI6MCwiQm90dG9tIjowfSwiQmFja2dyb3VuZCI6eyIkcmVmIjoiOTYifSwiSXNWaXNpYmxlIjp0cnVlLCJXaWR0aCI6MC4wLCJIZWlnaHQiOjAuMCwiQm9yZGVyU3R5bGUiOnsiJGlkIjoiMTc1IiwiTGluZUNvbG9yIjpudWxsLCJMaW5lV2VpZ2h0IjowLjAsIkxpbmVUeXBlIjowLCJQYXJlbnRTdHlsZSI6bnVsbH0sIlBhcmVudFN0eWxlIjpudWxsfSwiSG9yaXpvbnRhbENvbm5lY3RvclN0eWxlIjp7IiRpZCI6IjE3NiIsIkxpbmVDb2xvciI6eyIkcmVmIjoiOTgifSwiTGluZVdlaWdodCI6MS4wLCJMaW5lVHlwZSI6MCwiUGFyZW50U3R5bGUiOm51bGx9LCJWZXJ0aWNhbENvbm5lY3RvclN0eWxlIjp7IiRpZCI6IjE3NyIsIkxpbmVDb2xvciI6eyIkcmVmIjoiMTAxIn0sIkxpbmVXZWlnaHQiOjAuMCwiTGluZVR5cGUiOjAsIlBhcmVudFN0eWxlIjpudWxsfSwiTWFyZ2luIjpudWxsLCJTdGFydERhdGVQb3NpdGlvbiI6NCwiRW5kRGF0ZVBvc2l0aW9uIjo0LCJEYXRlSXNWaXNpYmxlIjp0cnVlLCJUaXRsZVBvc2l0aW9uIjo1LCJEdXJhdGlvblBvc2l0aW9uIjo2LCJQZXJjZW50YWdlQ29tcGxldGVkUG9zaXRpb24iOjYsIlNwYWNpbmciOjUsIklzQmVsb3dUaW1lYmFuZCI6dHJ1ZSwiUGVyY2VudGFnZUNvbXBsZXRlU2hhcGVPcGFjaXR5IjozNSwiU2hhcGVTdHlsZSI6eyIkaWQiOiIxNzgiLCJNYXJnaW4iOnsiJGlkIjoiMTc5IiwiVG9wIjowLCJMZWZ0Ijo0LCJSaWdodCI6NCwiQm90dG9tIjowfSwiUGFkZGluZyI6eyIkaWQiOiIxODAiLCJUb3AiOjAsIkxlZnQiOjAsIlJpZ2h0IjowLCJCb3R0b20iOjB9LCJCYWNrZ3JvdW5kIjp7IiRpZCI6IjE4MSIsIkNvbG9yIjp7IiRpZCI6IjE4MiIsIkEiOjI1NSwiUiI6NjgsIkciOjExNCwiQiI6MTk2fX0sIklzVmlzaWJsZSI6dHJ1ZSwiV2lkdGgiOjAuMCwiSGVpZ2h0IjoxNi4wLCJCb3JkZXJTdHlsZSI6eyIkaWQiOiIxODMiLCJMaW5lQ29sb3IiOnsiJHJlZiI6IjEwOSJ9LCJMaW5lV2VpZ2h0IjowLjAsIkxpbmVUeXBlIjowLCJQYXJlbnRTdHlsZSI6bnVsbH0sIlBhcmVudFN0eWxlIjpudWxsfSwiVGl0bGVTdHlsZSI6eyIkaWQiOiIxODQiLCJGb250U2V0dGluZ3MiOnsiJGlkIjoiMTg1IiwiRm9udFNpemUiOjExLCJGb250TmFtZSI6IkNhbGlicmkiLCJJc0JvbGQiOnRydWUsIklzSXRhbGljIjpmYWxzZSwiSXNVbmRlcmxpbmVkIjpmYWxzZSwiUGFyZW50U3R5bGUiOm51bGx9LCJBdXRvU2l6ZSI6MCwiRm9yZWdyb3VuZCI6eyIkaWQiOiIxODYiLCJDb2xvciI6eyIkcmVmIjoiMTE0In19LCJNYXhXaWR0aCI6OTYwLjAsIk1heEhlaWdodCI6IkluZmluaXR5IiwiU21hcnRGb3JlZ3JvdW5kSXNBY3RpdmUiOmZhbHNlLCJIb3Jpem9udGFsQWxpZ25tZW50IjowLCJWZXJ0aWNhbEFsaWdubWVudCI6MCwiU21hcnRGb3JlZ3JvdW5kIjpudWxsLCJCYWNrZ3JvdW5kRmlsbFR5cGUiOjAsIk1hcmdpbiI6eyIkaWQiOiIxODciLCJUb3AiOjAsIkxlZnQiOjAsIlJpZ2h0IjowLCJCb3R0b20iOjB9LCJQYWRkaW5nIjp7IiRpZCI6IjE4OCIsIlRvcCI6MCwiTGVmdCI6MCwiUmlnaHQiOjAsIkJvdHRvbSI6MH0sIkJhY2tncm91bmQiOnsiJHJlZiI6IjExNyJ9LCJJc1Zpc2libGUiOnRydWUsIldpZHRoIjowLjAsIkhlaWdodCI6MC4wLCJCb3JkZXJTdHlsZSI6eyIkaWQiOiIxODkiLCJMaW5lQ29sb3IiOm51bGwsIkxpbmVXZWlnaHQiOjAuMCwiTGluZVR5cGUiOjAsIlBhcmVudFN0eWxlIjpudWxsfSwiUGFyZW50U3R5bGUiOm51bGx9LCJEYXRlU3R5bGUiOnsiJGlkIjoiMTkwIiwiRm9udFNldHRpbmdzIjp7IiRpZCI6IjE5MSIsIkZvbnRTaXplIjoxMCwiRm9udE5hbWUiOiJDYWxpYnJpIiwiSXNCb2xkIjpmYWxzZSwiSXNJdGFsaWMiOmZhbHNlLCJJc1VuZGVybGluZWQiOmZhbHNlLCJQYXJlbnRTdHlsZSI6bnVsbH0sIkF1dG9TaXplIjowLCJGb3JlZ3JvdW5kIjp7IiRpZCI6IjE5MiIsIkNvbG9yIjp7IiRyZWYiOiIxMjEifX0sIk1heFdpZHRoIjoyMDAuMCwiTWF4SGVpZ2h0IjoiSW5maW5pdHkiLCJTbWFydEZvcmVncm91bmRJc0FjdGl2ZSI6ZmFsc2UsIkhvcml6b250YWxBbGlnbm1lbnQiOjAsIlZlcnRpY2FsQWxpZ25tZW50IjowLCJTbWFydEZvcmVncm91bmQiOm51bGwsIkJhY2tncm91bmRGaWxsVHlwZSI6MCwiTWFyZ2luIjp7IiRpZCI6IjE5MyIsIlRvcCI6MCwiTGVmdCI6MCwiUmlnaHQiOjAsIkJvdHRvbSI6MH0sIlBhZGRpbmciOnsiJGlkIjoiMTk0IiwiVG9wIjowLCJMZWZ0IjowLCJSaWdodCI6MCwiQm90dG9tIjowfSwiQmFja2dyb3VuZCI6eyIkcmVmIjoiMTI0In0sIklzVmlzaWJsZSI6dHJ1ZSwiV2lkdGgiOjAuMCwiSGVpZ2h0IjowLjAsIkJvcmRlclN0eWxlIjp7IiRpZCI6IjE5NSIsIkxpbmVDb2xvciI6bnVsbCwiTGluZVdlaWdodCI6MC4wLCJMaW5lVHlwZSI6MCwiUGFyZW50U3R5bGUiOm51bGx9LCJQYXJlbnRTdHlsZSI6bnVsbH0sIkRhdGVGb3JtYXQiOnsiJGlkIjoiMTk2IiwiRm9ybWF0U3RyaW5nIjoiTU1NIGQiLCJTZXBhcmF0b3IiOiIvIiwiVXNlSW50ZXJuYXRpb25hbERhdGVGb3JtYXQiOmZhbHNlLCJEYXRlSXNWaXNpYmxlIjp0cnVlLCJUaW1lSXNWaXNpYmxlIjpmYWxzZSwiSG91ckRpZ2l0cyI6MSwiQW1QbURlc2lnbmF0b3IiOjIsIlRyaW0wME1pbnV0ZXMiOmZhbHNlLCJMYXN0S25vd25WaXNpYmlsaXR5U3RhdGUiOm51bGx9LCJJc1Zpc2libGUiOnRydWUsIlBhcmVudFN0eWxlIjpudWxsfSwiSW5kZXgiOjAsIlNtYXJ0RHVyYXRpb25BY3RpdmF0ZWQiOmZhbHNlLCJEYXRlRm9ybWF0Ijp7IiRyZWYiOiIxOTYifSwiSWQiOiI5ZmRjMWJkMC1mM2NlLTRmY2EtYmM1Yy0wNGJhMDZhZWU1MWEiLCJJbXBvcnRJZCI6bnVsbCwiVGl0bGUiOiJFeHBlcmltZW50IHdpdGggc2hhcGVseSBjbHVzdGVyIiwiTm90ZSI6bnVsbCwiSHlwZXJsaW5rIjp7IiRpZCI6IjE5NyIsIkFkZHJlc3MiOiIiLCJTdWJBZGRyZXNzIjoiIn0sIklzQ2hhbmdlZCI6ZmFsc2UsIklzTmV3IjpmYWxzZX0seyIkaWQiOiIxOTgiLCJHcm91cE5hbWUiOm51bGwsIlN0YXJ0RGF0ZSI6IjIwMTktMTAtMjBUMDA6MDA6MDAiLCJFbmREYXRlIjoiMjAxOS0xMS0wN1QyMzo1OTowMCIsIlBlcmNlbnRhZ2VDb21wbGV0ZSI6bnVsbCwiU3R5bGUiOnsiJGlkIjoiMTk5IiwiU2hhcGUiOjAsIlNoYXBlVGhpY2tuZXNzIjoxLCJEdXJhdGlvbkZvcm1hdCI6MCwiSW5jbHVkZU5vbldvcmtpbmdEYXlzSW5EdXJhdGlvbiI6ZmFsc2UsIlBlcmNlbnRhZ2VDb21wbGV0ZVN0eWxlIjp7IiRpZCI6IjIwMCIsIkZvbnRTZXR0aW5ncyI6eyIkaWQiOiIyMDEiLCJGb250U2l6ZSI6MTAsIkZvbnROYW1lIjoiQ2FsaWJyaSIsIklzQm9sZCI6ZmFsc2UsIklzSXRhbGljIjpmYWxzZSwiSXNVbmRlcmxpbmVkIjpmYWxzZSwiUGFyZW50U3R5bGUiOm51bGx9LCJBdXRvU2l6ZSI6MCwiRm9yZWdyb3VuZCI6eyIkcmVmIjoiODUifSwiTWF4V2lkdGgiOjIwMC4wLCJNYXhIZWlnaHQiOiJJbmZpbml0eSIsIlNtYXJ0Rm9yZWdyb3VuZElzQWN0aXZlIjpmYWxzZSwiSG9yaXpvbnRhbEFsaWdubWVudCI6MCwiVmVydGljYWxBbGlnbm1lbnQiOjAsIlNtYXJ0Rm9yZWdyb3VuZCI6bnVsbCwiQmFja2dyb3VuZEZpbGxUeXBlIjowLCJNYXJnaW4iOnsiJGlkIjoiMjAyIiwiVG9wIjowLCJMZWZ0IjowLCJSaWdodCI6MCwiQm90dG9tIjowfSwiUGFkZGluZyI6eyIkaWQiOiIyMDMiLCJUb3AiOjAsIkxlZnQiOjAsIlJpZ2h0IjowLCJCb3R0b20iOjB9LCJCYWNrZ3JvdW5kIjp7IiRyZWYiOiI4OSJ9LCJJc1Zpc2libGUiOnRydWUsIldpZHRoIjowLjAsIkhlaWdodCI6MC4wLCJCb3JkZXJTdHlsZSI6eyIkaWQiOiIyMDQiLCJMaW5lQ29sb3IiOm51bGwsIkxpbmVXZWlnaHQiOjAuMCwiTGluZVR5cGUiOjAsIlBhcmVudFN0eWxlIjpudWxsfSwiUGFyZW50U3R5bGUiOm51bGx9LCJEdXJhdGlvblN0eWxlIjp7IiRpZCI6IjIwNSIsIkZvbnRTZXR0aW5ncyI6eyIkaWQiOiIyMDYiLCJGb250U2l6ZSI6MTAsIkZvbnROYW1lIjoiQ2FsaWJyaSIsIklzQm9sZCI6ZmFsc2UsIklzSXRhbGljIjpmYWxzZSwiSXNVbmRlcmxpbmVkIjpmYWxzZSwiUGFyZW50U3R5bGUiOm51bGx9LCJBdXRvU2l6ZSI6MCwiRm9yZWdyb3VuZCI6eyIkaWQiOiIyMDciLCJDb2xvciI6eyIkcmVmIjoiOTMifX0sIk1heFdpZHRoIjoyMDAuMCwiTWF4SGVpZ2h0IjoiSW5maW5pdHkiLCJTbWFydEZvcmVncm91bmRJc0FjdGl2ZSI6ZmFsc2UsIkhvcml6b250YWxBbGlnbm1lbnQiOjAsIlZlcnRpY2FsQWxpZ25tZW50IjowLCJTbWFydEZvcmVncm91bmQiOm51bGwsIkJhY2tncm91bmRGaWxsVHlwZSI6MCwiTWFyZ2luIjp7IiRpZCI6IjIwOCIsIlRvcCI6MCwiTGVmdCI6MCwiUmlnaHQiOjAsIkJvdHRvbSI6MH0sIlBhZGRpbmciOnsiJGlkIjoiMjA5IiwiVG9wIjowLCJMZWZ0IjowLCJSaWdodCI6MCwiQm90dG9tIjowfSwiQmFja2dyb3VuZCI6eyIkcmVmIjoiOTYifSwiSXNWaXNpYmxlIjp0cnVlLCJXaWR0aCI6MC4wLCJIZWlnaHQiOjAuMCwiQm9yZGVyU3R5bGUiOnsiJGlkIjoiMjEwIiwiTGluZUNvbG9yIjpudWxsLCJMaW5lV2VpZ2h0IjowLjAsIkxpbmVUeXBlIjowLCJQYXJlbnRTdHlsZSI6bnVsbH0sIlBhcmVudFN0eWxlIjpudWxsfSwiSG9yaXpvbnRhbENvbm5lY3RvclN0eWxlIjp7IiRpZCI6IjIxMSIsIkxpbmVDb2xvciI6eyIkcmVmIjoiOTgifSwiTGluZVdlaWdodCI6MS4wLCJMaW5lVHlwZSI6MCwiUGFyZW50U3R5bGUiOm51bGx9LCJWZXJ0aWNhbENvbm5lY3RvclN0eWxlIjp7IiRpZCI6IjIxMiIsIkxpbmVDb2xvciI6eyIkcmVmIjoiMTAxIn0sIkxpbmVXZWlnaHQiOjAuMCwiTGluZVR5cGUiOjAsIlBhcmVudFN0eWxlIjpudWxsfSwiTWFyZ2luIjpudWxsLCJTdGFydERhdGVQb3NpdGlvbiI6NCwiRW5kRGF0ZVBvc2l0aW9uIjo0LCJEYXRlSXNWaXNpYmxlIjp0cnVlLCJUaXRsZVBvc2l0aW9uIjo1LCJEdXJhdGlvblBvc2l0aW9uIjo2LCJQZXJjZW50YWdlQ29tcGxldGVkUG9zaXRpb24iOjYsIlNwYWNpbmciOjUsIklzQmVsb3dUaW1lYmFuZCI6dHJ1ZSwiUGVyY2VudGFnZUNvbXBsZXRlU2hhcGVPcGFjaXR5IjozNSwiU2hhcGVTdHlsZSI6eyIkaWQiOiIyMTMiLCJNYXJnaW4iOnsiJGlkIjoiMjE0IiwiVG9wIjowLCJMZWZ0Ijo0LCJSaWdodCI6NCwiQm90dG9tIjowfSwiUGFkZGluZyI6eyIkaWQiOiIyMTUiLCJUb3AiOjAsIkxlZnQiOjAsIlJpZ2h0IjowLCJCb3R0b20iOjB9LCJCYWNrZ3JvdW5kIjp7IiRpZCI6IjIxNiIsIkNvbG9yIjp7IiRpZCI6IjIxNyIsIkEiOjI1NSwiUiI6NjgsIkciOjExNCwiQiI6MTk2fX0sIklzVmlzaWJsZSI6dHJ1ZSwiV2lkdGgiOjAuMCwiSGVpZ2h0IjoxNi4wLCJCb3JkZXJTdHlsZSI6eyIkaWQiOiIyMTgiLCJMaW5lQ29sb3IiOnsiJHJlZiI6IjEwOSJ9LCJMaW5lV2VpZ2h0IjowLjAsIkxpbmVUeXBlIjowLCJQYXJlbnRTdHlsZSI6bnVsbH0sIlBhcmVudFN0eWxlIjpudWxsfSwiVGl0bGVTdHlsZSI6eyIkaWQiOiIyMTkiLCJGb250U2V0dGluZ3MiOnsiJGlkIjoiMjIwIiwiRm9udFNpemUiOjExLCJGb250TmFtZSI6IkNhbGlicmkiLCJJc0JvbGQiOnRydWUsIklzSXRhbGljIjpmYWxzZSwiSXNVbmRlcmxpbmVkIjpmYWxzZSwiUGFyZW50U3R5bGUiOm51bGx9LCJBdXRvU2l6ZSI6MCwiRm9yZWdyb3VuZCI6eyIkaWQiOiIyMjEiLCJDb2xvciI6eyIkcmVmIjoiMTE0In19LCJNYXhXaWR0aCI6OTYwLjAsIk1heEhlaWdodCI6IkluZmluaXR5IiwiU21hcnRGb3JlZ3JvdW5kSXNBY3RpdmUiOmZhbHNlLCJIb3Jpem9udGFsQWxpZ25tZW50IjowLCJWZXJ0aWNhbEFsaWdubWVudCI6MCwiU21hcnRGb3JlZ3JvdW5kIjpudWxsLCJCYWNrZ3JvdW5kRmlsbFR5cGUiOjAsIk1hcmdpbiI6eyIkaWQiOiIyMjIiLCJUb3AiOjAsIkxlZnQiOjAsIlJpZ2h0IjowLCJCb3R0b20iOjB9LCJQYWRkaW5nIjp7IiRpZCI6IjIyMyIsIlRvcCI6MCwiTGVmdCI6MCwiUmlnaHQiOjAsIkJvdHRvbSI6MH0sIkJhY2tncm91bmQiOnsiJHJlZiI6IjExNyJ9LCJJc1Zpc2libGUiOnRydWUsIldpZHRoIjowLjAsIkhlaWdodCI6MC4wLCJCb3JkZXJTdHlsZSI6eyIkaWQiOiIyMjQiLCJMaW5lQ29sb3IiOm51bGwsIkxpbmVXZWlnaHQiOjAuMCwiTGluZVR5cGUiOjAsIlBhcmVudFN0eWxlIjpudWxsfSwiUGFyZW50U3R5bGUiOm51bGx9LCJEYXRlU3R5bGUiOnsiJGlkIjoiMjI1IiwiRm9udFNldHRpbmdzIjp7IiRpZCI6IjIyNiIsIkZvbnRTaXplIjoxMCwiRm9udE5hbWUiOiJDYWxpYnJpIiwiSXNCb2xkIjpmYWxzZSwiSXNJdGFsaWMiOmZhbHNlLCJJc1VuZGVybGluZWQiOmZhbHNlLCJQYXJlbnRTdHlsZSI6bnVsbH0sIkF1dG9TaXplIjowLCJGb3JlZ3JvdW5kIjp7IiRpZCI6IjIyNyIsIkNvbG9yIjp7IiRyZWYiOiIxMjEifX0sIk1heFdpZHRoIjoyMDAuMCwiTWF4SGVpZ2h0IjoiSW5maW5pdHkiLCJTbWFydEZvcmVncm91bmRJc0FjdGl2ZSI6ZmFsc2UsIkhvcml6b250YWxBbGlnbm1lbnQiOjAsIlZlcnRpY2FsQWxpZ25tZW50IjowLCJTbWFydEZvcmVncm91bmQiOm51bGwsIkJhY2tncm91bmRGaWxsVHlwZSI6MCwiTWFyZ2luIjp7IiRpZCI6IjIyOCIsIlRvcCI6MCwiTGVmdCI6MCwiUmlnaHQiOjAsIkJvdHRvbSI6MH0sIlBhZGRpbmciOnsiJGlkIjoiMjI5IiwiVG9wIjowLCJMZWZ0IjowLCJSaWdodCI6MCwiQm90dG9tIjowfSwiQmFja2dyb3VuZCI6eyIkcmVmIjoiMTI0In0sIklzVmlzaWJsZSI6dHJ1ZSwiV2lkdGgiOjAuMCwiSGVpZ2h0IjowLjAsIkJvcmRlclN0eWxlIjp7IiRpZCI6IjIzMCIsIkxpbmVDb2xvciI6bnVsbCwiTGluZVdlaWdodCI6MC4wLCJMaW5lVHlwZSI6MCwiUGFyZW50U3R5bGUiOm51bGx9LCJQYXJlbnRTdHlsZSI6bnVsbH0sIkRhdGVGb3JtYXQiOnsiJGlkIjoiMjMxIiwiRm9ybWF0U3RyaW5nIjoiTU1NIGQiLCJTZXBhcmF0b3IiOiIvIiwiVXNlSW50ZXJuYXRpb25hbERhdGVGb3JtYXQiOmZhbHNlLCJEYXRlSXNWaXNpYmxlIjp0cnVlLCJUaW1lSXNWaXNpYmxlIjpmYWxzZSwiSG91ckRpZ2l0cyI6MSwiQW1QbURlc2lnbmF0b3IiOjIsIlRyaW0wME1pbnV0ZXMiOmZhbHNlLCJMYXN0S25vd25WaXNpYmlsaXR5U3RhdGUiOm51bGx9LCJJc1Zpc2libGUiOnRydWUsIlBhcmVudFN0eWxlIjpudWxsfSwiSW5kZXgiOjEsIlNtYXJ0RHVyYXRpb25BY3RpdmF0ZWQiOmZhbHNlLCJEYXRlRm9ybWF0Ijp7IiRyZWYiOiIyMzEifSwiSWQiOiJjOGRlMzQzYS03YThlLTRlZjYtYTFlNC0yYzJhMDdjNDQxZjkiLCJJbXBvcnRJZCI6bnVsbCwiVGl0bGUiOiJEZXZlbG9wIGxhYmVsbGluZyB0b29sIHdpdGggc21hcnQgbGFiZWxsaW5nIG9wdGlvbiIsIk5vdGUiOm51bGwsIkh5cGVybGluayI6eyIkaWQiOiIyMzIiLCJBZGRyZXNzIjoiIiwiU3ViQWRkcmVzcyI6IiJ9LCJJc0NoYW5nZWQiOmZhbHNlLCJJc05ldyI6ZmFsc2V9LHsiJGlkIjoiMjMzIiwiR3JvdXBOYW1lIjpudWxsLCJTdGFydERhdGUiOiIyMDE5LTExLTA3VDAwOjAwOjAwIiwiRW5kRGF0ZSI6IjIwMTktMTEtMjFUMjM6NTk6MDAiLCJQZXJjZW50YWdlQ29tcGxldGUiOm51bGwsIlN0eWxlIjp7IiRpZCI6IjIzNCIsIlNoYXBlIjowLCJTaGFwZVRoaWNrbmVzcyI6MSwiRHVyYXRpb25Gb3JtYXQiOjAsIkluY2x1ZGVOb25Xb3JraW5nRGF5c0luRHVyYXRpb24iOmZhbHNlLCJQZXJjZW50YWdlQ29tcGxldGVTdHlsZSI6eyIkaWQiOiIyMzUiLCJGb250U2V0dGluZ3MiOnsiJGlkIjoiMjM2IiwiRm9udFNpemUiOjEwLCJGb250TmFtZSI6IkNhbGlicmkiLCJJc0JvbGQiOmZhbHNlLCJJc0l0YWxpYyI6ZmFsc2UsIklzVW5kZXJsaW5lZCI6ZmFsc2UsIlBhcmVudFN0eWxlIjpudWxsfSwiQXV0b1NpemUiOjAsIkZvcmVncm91bmQiOnsiJHJlZiI6Ijg1In0sIk1heFdpZHRoIjoyMDAuMCwiTWF4SGVpZ2h0IjoiSW5maW5pdHkiLCJTbWFydEZvcmVncm91bmRJc0FjdGl2ZSI6ZmFsc2UsIkhvcml6b250YWxBbGlnbm1lbnQiOjAsIlZlcnRpY2FsQWxpZ25tZW50IjowLCJTbWFydEZvcmVncm91bmQiOm51bGwsIkJhY2tncm91bmRGaWxsVHlwZSI6MCwiTWFyZ2luIjp7IiRpZCI6IjIzNyIsIlRvcCI6MCwiTGVmdCI6MCwiUmlnaHQiOjAsIkJvdHRvbSI6MH0sIlBhZGRpbmciOnsiJGlkIjoiMjM4IiwiVG9wIjowLCJMZWZ0IjowLCJSaWdodCI6MCwiQm90dG9tIjowfSwiQmFja2dyb3VuZCI6eyIkcmVmIjoiODkifSwiSXNWaXNpYmxlIjp0cnVlLCJXaWR0aCI6MC4wLCJIZWlnaHQiOjAuMCwiQm9yZGVyU3R5bGUiOnsiJGlkIjoiMjM5IiwiTGluZUNvbG9yIjpudWxsLCJMaW5lV2VpZ2h0IjowLjAsIkxpbmVUeXBlIjowLCJQYXJlbnRTdHlsZSI6bnVsbH0sIlBhcmVudFN0eWxlIjpudWxsfSwiRHVyYXRpb25TdHlsZSI6eyIkaWQiOiIyNDAiLCJGb250U2V0dGluZ3MiOnsiJGlkIjoiMjQxIiwiRm9udFNpemUiOjEwLCJGb250TmFtZSI6IkNhbGlicmkiLCJJc0JvbGQiOmZhbHNlLCJJc0l0YWxpYyI6ZmFsc2UsIklzVW5kZXJsaW5lZCI6ZmFsc2UsIlBhcmVudFN0eWxlIjpudWxsfSwiQXV0b1NpemUiOjAsIkZvcmVncm91bmQiOnsiJGlkIjoiMjQyIiwiQ29sb3IiOnsiJHJlZiI6IjkzIn19LCJNYXhXaWR0aCI6MjAwLjAsIk1heEhlaWdodCI6IkluZmluaXR5IiwiU21hcnRGb3JlZ3JvdW5kSXNBY3RpdmUiOmZhbHNlLCJIb3Jpem9udGFsQWxpZ25tZW50IjowLCJWZXJ0aWNhbEFsaWdubWVudCI6MCwiU21hcnRGb3JlZ3JvdW5kIjpudWxsLCJCYWNrZ3JvdW5kRmlsbFR5cGUiOjAsIk1hcmdpbiI6eyIkaWQiOiIyNDMiLCJUb3AiOjAsIkxlZnQiOjAsIlJpZ2h0IjowLCJCb3R0b20iOjB9LCJQYWRkaW5nIjp7IiRpZCI6IjI0NCIsIlRvcCI6MCwiTGVmdCI6MCwiUmlnaHQiOjAsIkJvdHRvbSI6MH0sIkJhY2tncm91bmQiOnsiJHJlZiI6Ijk2In0sIklzVmlzaWJsZSI6dHJ1ZSwiV2lkdGgiOjAuMCwiSGVpZ2h0IjowLjAsIkJvcmRlclN0eWxlIjp7IiRpZCI6IjI0NSIsIkxpbmVDb2xvciI6bnVsbCwiTGluZVdlaWdodCI6MC4wLCJMaW5lVHlwZSI6MCwiUGFyZW50U3R5bGUiOm51bGx9LCJQYXJlbnRTdHlsZSI6bnVsbH0sIkhvcml6b250YWxDb25uZWN0b3JTdHlsZSI6eyIkaWQiOiIyNDYiLCJMaW5lQ29sb3IiOnsiJHJlZiI6Ijk4In0sIkxpbmVXZWlnaHQiOjEuMCwiTGluZVR5cGUiOjAsIlBhcmVudFN0eWxlIjpudWxsfSwiVmVydGljYWxDb25uZWN0b3JTdHlsZSI6eyIkaWQiOiIyNDciLCJMaW5lQ29sb3IiOnsiJHJlZiI6IjEwMSJ9LCJMaW5lV2VpZ2h0IjowLjAsIkxpbmVUeXBlIjowLCJQYXJlbnRTdHlsZSI6bnVsbH0sIk1hcmdpbiI6bnVsbCwiU3RhcnREYXRlUG9zaXRpb24iOjQsIkVuZERhdGVQb3NpdGlvbiI6NCwiRGF0ZUlzVmlzaWJsZSI6dHJ1ZSwiVGl0bGVQb3NpdGlvbiI6NSwiRHVyYXRpb25Qb3NpdGlvbiI6NiwiUGVyY2VudGFnZUNvbXBsZXRlZFBvc2l0aW9uIjo2LCJTcGFjaW5nIjo1LCJJc0JlbG93VGltZWJhbmQiOnRydWUsIlBlcmNlbnRhZ2VDb21wbGV0ZVNoYXBlT3BhY2l0eSI6MzUsIlNoYXBlU3R5bGUiOnsiJGlkIjoiMjQ4IiwiTWFyZ2luIjp7IiRpZCI6IjI0OSIsIlRvcCI6MCwiTGVmdCI6NCwiUmlnaHQiOjQsIkJvdHRvbSI6MH0sIlBhZGRpbmciOnsiJGlkIjoiMjUwIiwiVG9wIjowLCJMZWZ0IjowLCJSaWdodCI6MCwiQm90dG9tIjowfSwiQmFja2dyb3VuZCI6eyIkaWQiOiIyNTEiLCJDb2xvciI6eyIkaWQiOiIyNTIiLCJBIjoyNTUsIlIiOjY4LCJHIjoxMTQsIkIiOjE5Nn19LCJJc1Zpc2libGUiOnRydWUsIldpZHRoIjowLjAsIkhlaWdodCI6MTYuMCwiQm9yZGVyU3R5bGUiOnsiJGlkIjoiMjUzIiwiTGluZUNvbG9yIjp7IiRyZWYiOiIxMDkifSwiTGluZVdlaWdodCI6MC4wLCJMaW5lVHlwZSI6MCwiUGFyZW50U3R5bGUiOm51bGx9LCJQYXJlbnRTdHlsZSI6bnVsbH0sIlRpdGxlU3R5bGUiOnsiJGlkIjoiMjU0IiwiRm9udFNldHRpbmdzIjp7IiRpZCI6IjI1NSIsIkZvbnRTaXplIjoxMSwiRm9udE5hbWUiOiJDYWxpYnJpIiwiSXNCb2xkIjp0cnVlLCJJc0l0YWxpYyI6ZmFsc2UsIklzVW5kZXJsaW5lZCI6ZmFsc2UsIlBhcmVudFN0eWxlIjpudWxsfSwiQXV0b1NpemUiOjAsIkZvcmVncm91bmQiOnsiJGlkIjoiMjU2IiwiQ29sb3IiOnsiJHJlZiI6IjExNCJ9fSwiTWF4V2lkdGgiOjk2MC4wLCJNYXhIZWlnaHQiOiJJbmZpbml0eSIsIlNtYXJ0Rm9yZWdyb3VuZElzQWN0aXZlIjpmYWxzZSwiSG9yaXpvbnRhbEFsaWdubWVudCI6MCwiVmVydGljYWxBbGlnbm1lbnQiOjAsIlNtYXJ0Rm9yZWdyb3VuZCI6bnVsbCwiQmFja2dyb3VuZEZpbGxUeXBlIjowLCJNYXJnaW4iOnsiJGlkIjoiMjU3IiwiVG9wIjowLCJMZWZ0IjowLCJSaWdodCI6MCwiQm90dG9tIjowfSwiUGFkZGluZyI6eyIkaWQiOiIyNTgiLCJUb3AiOjAsIkxlZnQiOjAsIlJpZ2h0IjowLCJCb3R0b20iOjB9LCJCYWNrZ3JvdW5kIjp7IiRyZWYiOiIxMTcifSwiSXNWaXNpYmxlIjp0cnVlLCJXaWR0aCI6MC4wLCJIZWlnaHQiOjAuMCwiQm9yZGVyU3R5bGUiOnsiJGlkIjoiMjU5IiwiTGluZUNvbG9yIjpudWxsLCJMaW5lV2VpZ2h0IjowLjAsIkxpbmVUeXBlIjowLCJQYXJlbnRTdHlsZSI6bnVsbH0sIlBhcmVudFN0eWxlIjpudWxsfSwiRGF0ZVN0eWxlIjp7IiRpZCI6IjI2MCIsIkZvbnRTZXR0aW5ncyI6eyIkaWQiOiIyNjEiLCJGb250U2l6ZSI6MTAsIkZvbnROYW1lIjoiQ2FsaWJyaSIsIklzQm9sZCI6ZmFsc2UsIklzSXRhbGljIjpmYWxzZSwiSXNVbmRlcmxpbmVkIjpmYWxzZSwiUGFyZW50U3R5bGUiOm51bGx9LCJBdXRvU2l6ZSI6MCwiRm9yZWdyb3VuZCI6eyIkaWQiOiIyNjIiLCJDb2xvciI6eyIkcmVmIjoiMTIxIn19LCJNYXhXaWR0aCI6MjAwLjAsIk1heEhlaWdodCI6IkluZmluaXR5IiwiU21hcnRGb3JlZ3JvdW5kSXNBY3RpdmUiOmZhbHNlLCJIb3Jpem9udGFsQWxpZ25tZW50IjowLCJWZXJ0aWNhbEFsaWdubWVudCI6MCwiU21hcnRGb3JlZ3JvdW5kIjpudWxsLCJCYWNrZ3JvdW5kRmlsbFR5cGUiOjAsIk1hcmdpbiI6eyIkaWQiOiIyNjMiLCJUb3AiOjAsIkxlZnQiOjAsIlJpZ2h0IjowLCJCb3R0b20iOjB9LCJQYWRkaW5nIjp7IiRpZCI6IjI2NCIsIlRvcCI6MCwiTGVmdCI6MCwiUmlnaHQiOjAsIkJvdHRvbSI6MH0sIkJhY2tncm91bmQiOnsiJHJlZiI6IjEyNCJ9LCJJc1Zpc2libGUiOnRydWUsIldpZHRoIjowLjAsIkhlaWdodCI6MC4wLCJCb3JkZXJTdHlsZSI6eyIkaWQiOiIyNjUiLCJMaW5lQ29sb3IiOm51bGwsIkxpbmVXZWlnaHQiOjAuMCwiTGluZVR5cGUiOjAsIlBhcmVudFN0eWxlIjpudWxsfSwiUGFyZW50U3R5bGUiOm51bGx9LCJEYXRlRm9ybWF0Ijp7IiRpZCI6IjI2NiIsIkZvcm1hdFN0cmluZyI6Ik1NTSBkIiwiU2VwYXJhdG9yIjoiLyIsIlVzZUludGVybmF0aW9uYWxEYXRlRm9ybWF0IjpmYWxzZSwiRGF0ZUlzVmlzaWJsZSI6dHJ1ZSwiVGltZUlzVmlzaWJsZSI6ZmFsc2UsIkhvdXJEaWdpdHMiOjEsIkFtUG1EZXNpZ25hdG9yIjoyLCJUcmltMDBNaW51dGVzIjpmYWxzZSwiTGFzdEtub3duVmlzaWJpbGl0eVN0YXRlIjpudWxsfSwiSXNWaXNpYmxlIjp0cnVlLCJQYXJlbnRTdHlsZSI6bnVsbH0sIkluZGV4IjoyLCJTbWFydER1cmF0aW9uQWN0aXZhdGVkIjpmYWxzZSwiRGF0ZUZvcm1hdCI6eyIkcmVmIjoiMjY2In0sIklkIjoiODFhZjFlNTktNzEyNy00MjZhLTkyN2YtMTliZjFlYTYzYzEzIiwiSW1wb3J0SWQiOm51bGwsIlRpdGxlIjoiRXhwZXJpbWVudCB3aXRoIHBlb3BsZSBpbiB0aGUgZ3JvdXAgKHRpbWUpIiwiTm90ZSI6bnVsbCwiSHlwZXJsaW5rIjp7IiRpZCI6IjI2NyIsIkFkZHJlc3MiOiIiLCJTdWJBZGRyZXNzIjoiIn0sIklzQ2hhbmdlZCI6ZmFsc2UsIklzTmV3IjpmYWxzZX1dLCJTd2ltbGFuZXMiOltdLCJNc1Byb2plY3RJdGVtc1RyZWUiOnsiJGlkIjoiMjY4IiwiUm9vdCI6eyJJbXBvcnRJZCI6bnVsbCwiSXNJbXBvcnRlZCI6ZmFsc2UsIkNoaWxkcmVuIjpbXX19LCJNZXRhZGF0YSI6eyIkaWQiOiIyNjkiLCJSZWNlbnRDb2xvcnNDb2xsZWN0aW9uIjoiW10ifSwiU2V0dGluZ3MiOnsiJGlkIjoiMjcwIiwiSW1wYU9wdGlvbnMiOnsiJGlkIjoiMjcxIiwiTGVmdFRvUmlnaHQiOmZhbHNlLCJQYXlsb2FkT3B0aW9ucyI6Mn0sIlVzZUNvbXByZXNzaW9uIjpmYWxzZSwiQ29tcHJlc2lvblBlcmNlbnRhZ2UiOjUwLjAsIkluYWN0aXZlSW50ZXJ2YWxXaWR0aFRocmVzaG9sZCI6MzAuMCwiSW5hY3RpdmVJbnRlcnZhbFdpZHRoIjoxLjAsIlNwbGl0VGFza3MiOmZhbHNlLCJVc2VDbHVzdGVyIjpmYWxzZSwiRXBzaWxvbiI6NS4wLCJNaW5Qb2ludHNUb0Zvcm1BQ2x1c3RlciI6MiwiR2VuZXJhdGVJbnZpc2libGVTaGFwZXMiOmZhbHNlLCJTbWFydFRpbWVsaW5lVGFza1BlcmNlbnRhZ2VGaXQiOmZhbHNlfSwiSXNOZXciOmZhbHNlLCJJbXBvcnRUeXBlIjowLCJGaWxlUGF0aCI6bnVsbCwiVGltZUNvbmZpZ3VyYXRpb24iOnsiJGlkIjoiMjcyIiwiVXNlVGltZSI6ZmFsc2UsIldvcmtEYXlTdGFydCI6IjAwOjAwOjAwIiwiV29ya0RheUVuZCI6IjIzOjU5OjAwIn0sIkxhc3RVc2VkVGVtcGxhdGVJZCI6IjczNTViNjMzLWFjNjYtNDUyOC04YjRkLTI5OWZhZWRjOWVlOSJ9"/>
   <p:tag name="__MASTER" val="__part_0"/>
-  <p:tag name="__PART_0" val="eyIkaWQiOiIxIiwiQ3VsdHVyZUluZm9OYW1lIjoiZW4tVVMiLCJTdHlsZU5hbWUiOm51bGwsIlZlcnNpb24iOnsiJGlkIjoiMiIsIlZlcnNpb24iOiIzLjIuMCIsIk9yaWdpbmFsQXNzZW1ibHlWZXJzaW9uIjoiNC4wMC4wMS4wMCIsIkVkaXRpb24iOiJQcm8iLCJJc1BsdXNFZGl0aW9uIjp0cnVlLCJJc1Byb0VkaXRpb24iOnRydWV9LCJFZmZlY3QiOjEsIlN0eWxlIjp7IiRpZCI6IjMiLCJUaW1lYmFuZFN0eWxlIjp7IiRpZCI6IjQiLCJTY2FsZU1hcmtpbmciOjAsIlNoYXBlIjoxMywiU2hhcGVTdHlsZSI6eyIkaWQiOiI1IiwiTWFyZ2luIjp7IiRpZCI6IjYiLCJUb3AiOjAsIkxlZnQiOjEwLCJSaWdodCI6MTAsIkJvdHRvbSI6MH0sIlBhZGRpbmciOnsiJGlkIjoiNyIsIlRvcCI6NSwiTGVmdCI6MTMsIlJpZ2h0IjoxMywiQm90dG9tIjo1fSwiQmFja2dyb3VuZCI6eyIkaWQiOiI4IiwiQ29sb3IiOnsiJGlkIjoiOSIsIkEiOjI1NSwiUiI6NjgsIkciOjg0LCJCIjoxMDZ9fSwiSXNWaXNpYmxlIjp0cnVlLCJXaWR0aCI6ODU4LjAsIkhlaWdodCI6MzAuMCwiQm9yZGVyU3R5bGUiOnsiJGlkIjoiMTAiLCJMaW5lQ29sb3IiOnsiJGlkIjoiMTEiLCIkdHlwZSI6Ik5MUkUuQ29tbW9uLkRvbS5Tb2xpZENvbG9yQnJ1c2gsIE5MUkUuQ29tbW9uIiwiQ29sb3IiOnsiJGlkIjoiMTIiLCJBIjoyNTUsIlIiOjI1NSwiRyI6MCwiQiI6MH19LCJMaW5lV2VpZ2h0IjowLjAsIkxpbmVUeXBlIjowLCJQYXJlbnRTdHlsZSI6bnVsbH0sIlBhcmVudFN0eWxlIjpudWxsfSwiUmlnaHRFbmRDYXBzU3R5bGUiOnsiJGlkIjoiMTMiLCJGb250U2V0dGluZ3MiOnsiJGlkIjoiMTQiLCJGb250U2l6ZSI6MTgsIkZvbnROYW1lIjoiQ2FsaWJyaSIsIklzQm9sZCI6dHJ1ZSwiSXNJdGFsaWMiOmZhbHNlLCJJc1VuZGVybGluZWQiOmZhbHNlLCJQYXJlbnRTdHlsZSI6bnVsbH0sIkF1dG9TaXplIjowLCJGb3JlZ3JvdW5kIjp7IiRpZCI6IjE1IiwiQ29sb3IiOnsiJGlkIjoiMTYiLCJBIjoyNTUsIlIiOjIzNywiRyI6MTI1LCJCIjo0OX19LCJNYXhXaWR0aCI6IkluZmluaXR5IiwiTWF4SGVpZ2h0IjoiSW5maW5pdHkiLCJTbWFydEZvcmVncm91bmRJc0FjdGl2ZSI6ZmFsc2UsIkhvcml6b250YWxBbGlnbm1lbnQiOjAsIlZlcnRpY2FsQWxpZ25tZW50IjowLCJTbWFydEZvcmVncm91bmQiOm51bGwsIkJhY2tncm91bmRGaWxsVHlwZSI6MCwiTWFyZ2luIjp7IiRpZCI6IjE3IiwiVG9wIjowLCJMZWZ0IjowLCJSaWdodCI6MjAsIkJvdHRvbSI6MH0sIlBhZGRpbmciOnsiJGlkIjoiMTgiLCJUb3AiOjAsIkxlZnQiOjAsIlJpZ2h0IjowLCJCb3R0b20iOjB9LCJCYWNrZ3JvdW5kIjp7IiRpZCI6IjE5IiwiQ29sb3IiOnsiJGlkIjoiMjAiLCJBIjo4OSwiUiI6MCwiRyI6MCwiQiI6MH19LCJJc1Zpc2libGUiOmZhbHNlLCJXaWR0aCI6MC4wLCJIZWlnaHQiOjAuMCwiQm9yZGVyU3R5bGUiOm51bGwsIlBhcmVudFN0eWxlIjpudWxsfSwiTGVmdEVuZENhcHNTdHlsZSI6eyIkaWQiOiIyMSIsIkZvbnRTZXR0aW5ncyI6eyIkaWQiOiIyMiIsIkZvbnRTaXplIjoxOCwiRm9udE5hbWUiOiJDYWxpYnJpIiwiSXNCb2xkIjp0cnVlLCJJc0l0YWxpYyI6ZmFsc2UsIklzVW5kZXJsaW5lZCI6ZmFsc2UsIlBhcmVudFN0eWxlIjpudWxsfSwiQXV0b1NpemUiOjAsIkZvcmVncm91bmQiOnsiJGlkIjoiMjMiLCJDb2xvciI6eyIkaWQiOiIyNCIsIkEiOjI1NSwiUiI6MjM3LCJHIjoxMjUsIkIiOjQ5fX0sIk1heFdpZHRoIjoiSW5maW5pdHkiLCJNYXhIZWlnaHQiOiJJbmZpbml0eSIsIlNtYXJ0Rm9yZWdyb3VuZElzQWN0aXZlIjpmYWxzZSwiSG9yaXpvbnRhbEFsaWdubWVudCI6MCwiVmVydGljYWxBbGlnbm1lbnQiOjAsIlNtYXJ0Rm9yZWdyb3VuZCI6bnVsbCwiQmFja2dyb3VuZEZpbGxUeXBlIjowLCJNYXJnaW4iOnsiJGlkIjoiMjUiLCJUb3AiOjAsIkxlZnQiOjIwLCJSaWdodCI6MCwiQm90dG9tIjowfSwiUGFkZGluZyI6eyIkaWQiOiIyNiIsIlRvcCI6MCwiTGVmdCI6MCwiUmlnaHQiOjAsIkJvdHRvbSI6MH0sIkJhY2tncm91bmQiOnsiJGlkIjoiMjciLCJDb2xvciI6eyIkcmVmIjoiMjAifX0sIklzVmlzaWJsZSI6dHJ1ZSwiV2lkdGgiOjAuMCwiSGVpZ2h0IjowLjAsIkJvcmRlclN0eWxlIjpudWxsLCJQYXJlbnRTdHlsZSI6bnVsbH0sIlRvZGF5VGV4dFN0eWxlIjp7IiRpZCI6IjI4IiwiRm9udFNldHRpbmdzIjp7IiRpZCI6IjI5IiwiRm9udFNpemUiOjEyLCJGb250TmFtZSI6IkNhbGlicmkiLCJJc0JvbGQiOmZhbHNlLCJJc0l0YWxpYyI6ZmFsc2UsIklzVW5kZXJsaW5lZCI6ZmFsc2UsIlBhcmVudFN0eWxlIjpudWxsfSwiQXV0b1NpemUiOjAsIkZvcmVncm91bmQiOnsiJGlkIjoiMzAiLCJDb2xvciI6eyIkaWQiOiIzMSIsIkEiOjI1NSwiUiI6MCwiRyI6MCwiQiI6MH19LCJNYXhXaWR0aCI6MjAwLjAsIk1heEhlaWdodCI6IkluZmluaXR5IiwiU21hcnRGb3JlZ3JvdW5kSXNBY3RpdmUiOmZhbHNlLCJIb3Jpem9udGFsQWxpZ25tZW50IjowLCJWZXJ0aWNhbEFsaWdubWVudCI6MCwiU21hcnRGb3JlZ3JvdW5kIjpudWxsLCJCYWNrZ3JvdW5kRmlsbFR5cGUiOjAsIk1hcmdpbiI6eyIkaWQiOiIzMiIsIlRvcCI6MCwiTGVmdCI6MCwiUmlnaHQiOjAsIkJvdHRvbSI6MH0sIlBhZGRpbmciOnsiJGlkIjoiMzMiLCJUb3AiOjAsIkxlZnQiOjAsIlJpZ2h0IjowLCJCb3R0b20iOjB9LCJCYWNrZ3JvdW5kIjp7IiRpZCI6IjM0IiwiQ29sb3IiOnsiJHJlZiI6IjIwIn19LCJJc1Zpc2libGUiOnRydWUsIldpZHRoIjowLjAsIkhlaWdodCI6MC4wLCJCb3JkZXJTdHlsZSI6bnVsbCwiUGFyZW50U3R5bGUiOm51bGx9LCJUb2RheU1hcmtlclN0eWxlIjp7IiRpZCI6IjM1IiwiTWFyZ2luIjp7IiRpZCI6IjM2IiwiVG9wIjowLCJMZWZ0IjowLCJSaWdodCI6MCwiQm90dG9tIjowfSwiUGFkZGluZyI6eyIkaWQiOiIzNyIsIlRvcCI6MCwiTGVmdCI6MCwiUmlnaHQiOjAsIkJvdHRvbSI6MH0sIkJhY2tncm91bmQiOnsiJGlkIjoiMzgiLCJDb2xvciI6eyIkaWQiOiIzOSIsIkEiOjI1NSwiUiI6MjU1LCJHIjowLCJCIjowfX0sIklzVmlzaWJsZSI6dHJ1ZSwiV2lkdGgiOjAuMCwiSGVpZ2h0IjowLjAsIkJvcmRlclN0eWxlIjpudWxsLCJQYXJlbnRTdHlsZSI6bnVsbH0sIlNjYWxlU3R5bGUiOnsiJGlkIjoiNDAiLCJTaG93U2VnbWVudFNlcGFyYXRvcnMiOnRydWUsIlNlZ21lbnRTZXBhcmF0b3JPcGFjaXR5IjozMCwiRm9udFNldHRpbmdzIjp7IiRpZCI6IjQxIiwiRm9udFNpemUiOjEyLCJGb250TmFtZSI6IkNhbGlicmkiLCJJc0JvbGQiOmZhbHNlLCJJc0l0YWxpYyI6ZmFsc2UsIklzVW5kZXJsaW5lZCI6ZmFsc2UsIlBhcmVudFN0eWxlIjpudWxsfSwiQXV0b1NpemUiOjAsIkZvcmVncm91bmQiOnsiJGlkIjoiNDIiLCJDb2xvciI6eyIkaWQiOiI0MyIsIkEiOjI1NSwiUiI6MjU1LCJHIjoyNTUsIkIiOjI1NX19LCJNYXhXaWR0aCI6MjAwLjAsIk1heEhlaWdodCI6IkluZmluaXR5IiwiU21hcnRGb3JlZ3JvdW5kSXNBY3RpdmUiOmZhbHNlLCJIb3Jpem9udGFsQWxpZ25tZW50IjowLCJWZXJ0aWNhbEFsaWdubWVudCI6MSwiU21hcnRGb3JlZ3JvdW5kIjpudWxsLCJCYWNrZ3JvdW5kRmlsbFR5cGUiOjAsIk1hcmdpbiI6eyIkaWQiOiI0NCIsIlRvcCI6MCwiTGVmdCI6NSwiUmlnaHQiOjAsIkJvdHRvbSI6MH0sIlBhZGRpbmciOnsiJGlkIjoiNDUiLCJUb3AiOjAsIkxlZnQiOjAsIlJpZ2h0IjowLCJCb3R0b20iOjB9LCJCYWNrZ3JvdW5kIjp7IiRpZCI6IjQ2IiwiQ29sb3IiOnsiJHJlZiI6IjIwIn19LCJJc1Zpc2libGUiOnRydWUsIldpZHRoIjowLjAsIkhlaWdodCI6MC4wLCJCb3JkZXJTdHlsZSI6bnVsbCwiUGFyZW50U3R5bGUiOm51bGx9LCJFbGFwc2VkVGltZUJhY2tncm91bmQiOnsiJGlkIjoiNDciLCJDb2xvciI6eyIkaWQiOiI0OCIsIkEiOjc3LCJSIjoyNTUsIkciOjAsIkIiOjB9fSwiQXBwZW5kWWVhck9uWWVhckNoYW5nZSI6dHJ1ZSwiRWxhcHNlZFRpbWVGb3JtYXQiOjEsIlRvZGF5TWFya2VyUG9zaXRpb24iOjMsIlF1aWNrUG9zaXRpb24iOjMsIkFic29sdXRlUG9zaXRpb24iOjQwNC45ODA4NjUsIk1hcmdpbiI6eyIkaWQiOiI0OSIsIlRvcCI6MCwiTGVmdCI6MTAsIlJpZ2h0IjoxMCwiQm90dG9tIjowfSwiUGFkZGluZyI6eyIkaWQiOiI1MCIsIlRvcCI6MCwiTGVmdCI6MCwiUmlnaHQiOjAsIkJvdHRvbSI6MH0sIkJhY2tncm91bmQiOnsiJGlkIjoiNTEiLCJDb2xvciI6eyIkaWQiOiI1MiIsIkEiOjI1NSwiUiI6MTE1LCJHIjoxMTUsIkIiOjExNX19LCJJc1Zpc2libGUiOnRydWUsIldpZHRoIjowLjAsIkhlaWdodCI6MC4wLCJCb3JkZXJTdHlsZSI6bnVsbCwiUGFyZW50U3R5bGUiOm51bGx9LCJEZWZhdWx0TWlsZXN0b25lU3R5bGUiOnsiJGlkIjoiNTMiLCJTaGFwZSI6MCwiQ29ubmVjdG9yTWFyZ2luIjp7IiRpZCI6IjU0IiwiVG9wIjowLCJMZWZ0IjoyLCJSaWdodCI6MiwiQm90dG9tIjowfSwiQ29ubmVjdG9yU3R5bGUiOnsiJGlkIjoiNTUiLCJMaW5lQ29sb3IiOnsiJGlkIjoiNTYiLCIkdHlwZSI6Ik5MUkUuQ29tbW9uLkRvbS5Tb2xpZENvbG9yQnJ1c2gsIE5MUkUuQ29tbW9uIiwiQ29sb3IiOnsiJGlkIjoiNTciLCJBIjoxMjcsIlIiOjMxLCJHIjo3MywiQiI6MTI2fX0sIkxpbmVXZWlnaHQiOjEuMCwiTGluZVR5cGUiOjAsIlBhcmVudFN0eWxlIjpudWxsfSwiSXNCZWxvd1RpbWViYW5kIjpmYWxzZSwiUG9zaXRpb25PblRhc2siOjAsIkhpZGVEYXRlIjpmYWxzZSwiU2hhcGVTaXplIjoxLCJTcGFjaW5nIjoyLjAsIlBhZGRpbmciOnsiJGlkIjoiNTgiLCJUb3AiOjcsIkxlZnQiOjMsIlJpZ2h0IjowLCJCb3R0b20iOjJ9LCJTaGFwZVN0eWxlIjp7IiRpZCI6IjU5IiwiTWFyZ2luIjp7IiRpZCI6IjYwIiwiVG9wIjowLCJMZWZ0IjowLCJSaWdodCI6MCwiQm90dG9tIjowfSwiUGFkZGluZyI6eyIkaWQiOiI2MSIsIlRvcCI6MCwiTGVmdCI6MCwiUmlnaHQiOjAsIkJvdHRvbSI6MH0sIkJhY2tncm91bmQiOnsiJGlkIjoiNjIiLCJDb2xvciI6eyIkaWQiOiI2MyIsIkEiOjI1NSwiUiI6MCwiRyI6MTE0LCJCIjoxODh9fSwiSXNWaXNpYmxlIjp0cnVlLCJXaWR0aCI6MTguMCwiSGVpZ2h0IjoyMC4wLCJCb3JkZXJTdHlsZSI6eyIkaWQiOiI2NCIsIkxpbmVDb2xvciI6eyIkaWQiOiI2NSIsIiR0eXBlIjoiTkxSRS5Db21tb24uRG9tLlNvbGlkQ29sb3JCcnVzaCwgTkxSRS5Db21tb24iLCJDb2xvciI6eyIkaWQiOiI2NiIsIkEiOjI1NSwiUiI6MjU1LCJHIjowLCJCIjowfX0sIkxpbmVXZWlnaHQiOjAuMCwiTGluZVR5cGUiOjAsIlBhcmVudFN0eWxlIjpudWxsfSwiUGFyZW50U3R5bGUiOm51bGx9LCJUaXRsZVN0eWxlIjp7IiRpZCI6IjY3IiwiRm9udFNldHRpbmdzIjp7IiRpZCI6IjY4IiwiRm9udFNpemUiOjExLCJGb250TmFtZSI6IkNhbGlicmkiLCJJc0JvbGQiOnRydWUsIklzSXRhbGljIjpmYWxzZSwiSXNVbmRlcmxpbmVkIjpmYWxzZSwiUGFyZW50U3R5bGUiOm51bGx9LCJBdXRvU2l6ZSI6MCwiRm9yZWdyb3VuZCI6eyIkaWQiOiI2OSIsIkNvbG9yIjp7IiRpZCI6IjcwIiwiQSI6MjU1LCJSIjowLCJHIjowLCJCIjowfX0sIk1heFdpZHRoIjoyMDAuMCwiTWF4SGVpZ2h0IjoiSW5maW5pdHkiLCJTbWFydEZvcmVncm91bmRJc0FjdGl2ZSI6ZmFsc2UsIkhvcml6b250YWxBbGlnbm1lbnQiOjEsIlZlcnRpY2FsQWxpZ25tZW50IjowLCJTbWFydEZvcmVncm91bmQiOm51bGwsIkJhY2tncm91bmRGaWxsVHlwZSI6MCwiTWFyZ2luIjp7IiRpZCI6IjcxIiwiVG9wIjowLCJMZWZ0IjowLCJSaWdodCI6MCwiQm90dG9tIjowfSwiUGFkZGluZyI6eyIkaWQiOiI3MiIsIlRvcCI6MCwiTGVmdCI6MCwiUmlnaHQiOjAsIkJvdHRvbSI6MH0sIkJhY2tncm91bmQiOnsiJGlkIjoiNzMiLCJDb2xvciI6eyIkcmVmIjoiMjAifX0sIklzVmlzaWJsZSI6dHJ1ZSwiV2lkdGgiOjAuMCwiSGVpZ2h0IjowLjAsIkJvcmRlclN0eWxlIjpudWxsLCJQYXJlbnRTdHlsZSI6bnVsbH0sIkRhdGVTdHlsZSI6eyIkaWQiOiI3NCIsIkZvbnRTZXR0aW5ncyI6eyIkaWQiOiI3NSIsIkZvbnRTaXplIjoxMCwiRm9udE5hbWUiOiJDYWxpYnJpIiwiSXNCb2xkIjpmYWxzZSwiSXNJdGFsaWMiOmZhbHNlLCJJc1VuZGVybGluZWQiOmZhbHNlLCJQYXJlbnRTdHlsZSI6bnVsbH0sIkF1dG9TaXplIjowLCJGb3JlZ3JvdW5kIjp7IiRpZCI6Ijc2IiwiQ29sb3IiOnsiJGlkIjoiNzciLCJBIjoyNTUsIlIiOjY4LCJHIjo4NCwiQiI6MTA2fX0sIk1heFdpZHRoIjoyMDAuMCwiTWF4SGVpZ2h0IjoiSW5maW5pdHkiLCJTbWFydEZvcmVncm91bmRJc0FjdGl2ZSI6ZmFsc2UsIkhvcml6b250YWxBbGlnbm1lbnQiOjAsIlZlcnRpY2FsQWxpZ25tZW50IjowLCJTbWFydEZvcmVncm91bmQiOm51bGwsIkJhY2tncm91bmRGaWxsVHlwZSI6MCwiTWFyZ2luIjp7IiRpZCI6Ijc4IiwiVG9wIjowLCJMZWZ0IjowLCJSaWdodCI6MCwiQm90dG9tIjowfSwiUGFkZGluZyI6eyIkaWQiOiI3OSIsIlRvcCI6MCwiTGVmdCI6MCwiUmlnaHQiOjAsIkJvdHRvbSI6MH0sIkJhY2tncm91bmQiOnsiJGlkIjoiODAiLCJDb2xvciI6eyIkcmVmIjoiMjAifX0sIklzVmlzaWJsZSI6dHJ1ZSwiV2lkdGgiOjAuMCwiSGVpZ2h0IjowLjAsIkJvcmRlclN0eWxlIjpudWxsLCJQYXJlbnRTdHlsZSI6bnVsbH0sIkRhdGVGb3JtYXQiOnsiJGlkIjoiODEiLCJGb3JtYXRTdHJpbmciOiJNTU0gZCIsIlNlcGFyYXRvciI6Ii8iLCJVc2VJbnRlcm5hdGlvbmFsRGF0ZUZvcm1hdCI6ZmFsc2UsIkRhdGVJc1Zpc2libGUiOnRydWUsIlRpbWVJc1Zpc2libGUiOmZhbHNlLCJIb3VyRGlnaXRzIjoxLCJBbVBtRGVzaWduYXRvciI6MiwiVHJpbTAwTWludXRlcyI6ZmFsc2UsIkxhc3RLbm93blZpc2liaWxpdHlTdGF0ZSI6bnVsbH0sIklzVmlzaWJsZSI6dHJ1ZSwiUGFyZW50U3R5bGUiOm51bGx9LCJEZWZhdWx0VGFza1N0eWxlIjp7IiRpZCI6IjgyIiwiU2hhcGUiOjIsIlNoYXBlVGhpY2tuZXNzIjoxLCJEdXJhdGlvbkZvcm1hdCI6MCwiSW5jbHVkZU5vbldvcmtpbmdEYXlzSW5EdXJhdGlvbiI6ZmFsc2UsIlBlcmNlbnRhZ2VDb21wbGV0ZVN0eWxlIjp7IiRpZCI6IjgzIiwiRm9udFNldHRpbmdzIjp7IiRpZCI6Ijg0IiwiRm9udFNpemUiOjEwLCJGb250TmFtZSI6IkNhbGlicmkiLCJJc0JvbGQiOmZhbHNlLCJJc0l0YWxpYyI6ZmFsc2UsIklzVW5kZXJsaW5lZCI6ZmFsc2UsIlBhcmVudFN0eWxlIjpudWxsfSwiQXV0b1NpemUiOjAsIkZvcmVncm91bmQiOnsiJGlkIjoiODUiLCJDb2xvciI6eyIkaWQiOiI4NiIsIkEiOjI1NSwiUiI6MjM3LCJHIjoxMjUsIkIiOjQ5fX0sIk1heFdpZHRoIjoyMDAuMCwiTWF4SGVpZ2h0IjoiSW5maW5pdHkiLCJTbWFydEZvcmVncm91bmRJc0FjdGl2ZSI6ZmFsc2UsIkhvcml6b250YWxBbGlnbm1lbnQiOjAsIlZlcnRpY2FsQWxpZ25tZW50IjowLCJTbWFydEZvcmVncm91bmQiOm51bGwsIkJhY2tncm91bmRGaWxsVHlwZSI6MCwiTWFyZ2luIjp7IiRpZCI6Ijg3IiwiVG9wIjowLCJMZWZ0IjowLCJSaWdodCI6MCwiQm90dG9tIjowfSwiUGFkZGluZyI6eyIkaWQiOiI4OCIsIlRvcCI6MCwiTGVmdCI6MCwiUmlnaHQiOjAsIkJvdHRvbSI6MH0sIkJhY2tncm91bmQiOnsiJGlkIjoiODkiLCJDb2xvciI6eyIkcmVmIjoiMjAifX0sIklzVmlzaWJsZSI6dHJ1ZSwiV2lkdGgiOjAuMCwiSGVpZ2h0IjowLjAsIkJvcmRlclN0eWxlIjpudWxsLCJQYXJlbnRTdHlsZSI6bnVsbH0sIkR1cmF0aW9uU3R5bGUiOnsiJGlkIjoiOTAiLCJGb250U2V0dGluZ3MiOnsiJGlkIjoiOTEiLCJGb250U2l6ZSI6MTAsIkZvbnROYW1lIjoiQ2FsaWJyaSIsIklzQm9sZCI6ZmFsc2UsIklzSXRhbGljIjpmYWxzZSwiSXNVbmRlcmxpbmVkIjpmYWxzZSwiUGFyZW50U3R5bGUiOm51bGx9LCJBdXRvU2l6ZSI6MCwiRm9yZWdyb3VuZCI6eyIkaWQiOiI5MiIsIkNvbG9yIjp7IiRpZCI6IjkzIiwiQSI6MjU1LCJSIjoyMzcsIkciOjEyNSwiQiI6NDl9fSwiTWF4V2lkdGgiOjIwMC4wLCJNYXhIZWlnaHQiOiJJbmZpbml0eSIsIlNtYXJ0Rm9yZWdyb3VuZElzQWN0aXZlIjpmYWxzZSwiSG9yaXpvbnRhbEFsaWdubWVudCI6MCwiVmVydGljYWxBbGlnbm1lbnQiOjAsIlNtYXJ0Rm9yZWdyb3VuZCI6bnVsbCwiQmFja2dyb3VuZEZpbGxUeXBlIjowLCJNYXJnaW4iOnsiJGlkIjoiOTQiLCJUb3AiOjAsIkxlZnQiOjAsIlJpZ2h0IjowLCJCb3R0b20iOjB9LCJQYWRkaW5nIjp7IiRpZCI6Ijk1IiwiVG9wIjowLCJMZWZ0IjowLCJSaWdodCI6MCwiQm90dG9tIjowfSwiQmFja2dyb3VuZCI6eyIkaWQiOiI5NiIsIkNvbG9yIjp7IiRyZWYiOiIyMCJ9fSwiSXNWaXNpYmxlIjp0cnVlLCJXaWR0aCI6MC4wLCJIZWlnaHQiOjAuMCwiQm9yZGVyU3R5bGUiOm51bGwsIlBhcmVudFN0eWxlIjpudWxsfSwiSG9yaXpvbnRhbENvbm5lY3RvclN0eWxlIjp7IiRpZCI6Ijk3IiwiTGluZUNvbG9yIjp7IiRpZCI6Ijk4IiwiJHR5cGUiOiJOTFJFLkNvbW1vbi5Eb20uU29saWRDb2xvckJydXNoLCBOTFJFLkNvbW1vbiIsIkNvbG9yIjp7IiRpZCI6Ijk5IiwiQSI6MjU1LCJSIjoyMDQsIkciOjIwNCwiQiI6MjA0fX0sIkxpbmVXZWlnaHQiOjEuMCwiTGluZVR5cGUiOjAsIlBhcmVudFN0eWxlIjpudWxsfSwiVmVydGljYWxDb25uZWN0b3JTdHlsZSI6eyIkaWQiOiIxMDAiLCJMaW5lQ29sb3IiOnsiJGlkIjoiMTAxIiwiJHR5cGUiOiJOTFJFLkNvbW1vbi5Eb20uU29saWRDb2xvckJydXNoLCBOTFJFLkNvbW1vbiIsIkNvbG9yIjp7IiRpZCI6IjEwMiIsIkEiOjI1NSwiUiI6MjA0LCJHIjoyMDQsIkIiOjIwNH19LCJMaW5lV2VpZ2h0IjowLjAsIkxpbmVUeXBlIjowLCJQYXJlbnRTdHlsZSI6bnVsbH0sIk1hcmdpbiI6bnVsbCwiU3RhcnREYXRlUG9zaXRpb24iOjMsIkVuZERhdGVQb3NpdGlvbiI6NCwiRGF0ZUlzVmlzaWJsZSI6dHJ1ZSwiVGl0bGVQb3NpdGlvbiI6MiwiRHVyYXRpb25Qb3NpdGlvbiI6NiwiUGVyY2VudGFnZUNvbXBsZXRlZFBvc2l0aW9uIjo2LCJTcGFjaW5nIjo1LCJJc0JlbG93VGltZWJhbmQiOmZhbHNlLCJQZXJjZW50YWdlQ29tcGxldGVTaGFwZU9wYWNpdHkiOjM1LCJTaGFwZVN0eWxlIjp7IiRpZCI6IjEwMyIsIk1hcmdpbiI6eyIkaWQiOiIxMDQiLCJUb3AiOjAsIkxlZnQiOjQsIlJpZ2h0Ijo0LCJCb3R0b20iOjB9LCJQYWRkaW5nIjp7IiRpZCI6IjEwNSIsIlRvcCI6MCwiTGVmdCI6MCwiUmlnaHQiOjAsIkJvdHRvbSI6MH0sIkJhY2tncm91bmQiOnsiJGlkIjoiMTA2IiwiQ29sb3IiOnsiJGlkIjoiMTA3IiwiQSI6MjU1LCJSIjowLCJHIjoxMTQsIkIiOjE4OH19LCJJc1Zpc2libGUiOnRydWUsIldpZHRoIjowLjAsIkhlaWdodCI6MTYuMCwiQm9yZGVyU3R5bGUiOnsiJGlkIjoiMTA4IiwiTGluZUNvbG9yIjp7IiRpZCI6IjEwOSIsIiR0eXBlIjoiTkxSRS5Db21tb24uRG9tLlNvbGlkQ29sb3JCcnVzaCwgTkxSRS5Db21tb24iLCJDb2xvciI6eyIkaWQiOiIxMTAiLCJBIjoyNTUsIlIiOjI1NSwiRyI6MCwiQiI6MH19LCJMaW5lV2VpZ2h0IjowLjAsIkxpbmVUeXBlIjowLCJQYXJlbnRTdHlsZSI6bnVsbH0sIlBhcmVudFN0eWxlIjpudWxsfSwiVGl0bGVTdHlsZSI6eyIkaWQiOiIxMTEiLCJGb250U2V0dGluZ3MiOnsiJGlkIjoiMTEyIiwiRm9udFNpemUiOjExLCJGb250TmFtZSI6IkNhbGlicmkiLCJJc0JvbGQiOnRydWUsIklzSXRhbGljIjpmYWxzZSwiSXNVbmRlcmxpbmVkIjpmYWxzZSwiUGFyZW50U3R5bGUiOm51bGx9LCJBdXRvU2l6ZSI6MCwiRm9yZWdyb3VuZCI6eyIkaWQiOiIxMTMiLCJDb2xvciI6eyIkaWQiOiIxMTQiLCJBIjoyNTUsIlIiOjAsIkciOjAsIkIiOjB9fSwiTWF4V2lkdGgiOjk2MC4wLCJNYXhIZWlnaHQiOiJJbmZpbml0eSIsIlNtYXJ0Rm9yZWdyb3VuZElzQWN0aXZlIjpmYWxzZSwiSG9yaXpvbnRhbEFsaWdubWVudCI6MSwiVmVydGljYWxBbGlnbm1lbnQiOjAsIlNtYXJ0Rm9yZWdyb3VuZCI6bnVsbCwiQmFja2dyb3VuZEZpbGxUeXBlIjowLCJNYXJnaW4iOnsiJGlkIjoiMTE1IiwiVG9wIjowLCJMZWZ0IjowLCJSaWdodCI6MCwiQm90dG9tIjowfSwiUGFkZGluZyI6eyIkaWQiOiIxMTYiLCJUb3AiOjAsIkxlZnQiOjAsIlJpZ2h0IjowLCJCb3R0b20iOjB9LCJCYWNrZ3JvdW5kIjp7IiRpZCI6IjExNyIsIkNvbG9yIjp7IiRyZWYiOiIyMCJ9fSwiSXNWaXNpYmxlIjp0cnVlLCJXaWR0aCI6MC4wLCJIZWlnaHQiOjAuMCwiQm9yZGVyU3R5bGUiOm51bGwsIlBhcmVudFN0eWxlIjpudWxsfSwiRGF0ZVN0eWxlIjp7IiRpZCI6IjExOCIsIkZvbnRTZXR0aW5ncyI6eyIkaWQiOiIxMTkiLCJGb250U2l6ZSI6MTAsIkZvbnROYW1lIjoiQ2FsaWJyaSIsIklzQm9sZCI6ZmFsc2UsIklzSXRhbGljIjpmYWxzZSwiSXNVbmRlcmxpbmVkIjpmYWxzZSwiUGFyZW50U3R5bGUiOm51bGx9LCJBdXRvU2l6ZSI6MCwiRm9yZWdyb3VuZCI6eyIkaWQiOiIxMjAiLCJDb2xvciI6eyIkaWQiOiIxMjEiLCJBIjoyNTUsIlIiOjY5LCJHIjo5NSwiQiI6ODF9fSwiTWF4V2lkdGgiOjIwMC4wLCJNYXhIZWlnaHQiOiJJbmZpbml0eSIsIlNtYXJ0Rm9yZWdyb3VuZElzQWN0aXZlIjpmYWxzZSwiSG9yaXpvbnRhbEFsaWdubWVudCI6MSwiVmVydGljYWxBbGlnbm1lbnQiOjAsIlNtYXJ0Rm9yZWdyb3VuZCI6bnVsbCwiQmFja2dyb3VuZEZpbGxUeXBlIjowLCJNYXJnaW4iOnsiJGlkIjoiMTIyIiwiVG9wIjowLCJMZWZ0IjowLCJSaWdodCI6MCwiQm90dG9tIjowfSwiUGFkZGluZyI6eyIkaWQiOiIxMjMiLCJUb3AiOjAsIkxlZnQiOjAsIlJpZ2h0IjowLCJCb3R0b20iOjB9LCJCYWNrZ3JvdW5kIjp7IiRpZCI6IjEyNCIsIkNvbG9yIjp7IiRyZWYiOiIyMCJ9fSwiSXNWaXNpYmxlIjp0cnVlLCJXaWR0aCI6MC4wLCJIZWlnaHQiOjAuMCwiQm9yZGVyU3R5bGUiOm51bGwsIlBhcmVudFN0eWxlIjpudWxsfSwiRGF0ZUZvcm1hdCI6eyIkaWQiOiIxMjUiLCJGb3JtYXRTdHJpbmciOiJNL2QveXl5eSIsIlNlcGFyYXRvciI6Ii8iLCJVc2VJbnRlcm5hdGlvbmFsRGF0ZUZvcm1hdCI6ZmFsc2UsIkRhdGVJc1Zpc2libGUiOnRydWUsIlRpbWVJc1Zpc2libGUiOmZhbHNlLCJIb3VyRGlnaXRzIjoxLCJBbVBtRGVzaWduYXRvciI6MiwiVHJpbTAwTWludXRlcyI6ZmFsc2UsIkxhc3RLbm93blZpc2liaWxpdHlTdGF0ZSI6bnVsbH0sIklzVmlzaWJsZSI6dHJ1ZSwiUGFyZW50U3R5bGUiOm51bGwsIl9leHBsaWNpdGx5U2V0Ijp7IiRpZCI6IjEyNiIsIlNoYXBlU3R5bGUiOmZhbHNlLCJUaXRsZVN0eWxlIjpmYWxzZSwiRGF0ZVN0eWxlIjpmYWxzZSwiSG9yaXpvbnRhbENvbm5lY3RvclN0eWxlIjpmYWxzZSwiVmVydGljYWxDb25uZWN0b3JTdHlsZSI6ZmFsc2UsIlBlcmNlbnRhZ2VDb21wbGV0ZVNoYXBlT3BhY2l0eSI6ZmFsc2UsIkR1cmF0aW9uRm9ybWF0IjpmYWxzZSwiRHVyYXRpb25Qb3NpdGlvbiI6ZmFsc2UsIkVuZERhdGVQb3NpdGlvbiI6ZmFsc2UsIklzQmVsb3dUaW1lYmFuZCI6ZmFsc2UsIlBlcmNlbnRhZ2VDb21wbGV0ZWRQb3NpdGlvbiI6ZmFsc2UsIlNoYXBlIjpmYWxzZSwiU2hhcGVUaGlja25lc3MiOmZhbHNlLCJTcGFjaW5nIjpmYWxzZSwiU3RhcnREYXRlUG9zaXRpb24iOmZhbHNlLCJUaXRsZVBvc2l0aW9uIjpmYWxzZSwiRGF0ZUZvcm1hdCI6ZmFsc2UsIklzVmlzaWJsZSI6ZmFsc2UsIk1hcmdpbiI6ZmFsc2V9fSwiR3JpZGxpbmVQYW5lbFN0eWxlIjp7IiRpZCI6IjEyNyIsIkdyaWRsaW5lU3R5bGUiOnsiJGlkIjoiMTI4IiwiTGluZUNvbG9yIjp7IiRpZCI6IjEyOSIsIiR0eXBlIjoiTkxSRS5Db21tb24uRG9tLlNvbGlkQ29sb3JCcnVzaCwgTkxSRS5Db21tb24iLCJDb2xvciI6eyIkaWQiOiIxMzAiLCJBIjozOCwiUiI6OTEsIkciOjE1NSwiQiI6MjEzfX0sIkxpbmVXZWlnaHQiOjEuMCwiTGluZVR5cGUiOjAsIlBhcmVudFN0eWxlIjpudWxsfSwiTWFyZ2luIjp7IiRpZCI6IjEzMSIsIlRvcCI6MCwiTGVmdCI6MCwiUmlnaHQiOjAsIkJvdHRvbSI6MH0sIlBhZGRpbmciOnsiJGlkIjoiMTMyIiwiVG9wIjowLCJMZWZ0IjowLCJSaWdodCI6MCwiQm90dG9tIjowfSwiQmFja2dyb3VuZCI6bnVsbCwiSXNWaXNpYmxlIjp0cnVlLCJXaWR0aCI6MC4wLCJIZWlnaHQiOjAuMCwiQm9yZGVyU3R5bGUiOnsiJGlkIjoiMTMzIiwiTGluZUNvbG9yIjpudWxsLCJMaW5lV2VpZ2h0IjowLjAsIkxpbmVUeXBlIjowLCJQYXJlbnRTdHlsZSI6bnVsbH0sIlBhcmVudFN0eWxlIjpudWxsfSwiU2hvd0VsYXBzZWRUaW1lR3JhZGllbnRTdHlsZSI6ZmFsc2UsIkRlZmF1bHRTd2ltbGFuZVN0eWxlIjp7IiRpZCI6IjEzNCIsIkhlYWRlclN0eWxlIjp7IiRpZCI6IjEzNSIsIlRleHRTdHlsZSI6eyIkaWQiOiIxMzYiLCJGb250U2V0dGluZ3MiOnsiJGlkIjoiMTM3IiwiRm9udFNpemUiOjEyLCJGb250TmFtZSI6IkNhbGlicmkiLCJJc0JvbGQiOmZhbHNlLCJJc0l0YWxpYyI6ZmFsc2UsIklzVW5kZXJsaW5lZCI6ZmFsc2UsIlBhcmVudFN0eWxlIjpudWxsfSwiQXV0b1NpemUiOjAsIkZvcmVncm91bmQiOnsiJGlkIjoiMTM4IiwiQ29sb3IiOnsiJGlkIjoiMTM5IiwiQSI6MjU1LCJSIjozMiwiRyI6NTYsIkIiOjEwMH19LCJNYXhXaWR0aCI6MC4wLCJNYXhIZWlnaHQiOjAuMCwiU21hcnRGb3JlZ3JvdW5kSXNBY3RpdmUiOmZhbHNlLCJIb3Jpem9udGFsQWxpZ25tZW50IjowLCJWZXJ0aWNhbEFsaWdubWVudCI6MCwiU21hcnRGb3JlZ3JvdW5kIjpudWxsLCJCYWNrZ3JvdW5kRmlsbFR5cGUiOjAsIk1hcmdpbiI6eyIkaWQiOiIxNDAiLCJUb3AiOjAsIkxlZnQiOjAsIlJpZ2h0IjowLCJCb3R0b20iOjB9LCJQYWRkaW5nIjp7IiRpZCI6IjE0MSIsIlRvcCI6MCwiTGVmdCI6MCwiUmlnaHQiOjAsIkJvdHRvbSI6MH0sIkJhY2tncm91bmQiOm51bGwsIklzVmlzaWJsZSI6ZmFsc2UsIldpZHRoIjowLjAsIkhlaWdodCI6MC4wLCJCb3JkZXJTdHlsZSI6bnVsbCwiUGFyZW50U3R5bGUiOm51bGx9LCJSZWN0YW5nbGVTdHlsZSI6eyIkaWQiOiIxNDIiLCJNYXJnaW4iOnsiJGlkIjoiMTQzIiwiVG9wIjowLCJMZWZ0IjowLCJSaWdodCI6MCwiQm90dG9tIjowfSwiUGFkZGluZyI6eyIkaWQiOiIxNDQiLCJUb3AiOjAsIkxlZnQiOjAsIlJpZ2h0IjowLCJCb3R0b20iOjB9LCJCYWNrZ3JvdW5kIjp7IiRpZCI6IjE0NSIsIkNvbG9yIjp7IiRpZCI6IjE0NiIsIkEiOjEyNywiUiI6OTEsIkciOjE1NSwiQiI6MjEzfX0sIklzVmlzaWJsZSI6ZmFsc2UsIldpZHRoIjowLjAsIkhlaWdodCI6MC4wLCJCb3JkZXJTdHlsZSI6eyIkaWQiOiIxNDciLCJMaW5lQ29sb3IiOnsiJGlkIjoiMTQ4IiwiJHR5cGUiOiJOTFJFLkNvbW1vbi5Eb20uU29saWRDb2xvckJydXNoLCBOTFJFLkNvbW1vbiIsIkNvbG9yIjp7IiRpZCI6IjE0OSIsIkEiOjI1NSwiUiI6MjU1LCJHIjowLCJCIjowfX0sIkxpbmVXZWlnaHQiOjAuMCwiTGluZVR5cGUiOjAsIlBhcmVudFN0eWxlIjpudWxsfSwiUGFyZW50U3R5bGUiOm51bGx9LCJNYXJnaW4iOnsiJGlkIjoiMTUwIiwiVG9wIjowLCJMZWZ0IjowLCJSaWdodCI6MCwiQm90dG9tIjowfSwiUGFkZGluZyI6eyIkaWQiOiIxNTEiLCJUb3AiOjAsIkxlZnQiOjAsIlJpZ2h0IjowLCJCb3R0b20iOjB9LCJCYWNrZ3JvdW5kIjpudWxsLCJJc1Zpc2libGUiOnRydWUsIldpZHRoIjowLjAsIkhlaWdodCI6MC4wLCJCb3JkZXJTdHlsZSI6bnVsbCwiUGFyZW50U3R5bGUiOm51bGx9LCJCYWNrZ3JvdW5kU3R5bGUiOnsiJGlkIjoiMTUyIiwiTWFyZ2luIjp7IiRpZCI6IjE1MyIsIlRvcCI6MCwiTGVmdCI6MCwiUmlnaHQiOjAsIkJvdHRvbSI6MH0sIlBhZGRpbmciOnsiJGlkIjoiMTU0IiwiVG9wIjowLCJMZWZ0IjowLCJSaWdodCI6MCwiQm90dG9tIjowfSwiQmFja2dyb3VuZCI6eyIkaWQiOiIxNTUiLCJDb2xvciI6eyIkaWQiOiIxNTYiLCJBIjozOCwiUiI6OTEsIkciOjE1NSwiQiI6MjEzfX0sIklzVmlzaWJsZSI6dHJ1ZSwiV2lkdGgiOjAuMCwiSGVpZ2h0IjowLjAsIkJvcmRlclN0eWxlIjp7IiRpZCI6IjE1NyIsIkxpbmVDb2xvciI6eyIkaWQiOiIxNTgiLCIkdHlwZSI6Ik5MUkUuQ29tbW9uLkRvbS5Tb2xpZENvbG9yQnJ1c2gsIE5MUkUuQ29tbW9uIiwiQ29sb3IiOnsiJGlkIjoiMTU5IiwiQSI6MjU1LCJSIjoyNTUsIkciOjAsIkIiOjB9fSwiTGluZVdlaWdodCI6MC4wLCJMaW5lVHlwZSI6MCwiUGFyZW50U3R5bGUiOm51bGx9LCJQYXJlbnRTdHlsZSI6bnVsbH0sIklzQWJvdmVUaW1lYmFuZCI6ZmFsc2UsIk1hcmdpbiI6eyIkaWQiOiIxNjAiLCJUb3AiOjAsIkxlZnQiOjAsIlJpZ2h0IjowLCJCb3R0b20iOjB9LCJQYWRkaW5nIjp7IiRpZCI6IjE2MSIsIlRvcCI6MCwiTGVmdCI6MCwiUmlnaHQiOjAsIkJvdHRvbSI6MH0sIklzVmlzaWJsZSI6dHJ1ZSwiV2lkdGgiOjAuMCwiSGVpZ2h0IjowLjAsIkJvcmRlclN0eWxlIjpudWxsLCJQYXJlbnRTdHlsZSI6bnVsbH19LCJTY2FsZSI6eyIkaWQiOiIxNjIiLCJTdGFydERhdGUiOiIwMDAxLTAxLTAxVDAwOjAwOjAwIiwiRW5kRGF0ZSI6IjIwMjAtMDMtMDFUMjM6NTk6MDAiLCJGb3JtYXQiOiJ3IiwiVHlwZSI6MSwiQXV0b0RhdGVSYW5nZSI6dHJ1ZSwiV29ya2luZ0RheXMiOjMxLCJUb2RheU1hcmtlclRleHQiOiJUb2RheSIsIkF1dG9TY2FsZVR5cGUiOmZhbHNlfSwiTWlsZXN0b25lcyI6W10sIlRhc2tzIjpbeyIkaWQiOiIxNjMiLCJHcm91cE5hbWUiOiJhZDUwN2NlNi1kZDBkLTRlOWQtODcxNi0xNWE1ODE1MjczMWYiLCJTdGFydERhdGUiOiIyMDE5LTEwLTEwVDA4OjAwOjAwIiwiRW5kRGF0ZSI6IjIwMTktMTEtMTBUMTc6MDA6MDAiLCJQZXJjZW50YWdlQ29tcGxldGUiOm51bGwsIlN0eWxlIjp7IiRpZCI6IjE2NCIsIlNoYXBlIjoyLCJTaGFwZVRoaWNrbmVzcyI6MSwiRHVyYXRpb25Gb3JtYXQiOjAsIkluY2x1ZGVOb25Xb3JraW5nRGF5c0luRHVyYXRpb24iOmZhbHNlLCJQZXJjZW50YWdlQ29tcGxldGVTdHlsZSI6eyIkaWQiOiIxNjUiLCJGb250U2V0dGluZ3MiOnsiJGlkIjoiMTY2IiwiRm9udFNpemUiOjEwLCJGb250TmFtZSI6IkNhbGlicmkiLCJJc0JvbGQiOmZhbHNlLCJJc0l0YWxpYyI6ZmFsc2UsIklzVW5kZXJsaW5lZCI6ZmFsc2UsIlBhcmVudFN0eWxlIjpudWxsfSwiQXV0b1NpemUiOjAsIkZvcmVncm91bmQiOnsiJGlkIjoiMTY3IiwiQ29sb3IiOnsiJHJlZiI6Ijg2In19LCJNYXhXaWR0aCI6MjAwLjAsIk1heEhlaWdodCI6IkluZmluaXR5IiwiU21hcnRGb3JlZ3JvdW5kSXNBY3RpdmUiOmZhbHNlLCJIb3Jpem9udGFsQWxpZ25tZW50IjoxLCJWZXJ0aWNhbEFsaWdubWVudCI6MCwiU21hcnRGb3JlZ3JvdW5kIjpudWxsLCJCYWNrZ3JvdW5kRmlsbFR5cGUiOjAsIk1hcmdpbiI6eyIkaWQiOiIxNjgiLCJUb3AiOjAsIkxlZnQiOjAsIlJpZ2h0IjowLCJCb3R0b20iOjB9LCJQYWRkaW5nIjp7IiRpZCI6IjE2OSIsIlRvcCI6MCwiTGVmdCI6MCwiUmlnaHQiOjAsIkJvdHRvbSI6MH0sIkJhY2tncm91bmQiOnsiJHJlZiI6Ijg5In0sIklzVmlzaWJsZSI6dHJ1ZSwiV2lkdGgiOjAuMCwiSGVpZ2h0IjowLjAsIkJvcmRlclN0eWxlIjp7IiRpZCI6IjE3MCIsIkxpbmVDb2xvciI6bnVsbCwiTGluZVdlaWdodCI6MC4wLCJMaW5lVHlwZSI6MCwiUGFyZW50U3R5bGUiOm51bGx9LCJQYXJlbnRTdHlsZSI6bnVsbH0sIkR1cmF0aW9uU3R5bGUiOnsiJGlkIjoiMTcxIiwiRm9udFNldHRpbmdzIjp7IiRpZCI6IjE3MiIsIkZvbnRTaXplIjoxMCwiRm9udE5hbWUiOiJDYWxpYnJpIiwiSXNCb2xkIjpmYWxzZSwiSXNJdGFsaWMiOmZhbHNlLCJJc1VuZGVybGluZWQiOmZhbHNlLCJQYXJlbnRTdHlsZSI6bnVsbH0sIkF1dG9TaXplIjowLCJGb3JlZ3JvdW5kIjp7IiRpZCI6IjE3MyIsIkNvbG9yIjp7IiRyZWYiOiI5MyJ9fSwiTWF4V2lkdGgiOjIwMC4wLCJNYXhIZWlnaHQiOiJJbmZpbml0eSIsIlNtYXJ0Rm9yZWdyb3VuZElzQWN0aXZlIjpmYWxzZSwiSG9yaXpvbnRhbEFsaWdubWVudCI6MCwiVmVydGljYWxBbGlnbm1lbnQiOjAsIlNtYXJ0Rm9yZWdyb3VuZCI6bnVsbCwiQmFja2dyb3VuZEZpbGxUeXBlIjowLCJNYXJnaW4iOnsiJGlkIjoiMTc0IiwiVG9wIjowLCJMZWZ0IjowLCJSaWdodCI6MCwiQm90dG9tIjowfSwiUGFkZGluZyI6eyIkaWQiOiIxNzUiLCJUb3AiOjAsIkxlZnQiOjAsIlJpZ2h0IjowLCJCb3R0b20iOjB9LCJCYWNrZ3JvdW5kIjp7IiRyZWYiOiI5NiJ9LCJJc1Zpc2libGUiOnRydWUsIldpZHRoIjowLjAsIkhlaWdodCI6MC4wLCJCb3JkZXJTdHlsZSI6eyIkaWQiOiIxNzYiLCJMaW5lQ29sb3IiOm51bGwsIkxpbmVXZWlnaHQiOjAuMCwiTGluZVR5cGUiOjAsIlBhcmVudFN0eWxlIjpudWxsfSwiUGFyZW50U3R5bGUiOm51bGx9LCJIb3Jpem9udGFsQ29ubmVjdG9yU3R5bGUiOnsiJGlkIjoiMTc3IiwiTGluZUNvbG9yIjp7IiRyZWYiOiI5OCJ9LCJMaW5lV2VpZ2h0IjoxLjAsIkxpbmVUeXBlIjowLCJQYXJlbnRTdHlsZSI6bnVsbH0sIlZlcnRpY2FsQ29ubmVjdG9yU3R5bGUiOnsiJGlkIjoiMTc4IiwiTGluZUNvbG9yIjp7IiRpZCI6IjE3OSIsIiR0eXBlIjoiTkxSRS5Db21tb24uRG9tLlNvbGlkQ29sb3JCcnVzaCwgTkxSRS5Db21tb24iLCJDb2xvciI6eyIkaWQiOiIxODAiLCJBIjoyNTUsIlIiOjIwNCwiRyI6MjA0LCJCIjoyMDR9fSwiTGluZVdlaWdodCI6MS4wLCJMaW5lVHlwZSI6MCwiUGFyZW50U3R5bGUiOm51bGx9LCJNYXJnaW4iOm51bGwsIlN0YXJ0RGF0ZVBvc2l0aW9uIjowLCJFbmREYXRlUG9zaXRpb24iOjAsIkRhdGVJc1Zpc2libGUiOnRydWUsIlRpdGxlUG9zaXRpb24iOjIsIkR1cmF0aW9uUG9zaXRpb24iOjYsIlBlcmNlbnRhZ2VDb21wbGV0ZWRQb3NpdGlvbiI6MiwiU3BhY2luZyI6NSwiSXNCZWxvd1RpbWViYW5kIjpmYWxzZSwiUGVyY2VudGFnZUNvbXBsZXRlU2hhcGVPcGFjaXR5IjozNSwiU2hhcGVTdHlsZSI6eyIkaWQiOiIxODEiLCJNYXJnaW4iOnsiJGlkIjoiMTgyIiwiVG9wIjowLCJMZWZ0Ijo0LCJSaWdodCI6NCwiQm90dG9tIjowfSwiUGFkZGluZyI6eyIkaWQiOiIxODMiLCJUb3AiOjAsIkxlZnQiOjAsIlJpZ2h0IjowLCJCb3R0b20iOjB9LCJCYWNrZ3JvdW5kIjp7IiRpZCI6IjE4NCIsIkNvbG9yIjp7IiRpZCI6IjE4NSIsIkEiOjI1NSwiUiI6MjU1LCJHIjoxOTIsIkIiOjB9fSwiSXNWaXNpYmxlIjp0cnVlLCJXaWR0aCI6MC4wLCJIZWlnaHQiOjE2LjAsIkJvcmRlclN0eWxlIjp7IiRpZCI6IjE4NiIsIkxpbmVDb2xvciI6eyIkcmVmIjoiMTA5In0sIkxpbmVXZWlnaHQiOjAuMCwiTGluZVR5cGUiOjAsIlBhcmVudFN0eWxlIjpudWxsfSwiUGFyZW50U3R5bGUiOm51bGx9LCJUaXRsZVN0eWxlIjp7IiRpZCI6IjE4NyIsIkZvbnRTZXR0aW5ncyI6eyIkaWQiOiIxODgiLCJGb250U2l6ZSI6MTEsIkZvbnROYW1lIjoiQ2FsaWJyaSIsIklzQm9sZCI6dHJ1ZSwiSXNJdGFsaWMiOmZhbHNlLCJJc1VuZGVybGluZWQiOmZhbHNlLCJQYXJlbnRTdHlsZSI6bnVsbH0sIkF1dG9TaXplIjoyLCJGb3JlZ3JvdW5kIjp7IiRpZCI6IjE4OSIsIkNvbG9yIjp7IiRpZCI6IjE5MCIsIkEiOjI1NSwiUiI6MCwiRyI6MCwiQiI6MH19LCJNYXhXaWR0aCI6ODguNzc5NTI1NzU2ODM1OTM4LCJNYXhIZWlnaHQiOiJJbmZpbml0eSIsIlNtYXJ0Rm9yZWdyb3VuZElzQWN0aXZlIjpmYWxzZSwiSG9yaXpvbnRhbEFsaWdubWVudCI6MSwiVmVydGljYWxBbGlnbm1lbnQiOjAsIlNtYXJ0Rm9yZWdyb3VuZCI6bnVsbCwiQmFja2dyb3VuZEZpbGxUeXBlIjowLCJNYXJnaW4iOnsiJGlkIjoiMTkxIiwiVG9wIjowLCJMZWZ0IjowLCJSaWdodCI6MCwiQm90dG9tIjowfSwiUGFkZGluZyI6eyIkaWQiOiIxOTIiLCJUb3AiOjAsIkxlZnQiOjAsIlJpZ2h0IjowLCJCb3R0b20iOjB9LCJCYWNrZ3JvdW5kIjp7IiRyZWYiOiIxMTcifSwiSXNWaXNpYmxlIjp0cnVlLCJXaWR0aCI6MC4wLCJIZWlnaHQiOjAuMCwiQm9yZGVyU3R5bGUiOnsiJGlkIjoiMTkzIiwiTGluZUNvbG9yIjpudWxsLCJMaW5lV2VpZ2h0IjowLjAsIkxpbmVUeXBlIjowLCJQYXJlbnRTdHlsZSI6bnVsbH0sIlBhcmVudFN0eWxlIjpudWxsfSwiRGF0ZVN0eWxlIjp7IiRpZCI6IjE5NCIsIkZvbnRTZXR0aW5ncyI6eyIkaWQiOiIxOTUiLCJGb250U2l6ZSI6MTAsIkZvbnROYW1lIjoiQ2FsaWJyaSIsIklzQm9sZCI6ZmFsc2UsIklzSXRhbGljIjpmYWxzZSwiSXNVbmRlcmxpbmVkIjpmYWxzZSwiUGFyZW50U3R5bGUiOm51bGx9LCJBdXRvU2l6ZSI6MCwiRm9yZWdyb3VuZCI6eyIkaWQiOiIxOTYiLCJDb2xvciI6eyIkaWQiOiIxOTciLCJBIjoyNTUsIlIiOjY4LCJHIjo4NCwiQiI6MTA2fX0sIk1heFdpZHRoIjoyMDAuMCwiTWF4SGVpZ2h0IjoiSW5maW5pdHkiLCJTbWFydEZvcmVncm91bmRJc0FjdGl2ZSI6ZmFsc2UsIkhvcml6b250YWxBbGlnbm1lbnQiOjAsIlZlcnRpY2FsQWxpZ25tZW50IjowLCJTbWFydEZvcmVncm91bmQiOm51bGwsIkJhY2tncm91bmRGaWxsVHlwZSI6MCwiTWFyZ2luIjp7IiRpZCI6IjE5OCIsIlRvcCI6MCwiTGVmdCI6MCwiUmlnaHQiOjAsIkJvdHRvbSI6MH0sIlBhZGRpbmciOnsiJGlkIjoiMTk5IiwiVG9wIjowLCJMZWZ0IjowLCJSaWdodCI6MCwiQm90dG9tIjowfSwiQmFja2dyb3VuZCI6eyIkcmVmIjoiMTI0In0sIklzVmlzaWJsZSI6dHJ1ZSwiV2lkdGgiOjAuMCwiSGVpZ2h0IjowLjAsIkJvcmRlclN0eWxlIjp7IiRpZCI6IjIwMCIsIkxpbmVDb2xvciI6bnVsbCwiTGluZVdlaWdodCI6MC4wLCJMaW5lVHlwZSI6MCwiUGFyZW50U3R5bGUiOm51bGx9LCJQYXJlbnRTdHlsZSI6bnVsbH0sIkRhdGVGb3JtYXQiOnsiJGlkIjoiMjAxIiwiRm9ybWF0U3RyaW5nIjoiTU1NIGQiLCJTZXBhcmF0b3IiOiIvIiwiVXNlSW50ZXJuYXRpb25hbERhdGVGb3JtYXQiOmZhbHNlLCJEYXRlSXNWaXNpYmxlIjp0cnVlLCJUaW1lSXNWaXNpYmxlIjpmYWxzZSwiSG91ckRpZ2l0cyI6MSwiQW1QbURlc2lnbmF0b3IiOjIsIlRyaW0wME1pbnV0ZXMiOmZhbHNlLCJMYXN0S25vd25WaXNpYmlsaXR5U3RhdGUiOnsiJGlkIjoiMjAyIiwiRGF0ZVBhcnRJc1Zpc2libGUiOnRydWUsIlRpbWVQYXJ0SXNWaXNpYmxlIjpmYWxzZX19LCJJc1Zpc2libGUiOnRydWUsIlBhcmVudFN0eWxlIjpudWxsfSwiSW5kZXgiOjAsIlNtYXJ0RHVyYXRpb25BY3RpdmF0ZWQiOmZhbHNlLCJEYXRlRm9ybWF0Ijp7IiRyZWYiOiIyMDEifSwiSWQiOiIxYTdmNDUyNy0xOWVkLTRhNmQtYjZhMi05ZWIzMTY2YTM1M2YiLCJJbXBvcnRJZCI6bnVsbCwiVGl0bGUiOiJVc2UgY2FzZSBjb25maXJtYXRpb24gd2l0aCBSYWJvLyBBY2htZWEiLCJOb3RlIjpudWxsLCJIeXBlcmxpbmsiOnsiJGlkIjoiMjAzIiwiQWRkcmVzcyI6IiIsIlN1YkFkZHJlc3MiOiIifSwiSXNDaGFuZ2VkIjpmYWxzZSwiSXNOZXciOmZhbHNlfSx7IiRpZCI6IjIwNCIsIkdyb3VwTmFtZSI6ImFkNTA3Y2U2LWRkMGQtNGU5ZC04NzE2LTE1YTU4MTUyNzMxZiIsIlN0YXJ0RGF0ZSI6IjIwMTktMTEtMDFUMDg6MDA6MDAiLCJFbmREYXRlIjoiMjAxOS0xMi0wMVQxNzowMDowMCIsIlBlcmNlbnRhZ2VDb21wbGV0ZSI6bnVsbCwiU3R5bGUiOnsiJGlkIjoiMjA1IiwiU2hhcGUiOjIsIlNoYXBlVGhpY2tuZXNzIjoxLCJEdXJhdGlvbkZvcm1hdCI6MCwiSW5jbHVkZU5vbldvcmtpbmdEYXlzSW5EdXJhdGlvbiI6ZmFsc2UsIlBlcmNlbnRhZ2VDb21wbGV0ZVN0eWxlIjp7IiRpZCI6IjIwNiIsIkZvbnRTZXR0aW5ncyI6eyIkaWQiOiIyMDciLCJGb250U2l6ZSI6MTAsIkZvbnROYW1lIjoiQ2FsaWJyaSIsIklzQm9sZCI6ZmFsc2UsIklzSXRhbGljIjpmYWxzZSwiSXNVbmRlcmxpbmVkIjpmYWxzZSwiUGFyZW50U3R5bGUiOm51bGx9LCJBdXRvU2l6ZSI6MCwiRm9yZWdyb3VuZCI6eyIkaWQiOiIyMDgiLCJDb2xvciI6eyIkcmVmIjoiODYifX0sIk1heFdpZHRoIjoyMDAuMCwiTWF4SGVpZ2h0IjoiSW5maW5pdHkiLCJTbWFydEZvcmVncm91bmRJc0FjdGl2ZSI6ZmFsc2UsIkhvcml6b250YWxBbGlnbm1lbnQiOjEsIlZlcnRpY2FsQWxpZ25tZW50IjowLCJTbWFydEZvcmVncm91bmQiOm51bGwsIkJhY2tncm91bmRGaWxsVHlwZSI6MCwiTWFyZ2luIjp7IiRpZCI6IjIwOSIsIlRvcCI6MCwiTGVmdCI6MCwiUmlnaHQiOjAsIkJvdHRvbSI6MH0sIlBhZGRpbmciOnsiJGlkIjoiMjEwIiwiVG9wIjowLCJMZWZ0IjowLCJSaWdodCI6MCwiQm90dG9tIjowfSwiQmFja2dyb3VuZCI6eyIkcmVmIjoiODkifSwiSXNWaXNpYmxlIjp0cnVlLCJXaWR0aCI6MC4wLCJIZWlnaHQiOjAuMCwiQm9yZGVyU3R5bGUiOnsiJGlkIjoiMjExIiwiTGluZUNvbG9yIjpudWxsLCJMaW5lV2VpZ2h0IjowLjAsIkxpbmVUeXBlIjowLCJQYXJlbnRTdHlsZSI6bnVsbH0sIlBhcmVudFN0eWxlIjpudWxsfSwiRHVyYXRpb25TdHlsZSI6eyIkaWQiOiIyMTIiLCJGb250U2V0dGluZ3MiOnsiJGlkIjoiMjEzIiwiRm9udFNpemUiOjEwLCJGb250TmFtZSI6IkNhbGlicmkiLCJJc0JvbGQiOmZhbHNlLCJJc0l0YWxpYyI6ZmFsc2UsIklzVW5kZXJsaW5lZCI6ZmFsc2UsIlBhcmVudFN0eWxlIjpudWxsfSwiQXV0b1NpemUiOjAsIkZvcmVncm91bmQiOnsiJGlkIjoiMjE0IiwiQ29sb3IiOnsiJHJlZiI6IjkzIn19LCJNYXhXaWR0aCI6MjAwLjAsIk1heEhlaWdodCI6IkluZmluaXR5IiwiU21hcnRGb3JlZ3JvdW5kSXNBY3RpdmUiOmZhbHNlLCJIb3Jpem9udGFsQWxpZ25tZW50IjowLCJWZXJ0aWNhbEFsaWdubWVudCI6MCwiU21hcnRGb3JlZ3JvdW5kIjpudWxsLCJCYWNrZ3JvdW5kRmlsbFR5cGUiOjAsIk1hcmdpbiI6eyIkaWQiOiIyMTUiLCJUb3AiOjAsIkxlZnQiOjAsIlJpZ2h0IjowLCJCb3R0b20iOjB9LCJQYWRkaW5nIjp7IiRpZCI6IjIxNiIsIlRvcCI6MCwiTGVmdCI6MCwiUmlnaHQiOjAsIkJvdHRvbSI6MH0sIkJhY2tncm91bmQiOnsiJHJlZiI6Ijk2In0sIklzVmlzaWJsZSI6dHJ1ZSwiV2lkdGgiOjAuMCwiSGVpZ2h0IjowLjAsIkJvcmRlclN0eWxlIjp7IiRpZCI6IjIxNyIsIkxpbmVDb2xvciI6bnVsbCwiTGluZVdlaWdodCI6MC4wLCJMaW5lVHlwZSI6MCwiUGFyZW50U3R5bGUiOm51bGx9LCJQYXJlbnRTdHlsZSI6bnVsbH0sIkhvcml6b250YWxDb25uZWN0b3JTdHlsZSI6eyIkaWQiOiIyMTgiLCJMaW5lQ29sb3IiOnsiJHJlZiI6Ijk4In0sIkxpbmVXZWlnaHQiOjEuMCwiTGluZVR5cGUiOjAsIlBhcmVudFN0eWxlIjpudWxsfSwiVmVydGljYWxDb25uZWN0b3JTdHlsZSI6eyIkaWQiOiIyMTkiLCJMaW5lQ29sb3IiOnsiJGlkIjoiMjIwIiwiJHR5cGUiOiJOTFJFLkNvbW1vbi5Eb20uU29saWRDb2xvckJydXNoLCBOTFJFLkNvbW1vbiIsIkNvbG9yIjp7IiRpZCI6IjIyMSIsIkEiOjI1NSwiUiI6MjA0LCJHIjoyMDQsIkIiOjIwNH19LCJMaW5lV2VpZ2h0IjoxLjAsIkxpbmVUeXBlIjowLCJQYXJlbnRTdHlsZSI6bnVsbH0sIk1hcmdpbiI6bnVsbCwiU3RhcnREYXRlUG9zaXRpb24iOjAsIkVuZERhdGVQb3NpdGlvbiI6MCwiRGF0ZUlzVmlzaWJsZSI6dHJ1ZSwiVGl0bGVQb3NpdGlvbiI6MiwiRHVyYXRpb25Qb3NpdGlvbiI6NiwiUGVyY2VudGFnZUNvbXBsZXRlZFBvc2l0aW9uIjoyLCJTcGFjaW5nIjo1LCJJc0JlbG93VGltZWJhbmQiOmZhbHNlLCJQZXJjZW50YWdlQ29tcGxldGVTaGFwZU9wYWNpdHkiOjM1LCJTaGFwZVN0eWxlIjp7IiRpZCI6IjIyMiIsIk1hcmdpbiI6eyIkaWQiOiIyMjMiLCJUb3AiOjAsIkxlZnQiOjQsIlJpZ2h0Ijo0LCJCb3R0b20iOjB9LCJQYWRkaW5nIjp7IiRpZCI6IjIyNCIsIlRvcCI6MCwiTGVmdCI6MCwiUmlnaHQiOjAsIkJvdHRvbSI6MH0sIkJhY2tncm91bmQiOnsiJGlkIjoiMjI1IiwiQ29sb3IiOnsiJGlkIjoiMjI2IiwiQSI6MjU1LCJSIjoyMzcsIkciOjEyNSwiQiI6NDl9fSwiSXNWaXNpYmxlIjp0cnVlLCJXaWR0aCI6MC4wLCJIZWlnaHQiOjE2LjAsIkJvcmRlclN0eWxlIjp7IiRpZCI6IjIyNyIsIkxpbmVDb2xvciI6eyIkcmVmIjoiMTA5In0sIkxpbmVXZWlnaHQiOjAuMCwiTGluZVR5cGUiOjAsIlBhcmVudFN0eWxlIjpudWxsfSwiUGFyZW50U3R5bGUiOm51bGx9LCJUaXRsZVN0eWxlIjp7IiRpZCI6IjIyOCIsIkZvbnRTZXR0aW5ncyI6eyIkaWQiOiIyMjkiLCJGb250U2l6ZSI6MTEsIkZvbnROYW1lIjoiQ2FsaWJyaSIsIklzQm9sZCI6dHJ1ZSwiSXNJdGFsaWMiOmZhbHNlLCJJc1VuZGVybGluZWQiOmZhbHNlLCJQYXJlbnRTdHlsZSI6bnVsbH0sIkF1dG9TaXplIjowLCJGb3JlZ3JvdW5kIjp7IiRpZCI6IjIzMCIsIkNvbG9yIjp7IiRpZCI6IjIzMSIsIkEiOjI1NSwiUiI6MjMxLCJHIjoyMzAsIkIiOjIzMH19LCJNYXhXaWR0aCI6NzIwLjAsIk1heEhlaWdodCI6IkluZmluaXR5IiwiU21hcnRGb3JlZ3JvdW5kSXNBY3RpdmUiOmZhbHNlLCJIb3Jpem9udGFsQWxpZ25tZW50IjoxLCJWZXJ0aWNhbEFsaWdubWVudCI6MCwiU21hcnRGb3JlZ3JvdW5kIjpudWxsLCJCYWNrZ3JvdW5kRmlsbFR5cGUiOjAsIk1hcmdpbiI6eyIkaWQiOiIyMzIiLCJUb3AiOjAsIkxlZnQiOjAsIlJpZ2h0IjowLCJCb3R0b20iOjB9LCJQYWRkaW5nIjp7IiRpZCI6IjIzMyIsIlRvcCI6MCwiTGVmdCI6MCwiUmlnaHQiOjAsIkJvdHRvbSI6MH0sIkJhY2tncm91bmQiOnsiJHJlZiI6IjExNyJ9LCJJc1Zpc2libGUiOnRydWUsIldpZHRoIjowLjAsIkhlaWdodCI6MC4wLCJCb3JkZXJTdHlsZSI6eyIkaWQiOiIyMzQiLCJMaW5lQ29sb3IiOm51bGwsIkxpbmVXZWlnaHQiOjAuMCwiTGluZVR5cGUiOjAsIlBhcmVudFN0eWxlIjpudWxsfSwiUGFyZW50U3R5bGUiOm51bGx9LCJEYXRlU3R5bGUiOnsiJGlkIjoiMjM1IiwiRm9udFNldHRpbmdzIjp7IiRpZCI6IjIzNiIsIkZvbnRTaXplIjoxMCwiRm9udE5hbWUiOiJDYWxpYnJpIiwiSXNCb2xkIjpmYWxzZSwiSXNJdGFsaWMiOmZhbHNlLCJJc1VuZGVybGluZWQiOmZhbHNlLCJQYXJlbnRTdHlsZSI6bnVsbH0sIkF1dG9TaXplIjowLCJGb3JlZ3JvdW5kIjp7IiRpZCI6IjIzNyIsIkNvbG9yIjp7IiRpZCI6IjIzOCIsIkEiOjI1NSwiUiI6NjgsIkciOjg0LCJCIjoxMDZ9fSwiTWF4V2lkdGgiOjIwMC4wLCJNYXhIZWlnaHQiOiJJbmZpbml0eSIsIlNtYXJ0Rm9yZWdyb3VuZElzQWN0aXZlIjpmYWxzZSwiSG9yaXpvbnRhbEFsaWdubWVudCI6MCwiVmVydGljYWxBbGlnbm1lbnQiOjAsIlNtYXJ0Rm9yZWdyb3VuZCI6bnVsbCwiQmFja2dyb3VuZEZpbGxUeXBlIjowLCJNYXJnaW4iOnsiJGlkIjoiMjM5IiwiVG9wIjowLCJMZWZ0IjowLCJSaWdodCI6MCwiQm90dG9tIjowfSwiUGFkZGluZyI6eyIkaWQiOiIyNDAiLCJUb3AiOjAsIkxlZnQiOjAsIlJpZ2h0IjowLCJCb3R0b20iOjB9LCJCYWNrZ3JvdW5kIjp7IiRyZWYiOiIxMjQifSwiSXNWaXNpYmxlIjp0cnVlLCJXaWR0aCI6MC4wLCJIZWlnaHQiOjAuMCwiQm9yZGVyU3R5bGUiOnsiJGlkIjoiMjQxIiwiTGluZUNvbG9yIjpudWxsLCJMaW5lV2VpZ2h0IjowLjAsIkxpbmVUeXBlIjowLCJQYXJlbnRTdHlsZSI6bnVsbH0sIlBhcmVudFN0eWxlIjpudWxsfSwiRGF0ZUZvcm1hdCI6eyIkaWQiOiIyNDIiLCJGb3JtYXRTdHJpbmciOiJNTU0gZCIsIlNlcGFyYXRvciI6Ii8iLCJVc2VJbnRlcm5hdGlvbmFsRGF0ZUZvcm1hdCI6ZmFsc2UsIkRhdGVJc1Zpc2libGUiOnRydWUsIlRpbWVJc1Zpc2libGUiOmZhbHNlLCJIb3VyRGlnaXRzIjoxLCJBbVBtRGVzaWduYXRvciI6MiwiVHJpbTAwTWludXRlcyI6ZmFsc2UsIkxhc3RLbm93blZpc2liaWxpdHlTdGF0ZSI6eyIkcmVmIjoiMjAyIn19LCJJc1Zpc2libGUiOnRydWUsIlBhcmVudFN0eWxlIjpudWxsfSwiSW5kZXgiOjEsIlNtYXJ0RHVyYXRpb25BY3RpdmF0ZWQiOmZhbHNlLCJEYXRlRm9ybWF0Ijp7IiRyZWYiOiIyNDIifSwiSWQiOiI3MmIxOTIwMC03MTIyLTQwZGEtYTljMi1hYjIyYWI1ODJjYjIiLCJJbXBvcnRJZCI6bnVsbCwiVGl0bGUiOiJEZXZlbG9wbWVudCBvZiBibGFjayBib3ggdnMgd2hpdGUgYm94IHRvb2wiLCJOb3RlIjpudWxsLCJIeXBlcmxpbmsiOnsiJGlkIjoiMjQzIiwiQWRkcmVzcyI6IiIsIlN1YkFkZHJlc3MiOiIifSwiSXNDaGFuZ2VkIjpmYWxzZSwiSXNOZXciOmZhbHNlfSx7IiRpZCI6IjI0NCIsIkdyb3VwTmFtZSI6bnVsbCwiU3RhcnREYXRlIjoiMjAyMC0wMS0wMVQwMDowMDowMCIsIkVuZERhdGUiOiIyMDIwLTAyLTAxVDIzOjU5OjAwIiwiUGVyY2VudGFnZUNvbXBsZXRlIjpudWxsLCJTdHlsZSI6eyIkaWQiOiIyNDUiLCJTaGFwZSI6MiwiU2hhcGVUaGlja25lc3MiOjEsIkR1cmF0aW9uRm9ybWF0IjowLCJJbmNsdWRlTm9uV29ya2luZ0RheXNJbkR1cmF0aW9uIjpmYWxzZSwiUGVyY2VudGFnZUNvbXBsZXRlU3R5bGUiOnsiJGlkIjoiMjQ2IiwiRm9udFNldHRpbmdzIjp7IiRpZCI6IjI0NyIsIkZvbnRTaXplIjoxMCwiRm9udE5hbWUiOiJDYWxpYnJpIiwiSXNCb2xkIjpmYWxzZSwiSXNJdGFsaWMiOmZhbHNlLCJJc1VuZGVybGluZWQiOmZhbHNlLCJQYXJlbnRTdHlsZSI6bnVsbH0sIkF1dG9TaXplIjowLCJGb3JlZ3JvdW5kIjp7IiRpZCI6IjI0OCIsIkNvbG9yIjp7IiRyZWYiOiI4NiJ9fSwiTWF4V2lkdGgiOjIwMC4wLCJNYXhIZWlnaHQiOiJJbmZpbml0eSIsIlNtYXJ0Rm9yZWdyb3VuZElzQWN0aXZlIjpmYWxzZSwiSG9yaXpvbnRhbEFsaWdubWVudCI6MSwiVmVydGljYWxBbGlnbm1lbnQiOjAsIlNtYXJ0Rm9yZWdyb3VuZCI6bnVsbCwiQmFja2dyb3VuZEZpbGxUeXBlIjowLCJNYXJnaW4iOnsiJGlkIjoiMjQ5IiwiVG9wIjowLCJMZWZ0IjowLCJSaWdodCI6MCwiQm90dG9tIjowfSwiUGFkZGluZyI6eyIkaWQiOiIyNTAiLCJUb3AiOjAsIkxlZnQiOjAsIlJpZ2h0IjowLCJCb3R0b20iOjB9LCJCYWNrZ3JvdW5kIjp7IiRyZWYiOiI4OSJ9LCJJc1Zpc2libGUiOnRydWUsIldpZHRoIjowLjAsIkhlaWdodCI6MC4wLCJCb3JkZXJTdHlsZSI6eyIkaWQiOiIyNTEiLCJMaW5lQ29sb3IiOm51bGwsIkxpbmVXZWlnaHQiOjAuMCwiTGluZVR5cGUiOjAsIlBhcmVudFN0eWxlIjpudWxsfSwiUGFyZW50U3R5bGUiOm51bGx9LCJEdXJhdGlvblN0eWxlIjp7IiRpZCI6IjI1MiIsIkZvbnRTZXR0aW5ncyI6eyIkaWQiOiIyNTMiLCJGb250U2l6ZSI6MTAsIkZvbnROYW1lIjoiQ2FsaWJyaSIsIklzQm9sZCI6ZmFsc2UsIklzSXRhbGljIjpmYWxzZSwiSXNVbmRlcmxpbmVkIjpmYWxzZSwiUGFyZW50U3R5bGUiOm51bGx9LCJBdXRvU2l6ZSI6MCwiRm9yZWdyb3VuZCI6eyIkaWQiOiIyNTQiLCJDb2xvciI6eyIkcmVmIjoiOTMifX0sIk1heFdpZHRoIjoyMDAuMCwiTWF4SGVpZ2h0IjoiSW5maW5pdHkiLCJTbWFydEZvcmVncm91bmRJc0FjdGl2ZSI6ZmFsc2UsIkhvcml6b250YWxBbGlnbm1lbnQiOjAsIlZlcnRpY2FsQWxpZ25tZW50IjowLCJTbWFydEZvcmVncm91bmQiOm51bGwsIkJhY2tncm91bmRGaWxsVHlwZSI6MCwiTWFyZ2luIjp7IiRpZCI6IjI1NSIsIlRvcCI6MCwiTGVmdCI6MCwiUmlnaHQiOjAsIkJvdHRvbSI6MH0sIlBhZGRpbmciOnsiJGlkIjoiMjU2IiwiVG9wIjowLCJMZWZ0IjowLCJSaWdodCI6MCwiQm90dG9tIjowfSwiQmFja2dyb3VuZCI6eyIkcmVmIjoiOTYifSwiSXNWaXNpYmxlIjp0cnVlLCJXaWR0aCI6MC4wLCJIZWlnaHQiOjAuMCwiQm9yZGVyU3R5bGUiOnsiJGlkIjoiMjU3IiwiTGluZUNvbG9yIjpudWxsLCJMaW5lV2VpZ2h0IjowLjAsIkxpbmVUeXBlIjowLCJQYXJlbnRTdHlsZSI6bnVsbH0sIlBhcmVudFN0eWxlIjpudWxsfSwiSG9yaXpvbnRhbENvbm5lY3RvclN0eWxlIjp7IiRpZCI6IjI1OCIsIkxpbmVDb2xvciI6eyIkcmVmIjoiOTgifSwiTGluZVdlaWdodCI6MS4wLCJMaW5lVHlwZSI6MCwiUGFyZW50U3R5bGUiOm51bGx9LCJWZXJ0aWNhbENvbm5lY3RvclN0eWxlIjp7IiRpZCI6IjI1OSIsIkxpbmVDb2xvciI6eyIkaWQiOiIyNjAiLCIkdHlwZSI6Ik5MUkUuQ29tbW9uLkRvbS5Tb2xpZENvbG9yQnJ1c2gsIE5MUkUuQ29tbW9uIiwiQ29sb3IiOnsiJGlkIjoiMjYxIiwiQSI6MjU1LCJSIjoyMDQsIkciOjIwNCwiQiI6MjA0fX0sIkxpbmVXZWlnaHQiOjEuMCwiTGluZVR5cGUiOjAsIlBhcmVudFN0eWxlIjpudWxsfSwiTWFyZ2luIjpudWxsLCJTdGFydERhdGVQb3NpdGlvbiI6MCwiRW5kRGF0ZVBvc2l0aW9uIjowLCJEYXRlSXNWaXNpYmxlIjp0cnVlLCJUaXRsZVBvc2l0aW9uIjoyLCJEdXJhdGlvblBvc2l0aW9uIjo2LCJQZXJjZW50YWdlQ29tcGxldGVkUG9zaXRpb24iOjIsIlNwYWNpbmciOjUsIklzQmVsb3dUaW1lYmFuZCI6ZmFsc2UsIlBlcmNlbnRhZ2VDb21wbGV0ZVNoYXBlT3BhY2l0eSI6MzUsIlNoYXBlU3R5bGUiOnsiJGlkIjoiMjYyIiwiTWFyZ2luIjp7IiRpZCI6IjI2MyIsIlRvcCI6MCwiTGVmdCI6NCwiUmlnaHQiOjQsIkJvdHRvbSI6MH0sIlBhZGRpbmciOnsiJGlkIjoiMjY0IiwiVG9wIjowLCJMZWZ0IjowLCJSaWdodCI6MCwiQm90dG9tIjowfSwiQmFja2dyb3VuZCI6eyIkaWQiOiIyNjUiLCJDb2xvciI6eyIkaWQiOiIyNjYiLCJBIjoyNTUsIlIiOjIzNywiRyI6MTI1LCJCIjo0OX19LCJJc1Zpc2libGUiOnRydWUsIldpZHRoIjowLjAsIkhlaWdodCI6MTYuMCwiQm9yZGVyU3R5bGUiOnsiJGlkIjoiMjY3IiwiTGluZUNvbG9yIjp7IiRyZWYiOiIxMDkifSwiTGluZVdlaWdodCI6MC4wLCJMaW5lVHlwZSI6MCwiUGFyZW50U3R5bGUiOm51bGx9LCJQYXJlbnRTdHlsZSI6bnVsbH0sIlRpdGxlU3R5bGUiOnsiJGlkIjoiMjY4IiwiRm9udFNldHRpbmdzIjp7IiRpZCI6IjI2OSIsIkZvbnRTaXplIjoxMSwiRm9udE5hbWUiOiJDYWxpYnJpIiwiSXNCb2xkIjp0cnVlLCJJc0l0YWxpYyI6ZmFsc2UsIklzVW5kZXJsaW5lZCI6ZmFsc2UsIlBhcmVudFN0eWxlIjpudWxsfSwiQXV0b1NpemUiOjAsIkZvcmVncm91bmQiOnsiJGlkIjoiMjcwIiwiQ29sb3IiOnsiJGlkIjoiMjcxIiwiQSI6MjU1LCJSIjoyMzEsIkciOjIzMCwiQiI6MjMwfX0sIk1heFdpZHRoIjo3MjAuMCwiTWF4SGVpZ2h0IjoiSW5maW5pdHkiLCJTbWFydEZvcmVncm91bmRJc0FjdGl2ZSI6ZmFsc2UsIkhvcml6b250YWxBbGlnbm1lbnQiOjEsIlZlcnRpY2FsQWxpZ25tZW50IjowLCJTbWFydEZvcmVncm91bmQiOm51bGwsIkJhY2tncm91bmRGaWxsVHlwZSI6MCwiTWFyZ2luIjp7IiRpZCI6IjI3MiIsIlRvcCI6MCwiTGVmdCI6MCwiUmlnaHQiOjAsIkJvdHRvbSI6MH0sIlBhZGRpbmciOnsiJGlkIjoiMjczIiwiVG9wIjowLCJMZWZ0IjowLCJSaWdodCI6MCwiQm90dG9tIjowfSwiQmFja2dyb3VuZCI6eyIkcmVmIjoiMTE3In0sIklzVmlzaWJsZSI6dHJ1ZSwiV2lkdGgiOjAuMCwiSGVpZ2h0IjowLjAsIkJvcmRlclN0eWxlIjp7IiRpZCI6IjI3NCIsIkxpbmVDb2xvciI6bnVsbCwiTGluZVdlaWdodCI6MC4wLCJMaW5lVHlwZSI6MCwiUGFyZW50U3R5bGUiOm51bGx9LCJQYXJlbnRTdHlsZSI6bnVsbH0sIkRhdGVTdHlsZSI6eyIkaWQiOiIyNzUiLCJGb250U2V0dGluZ3MiOnsiJGlkIjoiMjc2IiwiRm9udFNpemUiOjEwLCJGb250TmFtZSI6IkNhbGlicmkiLCJJc0JvbGQiOmZhbHNlLCJJc0l0YWxpYyI6ZmFsc2UsIklzVW5kZXJsaW5lZCI6ZmFsc2UsIlBhcmVudFN0eWxlIjpudWxsfSwiQXV0b1NpemUiOjAsIkZvcmVncm91bmQiOnsiJGlkIjoiMjc3IiwiQ29sb3IiOnsiJGlkIjoiMjc4IiwiQSI6MjU1LCJSIjo2OCwiRyI6ODQsIkIiOjEwNn19LCJNYXhXaWR0aCI6MjAwLjAsIk1heEhlaWdodCI6IkluZmluaXR5IiwiU21hcnRGb3JlZ3JvdW5kSXNBY3RpdmUiOmZhbHNlLCJIb3Jpem9udGFsQWxpZ25tZW50IjowLCJWZXJ0aWNhbEFsaWdubWVudCI6MCwiU21hcnRGb3JlZ3JvdW5kIjpudWxsLCJCYWNrZ3JvdW5kRmlsbFR5cGUiOjAsIk1hcmdpbiI6eyIkaWQiOiIyNzkiLCJUb3AiOjAsIkxlZnQiOjAsIlJpZ2h0IjowLCJCb3R0b20iOjB9LCJQYWRkaW5nIjp7IiRpZCI6IjI4MCIsIlRvcCI6MCwiTGVmdCI6MCwiUmlnaHQiOjAsIkJvdHRvbSI6MH0sIkJhY2tncm91bmQiOnsiJHJlZiI6IjEyNCJ9LCJJc1Zpc2libGUiOnRydWUsIldpZHRoIjowLjAsIkhlaWdodCI6MC4wLCJCb3JkZXJTdHlsZSI6eyIkaWQiOiIyODEiLCJMaW5lQ29sb3IiOm51bGwsIkxpbmVXZWlnaHQiOjAuMCwiTGluZVR5cGUiOjAsIlBhcmVudFN0eWxlIjpudWxsfSwiUGFyZW50U3R5bGUiOm51bGx9LCJEYXRlRm9ybWF0Ijp7IiRpZCI6IjI4MiIsIkZvcm1hdFN0cmluZyI6Ik1NTSBkIiwiU2VwYXJhdG9yIjoiLyIsIlVzZUludGVybmF0aW9uYWxEYXRlRm9ybWF0IjpmYWxzZSwiRGF0ZUlzVmlzaWJsZSI6dHJ1ZSwiVGltZUlzVmlzaWJsZSI6ZmFsc2UsIkhvdXJEaWdpdHMiOjEsIkFtUG1EZXNpZ25hdG9yIjoyLCJUcmltMDBNaW51dGVzIjpmYWxzZSwiTGFzdEtub3duVmlzaWJpbGl0eVN0YXRlIjp7IiRyZWYiOiIyMDIifX0sIklzVmlzaWJsZSI6dHJ1ZSwiUGFyZW50U3R5bGUiOm51bGx9LCJJbmRleCI6MiwiU21hcnREdXJhdGlvbkFjdGl2YXRlZCI6ZmFsc2UsIkRhdGVGb3JtYXQiOnsiJHJlZiI6IjI4MiJ9LCJJZCI6ImFiNjdlYTUxLWU1NmYtNDAxMS04NjVlLTk5NmFhMGJjNDg4YSIsIkltcG9ydElkIjpudWxsLCJUaXRsZSI6IkV4cGVyaW1lbnQgd2l0aCBkb21haW5lIGV4cGVydCBpbiBpbmR1c3RyeSIsIk5vdGUiOm51bGwsIkh5cGVybGluayI6eyIkaWQiOiIyODMiLCJBZGRyZXNzIjoiIiwiU3ViQWRkcmVzcyI6IiJ9LCJJc0NoYW5nZWQiOmZhbHNlLCJJc05ldyI6ZmFsc2V9LHsiJGlkIjoiMjg0IiwiR3JvdXBOYW1lIjpudWxsLCJTdGFydERhdGUiOiIyMDIwLTAyLTAxVDAwOjAwOjAwIiwiRW5kRGF0ZSI6IjIwMjAtMDMtMDFUMjM6NTk6MDAiLCJQZXJjZW50YWdlQ29tcGxldGUiOm51bGwsIlN0eWxlIjp7IiRpZCI6IjI4NSIsIlNoYXBlIjoyLCJTaGFwZVRoaWNrbmVzcyI6MSwiRHVyYXRpb25Gb3JtYXQiOjAsIkluY2x1ZGVOb25Xb3JraW5nRGF5c0luRHVyYXRpb24iOmZhbHNlLCJQZXJjZW50YWdlQ29tcGxldGVTdHlsZSI6eyIkaWQiOiIyODYiLCJGb250U2V0dGluZ3MiOnsiJGlkIjoiMjg3IiwiRm9udFNpemUiOjEwLCJGb250TmFtZSI6IkNhbGlicmkiLCJJc0JvbGQiOmZhbHNlLCJJc0l0YWxpYyI6ZmFsc2UsIklzVW5kZXJsaW5lZCI6ZmFsc2UsIlBhcmVudFN0eWxlIjpudWxsfSwiQXV0b1NpemUiOjAsIkZvcmVncm91bmQiOnsiJGlkIjoiMjg4IiwiQ29sb3IiOnsiJHJlZiI6Ijg2In19LCJNYXhXaWR0aCI6MjAwLjAsIk1heEhlaWdodCI6IkluZmluaXR5IiwiU21hcnRGb3JlZ3JvdW5kSXNBY3RpdmUiOmZhbHNlLCJIb3Jpem9udGFsQWxpZ25tZW50IjoxLCJWZXJ0aWNhbEFsaWdubWVudCI6MCwiU21hcnRGb3JlZ3JvdW5kIjpudWxsLCJCYWNrZ3JvdW5kRmlsbFR5cGUiOjAsIk1hcmdpbiI6eyIkaWQiOiIyODkiLCJUb3AiOjAsIkxlZnQiOjAsIlJpZ2h0IjowLCJCb3R0b20iOjB9LCJQYWRkaW5nIjp7IiRpZCI6IjI5MCIsIlRvcCI6MCwiTGVmdCI6MCwiUmlnaHQiOjAsIkJvdHRvbSI6MH0sIkJhY2tncm91bmQiOnsiJHJlZiI6Ijg5In0sIklzVmlzaWJsZSI6dHJ1ZSwiV2lkdGgiOjAuMCwiSGVpZ2h0IjowLjAsIkJvcmRlclN0eWxlIjp7IiRpZCI6IjI5MSIsIkxpbmVDb2xvciI6bnVsbCwiTGluZVdlaWdodCI6MC4wLCJMaW5lVHlwZSI6MCwiUGFyZW50U3R5bGUiOm51bGx9LCJQYXJlbnRTdHlsZSI6bnVsbH0sIkR1cmF0aW9uU3R5bGUiOnsiJGlkIjoiMjkyIiwiRm9udFNldHRpbmdzIjp7IiRpZCI6IjI5MyIsIkZvbnRTaXplIjoxMCwiRm9udE5hbWUiOiJDYWxpYnJpIiwiSXNCb2xkIjpmYWxzZSwiSXNJdGFsaWMiOmZhbHNlLCJJc1VuZGVybGluZWQiOmZhbHNlLCJQYXJlbnRTdHlsZSI6bnVsbH0sIkF1dG9TaXplIjowLCJGb3JlZ3JvdW5kIjp7IiRpZCI6IjI5NCIsIkNvbG9yIjp7IiRyZWYiOiI5MyJ9fSwiTWF4V2lkdGgiOjIwMC4wLCJNYXhIZWlnaHQiOiJJbmZpbml0eSIsIlNtYXJ0Rm9yZWdyb3VuZElzQWN0aXZlIjpmYWxzZSwiSG9yaXpvbnRhbEFsaWdubWVudCI6MCwiVmVydGljYWxBbGlnbm1lbnQiOjAsIlNtYXJ0Rm9yZWdyb3VuZCI6bnVsbCwiQmFja2dyb3VuZEZpbGxUeXBlIjowLCJNYXJnaW4iOnsiJGlkIjoiMjk1IiwiVG9wIjowLCJMZWZ0IjowLCJSaWdodCI6MCwiQm90dG9tIjowfSwiUGFkZGluZyI6eyIkaWQiOiIyOTYiLCJUb3AiOjAsIkxlZnQiOjAsIlJpZ2h0IjowLCJCb3R0b20iOjB9LCJCYWNrZ3JvdW5kIjp7IiRyZWYiOiI5NiJ9LCJJc1Zpc2libGUiOnRydWUsIldpZHRoIjowLjAsIkhlaWdodCI6MC4wLCJCb3JkZXJTdHlsZSI6eyIkaWQiOiIyOTciLCJMaW5lQ29sb3IiOm51bGwsIkxpbmVXZWlnaHQiOjAuMCwiTGluZVR5cGUiOjAsIlBhcmVudFN0eWxlIjpudWxsfSwiUGFyZW50U3R5bGUiOm51bGx9LCJIb3Jpem9udGFsQ29ubmVjdG9yU3R5bGUiOnsiJGlkIjoiMjk4IiwiTGluZUNvbG9yIjp7IiRyZWYiOiI5OCJ9LCJMaW5lV2VpZ2h0IjoxLjAsIkxpbmVUeXBlIjowLCJQYXJlbnRTdHlsZSI6bnVsbH0sIlZlcnRpY2FsQ29ubmVjdG9yU3R5bGUiOnsiJGlkIjoiMjk5IiwiTGluZUNvbG9yIjp7IiRpZCI6IjMwMCIsIiR0eXBlIjoiTkxSRS5Db21tb24uRG9tLlNvbGlkQ29sb3JCcnVzaCwgTkxSRS5Db21tb24iLCJDb2xvciI6eyIkaWQiOiIzMDEiLCJBIjoyNTUsIlIiOjIwNCwiRyI6MjA0LCJCIjoyMDR9fSwiTGluZVdlaWdodCI6MS4wLCJMaW5lVHlwZSI6MCwiUGFyZW50U3R5bGUiOm51bGx9LCJNYXJnaW4iOm51bGwsIlN0YXJ0RGF0ZVBvc2l0aW9uIjowLCJFbmREYXRlUG9zaXRpb24iOjAsIkRhdGVJc1Zpc2libGUiOnRydWUsIlRpdGxlUG9zaXRpb24iOjIsIkR1cmF0aW9uUG9zaXRpb24iOjYsIlBlcmNlbnRhZ2VDb21wbGV0ZWRQb3NpdGlvbiI6MiwiU3BhY2luZyI6NSwiSXNCZWxvd1RpbWViYW5kIjpmYWxzZSwiUGVyY2VudGFnZUNvbXBsZXRlU2hhcGVPcGFjaXR5IjozNSwiU2hhcGVTdHlsZSI6eyIkaWQiOiIzMDIiLCJNYXJnaW4iOnsiJGlkIjoiMzAzIiwiVG9wIjowLCJMZWZ0Ijo0LCJSaWdodCI6NCwiQm90dG9tIjowfSwiUGFkZGluZyI6eyIkaWQiOiIzMDQiLCJUb3AiOjAsIkxlZnQiOjAsIlJpZ2h0IjowLCJCb3R0b20iOjB9LCJCYWNrZ3JvdW5kIjp7IiRpZCI6IjMwNSIsIkNvbG9yIjp7IiRpZCI6IjMwNiIsIkEiOjI1NSwiUiI6MjM3LCJHIjoxMjUsIkIiOjQ5fX0sIklzVmlzaWJsZSI6dHJ1ZSwiV2lkdGgiOjAuMCwiSGVpZ2h0IjoxNi4wLCJCb3JkZXJTdHlsZSI6eyIkaWQiOiIzMDciLCJMaW5lQ29sb3IiOnsiJHJlZiI6IjEwOSJ9LCJMaW5lV2VpZ2h0IjowLjAsIkxpbmVUeXBlIjowLCJQYXJlbnRTdHlsZSI6bnVsbH0sIlBhcmVudFN0eWxlIjpudWxsfSwiVGl0bGVTdHlsZSI6eyIkaWQiOiIzMDgiLCJGb250U2V0dGluZ3MiOnsiJGlkIjoiMzA5IiwiRm9udFNpemUiOjExLCJGb250TmFtZSI6IkNhbGlicmkiLCJJc0JvbGQiOnRydWUsIklzSXRhbGljIjpmYWxzZSwiSXNVbmRlcmxpbmVkIjpmYWxzZSwiUGFyZW50U3R5bGUiOm51bGx9LCJBdXRvU2l6ZSI6MCwiRm9yZWdyb3VuZCI6eyIkaWQiOiIzMTAiLCJDb2xvciI6eyIkaWQiOiIzMTEiLCJBIjoyNTUsIlIiOjIzMSwiRyI6MjMwLCJCIjoyMzB9fSwiTWF4V2lkdGgiOjcyMC4wLCJNYXhIZWlnaHQiOiJJbmZpbml0eSIsIlNtYXJ0Rm9yZWdyb3VuZElzQWN0aXZlIjpmYWxzZSwiSG9yaXpvbnRhbEFsaWdubWVudCI6MSwiVmVydGljYWxBbGlnbm1lbnQiOjAsIlNtYXJ0Rm9yZWdyb3VuZCI6bnVsbCwiQmFja2dyb3VuZEZpbGxUeXBlIjowLCJNYXJnaW4iOnsiJGlkIjoiMzEyIiwiVG9wIjowLCJMZWZ0IjowLCJSaWdodCI6MCwiQm90dG9tIjowfSwiUGFkZGluZyI6eyIkaWQiOiIzMTMiLCJUb3AiOjAsIkxlZnQiOjAsIlJpZ2h0IjowLCJCb3R0b20iOjB9LCJCYWNrZ3JvdW5kIjp7IiRyZWYiOiIxMTcifSwiSXNWaXNpYmxlIjp0cnVlLCJXaWR0aCI6MC4wLCJIZWlnaHQiOjAuMCwiQm9yZGVyU3R5bGUiOnsiJGlkIjoiMzE0IiwiTGluZUNvbG9yIjpudWxsLCJMaW5lV2VpZ2h0IjowLjAsIkxpbmVUeXBlIjowLCJQYXJlbnRTdHlsZSI6bnVsbH0sIlBhcmVudFN0eWxlIjpudWxsfSwiRGF0ZVN0eWxlIjp7IiRpZCI6IjMxNSIsIkZvbnRTZXR0aW5ncyI6eyIkaWQiOiIzMTYiLCJGb250U2l6ZSI6MTAsIkZvbnROYW1lIjoiQ2FsaWJyaSIsIklzQm9sZCI6ZmFsc2UsIklzSXRhbGljIjpmYWxzZSwiSXNVbmRlcmxpbmVkIjpmYWxzZSwiUGFyZW50U3R5bGUiOm51bGx9LCJBdXRvU2l6ZSI6MCwiRm9yZWdyb3VuZCI6eyIkaWQiOiIzMTciLCJDb2xvciI6eyIkaWQiOiIzMTgiLCJBIjoyNTUsIlIiOjY4LCJHIjo4NCwiQiI6MTA2fX0sIk1heFdpZHRoIjoyMDAuMCwiTWF4SGVpZ2h0IjoiSW5maW5pdHkiLCJTbWFydEZvcmVncm91bmRJc0FjdGl2ZSI6ZmFsc2UsIkhvcml6b250YWxBbGlnbm1lbnQiOjAsIlZlcnRpY2FsQWxpZ25tZW50IjowLCJTbWFydEZvcmVncm91bmQiOm51bGwsIkJhY2tncm91bmRGaWxsVHlwZSI6MCwiTWFyZ2luIjp7IiRpZCI6IjMxOSIsIlRvcCI6MCwiTGVmdCI6MCwiUmlnaHQiOjAsIkJvdHRvbSI6MH0sIlBhZGRpbmciOnsiJGlkIjoiMzIwIiwiVG9wIjowLCJMZWZ0IjowLCJSaWdodCI6MCwiQm90dG9tIjowfSwiQmFja2dyb3VuZCI6eyIkcmVmIjoiMTI0In0sIklzVmlzaWJsZSI6dHJ1ZSwiV2lkdGgiOjAuMCwiSGVpZ2h0IjowLjAsIkJvcmRlclN0eWxlIjp7IiRpZCI6IjMyMSIsIkxpbmVDb2xvciI6bnVsbCwiTGluZVdlaWdodCI6MC4wLCJMaW5lVHlwZSI6MCwiUGFyZW50U3R5bGUiOm51bGx9LCJQYXJlbnRTdHlsZSI6bnVsbH0sIkRhdGVGb3JtYXQiOnsiJGlkIjoiMzIyIiwiRm9ybWF0U3RyaW5nIjoiTU1NIGQiLCJTZXBhcmF0b3IiOiIvIiwiVXNlSW50ZXJuYXRpb25hbERhdGVGb3JtYXQiOmZhbHNlLCJEYXRlSXNWaXNpYmxlIjp0cnVlLCJUaW1lSXNWaXNpYmxlIjpmYWxzZSwiSG91ckRpZ2l0cyI6MSwiQW1QbURlc2lnbmF0b3IiOjIsIlRyaW0wME1pbnV0ZXMiOmZhbHNlLCJMYXN0S25vd25WaXNpYmlsaXR5U3RhdGUiOnsiJHJlZiI6IjIwMiJ9fSwiSXNWaXNpYmxlIjp0cnVlLCJQYXJlbnRTdHlsZSI6bnVsbH0sIkluZGV4IjozLCJTbWFydER1cmF0aW9uQWN0aXZhdGVkIjpmYWxzZSwiRGF0ZUZvcm1hdCI6eyIkcmVmIjoiMzIyIn0sIklkIjoiYjY1YTJiYmYtYmRlOS00OTIzLThiMGQtZjg4NGE2NGM5YzQwIiwiSW1wb3J0SWQiOm51bGwsIlRpdGxlIjoiUmVzdWx0IGFuYWx5c2lzIGFuZCByZXBvcnQiLCJOb3RlIjpudWxsLCJIeXBlcmxpbmsiOnsiJGlkIjoiMzIzIiwiQWRkcmVzcyI6IiIsIlN1YkFkZHJlc3MiOiIifSwiSXNDaGFuZ2VkIjpmYWxzZSwiSXNOZXciOmZhbHNlfV0sIlN3aW1sYW5lcyI6W10sIk1zUHJvamVjdEl0ZW1zVHJlZSI6eyIkaWQiOiIzMjQiLCJSb290Ijp7IkltcG9ydElkIjpudWxsLCJJc0ltcG9ydGVkIjpmYWxzZSwiQ2hpbGRyZW4iOltdfX0sIk1ldGFkYXRhIjp7IiRpZCI6IjMyNSIsIlJlY2VudENvbG9yc0NvbGxlY3Rpb24iOiJbXCIjRkY3MEFENDdcIixcIiNGRkZGQzAwMFwiLFwiI0ZGMkY1NTk3XCIsXCIjRkZFRDdEMzFcIixcIiNGRjU0ODIzNVwiLFwiI0ZGRkZEOTY2XCIsXCIjRkZGQ0E4MTBcIixcIiNGRjQ0NzJDNFwiXSJ9LCJTZXR0aW5ncyI6eyIkaWQiOiIzMjYiLCJJbXBhT3B0aW9ucyI6eyIkaWQiOiIzMjciLCJMZWZ0VG9SaWdodCI6ZmFsc2UsIlBheWxvYWRPcHRpb25zIjoyfSwiVXNlQ29tcHJlc3Npb24iOmZhbHNlLCJDb21wcmVzaW9uUGVyY2VudGFnZSI6NTAuMCwiSW5hY3RpdmVJbnRlcnZhbFdpZHRoVGhyZXNob2xkIjozMC4wLCJJbmFjdGl2ZUludGVydmFsV2lkdGgiOjEuMCwiU3BsaXRUYXNrcyI6ZmFsc2UsIlVzZUNsdXN0ZXIiOmZhbHNlLCJFcHNpbG9uIjo1LjAsIk1pblBvaW50c1RvRm9ybUFDbHVzdGVyIjoyLCJHZW5lcmF0ZUludmlzaWJsZVNoYXBlcyI6ZmFsc2UsIlNtYXJ0VGltZWxpbmVUYXNrUGVyY2VudGFnZUZpdCI6ZmFsc2V9LCJJc05ldyI6ZmFsc2UsIkltcG9ydFR5cGUiOjAsIkZpbGVQYXRoIjpudWxsLCJUaW1lQ29uZmlndXJhdGlvbiI6eyIkaWQiOiIzMjgiLCJVc2VUaW1lIjpmYWxzZSwiV29ya0RheVN0YXJ0IjoiMDA6MDA6MDAiLCJXb3JrRGF5RW5kIjoiMjM6NTk6MDAifSwiTGFzdFVzZWRUZW1wbGF0ZUlkIjoiYWQ5ZWNlMjMtMTk5Ny00ZWQ5LWI4MWMtMzFmNTFmMzJiNTYxIn0="/>
 </p:tagLst>
 </file>
 
 <file path=ppt/tags/tag10.xml><?xml version="1.0" encoding="utf-8"?>
+<p:tagLst xmlns:a="http://schemas.openxmlformats.org/drawingml/2006/main" xmlns:r="http://schemas.openxmlformats.org/officeDocument/2006/relationships" xmlns:p="http://schemas.openxmlformats.org/presentationml/2006/main">
+  <p:tag name="OTLMARKERSHAPE" val="OTL"/>
+</p:tagLst>
+</file>
+
+<file path=ppt/tags/tag100.xml><?xml version="1.0" encoding="utf-8"?>
+<p:tagLst xmlns:a="http://schemas.openxmlformats.org/drawingml/2006/main" xmlns:r="http://schemas.openxmlformats.org/officeDocument/2006/relationships" xmlns:p="http://schemas.openxmlformats.org/presentationml/2006/main">
+  <p:tag name="OTLMARKERSHAPE" val="OTL"/>
+</p:tagLst>
+</file>
+
+<file path=ppt/tags/tag101.xml><?xml version="1.0" encoding="utf-8"?>
+<p:tagLst xmlns:a="http://schemas.openxmlformats.org/drawingml/2006/main" xmlns:r="http://schemas.openxmlformats.org/officeDocument/2006/relationships" xmlns:p="http://schemas.openxmlformats.org/presentationml/2006/main">
+  <p:tag name="OTLMARKERSHAPE" val="OTL"/>
+</p:tagLst>
+</file>
+
+<file path=ppt/tags/tag102.xml><?xml version="1.0" encoding="utf-8"?>
+<p:tagLst xmlns:a="http://schemas.openxmlformats.org/drawingml/2006/main" xmlns:r="http://schemas.openxmlformats.org/officeDocument/2006/relationships" xmlns:p="http://schemas.openxmlformats.org/presentationml/2006/main">
+  <p:tag name="OTLMARKERSHAPE" val="OTL"/>
+</p:tagLst>
+</file>
+
+<file path=ppt/tags/tag103.xml><?xml version="1.0" encoding="utf-8"?>
+<p:tagLst xmlns:a="http://schemas.openxmlformats.org/drawingml/2006/main" xmlns:r="http://schemas.openxmlformats.org/officeDocument/2006/relationships" xmlns:p="http://schemas.openxmlformats.org/presentationml/2006/main">
+  <p:tag name="OTLMARKERSHAPE" val="OTL"/>
+</p:tagLst>
+</file>
+
+<file path=ppt/tags/tag104.xml><?xml version="1.0" encoding="utf-8"?>
+<p:tagLst xmlns:a="http://schemas.openxmlformats.org/drawingml/2006/main" xmlns:r="http://schemas.openxmlformats.org/officeDocument/2006/relationships" xmlns:p="http://schemas.openxmlformats.org/presentationml/2006/main">
+  <p:tag name="OTLMARKERSHAPE" val="OTL"/>
+</p:tagLst>
+</file>
+
+<file path=ppt/tags/tag105.xml><?xml version="1.0" encoding="utf-8"?>
+<p:tagLst xmlns:a="http://schemas.openxmlformats.org/drawingml/2006/main" xmlns:r="http://schemas.openxmlformats.org/officeDocument/2006/relationships" xmlns:p="http://schemas.openxmlformats.org/presentationml/2006/main">
+  <p:tag name="OTLMARKERSHAPE" val="OTL"/>
+</p:tagLst>
+</file>
+
+<file path=ppt/tags/tag106.xml><?xml version="1.0" encoding="utf-8"?>
+<p:tagLst xmlns:a="http://schemas.openxmlformats.org/drawingml/2006/main" xmlns:r="http://schemas.openxmlformats.org/officeDocument/2006/relationships" xmlns:p="http://schemas.openxmlformats.org/presentationml/2006/main">
+  <p:tag name="OTLMARKERSHAPE" val="OTL"/>
+</p:tagLst>
+</file>
+
+<file path=ppt/tags/tag107.xml><?xml version="1.0" encoding="utf-8"?>
 <p:tagLst xmlns:a="http://schemas.openxmlformats.org/drawingml/2006/main" xmlns:r="http://schemas.openxmlformats.org/officeDocument/2006/relationships" xmlns:p="http://schemas.openxmlformats.org/presentationml/2006/main">
   <p:tag name="OTLMARKERSHAPE" val="OTL"/>
 </p:tagLst>
@@ -19305,7 +18364,8 @@
 
 <file path=ppt/tags/tag38.xml><?xml version="1.0" encoding="utf-8"?>
 <p:tagLst xmlns:a="http://schemas.openxmlformats.org/drawingml/2006/main" xmlns:r="http://schemas.openxmlformats.org/officeDocument/2006/relationships" xmlns:p="http://schemas.openxmlformats.org/presentationml/2006/main">
-  <p:tag name="OTLMARKERSHAPE" val="OTL"/>
+  <p:tag name="__MASTER" val="__part_0"/>
+  <p:tag name="__PART_0" val="eyIkaWQiOiIxIiwiQ3VsdHVyZUluZm9OYW1lIjoiZW4tVVMiLCJTdHlsZU5hbWUiOm51bGwsIlZlcnNpb24iOnsiJGlkIjoiMiIsIlZlcnNpb24iOiIzLjIuMCIsIk9yaWdpbmFsQXNzZW1ibHlWZXJzaW9uIjoiNC4wMC4wMS4wMCIsIkVkaXRpb24iOiJQcm8iLCJJc1BsdXNFZGl0aW9uIjp0cnVlLCJJc1Byb0VkaXRpb24iOnRydWV9LCJFZmZlY3QiOjEsIlN0eWxlIjp7IiRpZCI6IjMiLCJUaW1lYmFuZFN0eWxlIjp7IiRpZCI6IjQiLCJTY2FsZU1hcmtpbmciOjAsIlNoYXBlIjoxMywiU2hhcGVTdHlsZSI6eyIkaWQiOiI1IiwiTWFyZ2luIjp7IiRpZCI6IjYiLCJUb3AiOjAsIkxlZnQiOjEwLCJSaWdodCI6MTAsIkJvdHRvbSI6MH0sIlBhZGRpbmciOnsiJGlkIjoiNyIsIlRvcCI6NSwiTGVmdCI6MTMsIlJpZ2h0IjoxMywiQm90dG9tIjo1fSwiQmFja2dyb3VuZCI6eyIkaWQiOiI4IiwiQ29sb3IiOnsiJGlkIjoiOSIsIkEiOjI1NSwiUiI6NjgsIkciOjg0LCJCIjoxMDZ9fSwiSXNWaXNpYmxlIjp0cnVlLCJXaWR0aCI6ODU4LjAsIkhlaWdodCI6MzAuMCwiQm9yZGVyU3R5bGUiOnsiJGlkIjoiMTAiLCJMaW5lQ29sb3IiOnsiJGlkIjoiMTEiLCIkdHlwZSI6Ik5MUkUuQ29tbW9uLkRvbS5Tb2xpZENvbG9yQnJ1c2gsIE5MUkUuQ29tbW9uIiwiQ29sb3IiOnsiJGlkIjoiMTIiLCJBIjoyNTUsIlIiOjI1NSwiRyI6MCwiQiI6MH19LCJMaW5lV2VpZ2h0IjowLjAsIkxpbmVUeXBlIjowLCJQYXJlbnRTdHlsZSI6bnVsbH0sIlBhcmVudFN0eWxlIjpudWxsfSwiUmlnaHRFbmRDYXBzU3R5bGUiOnsiJGlkIjoiMTMiLCJGb250U2V0dGluZ3MiOnsiJGlkIjoiMTQiLCJGb250U2l6ZSI6MTgsIkZvbnROYW1lIjoiQ2FsaWJyaSIsIklzQm9sZCI6dHJ1ZSwiSXNJdGFsaWMiOmZhbHNlLCJJc1VuZGVybGluZWQiOmZhbHNlLCJQYXJlbnRTdHlsZSI6bnVsbH0sIkF1dG9TaXplIjowLCJGb3JlZ3JvdW5kIjp7IiRpZCI6IjE1IiwiQ29sb3IiOnsiJGlkIjoiMTYiLCJBIjoyNTUsIlIiOjIzNywiRyI6MTI1LCJCIjo0OX19LCJNYXhXaWR0aCI6IkluZmluaXR5IiwiTWF4SGVpZ2h0IjoiSW5maW5pdHkiLCJTbWFydEZvcmVncm91bmRJc0FjdGl2ZSI6ZmFsc2UsIkhvcml6b250YWxBbGlnbm1lbnQiOjAsIlZlcnRpY2FsQWxpZ25tZW50IjowLCJTbWFydEZvcmVncm91bmQiOm51bGwsIkJhY2tncm91bmRGaWxsVHlwZSI6MCwiTWFyZ2luIjp7IiRpZCI6IjE3IiwiVG9wIjowLCJMZWZ0IjowLCJSaWdodCI6MjAsIkJvdHRvbSI6MH0sIlBhZGRpbmciOnsiJGlkIjoiMTgiLCJUb3AiOjAsIkxlZnQiOjAsIlJpZ2h0IjowLCJCb3R0b20iOjB9LCJCYWNrZ3JvdW5kIjp7IiRpZCI6IjE5IiwiQ29sb3IiOnsiJGlkIjoiMjAiLCJBIjo4OSwiUiI6MCwiRyI6MCwiQiI6MH19LCJJc1Zpc2libGUiOmZhbHNlLCJXaWR0aCI6MC4wLCJIZWlnaHQiOjAuMCwiQm9yZGVyU3R5bGUiOm51bGwsIlBhcmVudFN0eWxlIjpudWxsfSwiTGVmdEVuZENhcHNTdHlsZSI6eyIkaWQiOiIyMSIsIkZvbnRTZXR0aW5ncyI6eyIkaWQiOiIyMiIsIkZvbnRTaXplIjoxOCwiRm9udE5hbWUiOiJDYWxpYnJpIiwiSXNCb2xkIjp0cnVlLCJJc0l0YWxpYyI6ZmFsc2UsIklzVW5kZXJsaW5lZCI6ZmFsc2UsIlBhcmVudFN0eWxlIjpudWxsfSwiQXV0b1NpemUiOjAsIkZvcmVncm91bmQiOnsiJGlkIjoiMjMiLCJDb2xvciI6eyIkaWQiOiIyNCIsIkEiOjI1NSwiUiI6MjM3LCJHIjoxMjUsIkIiOjQ5fX0sIk1heFdpZHRoIjoiSW5maW5pdHkiLCJNYXhIZWlnaHQiOiJJbmZpbml0eSIsIlNtYXJ0Rm9yZWdyb3VuZElzQWN0aXZlIjpmYWxzZSwiSG9yaXpvbnRhbEFsaWdubWVudCI6MCwiVmVydGljYWxBbGlnbm1lbnQiOjAsIlNtYXJ0Rm9yZWdyb3VuZCI6bnVsbCwiQmFja2dyb3VuZEZpbGxUeXBlIjowLCJNYXJnaW4iOnsiJGlkIjoiMjUiLCJUb3AiOjAsIkxlZnQiOjIwLCJSaWdodCI6MCwiQm90dG9tIjowfSwiUGFkZGluZyI6eyIkaWQiOiIyNiIsIlRvcCI6MCwiTGVmdCI6MCwiUmlnaHQiOjAsIkJvdHRvbSI6MH0sIkJhY2tncm91bmQiOnsiJGlkIjoiMjciLCJDb2xvciI6eyIkcmVmIjoiMjAifX0sIklzVmlzaWJsZSI6dHJ1ZSwiV2lkdGgiOjAuMCwiSGVpZ2h0IjowLjAsIkJvcmRlclN0eWxlIjpudWxsLCJQYXJlbnRTdHlsZSI6bnVsbH0sIlRvZGF5VGV4dFN0eWxlIjp7IiRpZCI6IjI4IiwiRm9udFNldHRpbmdzIjp7IiRpZCI6IjI5IiwiRm9udFNpemUiOjEyLCJGb250TmFtZSI6IkNhbGlicmkiLCJJc0JvbGQiOmZhbHNlLCJJc0l0YWxpYyI6ZmFsc2UsIklzVW5kZXJsaW5lZCI6ZmFsc2UsIlBhcmVudFN0eWxlIjpudWxsfSwiQXV0b1NpemUiOjAsIkZvcmVncm91bmQiOnsiJGlkIjoiMzAiLCJDb2xvciI6eyIkaWQiOiIzMSIsIkEiOjI1NSwiUiI6MCwiRyI6MCwiQiI6MH19LCJNYXhXaWR0aCI6MjAwLjAsIk1heEhlaWdodCI6IkluZmluaXR5IiwiU21hcnRGb3JlZ3JvdW5kSXNBY3RpdmUiOmZhbHNlLCJIb3Jpem9udGFsQWxpZ25tZW50IjowLCJWZXJ0aWNhbEFsaWdubWVudCI6MCwiU21hcnRGb3JlZ3JvdW5kIjpudWxsLCJCYWNrZ3JvdW5kRmlsbFR5cGUiOjAsIk1hcmdpbiI6eyIkaWQiOiIzMiIsIlRvcCI6MCwiTGVmdCI6MCwiUmlnaHQiOjAsIkJvdHRvbSI6MH0sIlBhZGRpbmciOnsiJGlkIjoiMzMiLCJUb3AiOjAsIkxlZnQiOjAsIlJpZ2h0IjowLCJCb3R0b20iOjB9LCJCYWNrZ3JvdW5kIjp7IiRpZCI6IjM0IiwiQ29sb3IiOnsiJHJlZiI6IjIwIn19LCJJc1Zpc2libGUiOnRydWUsIldpZHRoIjowLjAsIkhlaWdodCI6MC4wLCJCb3JkZXJTdHlsZSI6bnVsbCwiUGFyZW50U3R5bGUiOm51bGx9LCJUb2RheU1hcmtlclN0eWxlIjp7IiRpZCI6IjM1IiwiTWFyZ2luIjp7IiRpZCI6IjM2IiwiVG9wIjowLCJMZWZ0IjowLCJSaWdodCI6MCwiQm90dG9tIjowfSwiUGFkZGluZyI6eyIkaWQiOiIzNyIsIlRvcCI6MCwiTGVmdCI6MCwiUmlnaHQiOjAsIkJvdHRvbSI6MH0sIkJhY2tncm91bmQiOnsiJGlkIjoiMzgiLCJDb2xvciI6eyIkaWQiOiIzOSIsIkEiOjI1NSwiUiI6MjU1LCJHIjowLCJCIjowfX0sIklzVmlzaWJsZSI6dHJ1ZSwiV2lkdGgiOjAuMCwiSGVpZ2h0IjowLjAsIkJvcmRlclN0eWxlIjpudWxsLCJQYXJlbnRTdHlsZSI6bnVsbH0sIlNjYWxlU3R5bGUiOnsiJGlkIjoiNDAiLCJTaG93U2VnbWVudFNlcGFyYXRvcnMiOnRydWUsIlNlZ21lbnRTZXBhcmF0b3JPcGFjaXR5IjozMCwiRm9udFNldHRpbmdzIjp7IiRpZCI6IjQxIiwiRm9udFNpemUiOjEyLCJGb250TmFtZSI6IkNhbGlicmkiLCJJc0JvbGQiOmZhbHNlLCJJc0l0YWxpYyI6ZmFsc2UsIklzVW5kZXJsaW5lZCI6ZmFsc2UsIlBhcmVudFN0eWxlIjpudWxsfSwiQXV0b1NpemUiOjAsIkZvcmVncm91bmQiOnsiJGlkIjoiNDIiLCJDb2xvciI6eyIkaWQiOiI0MyIsIkEiOjI1NSwiUiI6MjU1LCJHIjoyNTUsIkIiOjI1NX19LCJNYXhXaWR0aCI6MjAwLjAsIk1heEhlaWdodCI6IkluZmluaXR5IiwiU21hcnRGb3JlZ3JvdW5kSXNBY3RpdmUiOmZhbHNlLCJIb3Jpem9udGFsQWxpZ25tZW50IjowLCJWZXJ0aWNhbEFsaWdubWVudCI6MSwiU21hcnRGb3JlZ3JvdW5kIjpudWxsLCJCYWNrZ3JvdW5kRmlsbFR5cGUiOjAsIk1hcmdpbiI6eyIkaWQiOiI0NCIsIlRvcCI6MCwiTGVmdCI6NSwiUmlnaHQiOjAsIkJvdHRvbSI6MH0sIlBhZGRpbmciOnsiJGlkIjoiNDUiLCJUb3AiOjAsIkxlZnQiOjAsIlJpZ2h0IjowLCJCb3R0b20iOjB9LCJCYWNrZ3JvdW5kIjp7IiRpZCI6IjQ2IiwiQ29sb3IiOnsiJHJlZiI6IjIwIn19LCJJc1Zpc2libGUiOnRydWUsIldpZHRoIjowLjAsIkhlaWdodCI6MC4wLCJCb3JkZXJTdHlsZSI6bnVsbCwiUGFyZW50U3R5bGUiOm51bGx9LCJFbGFwc2VkVGltZUJhY2tncm91bmQiOnsiJGlkIjoiNDciLCJDb2xvciI6eyIkaWQiOiI0OCIsIkEiOjc3LCJSIjoyNTUsIkciOjAsIkIiOjB9fSwiQXBwZW5kWWVhck9uWWVhckNoYW5nZSI6dHJ1ZSwiRWxhcHNlZFRpbWVGb3JtYXQiOjEsIlRvZGF5TWFya2VyUG9zaXRpb24iOjMsIlF1aWNrUG9zaXRpb24iOjMsIkFic29sdXRlUG9zaXRpb24iOjQwNC45ODA4NjUsIk1hcmdpbiI6eyIkaWQiOiI0OSIsIlRvcCI6MCwiTGVmdCI6MTAsIlJpZ2h0IjoxMCwiQm90dG9tIjowfSwiUGFkZGluZyI6eyIkaWQiOiI1MCIsIlRvcCI6MCwiTGVmdCI6MCwiUmlnaHQiOjAsIkJvdHRvbSI6MH0sIkJhY2tncm91bmQiOnsiJGlkIjoiNTEiLCJDb2xvciI6eyIkaWQiOiI1MiIsIkEiOjI1NSwiUiI6MTE1LCJHIjoxMTUsIkIiOjExNX19LCJJc1Zpc2libGUiOnRydWUsIldpZHRoIjowLjAsIkhlaWdodCI6MC4wLCJCb3JkZXJTdHlsZSI6bnVsbCwiUGFyZW50U3R5bGUiOm51bGx9LCJEZWZhdWx0TWlsZXN0b25lU3R5bGUiOnsiJGlkIjoiNTMiLCJTaGFwZSI6MCwiQ29ubmVjdG9yTWFyZ2luIjp7IiRpZCI6IjU0IiwiVG9wIjowLCJMZWZ0IjoyLCJSaWdodCI6MiwiQm90dG9tIjowfSwiQ29ubmVjdG9yU3R5bGUiOnsiJGlkIjoiNTUiLCJMaW5lQ29sb3IiOnsiJGlkIjoiNTYiLCIkdHlwZSI6Ik5MUkUuQ29tbW9uLkRvbS5Tb2xpZENvbG9yQnJ1c2gsIE5MUkUuQ29tbW9uIiwiQ29sb3IiOnsiJGlkIjoiNTciLCJBIjoxMjcsIlIiOjMxLCJHIjo3MywiQiI6MTI2fX0sIkxpbmVXZWlnaHQiOjEuMCwiTGluZVR5cGUiOjAsIlBhcmVudFN0eWxlIjpudWxsfSwiSXNCZWxvd1RpbWViYW5kIjpmYWxzZSwiUG9zaXRpb25PblRhc2siOjAsIkhpZGVEYXRlIjpmYWxzZSwiU2hhcGVTaXplIjoxLCJTcGFjaW5nIjoyLjAsIlBhZGRpbmciOnsiJGlkIjoiNTgiLCJUb3AiOjcsIkxlZnQiOjMsIlJpZ2h0IjowLCJCb3R0b20iOjJ9LCJTaGFwZVN0eWxlIjp7IiRpZCI6IjU5IiwiTWFyZ2luIjp7IiRpZCI6IjYwIiwiVG9wIjowLCJMZWZ0IjowLCJSaWdodCI6MCwiQm90dG9tIjowfSwiUGFkZGluZyI6eyIkaWQiOiI2MSIsIlRvcCI6MCwiTGVmdCI6MCwiUmlnaHQiOjAsIkJvdHRvbSI6MH0sIkJhY2tncm91bmQiOnsiJGlkIjoiNjIiLCJDb2xvciI6eyIkaWQiOiI2MyIsIkEiOjI1NSwiUiI6MCwiRyI6MTE0LCJCIjoxODh9fSwiSXNWaXNpYmxlIjp0cnVlLCJXaWR0aCI6MTguMCwiSGVpZ2h0IjoyMC4wLCJCb3JkZXJTdHlsZSI6eyIkaWQiOiI2NCIsIkxpbmVDb2xvciI6eyIkaWQiOiI2NSIsIiR0eXBlIjoiTkxSRS5Db21tb24uRG9tLlNvbGlkQ29sb3JCcnVzaCwgTkxSRS5Db21tb24iLCJDb2xvciI6eyIkaWQiOiI2NiIsIkEiOjI1NSwiUiI6MjU1LCJHIjowLCJCIjowfX0sIkxpbmVXZWlnaHQiOjAuMCwiTGluZVR5cGUiOjAsIlBhcmVudFN0eWxlIjpudWxsfSwiUGFyZW50U3R5bGUiOm51bGx9LCJUaXRsZVN0eWxlIjp7IiRpZCI6IjY3IiwiRm9udFNldHRpbmdzIjp7IiRpZCI6IjY4IiwiRm9udFNpemUiOjExLCJGb250TmFtZSI6IkNhbGlicmkiLCJJc0JvbGQiOnRydWUsIklzSXRhbGljIjpmYWxzZSwiSXNVbmRlcmxpbmVkIjpmYWxzZSwiUGFyZW50U3R5bGUiOm51bGx9LCJBdXRvU2l6ZSI6MCwiRm9yZWdyb3VuZCI6eyIkaWQiOiI2OSIsIkNvbG9yIjp7IiRpZCI6IjcwIiwiQSI6MjU1LCJSIjowLCJHIjowLCJCIjowfX0sIk1heFdpZHRoIjoyMDAuMCwiTWF4SGVpZ2h0IjoiSW5maW5pdHkiLCJTbWFydEZvcmVncm91bmRJc0FjdGl2ZSI6ZmFsc2UsIkhvcml6b250YWxBbGlnbm1lbnQiOjEsIlZlcnRpY2FsQWxpZ25tZW50IjowLCJTbWFydEZvcmVncm91bmQiOm51bGwsIkJhY2tncm91bmRGaWxsVHlwZSI6MCwiTWFyZ2luIjp7IiRpZCI6IjcxIiwiVG9wIjowLCJMZWZ0IjowLCJSaWdodCI6MCwiQm90dG9tIjowfSwiUGFkZGluZyI6eyIkaWQiOiI3MiIsIlRvcCI6MCwiTGVmdCI6MCwiUmlnaHQiOjAsIkJvdHRvbSI6MH0sIkJhY2tncm91bmQiOnsiJGlkIjoiNzMiLCJDb2xvciI6eyIkcmVmIjoiMjAifX0sIklzVmlzaWJsZSI6dHJ1ZSwiV2lkdGgiOjAuMCwiSGVpZ2h0IjowLjAsIkJvcmRlclN0eWxlIjpudWxsLCJQYXJlbnRTdHlsZSI6bnVsbH0sIkRhdGVTdHlsZSI6eyIkaWQiOiI3NCIsIkZvbnRTZXR0aW5ncyI6eyIkaWQiOiI3NSIsIkZvbnRTaXplIjoxMCwiRm9udE5hbWUiOiJDYWxpYnJpIiwiSXNCb2xkIjpmYWxzZSwiSXNJdGFsaWMiOmZhbHNlLCJJc1VuZGVybGluZWQiOmZhbHNlLCJQYXJlbnRTdHlsZSI6bnVsbH0sIkF1dG9TaXplIjowLCJGb3JlZ3JvdW5kIjp7IiRpZCI6Ijc2IiwiQ29sb3IiOnsiJGlkIjoiNzciLCJBIjoyNTUsIlIiOjY4LCJHIjo4NCwiQiI6MTA2fX0sIk1heFdpZHRoIjoyMDAuMCwiTWF4SGVpZ2h0IjoiSW5maW5pdHkiLCJTbWFydEZvcmVncm91bmRJc0FjdGl2ZSI6ZmFsc2UsIkhvcml6b250YWxBbGlnbm1lbnQiOjAsIlZlcnRpY2FsQWxpZ25tZW50IjowLCJTbWFydEZvcmVncm91bmQiOm51bGwsIkJhY2tncm91bmRGaWxsVHlwZSI6MCwiTWFyZ2luIjp7IiRpZCI6Ijc4IiwiVG9wIjowLCJMZWZ0IjowLCJSaWdodCI6MCwiQm90dG9tIjowfSwiUGFkZGluZyI6eyIkaWQiOiI3OSIsIlRvcCI6MCwiTGVmdCI6MCwiUmlnaHQiOjAsIkJvdHRvbSI6MH0sIkJhY2tncm91bmQiOnsiJGlkIjoiODAiLCJDb2xvciI6eyIkcmVmIjoiMjAifX0sIklzVmlzaWJsZSI6dHJ1ZSwiV2lkdGgiOjAuMCwiSGVpZ2h0IjowLjAsIkJvcmRlclN0eWxlIjpudWxsLCJQYXJlbnRTdHlsZSI6bnVsbH0sIkRhdGVGb3JtYXQiOnsiJGlkIjoiODEiLCJGb3JtYXRTdHJpbmciOiJNTU0gZCIsIlNlcGFyYXRvciI6Ii8iLCJVc2VJbnRlcm5hdGlvbmFsRGF0ZUZvcm1hdCI6ZmFsc2UsIkRhdGVJc1Zpc2libGUiOnRydWUsIlRpbWVJc1Zpc2libGUiOmZhbHNlLCJIb3VyRGlnaXRzIjoxLCJBbVBtRGVzaWduYXRvciI6MiwiVHJpbTAwTWludXRlcyI6ZmFsc2UsIkxhc3RLbm93blZpc2liaWxpdHlTdGF0ZSI6bnVsbH0sIklzVmlzaWJsZSI6dHJ1ZSwiUGFyZW50U3R5bGUiOm51bGx9LCJEZWZhdWx0VGFza1N0eWxlIjp7IiRpZCI6IjgyIiwiU2hhcGUiOjIsIlNoYXBlVGhpY2tuZXNzIjoxLCJEdXJhdGlvbkZvcm1hdCI6MCwiSW5jbHVkZU5vbldvcmtpbmdEYXlzSW5EdXJhdGlvbiI6ZmFsc2UsIlBlcmNlbnRhZ2VDb21wbGV0ZVN0eWxlIjp7IiRpZCI6IjgzIiwiRm9udFNldHRpbmdzIjp7IiRpZCI6Ijg0IiwiRm9udFNpemUiOjEwLCJGb250TmFtZSI6IkNhbGlicmkiLCJJc0JvbGQiOmZhbHNlLCJJc0l0YWxpYyI6ZmFsc2UsIklzVW5kZXJsaW5lZCI6ZmFsc2UsIlBhcmVudFN0eWxlIjpudWxsfSwiQXV0b1NpemUiOjAsIkZvcmVncm91bmQiOnsiJGlkIjoiODUiLCJDb2xvciI6eyIkaWQiOiI4NiIsIkEiOjI1NSwiUiI6MjM3LCJHIjoxMjUsIkIiOjQ5fX0sIk1heFdpZHRoIjoyMDAuMCwiTWF4SGVpZ2h0IjoiSW5maW5pdHkiLCJTbWFydEZvcmVncm91bmRJc0FjdGl2ZSI6ZmFsc2UsIkhvcml6b250YWxBbGlnbm1lbnQiOjAsIlZlcnRpY2FsQWxpZ25tZW50IjowLCJTbWFydEZvcmVncm91bmQiOm51bGwsIkJhY2tncm91bmRGaWxsVHlwZSI6MCwiTWFyZ2luIjp7IiRpZCI6Ijg3IiwiVG9wIjowLCJMZWZ0IjowLCJSaWdodCI6MCwiQm90dG9tIjowfSwiUGFkZGluZyI6eyIkaWQiOiI4OCIsIlRvcCI6MCwiTGVmdCI6MCwiUmlnaHQiOjAsIkJvdHRvbSI6MH0sIkJhY2tncm91bmQiOnsiJGlkIjoiODkiLCJDb2xvciI6eyIkcmVmIjoiMjAifX0sIklzVmlzaWJsZSI6dHJ1ZSwiV2lkdGgiOjAuMCwiSGVpZ2h0IjowLjAsIkJvcmRlclN0eWxlIjpudWxsLCJQYXJlbnRTdHlsZSI6bnVsbH0sIkR1cmF0aW9uU3R5bGUiOnsiJGlkIjoiOTAiLCJGb250U2V0dGluZ3MiOnsiJGlkIjoiOTEiLCJGb250U2l6ZSI6MTAsIkZvbnROYW1lIjoiQ2FsaWJyaSIsIklzQm9sZCI6ZmFsc2UsIklzSXRhbGljIjpmYWxzZSwiSXNVbmRlcmxpbmVkIjpmYWxzZSwiUGFyZW50U3R5bGUiOm51bGx9LCJBdXRvU2l6ZSI6MCwiRm9yZWdyb3VuZCI6eyIkaWQiOiI5MiIsIkNvbG9yIjp7IiRpZCI6IjkzIiwiQSI6MjU1LCJSIjoyMzcsIkciOjEyNSwiQiI6NDl9fSwiTWF4V2lkdGgiOjIwMC4wLCJNYXhIZWlnaHQiOiJJbmZpbml0eSIsIlNtYXJ0Rm9yZWdyb3VuZElzQWN0aXZlIjpmYWxzZSwiSG9yaXpvbnRhbEFsaWdubWVudCI6MCwiVmVydGljYWxBbGlnbm1lbnQiOjAsIlNtYXJ0Rm9yZWdyb3VuZCI6bnVsbCwiQmFja2dyb3VuZEZpbGxUeXBlIjowLCJNYXJnaW4iOnsiJGlkIjoiOTQiLCJUb3AiOjAsIkxlZnQiOjAsIlJpZ2h0IjowLCJCb3R0b20iOjB9LCJQYWRkaW5nIjp7IiRpZCI6Ijk1IiwiVG9wIjowLCJMZWZ0IjowLCJSaWdodCI6MCwiQm90dG9tIjowfSwiQmFja2dyb3VuZCI6eyIkaWQiOiI5NiIsIkNvbG9yIjp7IiRyZWYiOiIyMCJ9fSwiSXNWaXNpYmxlIjp0cnVlLCJXaWR0aCI6MC4wLCJIZWlnaHQiOjAuMCwiQm9yZGVyU3R5bGUiOm51bGwsIlBhcmVudFN0eWxlIjpudWxsfSwiSG9yaXpvbnRhbENvbm5lY3RvclN0eWxlIjp7IiRpZCI6Ijk3IiwiTGluZUNvbG9yIjp7IiRpZCI6Ijk4IiwiJHR5cGUiOiJOTFJFLkNvbW1vbi5Eb20uU29saWRDb2xvckJydXNoLCBOTFJFLkNvbW1vbiIsIkNvbG9yIjp7IiRpZCI6Ijk5IiwiQSI6MjU1LCJSIjoyMDQsIkciOjIwNCwiQiI6MjA0fX0sIkxpbmVXZWlnaHQiOjEuMCwiTGluZVR5cGUiOjAsIlBhcmVudFN0eWxlIjpudWxsfSwiVmVydGljYWxDb25uZWN0b3JTdHlsZSI6eyIkaWQiOiIxMDAiLCJMaW5lQ29sb3IiOnsiJGlkIjoiMTAxIiwiJHR5cGUiOiJOTFJFLkNvbW1vbi5Eb20uU29saWRDb2xvckJydXNoLCBOTFJFLkNvbW1vbiIsIkNvbG9yIjp7IiRpZCI6IjEwMiIsIkEiOjI1NSwiUiI6MjA0LCJHIjoyMDQsIkIiOjIwNH19LCJMaW5lV2VpZ2h0IjowLjAsIkxpbmVUeXBlIjowLCJQYXJlbnRTdHlsZSI6bnVsbH0sIk1hcmdpbiI6bnVsbCwiU3RhcnREYXRlUG9zaXRpb24iOjMsIkVuZERhdGVQb3NpdGlvbiI6NCwiRGF0ZUlzVmlzaWJsZSI6dHJ1ZSwiVGl0bGVQb3NpdGlvbiI6MiwiRHVyYXRpb25Qb3NpdGlvbiI6NiwiUGVyY2VudGFnZUNvbXBsZXRlZFBvc2l0aW9uIjo2LCJTcGFjaW5nIjo1LCJJc0JlbG93VGltZWJhbmQiOmZhbHNlLCJQZXJjZW50YWdlQ29tcGxldGVTaGFwZU9wYWNpdHkiOjM1LCJTaGFwZVN0eWxlIjp7IiRpZCI6IjEwMyIsIk1hcmdpbiI6eyIkaWQiOiIxMDQiLCJUb3AiOjAsIkxlZnQiOjQsIlJpZ2h0Ijo0LCJCb3R0b20iOjB9LCJQYWRkaW5nIjp7IiRpZCI6IjEwNSIsIlRvcCI6MCwiTGVmdCI6MCwiUmlnaHQiOjAsIkJvdHRvbSI6MH0sIkJhY2tncm91bmQiOnsiJGlkIjoiMTA2IiwiQ29sb3IiOnsiJGlkIjoiMTA3IiwiQSI6MjU1LCJSIjowLCJHIjoxMTQsIkIiOjE4OH19LCJJc1Zpc2libGUiOnRydWUsIldpZHRoIjowLjAsIkhlaWdodCI6MTYuMCwiQm9yZGVyU3R5bGUiOnsiJGlkIjoiMTA4IiwiTGluZUNvbG9yIjp7IiRpZCI6IjEwOSIsIiR0eXBlIjoiTkxSRS5Db21tb24uRG9tLlNvbGlkQ29sb3JCcnVzaCwgTkxSRS5Db21tb24iLCJDb2xvciI6eyIkaWQiOiIxMTAiLCJBIjoyNTUsIlIiOjI1NSwiRyI6MCwiQiI6MH19LCJMaW5lV2VpZ2h0IjowLjAsIkxpbmVUeXBlIjowLCJQYXJlbnRTdHlsZSI6bnVsbH0sIlBhcmVudFN0eWxlIjpudWxsfSwiVGl0bGVTdHlsZSI6eyIkaWQiOiIxMTEiLCJGb250U2V0dGluZ3MiOnsiJGlkIjoiMTEyIiwiRm9udFNpemUiOjExLCJGb250TmFtZSI6IkNhbGlicmkiLCJJc0JvbGQiOnRydWUsIklzSXRhbGljIjpmYWxzZSwiSXNVbmRlcmxpbmVkIjpmYWxzZSwiUGFyZW50U3R5bGUiOm51bGx9LCJBdXRvU2l6ZSI6MCwiRm9yZWdyb3VuZCI6eyIkaWQiOiIxMTMiLCJDb2xvciI6eyIkaWQiOiIxMTQiLCJBIjoyNTUsIlIiOjAsIkciOjAsIkIiOjB9fSwiTWF4V2lkdGgiOjk2MC4wLCJNYXhIZWlnaHQiOiJJbmZpbml0eSIsIlNtYXJ0Rm9yZWdyb3VuZElzQWN0aXZlIjpmYWxzZSwiSG9yaXpvbnRhbEFsaWdubWVudCI6MSwiVmVydGljYWxBbGlnbm1lbnQiOjAsIlNtYXJ0Rm9yZWdyb3VuZCI6bnVsbCwiQmFja2dyb3VuZEZpbGxUeXBlIjowLCJNYXJnaW4iOnsiJGlkIjoiMTE1IiwiVG9wIjowLCJMZWZ0IjowLCJSaWdodCI6MCwiQm90dG9tIjowfSwiUGFkZGluZyI6eyIkaWQiOiIxMTYiLCJUb3AiOjAsIkxlZnQiOjAsIlJpZ2h0IjowLCJCb3R0b20iOjB9LCJCYWNrZ3JvdW5kIjp7IiRpZCI6IjExNyIsIkNvbG9yIjp7IiRyZWYiOiIyMCJ9fSwiSXNWaXNpYmxlIjp0cnVlLCJXaWR0aCI6MC4wLCJIZWlnaHQiOjAuMCwiQm9yZGVyU3R5bGUiOm51bGwsIlBhcmVudFN0eWxlIjpudWxsfSwiRGF0ZVN0eWxlIjp7IiRpZCI6IjExOCIsIkZvbnRTZXR0aW5ncyI6eyIkaWQiOiIxMTkiLCJGb250U2l6ZSI6MTAsIkZvbnROYW1lIjoiQ2FsaWJyaSIsIklzQm9sZCI6ZmFsc2UsIklzSXRhbGljIjpmYWxzZSwiSXNVbmRlcmxpbmVkIjpmYWxzZSwiUGFyZW50U3R5bGUiOm51bGx9LCJBdXRvU2l6ZSI6MCwiRm9yZWdyb3VuZCI6eyIkaWQiOiIxMjAiLCJDb2xvciI6eyIkaWQiOiIxMjEiLCJBIjoyNTUsIlIiOjY5LCJHIjo5NSwiQiI6ODF9fSwiTWF4V2lkdGgiOjIwMC4wLCJNYXhIZWlnaHQiOiJJbmZpbml0eSIsIlNtYXJ0Rm9yZWdyb3VuZElzQWN0aXZlIjpmYWxzZSwiSG9yaXpvbnRhbEFsaWdubWVudCI6MSwiVmVydGljYWxBbGlnbm1lbnQiOjAsIlNtYXJ0Rm9yZWdyb3VuZCI6bnVsbCwiQmFja2dyb3VuZEZpbGxUeXBlIjowLCJNYXJnaW4iOnsiJGlkIjoiMTIyIiwiVG9wIjowLCJMZWZ0IjowLCJSaWdodCI6MCwiQm90dG9tIjowfSwiUGFkZGluZyI6eyIkaWQiOiIxMjMiLCJUb3AiOjAsIkxlZnQiOjAsIlJpZ2h0IjowLCJCb3R0b20iOjB9LCJCYWNrZ3JvdW5kIjp7IiRpZCI6IjEyNCIsIkNvbG9yIjp7IiRyZWYiOiIyMCJ9fSwiSXNWaXNpYmxlIjp0cnVlLCJXaWR0aCI6MC4wLCJIZWlnaHQiOjAuMCwiQm9yZGVyU3R5bGUiOm51bGwsIlBhcmVudFN0eWxlIjpudWxsfSwiRGF0ZUZvcm1hdCI6eyIkaWQiOiIxMjUiLCJGb3JtYXRTdHJpbmciOiJNL2QveXl5eSIsIlNlcGFyYXRvciI6Ii8iLCJVc2VJbnRlcm5hdGlvbmFsRGF0ZUZvcm1hdCI6ZmFsc2UsIkRhdGVJc1Zpc2libGUiOnRydWUsIlRpbWVJc1Zpc2libGUiOmZhbHNlLCJIb3VyRGlnaXRzIjoxLCJBbVBtRGVzaWduYXRvciI6MiwiVHJpbTAwTWludXRlcyI6ZmFsc2UsIkxhc3RLbm93blZpc2liaWxpdHlTdGF0ZSI6bnVsbH0sIklzVmlzaWJsZSI6dHJ1ZSwiUGFyZW50U3R5bGUiOm51bGwsIl9leHBsaWNpdGx5U2V0Ijp7IiRpZCI6IjEyNiIsIlNoYXBlU3R5bGUiOmZhbHNlLCJUaXRsZVN0eWxlIjpmYWxzZSwiRGF0ZVN0eWxlIjpmYWxzZSwiSG9yaXpvbnRhbENvbm5lY3RvclN0eWxlIjpmYWxzZSwiVmVydGljYWxDb25uZWN0b3JTdHlsZSI6ZmFsc2UsIlBlcmNlbnRhZ2VDb21wbGV0ZVNoYXBlT3BhY2l0eSI6ZmFsc2UsIkR1cmF0aW9uRm9ybWF0IjpmYWxzZSwiRHVyYXRpb25Qb3NpdGlvbiI6ZmFsc2UsIkVuZERhdGVQb3NpdGlvbiI6ZmFsc2UsIklzQmVsb3dUaW1lYmFuZCI6ZmFsc2UsIlBlcmNlbnRhZ2VDb21wbGV0ZWRQb3NpdGlvbiI6ZmFsc2UsIlNoYXBlIjpmYWxzZSwiU2hhcGVUaGlja25lc3MiOmZhbHNlLCJTcGFjaW5nIjpmYWxzZSwiU3RhcnREYXRlUG9zaXRpb24iOmZhbHNlLCJUaXRsZVBvc2l0aW9uIjpmYWxzZSwiRGF0ZUZvcm1hdCI6ZmFsc2UsIklzVmlzaWJsZSI6ZmFsc2UsIk1hcmdpbiI6ZmFsc2V9fSwiR3JpZGxpbmVQYW5lbFN0eWxlIjp7IiRpZCI6IjEyNyIsIkdyaWRsaW5lU3R5bGUiOnsiJGlkIjoiMTI4IiwiTGluZUNvbG9yIjp7IiRpZCI6IjEyOSIsIiR0eXBlIjoiTkxSRS5Db21tb24uRG9tLlNvbGlkQ29sb3JCcnVzaCwgTkxSRS5Db21tb24iLCJDb2xvciI6eyIkaWQiOiIxMzAiLCJBIjozOCwiUiI6OTEsIkciOjE1NSwiQiI6MjEzfX0sIkxpbmVXZWlnaHQiOjEuMCwiTGluZVR5cGUiOjAsIlBhcmVudFN0eWxlIjpudWxsfSwiTWFyZ2luIjp7IiRpZCI6IjEzMSIsIlRvcCI6MCwiTGVmdCI6MCwiUmlnaHQiOjAsIkJvdHRvbSI6MH0sIlBhZGRpbmciOnsiJGlkIjoiMTMyIiwiVG9wIjowLCJMZWZ0IjowLCJSaWdodCI6MCwiQm90dG9tIjowfSwiQmFja2dyb3VuZCI6bnVsbCwiSXNWaXNpYmxlIjp0cnVlLCJXaWR0aCI6MC4wLCJIZWlnaHQiOjAuMCwiQm9yZGVyU3R5bGUiOnsiJGlkIjoiMTMzIiwiTGluZUNvbG9yIjpudWxsLCJMaW5lV2VpZ2h0IjowLjAsIkxpbmVUeXBlIjowLCJQYXJlbnRTdHlsZSI6bnVsbH0sIlBhcmVudFN0eWxlIjpudWxsfSwiU2hvd0VsYXBzZWRUaW1lR3JhZGllbnRTdHlsZSI6ZmFsc2UsIkRlZmF1bHRTd2ltbGFuZVN0eWxlIjp7IiRpZCI6IjEzNCIsIkhlYWRlclN0eWxlIjp7IiRpZCI6IjEzNSIsIlRleHRTdHlsZSI6eyIkaWQiOiIxMzYiLCJGb250U2V0dGluZ3MiOnsiJGlkIjoiMTM3IiwiRm9udFNpemUiOjEyLCJGb250TmFtZSI6IkNhbGlicmkiLCJJc0JvbGQiOmZhbHNlLCJJc0l0YWxpYyI6ZmFsc2UsIklzVW5kZXJsaW5lZCI6ZmFsc2UsIlBhcmVudFN0eWxlIjpudWxsfSwiQXV0b1NpemUiOjAsIkZvcmVncm91bmQiOnsiJGlkIjoiMTM4IiwiQ29sb3IiOnsiJGlkIjoiMTM5IiwiQSI6MjU1LCJSIjozMiwiRyI6NTYsIkIiOjEwMH19LCJNYXhXaWR0aCI6MC4wLCJNYXhIZWlnaHQiOjAuMCwiU21hcnRGb3JlZ3JvdW5kSXNBY3RpdmUiOmZhbHNlLCJIb3Jpem9udGFsQWxpZ25tZW50IjowLCJWZXJ0aWNhbEFsaWdubWVudCI6MCwiU21hcnRGb3JlZ3JvdW5kIjpudWxsLCJCYWNrZ3JvdW5kRmlsbFR5cGUiOjAsIk1hcmdpbiI6eyIkaWQiOiIxNDAiLCJUb3AiOjAsIkxlZnQiOjAsIlJpZ2h0IjowLCJCb3R0b20iOjB9LCJQYWRkaW5nIjp7IiRpZCI6IjE0MSIsIlRvcCI6MCwiTGVmdCI6MCwiUmlnaHQiOjAsIkJvdHRvbSI6MH0sIkJhY2tncm91bmQiOm51bGwsIklzVmlzaWJsZSI6ZmFsc2UsIldpZHRoIjowLjAsIkhlaWdodCI6MC4wLCJCb3JkZXJTdHlsZSI6bnVsbCwiUGFyZW50U3R5bGUiOm51bGx9LCJSZWN0YW5nbGVTdHlsZSI6eyIkaWQiOiIxNDIiLCJNYXJnaW4iOnsiJGlkIjoiMTQzIiwiVG9wIjowLCJMZWZ0IjowLCJSaWdodCI6MCwiQm90dG9tIjowfSwiUGFkZGluZyI6eyIkaWQiOiIxNDQiLCJUb3AiOjAsIkxlZnQiOjAsIlJpZ2h0IjowLCJCb3R0b20iOjB9LCJCYWNrZ3JvdW5kIjp7IiRpZCI6IjE0NSIsIkNvbG9yIjp7IiRpZCI6IjE0NiIsIkEiOjEyNywiUiI6OTEsIkciOjE1NSwiQiI6MjEzfX0sIklzVmlzaWJsZSI6ZmFsc2UsIldpZHRoIjowLjAsIkhlaWdodCI6MC4wLCJCb3JkZXJTdHlsZSI6eyIkaWQiOiIxNDciLCJMaW5lQ29sb3IiOnsiJGlkIjoiMTQ4IiwiJHR5cGUiOiJOTFJFLkNvbW1vbi5Eb20uU29saWRDb2xvckJydXNoLCBOTFJFLkNvbW1vbiIsIkNvbG9yIjp7IiRpZCI6IjE0OSIsIkEiOjI1NSwiUiI6MjU1LCJHIjowLCJCIjowfX0sIkxpbmVXZWlnaHQiOjAuMCwiTGluZVR5cGUiOjAsIlBhcmVudFN0eWxlIjpudWxsfSwiUGFyZW50U3R5bGUiOm51bGx9LCJNYXJnaW4iOnsiJGlkIjoiMTUwIiwiVG9wIjowLCJMZWZ0IjowLCJSaWdodCI6MCwiQm90dG9tIjowfSwiUGFkZGluZyI6eyIkaWQiOiIxNTEiLCJUb3AiOjAsIkxlZnQiOjAsIlJpZ2h0IjowLCJCb3R0b20iOjB9LCJCYWNrZ3JvdW5kIjpudWxsLCJJc1Zpc2libGUiOnRydWUsIldpZHRoIjowLjAsIkhlaWdodCI6MC4wLCJCb3JkZXJTdHlsZSI6bnVsbCwiUGFyZW50U3R5bGUiOm51bGx9LCJCYWNrZ3JvdW5kU3R5bGUiOnsiJGlkIjoiMTUyIiwiTWFyZ2luIjp7IiRpZCI6IjE1MyIsIlRvcCI6MCwiTGVmdCI6MCwiUmlnaHQiOjAsIkJvdHRvbSI6MH0sIlBhZGRpbmciOnsiJGlkIjoiMTU0IiwiVG9wIjowLCJMZWZ0IjowLCJSaWdodCI6MCwiQm90dG9tIjowfSwiQmFja2dyb3VuZCI6eyIkaWQiOiIxNTUiLCJDb2xvciI6eyIkaWQiOiIxNTYiLCJBIjozOCwiUiI6OTEsIkciOjE1NSwiQiI6MjEzfX0sIklzVmlzaWJsZSI6dHJ1ZSwiV2lkdGgiOjAuMCwiSGVpZ2h0IjowLjAsIkJvcmRlclN0eWxlIjp7IiRpZCI6IjE1NyIsIkxpbmVDb2xvciI6eyIkaWQiOiIxNTgiLCIkdHlwZSI6Ik5MUkUuQ29tbW9uLkRvbS5Tb2xpZENvbG9yQnJ1c2gsIE5MUkUuQ29tbW9uIiwiQ29sb3IiOnsiJGlkIjoiMTU5IiwiQSI6MjU1LCJSIjoyNTUsIkciOjAsIkIiOjB9fSwiTGluZVdlaWdodCI6MC4wLCJMaW5lVHlwZSI6MCwiUGFyZW50U3R5bGUiOm51bGx9LCJQYXJlbnRTdHlsZSI6bnVsbH0sIklzQWJvdmVUaW1lYmFuZCI6ZmFsc2UsIk1hcmdpbiI6eyIkaWQiOiIxNjAiLCJUb3AiOjAsIkxlZnQiOjAsIlJpZ2h0IjowLCJCb3R0b20iOjB9LCJQYWRkaW5nIjp7IiRpZCI6IjE2MSIsIlRvcCI6MCwiTGVmdCI6MCwiUmlnaHQiOjAsIkJvdHRvbSI6MH0sIklzVmlzaWJsZSI6dHJ1ZSwiV2lkdGgiOjAuMCwiSGVpZ2h0IjowLjAsIkJvcmRlclN0eWxlIjpudWxsLCJQYXJlbnRTdHlsZSI6bnVsbH19LCJTY2FsZSI6eyIkaWQiOiIxNjIiLCJTdGFydERhdGUiOiIwMDAxLTAxLTAxVDAwOjAwOjAwIiwiRW5kRGF0ZSI6IjIwMjAtMDMtMDFUMjM6NTk6MDAiLCJGb3JtYXQiOiJ3IiwiVHlwZSI6MSwiQXV0b0RhdGVSYW5nZSI6dHJ1ZSwiV29ya2luZ0RheXMiOjMxLCJUb2RheU1hcmtlclRleHQiOiJUb2RheSIsIkF1dG9TY2FsZVR5cGUiOmZhbHNlfSwiTWlsZXN0b25lcyI6W10sIlRhc2tzIjpbeyIkaWQiOiIxNjMiLCJHcm91cE5hbWUiOiJhZDUwN2NlNi1kZDBkLTRlOWQtODcxNi0xNWE1ODE1MjczMWYiLCJTdGFydERhdGUiOiIyMDE5LTEwLTEwVDA4OjAwOjAwIiwiRW5kRGF0ZSI6IjIwMTktMTEtMTBUMTc6MDA6MDAiLCJQZXJjZW50YWdlQ29tcGxldGUiOm51bGwsIlN0eWxlIjp7IiRpZCI6IjE2NCIsIlNoYXBlIjoyLCJTaGFwZVRoaWNrbmVzcyI6MSwiRHVyYXRpb25Gb3JtYXQiOjAsIkluY2x1ZGVOb25Xb3JraW5nRGF5c0luRHVyYXRpb24iOmZhbHNlLCJQZXJjZW50YWdlQ29tcGxldGVTdHlsZSI6eyIkaWQiOiIxNjUiLCJGb250U2V0dGluZ3MiOnsiJGlkIjoiMTY2IiwiRm9udFNpemUiOjEwLCJGb250TmFtZSI6IkNhbGlicmkiLCJJc0JvbGQiOmZhbHNlLCJJc0l0YWxpYyI6ZmFsc2UsIklzVW5kZXJsaW5lZCI6ZmFsc2UsIlBhcmVudFN0eWxlIjpudWxsfSwiQXV0b1NpemUiOjAsIkZvcmVncm91bmQiOnsiJGlkIjoiMTY3IiwiQ29sb3IiOnsiJHJlZiI6Ijg2In19LCJNYXhXaWR0aCI6MjAwLjAsIk1heEhlaWdodCI6IkluZmluaXR5IiwiU21hcnRGb3JlZ3JvdW5kSXNBY3RpdmUiOmZhbHNlLCJIb3Jpem9udGFsQWxpZ25tZW50IjoxLCJWZXJ0aWNhbEFsaWdubWVudCI6MCwiU21hcnRGb3JlZ3JvdW5kIjpudWxsLCJCYWNrZ3JvdW5kRmlsbFR5cGUiOjAsIk1hcmdpbiI6eyIkaWQiOiIxNjgiLCJUb3AiOjAsIkxlZnQiOjAsIlJpZ2h0IjowLCJCb3R0b20iOjB9LCJQYWRkaW5nIjp7IiRpZCI6IjE2OSIsIlRvcCI6MCwiTGVmdCI6MCwiUmlnaHQiOjAsIkJvdHRvbSI6MH0sIkJhY2tncm91bmQiOnsiJHJlZiI6Ijg5In0sIklzVmlzaWJsZSI6dHJ1ZSwiV2lkdGgiOjAuMCwiSGVpZ2h0IjowLjAsIkJvcmRlclN0eWxlIjp7IiRpZCI6IjE3MCIsIkxpbmVDb2xvciI6bnVsbCwiTGluZVdlaWdodCI6MC4wLCJMaW5lVHlwZSI6MCwiUGFyZW50U3R5bGUiOm51bGx9LCJQYXJlbnRTdHlsZSI6bnVsbH0sIkR1cmF0aW9uU3R5bGUiOnsiJGlkIjoiMTcxIiwiRm9udFNldHRpbmdzIjp7IiRpZCI6IjE3MiIsIkZvbnRTaXplIjoxMCwiRm9udE5hbWUiOiJDYWxpYnJpIiwiSXNCb2xkIjpmYWxzZSwiSXNJdGFsaWMiOmZhbHNlLCJJc1VuZGVybGluZWQiOmZhbHNlLCJQYXJlbnRTdHlsZSI6bnVsbH0sIkF1dG9TaXplIjowLCJGb3JlZ3JvdW5kIjp7IiRpZCI6IjE3MyIsIkNvbG9yIjp7IiRyZWYiOiI5MyJ9fSwiTWF4V2lkdGgiOjIwMC4wLCJNYXhIZWlnaHQiOiJJbmZpbml0eSIsIlNtYXJ0Rm9yZWdyb3VuZElzQWN0aXZlIjpmYWxzZSwiSG9yaXpvbnRhbEFsaWdubWVudCI6MCwiVmVydGljYWxBbGlnbm1lbnQiOjAsIlNtYXJ0Rm9yZWdyb3VuZCI6bnVsbCwiQmFja2dyb3VuZEZpbGxUeXBlIjowLCJNYXJnaW4iOnsiJGlkIjoiMTc0IiwiVG9wIjowLCJMZWZ0IjowLCJSaWdodCI6MCwiQm90dG9tIjowfSwiUGFkZGluZyI6eyIkaWQiOiIxNzUiLCJUb3AiOjAsIkxlZnQiOjAsIlJpZ2h0IjowLCJCb3R0b20iOjB9LCJCYWNrZ3JvdW5kIjp7IiRyZWYiOiI5NiJ9LCJJc1Zpc2libGUiOnRydWUsIldpZHRoIjowLjAsIkhlaWdodCI6MC4wLCJCb3JkZXJTdHlsZSI6eyIkaWQiOiIxNzYiLCJMaW5lQ29sb3IiOm51bGwsIkxpbmVXZWlnaHQiOjAuMCwiTGluZVR5cGUiOjAsIlBhcmVudFN0eWxlIjpudWxsfSwiUGFyZW50U3R5bGUiOm51bGx9LCJIb3Jpem9udGFsQ29ubmVjdG9yU3R5bGUiOnsiJGlkIjoiMTc3IiwiTGluZUNvbG9yIjp7IiRyZWYiOiI5OCJ9LCJMaW5lV2VpZ2h0IjoxLjAsIkxpbmVUeXBlIjowLCJQYXJlbnRTdHlsZSI6bnVsbH0sIlZlcnRpY2FsQ29ubmVjdG9yU3R5bGUiOnsiJGlkIjoiMTc4IiwiTGluZUNvbG9yIjp7IiRpZCI6IjE3OSIsIiR0eXBlIjoiTkxSRS5Db21tb24uRG9tLlNvbGlkQ29sb3JCcnVzaCwgTkxSRS5Db21tb24iLCJDb2xvciI6eyIkaWQiOiIxODAiLCJBIjoyNTUsIlIiOjIwNCwiRyI6MjA0LCJCIjoyMDR9fSwiTGluZVdlaWdodCI6MS4wLCJMaW5lVHlwZSI6MCwiUGFyZW50U3R5bGUiOm51bGx9LCJNYXJnaW4iOm51bGwsIlN0YXJ0RGF0ZVBvc2l0aW9uIjowLCJFbmREYXRlUG9zaXRpb24iOjAsIkRhdGVJc1Zpc2libGUiOnRydWUsIlRpdGxlUG9zaXRpb24iOjIsIkR1cmF0aW9uUG9zaXRpb24iOjYsIlBlcmNlbnRhZ2VDb21wbGV0ZWRQb3NpdGlvbiI6MiwiU3BhY2luZyI6NSwiSXNCZWxvd1RpbWViYW5kIjpmYWxzZSwiUGVyY2VudGFnZUNvbXBsZXRlU2hhcGVPcGFjaXR5IjozNSwiU2hhcGVTdHlsZSI6eyIkaWQiOiIxODEiLCJNYXJnaW4iOnsiJGlkIjoiMTgyIiwiVG9wIjowLCJMZWZ0Ijo0LCJSaWdodCI6NCwiQm90dG9tIjowfSwiUGFkZGluZyI6eyIkaWQiOiIxODMiLCJUb3AiOjAsIkxlZnQiOjAsIlJpZ2h0IjowLCJCb3R0b20iOjB9LCJCYWNrZ3JvdW5kIjp7IiRpZCI6IjE4NCIsIkNvbG9yIjp7IiRpZCI6IjE4NSIsIkEiOjI1NSwiUiI6MjU1LCJHIjoxOTIsIkIiOjB9fSwiSXNWaXNpYmxlIjp0cnVlLCJXaWR0aCI6MC4wLCJIZWlnaHQiOjE2LjAsIkJvcmRlclN0eWxlIjp7IiRpZCI6IjE4NiIsIkxpbmVDb2xvciI6eyIkcmVmIjoiMTA5In0sIkxpbmVXZWlnaHQiOjAuMCwiTGluZVR5cGUiOjAsIlBhcmVudFN0eWxlIjpudWxsfSwiUGFyZW50U3R5bGUiOm51bGx9LCJUaXRsZVN0eWxlIjp7IiRpZCI6IjE4NyIsIkZvbnRTZXR0aW5ncyI6eyIkaWQiOiIxODgiLCJGb250U2l6ZSI6MTEsIkZvbnROYW1lIjoiQ2FsaWJyaSIsIklzQm9sZCI6dHJ1ZSwiSXNJdGFsaWMiOmZhbHNlLCJJc1VuZGVybGluZWQiOmZhbHNlLCJQYXJlbnRTdHlsZSI6bnVsbH0sIkF1dG9TaXplIjoyLCJGb3JlZ3JvdW5kIjp7IiRpZCI6IjE4OSIsIkNvbG9yIjp7IiRpZCI6IjE5MCIsIkEiOjI1NSwiUiI6MCwiRyI6MCwiQiI6MH19LCJNYXhXaWR0aCI6ODguNzc5NTI1NzU2ODM1OTM4LCJNYXhIZWlnaHQiOiJJbmZpbml0eSIsIlNtYXJ0Rm9yZWdyb3VuZElzQWN0aXZlIjpmYWxzZSwiSG9yaXpvbnRhbEFsaWdubWVudCI6MSwiVmVydGljYWxBbGlnbm1lbnQiOjAsIlNtYXJ0Rm9yZWdyb3VuZCI6bnVsbCwiQmFja2dyb3VuZEZpbGxUeXBlIjowLCJNYXJnaW4iOnsiJGlkIjoiMTkxIiwiVG9wIjowLCJMZWZ0IjowLCJSaWdodCI6MCwiQm90dG9tIjowfSwiUGFkZGluZyI6eyIkaWQiOiIxOTIiLCJUb3AiOjAsIkxlZnQiOjAsIlJpZ2h0IjowLCJCb3R0b20iOjB9LCJCYWNrZ3JvdW5kIjp7IiRyZWYiOiIxMTcifSwiSXNWaXNpYmxlIjp0cnVlLCJXaWR0aCI6MC4wLCJIZWlnaHQiOjAuMCwiQm9yZGVyU3R5bGUiOnsiJGlkIjoiMTkzIiwiTGluZUNvbG9yIjpudWxsLCJMaW5lV2VpZ2h0IjowLjAsIkxpbmVUeXBlIjowLCJQYXJlbnRTdHlsZSI6bnVsbH0sIlBhcmVudFN0eWxlIjpudWxsfSwiRGF0ZVN0eWxlIjp7IiRpZCI6IjE5NCIsIkZvbnRTZXR0aW5ncyI6eyIkaWQiOiIxOTUiLCJGb250U2l6ZSI6MTAsIkZvbnROYW1lIjoiQ2FsaWJyaSIsIklzQm9sZCI6ZmFsc2UsIklzSXRhbGljIjpmYWxzZSwiSXNVbmRlcmxpbmVkIjpmYWxzZSwiUGFyZW50U3R5bGUiOm51bGx9LCJBdXRvU2l6ZSI6MCwiRm9yZWdyb3VuZCI6eyIkaWQiOiIxOTYiLCJDb2xvciI6eyIkaWQiOiIxOTciLCJBIjoyNTUsIlIiOjY4LCJHIjo4NCwiQiI6MTA2fX0sIk1heFdpZHRoIjoyMDAuMCwiTWF4SGVpZ2h0IjoiSW5maW5pdHkiLCJTbWFydEZvcmVncm91bmRJc0FjdGl2ZSI6ZmFsc2UsIkhvcml6b250YWxBbGlnbm1lbnQiOjAsIlZlcnRpY2FsQWxpZ25tZW50IjowLCJTbWFydEZvcmVncm91bmQiOm51bGwsIkJhY2tncm91bmRGaWxsVHlwZSI6MCwiTWFyZ2luIjp7IiRpZCI6IjE5OCIsIlRvcCI6MCwiTGVmdCI6MCwiUmlnaHQiOjAsIkJvdHRvbSI6MH0sIlBhZGRpbmciOnsiJGlkIjoiMTk5IiwiVG9wIjowLCJMZWZ0IjowLCJSaWdodCI6MCwiQm90dG9tIjowfSwiQmFja2dyb3VuZCI6eyIkcmVmIjoiMTI0In0sIklzVmlzaWJsZSI6dHJ1ZSwiV2lkdGgiOjAuMCwiSGVpZ2h0IjowLjAsIkJvcmRlclN0eWxlIjp7IiRpZCI6IjIwMCIsIkxpbmVDb2xvciI6bnVsbCwiTGluZVdlaWdodCI6MC4wLCJMaW5lVHlwZSI6MCwiUGFyZW50U3R5bGUiOm51bGx9LCJQYXJlbnRTdHlsZSI6bnVsbH0sIkRhdGVGb3JtYXQiOnsiJGlkIjoiMjAxIiwiRm9ybWF0U3RyaW5nIjoiTU1NIGQiLCJTZXBhcmF0b3IiOiIvIiwiVXNlSW50ZXJuYXRpb25hbERhdGVGb3JtYXQiOmZhbHNlLCJEYXRlSXNWaXNpYmxlIjp0cnVlLCJUaW1lSXNWaXNpYmxlIjpmYWxzZSwiSG91ckRpZ2l0cyI6MSwiQW1QbURlc2lnbmF0b3IiOjIsIlRyaW0wME1pbnV0ZXMiOmZhbHNlLCJMYXN0S25vd25WaXNpYmlsaXR5U3RhdGUiOnsiJGlkIjoiMjAyIiwiRGF0ZVBhcnRJc1Zpc2libGUiOnRydWUsIlRpbWVQYXJ0SXNWaXNpYmxlIjpmYWxzZX19LCJJc1Zpc2libGUiOnRydWUsIlBhcmVudFN0eWxlIjpudWxsfSwiSW5kZXgiOjAsIlNtYXJ0RHVyYXRpb25BY3RpdmF0ZWQiOmZhbHNlLCJEYXRlRm9ybWF0Ijp7IiRyZWYiOiIyMDEifSwiSWQiOiIxYTdmNDUyNy0xOWVkLTRhNmQtYjZhMi05ZWIzMTY2YTM1M2YiLCJJbXBvcnRJZCI6bnVsbCwiVGl0bGUiOiJVc2UgY2FzZSBjb25maXJtYXRpb24gd2l0aCBSYWJvLyBBY2htZWEiLCJOb3RlIjpudWxsLCJIeXBlcmxpbmsiOnsiJGlkIjoiMjAzIiwiQWRkcmVzcyI6IiIsIlN1YkFkZHJlc3MiOiIifSwiSXNDaGFuZ2VkIjpmYWxzZSwiSXNOZXciOmZhbHNlfSx7IiRpZCI6IjIwNCIsIkdyb3VwTmFtZSI6ImFkNTA3Y2U2LWRkMGQtNGU5ZC04NzE2LTE1YTU4MTUyNzMxZiIsIlN0YXJ0RGF0ZSI6IjIwMTktMTEtMDFUMDg6MDA6MDAiLCJFbmREYXRlIjoiMjAxOS0xMi0wMVQxNzowMDowMCIsIlBlcmNlbnRhZ2VDb21wbGV0ZSI6bnVsbCwiU3R5bGUiOnsiJGlkIjoiMjA1IiwiU2hhcGUiOjIsIlNoYXBlVGhpY2tuZXNzIjoxLCJEdXJhdGlvbkZvcm1hdCI6MCwiSW5jbHVkZU5vbldvcmtpbmdEYXlzSW5EdXJhdGlvbiI6ZmFsc2UsIlBlcmNlbnRhZ2VDb21wbGV0ZVN0eWxlIjp7IiRpZCI6IjIwNiIsIkZvbnRTZXR0aW5ncyI6eyIkaWQiOiIyMDciLCJGb250U2l6ZSI6MTAsIkZvbnROYW1lIjoiQ2FsaWJyaSIsIklzQm9sZCI6ZmFsc2UsIklzSXRhbGljIjpmYWxzZSwiSXNVbmRlcmxpbmVkIjpmYWxzZSwiUGFyZW50U3R5bGUiOm51bGx9LCJBdXRvU2l6ZSI6MCwiRm9yZWdyb3VuZCI6eyIkaWQiOiIyMDgiLCJDb2xvciI6eyIkcmVmIjoiODYifX0sIk1heFdpZHRoIjoyMDAuMCwiTWF4SGVpZ2h0IjoiSW5maW5pdHkiLCJTbWFydEZvcmVncm91bmRJc0FjdGl2ZSI6ZmFsc2UsIkhvcml6b250YWxBbGlnbm1lbnQiOjEsIlZlcnRpY2FsQWxpZ25tZW50IjowLCJTbWFydEZvcmVncm91bmQiOm51bGwsIkJhY2tncm91bmRGaWxsVHlwZSI6MCwiTWFyZ2luIjp7IiRpZCI6IjIwOSIsIlRvcCI6MCwiTGVmdCI6MCwiUmlnaHQiOjAsIkJvdHRvbSI6MH0sIlBhZGRpbmciOnsiJGlkIjoiMjEwIiwiVG9wIjowLCJMZWZ0IjowLCJSaWdodCI6MCwiQm90dG9tIjowfSwiQmFja2dyb3VuZCI6eyIkcmVmIjoiODkifSwiSXNWaXNpYmxlIjp0cnVlLCJXaWR0aCI6MC4wLCJIZWlnaHQiOjAuMCwiQm9yZGVyU3R5bGUiOnsiJGlkIjoiMjExIiwiTGluZUNvbG9yIjpudWxsLCJMaW5lV2VpZ2h0IjowLjAsIkxpbmVUeXBlIjowLCJQYXJlbnRTdHlsZSI6bnVsbH0sIlBhcmVudFN0eWxlIjpudWxsfSwiRHVyYXRpb25TdHlsZSI6eyIkaWQiOiIyMTIiLCJGb250U2V0dGluZ3MiOnsiJGlkIjoiMjEzIiwiRm9udFNpemUiOjEwLCJGb250TmFtZSI6IkNhbGlicmkiLCJJc0JvbGQiOmZhbHNlLCJJc0l0YWxpYyI6ZmFsc2UsIklzVW5kZXJsaW5lZCI6ZmFsc2UsIlBhcmVudFN0eWxlIjpudWxsfSwiQXV0b1NpemUiOjAsIkZvcmVncm91bmQiOnsiJGlkIjoiMjE0IiwiQ29sb3IiOnsiJHJlZiI6IjkzIn19LCJNYXhXaWR0aCI6MjAwLjAsIk1heEhlaWdodCI6IkluZmluaXR5IiwiU21hcnRGb3JlZ3JvdW5kSXNBY3RpdmUiOmZhbHNlLCJIb3Jpem9udGFsQWxpZ25tZW50IjowLCJWZXJ0aWNhbEFsaWdubWVudCI6MCwiU21hcnRGb3JlZ3JvdW5kIjpudWxsLCJCYWNrZ3JvdW5kRmlsbFR5cGUiOjAsIk1hcmdpbiI6eyIkaWQiOiIyMTUiLCJUb3AiOjAsIkxlZnQiOjAsIlJpZ2h0IjowLCJCb3R0b20iOjB9LCJQYWRkaW5nIjp7IiRpZCI6IjIxNiIsIlRvcCI6MCwiTGVmdCI6MCwiUmlnaHQiOjAsIkJvdHRvbSI6MH0sIkJhY2tncm91bmQiOnsiJHJlZiI6Ijk2In0sIklzVmlzaWJsZSI6dHJ1ZSwiV2lkdGgiOjAuMCwiSGVpZ2h0IjowLjAsIkJvcmRlclN0eWxlIjp7IiRpZCI6IjIxNyIsIkxpbmVDb2xvciI6bnVsbCwiTGluZVdlaWdodCI6MC4wLCJMaW5lVHlwZSI6MCwiUGFyZW50U3R5bGUiOm51bGx9LCJQYXJlbnRTdHlsZSI6bnVsbH0sIkhvcml6b250YWxDb25uZWN0b3JTdHlsZSI6eyIkaWQiOiIyMTgiLCJMaW5lQ29sb3IiOnsiJHJlZiI6Ijk4In0sIkxpbmVXZWlnaHQiOjEuMCwiTGluZVR5cGUiOjAsIlBhcmVudFN0eWxlIjpudWxsfSwiVmVydGljYWxDb25uZWN0b3JTdHlsZSI6eyIkaWQiOiIyMTkiLCJMaW5lQ29sb3IiOnsiJGlkIjoiMjIwIiwiJHR5cGUiOiJOTFJFLkNvbW1vbi5Eb20uU29saWRDb2xvckJydXNoLCBOTFJFLkNvbW1vbiIsIkNvbG9yIjp7IiRpZCI6IjIyMSIsIkEiOjI1NSwiUiI6MjA0LCJHIjoyMDQsIkIiOjIwNH19LCJMaW5lV2VpZ2h0IjoxLjAsIkxpbmVUeXBlIjowLCJQYXJlbnRTdHlsZSI6bnVsbH0sIk1hcmdpbiI6bnVsbCwiU3RhcnREYXRlUG9zaXRpb24iOjAsIkVuZERhdGVQb3NpdGlvbiI6MCwiRGF0ZUlzVmlzaWJsZSI6dHJ1ZSwiVGl0bGVQb3NpdGlvbiI6MiwiRHVyYXRpb25Qb3NpdGlvbiI6NiwiUGVyY2VudGFnZUNvbXBsZXRlZFBvc2l0aW9uIjoyLCJTcGFjaW5nIjo1LCJJc0JlbG93VGltZWJhbmQiOmZhbHNlLCJQZXJjZW50YWdlQ29tcGxldGVTaGFwZU9wYWNpdHkiOjM1LCJTaGFwZVN0eWxlIjp7IiRpZCI6IjIyMiIsIk1hcmdpbiI6eyIkaWQiOiIyMjMiLCJUb3AiOjAsIkxlZnQiOjQsIlJpZ2h0Ijo0LCJCb3R0b20iOjB9LCJQYWRkaW5nIjp7IiRpZCI6IjIyNCIsIlRvcCI6MCwiTGVmdCI6MCwiUmlnaHQiOjAsIkJvdHRvbSI6MH0sIkJhY2tncm91bmQiOnsiJGlkIjoiMjI1IiwiQ29sb3IiOnsiJGlkIjoiMjI2IiwiQSI6MjU1LCJSIjoyMzcsIkciOjEyNSwiQiI6NDl9fSwiSXNWaXNpYmxlIjp0cnVlLCJXaWR0aCI6MC4wLCJIZWlnaHQiOjE2LjAsIkJvcmRlclN0eWxlIjp7IiRpZCI6IjIyNyIsIkxpbmVDb2xvciI6eyIkcmVmIjoiMTA5In0sIkxpbmVXZWlnaHQiOjAuMCwiTGluZVR5cGUiOjAsIlBhcmVudFN0eWxlIjpudWxsfSwiUGFyZW50U3R5bGUiOm51bGx9LCJUaXRsZVN0eWxlIjp7IiRpZCI6IjIyOCIsIkZvbnRTZXR0aW5ncyI6eyIkaWQiOiIyMjkiLCJGb250U2l6ZSI6MTEsIkZvbnROYW1lIjoiQ2FsaWJyaSIsIklzQm9sZCI6dHJ1ZSwiSXNJdGFsaWMiOmZhbHNlLCJJc1VuZGVybGluZWQiOmZhbHNlLCJQYXJlbnRTdHlsZSI6bnVsbH0sIkF1dG9TaXplIjowLCJGb3JlZ3JvdW5kIjp7IiRpZCI6IjIzMCIsIkNvbG9yIjp7IiRpZCI6IjIzMSIsIkEiOjI1NSwiUiI6MjMxLCJHIjoyMzAsIkIiOjIzMH19LCJNYXhXaWR0aCI6NzIwLjAsIk1heEhlaWdodCI6IkluZmluaXR5IiwiU21hcnRGb3JlZ3JvdW5kSXNBY3RpdmUiOmZhbHNlLCJIb3Jpem9udGFsQWxpZ25tZW50IjoxLCJWZXJ0aWNhbEFsaWdubWVudCI6MCwiU21hcnRGb3JlZ3JvdW5kIjpudWxsLCJCYWNrZ3JvdW5kRmlsbFR5cGUiOjAsIk1hcmdpbiI6eyIkaWQiOiIyMzIiLCJUb3AiOjAsIkxlZnQiOjAsIlJpZ2h0IjowLCJCb3R0b20iOjB9LCJQYWRkaW5nIjp7IiRpZCI6IjIzMyIsIlRvcCI6MCwiTGVmdCI6MCwiUmlnaHQiOjAsIkJvdHRvbSI6MH0sIkJhY2tncm91bmQiOnsiJHJlZiI6IjExNyJ9LCJJc1Zpc2libGUiOnRydWUsIldpZHRoIjowLjAsIkhlaWdodCI6MC4wLCJCb3JkZXJTdHlsZSI6eyIkaWQiOiIyMzQiLCJMaW5lQ29sb3IiOm51bGwsIkxpbmVXZWlnaHQiOjAuMCwiTGluZVR5cGUiOjAsIlBhcmVudFN0eWxlIjpudWxsfSwiUGFyZW50U3R5bGUiOm51bGx9LCJEYXRlU3R5bGUiOnsiJGlkIjoiMjM1IiwiRm9udFNldHRpbmdzIjp7IiRpZCI6IjIzNiIsIkZvbnRTaXplIjoxMCwiRm9udE5hbWUiOiJDYWxpYnJpIiwiSXNCb2xkIjpmYWxzZSwiSXNJdGFsaWMiOmZhbHNlLCJJc1VuZGVybGluZWQiOmZhbHNlLCJQYXJlbnRTdHlsZSI6bnVsbH0sIkF1dG9TaXplIjowLCJGb3JlZ3JvdW5kIjp7IiRpZCI6IjIzNyIsIkNvbG9yIjp7IiRpZCI6IjIzOCIsIkEiOjI1NSwiUiI6NjgsIkciOjg0LCJCIjoxMDZ9fSwiTWF4V2lkdGgiOjIwMC4wLCJNYXhIZWlnaHQiOiJJbmZpbml0eSIsIlNtYXJ0Rm9yZWdyb3VuZElzQWN0aXZlIjpmYWxzZSwiSG9yaXpvbnRhbEFsaWdubWVudCI6MCwiVmVydGljYWxBbGlnbm1lbnQiOjAsIlNtYXJ0Rm9yZWdyb3VuZCI6bnVsbCwiQmFja2dyb3VuZEZpbGxUeXBlIjowLCJNYXJnaW4iOnsiJGlkIjoiMjM5IiwiVG9wIjowLCJMZWZ0IjowLCJSaWdodCI6MCwiQm90dG9tIjowfSwiUGFkZGluZyI6eyIkaWQiOiIyNDAiLCJUb3AiOjAsIkxlZnQiOjAsIlJpZ2h0IjowLCJCb3R0b20iOjB9LCJCYWNrZ3JvdW5kIjp7IiRyZWYiOiIxMjQifSwiSXNWaXNpYmxlIjp0cnVlLCJXaWR0aCI6MC4wLCJIZWlnaHQiOjAuMCwiQm9yZGVyU3R5bGUiOnsiJGlkIjoiMjQxIiwiTGluZUNvbG9yIjpudWxsLCJMaW5lV2VpZ2h0IjowLjAsIkxpbmVUeXBlIjowLCJQYXJlbnRTdHlsZSI6bnVsbH0sIlBhcmVudFN0eWxlIjpudWxsfSwiRGF0ZUZvcm1hdCI6eyIkaWQiOiIyNDIiLCJGb3JtYXRTdHJpbmciOiJNTU0gZCIsIlNlcGFyYXRvciI6Ii8iLCJVc2VJbnRlcm5hdGlvbmFsRGF0ZUZvcm1hdCI6ZmFsc2UsIkRhdGVJc1Zpc2libGUiOnRydWUsIlRpbWVJc1Zpc2libGUiOmZhbHNlLCJIb3VyRGlnaXRzIjoxLCJBbVBtRGVzaWduYXRvciI6MiwiVHJpbTAwTWludXRlcyI6ZmFsc2UsIkxhc3RLbm93blZpc2liaWxpdHlTdGF0ZSI6eyIkcmVmIjoiMjAyIn19LCJJc1Zpc2libGUiOnRydWUsIlBhcmVudFN0eWxlIjpudWxsfSwiSW5kZXgiOjEsIlNtYXJ0RHVyYXRpb25BY3RpdmF0ZWQiOmZhbHNlLCJEYXRlRm9ybWF0Ijp7IiRyZWYiOiIyNDIifSwiSWQiOiI3MmIxOTIwMC03MTIyLTQwZGEtYTljMi1hYjIyYWI1ODJjYjIiLCJJbXBvcnRJZCI6bnVsbCwiVGl0bGUiOiJEZXZlbG9wbWVudCBvZiBibGFjayBib3ggdnMgd2hpdGUgYm94IHRvb2wiLCJOb3RlIjpudWxsLCJIeXBlcmxpbmsiOnsiJGlkIjoiMjQzIiwiQWRkcmVzcyI6IiIsIlN1YkFkZHJlc3MiOiIifSwiSXNDaGFuZ2VkIjpmYWxzZSwiSXNOZXciOmZhbHNlfSx7IiRpZCI6IjI0NCIsIkdyb3VwTmFtZSI6bnVsbCwiU3RhcnREYXRlIjoiMjAyMC0wMS0wMVQwMDowMDowMCIsIkVuZERhdGUiOiIyMDIwLTAyLTAxVDIzOjU5OjAwIiwiUGVyY2VudGFnZUNvbXBsZXRlIjpudWxsLCJTdHlsZSI6eyIkaWQiOiIyNDUiLCJTaGFwZSI6MiwiU2hhcGVUaGlja25lc3MiOjEsIkR1cmF0aW9uRm9ybWF0IjowLCJJbmNsdWRlTm9uV29ya2luZ0RheXNJbkR1cmF0aW9uIjpmYWxzZSwiUGVyY2VudGFnZUNvbXBsZXRlU3R5bGUiOnsiJGlkIjoiMjQ2IiwiRm9udFNldHRpbmdzIjp7IiRpZCI6IjI0NyIsIkZvbnRTaXplIjoxMCwiRm9udE5hbWUiOiJDYWxpYnJpIiwiSXNCb2xkIjpmYWxzZSwiSXNJdGFsaWMiOmZhbHNlLCJJc1VuZGVybGluZWQiOmZhbHNlLCJQYXJlbnRTdHlsZSI6bnVsbH0sIkF1dG9TaXplIjowLCJGb3JlZ3JvdW5kIjp7IiRpZCI6IjI0OCIsIkNvbG9yIjp7IiRyZWYiOiI4NiJ9fSwiTWF4V2lkdGgiOjIwMC4wLCJNYXhIZWlnaHQiOiJJbmZpbml0eSIsIlNtYXJ0Rm9yZWdyb3VuZElzQWN0aXZlIjpmYWxzZSwiSG9yaXpvbnRhbEFsaWdubWVudCI6MSwiVmVydGljYWxBbGlnbm1lbnQiOjAsIlNtYXJ0Rm9yZWdyb3VuZCI6bnVsbCwiQmFja2dyb3VuZEZpbGxUeXBlIjowLCJNYXJnaW4iOnsiJGlkIjoiMjQ5IiwiVG9wIjowLCJMZWZ0IjowLCJSaWdodCI6MCwiQm90dG9tIjowfSwiUGFkZGluZyI6eyIkaWQiOiIyNTAiLCJUb3AiOjAsIkxlZnQiOjAsIlJpZ2h0IjowLCJCb3R0b20iOjB9LCJCYWNrZ3JvdW5kIjp7IiRyZWYiOiI4OSJ9LCJJc1Zpc2libGUiOnRydWUsIldpZHRoIjowLjAsIkhlaWdodCI6MC4wLCJCb3JkZXJTdHlsZSI6eyIkaWQiOiIyNTEiLCJMaW5lQ29sb3IiOm51bGwsIkxpbmVXZWlnaHQiOjAuMCwiTGluZVR5cGUiOjAsIlBhcmVudFN0eWxlIjpudWxsfSwiUGFyZW50U3R5bGUiOm51bGx9LCJEdXJhdGlvblN0eWxlIjp7IiRpZCI6IjI1MiIsIkZvbnRTZXR0aW5ncyI6eyIkaWQiOiIyNTMiLCJGb250U2l6ZSI6MTAsIkZvbnROYW1lIjoiQ2FsaWJyaSIsIklzQm9sZCI6ZmFsc2UsIklzSXRhbGljIjpmYWxzZSwiSXNVbmRlcmxpbmVkIjpmYWxzZSwiUGFyZW50U3R5bGUiOm51bGx9LCJBdXRvU2l6ZSI6MCwiRm9yZWdyb3VuZCI6eyIkaWQiOiIyNTQiLCJDb2xvciI6eyIkcmVmIjoiOTMifX0sIk1heFdpZHRoIjoyMDAuMCwiTWF4SGVpZ2h0IjoiSW5maW5pdHkiLCJTbWFydEZvcmVncm91bmRJc0FjdGl2ZSI6ZmFsc2UsIkhvcml6b250YWxBbGlnbm1lbnQiOjAsIlZlcnRpY2FsQWxpZ25tZW50IjowLCJTbWFydEZvcmVncm91bmQiOm51bGwsIkJhY2tncm91bmRGaWxsVHlwZSI6MCwiTWFyZ2luIjp7IiRpZCI6IjI1NSIsIlRvcCI6MCwiTGVmdCI6MCwiUmlnaHQiOjAsIkJvdHRvbSI6MH0sIlBhZGRpbmciOnsiJGlkIjoiMjU2IiwiVG9wIjowLCJMZWZ0IjowLCJSaWdodCI6MCwiQm90dG9tIjowfSwiQmFja2dyb3VuZCI6eyIkcmVmIjoiOTYifSwiSXNWaXNpYmxlIjp0cnVlLCJXaWR0aCI6MC4wLCJIZWlnaHQiOjAuMCwiQm9yZGVyU3R5bGUiOnsiJGlkIjoiMjU3IiwiTGluZUNvbG9yIjpudWxsLCJMaW5lV2VpZ2h0IjowLjAsIkxpbmVUeXBlIjowLCJQYXJlbnRTdHlsZSI6bnVsbH0sIlBhcmVudFN0eWxlIjpudWxsfSwiSG9yaXpvbnRhbENvbm5lY3RvclN0eWxlIjp7IiRpZCI6IjI1OCIsIkxpbmVDb2xvciI6eyIkcmVmIjoiOTgifSwiTGluZVdlaWdodCI6MS4wLCJMaW5lVHlwZSI6MCwiUGFyZW50U3R5bGUiOm51bGx9LCJWZXJ0aWNhbENvbm5lY3RvclN0eWxlIjp7IiRpZCI6IjI1OSIsIkxpbmVDb2xvciI6eyIkaWQiOiIyNjAiLCIkdHlwZSI6Ik5MUkUuQ29tbW9uLkRvbS5Tb2xpZENvbG9yQnJ1c2gsIE5MUkUuQ29tbW9uIiwiQ29sb3IiOnsiJGlkIjoiMjYxIiwiQSI6MjU1LCJSIjoyMDQsIkciOjIwNCwiQiI6MjA0fX0sIkxpbmVXZWlnaHQiOjEuMCwiTGluZVR5cGUiOjAsIlBhcmVudFN0eWxlIjpudWxsfSwiTWFyZ2luIjpudWxsLCJTdGFydERhdGVQb3NpdGlvbiI6MCwiRW5kRGF0ZVBvc2l0aW9uIjowLCJEYXRlSXNWaXNpYmxlIjp0cnVlLCJUaXRsZVBvc2l0aW9uIjoyLCJEdXJhdGlvblBvc2l0aW9uIjo2LCJQZXJjZW50YWdlQ29tcGxldGVkUG9zaXRpb24iOjIsIlNwYWNpbmciOjUsIklzQmVsb3dUaW1lYmFuZCI6ZmFsc2UsIlBlcmNlbnRhZ2VDb21wbGV0ZVNoYXBlT3BhY2l0eSI6MzUsIlNoYXBlU3R5bGUiOnsiJGlkIjoiMjYyIiwiTWFyZ2luIjp7IiRpZCI6IjI2MyIsIlRvcCI6MCwiTGVmdCI6NCwiUmlnaHQiOjQsIkJvdHRvbSI6MH0sIlBhZGRpbmciOnsiJGlkIjoiMjY0IiwiVG9wIjowLCJMZWZ0IjowLCJSaWdodCI6MCwiQm90dG9tIjowfSwiQmFja2dyb3VuZCI6eyIkaWQiOiIyNjUiLCJDb2xvciI6eyIkaWQiOiIyNjYiLCJBIjoyNTUsIlIiOjIzNywiRyI6MTI1LCJCIjo0OX19LCJJc1Zpc2libGUiOnRydWUsIldpZHRoIjowLjAsIkhlaWdodCI6MTYuMCwiQm9yZGVyU3R5bGUiOnsiJGlkIjoiMjY3IiwiTGluZUNvbG9yIjp7IiRyZWYiOiIxMDkifSwiTGluZVdlaWdodCI6MC4wLCJMaW5lVHlwZSI6MCwiUGFyZW50U3R5bGUiOm51bGx9LCJQYXJlbnRTdHlsZSI6bnVsbH0sIlRpdGxlU3R5bGUiOnsiJGlkIjoiMjY4IiwiRm9udFNldHRpbmdzIjp7IiRpZCI6IjI2OSIsIkZvbnRTaXplIjoxMSwiRm9udE5hbWUiOiJDYWxpYnJpIiwiSXNCb2xkIjp0cnVlLCJJc0l0YWxpYyI6ZmFsc2UsIklzVW5kZXJsaW5lZCI6ZmFsc2UsIlBhcmVudFN0eWxlIjpudWxsfSwiQXV0b1NpemUiOjAsIkZvcmVncm91bmQiOnsiJGlkIjoiMjcwIiwiQ29sb3IiOnsiJGlkIjoiMjcxIiwiQSI6MjU1LCJSIjoyMzEsIkciOjIzMCwiQiI6MjMwfX0sIk1heFdpZHRoIjo3MjAuMCwiTWF4SGVpZ2h0IjoiSW5maW5pdHkiLCJTbWFydEZvcmVncm91bmRJc0FjdGl2ZSI6ZmFsc2UsIkhvcml6b250YWxBbGlnbm1lbnQiOjEsIlZlcnRpY2FsQWxpZ25tZW50IjowLCJTbWFydEZvcmVncm91bmQiOm51bGwsIkJhY2tncm91bmRGaWxsVHlwZSI6MCwiTWFyZ2luIjp7IiRpZCI6IjI3MiIsIlRvcCI6MCwiTGVmdCI6MCwiUmlnaHQiOjAsIkJvdHRvbSI6MH0sIlBhZGRpbmciOnsiJGlkIjoiMjczIiwiVG9wIjowLCJMZWZ0IjowLCJSaWdodCI6MCwiQm90dG9tIjowfSwiQmFja2dyb3VuZCI6eyIkcmVmIjoiMTE3In0sIklzVmlzaWJsZSI6dHJ1ZSwiV2lkdGgiOjAuMCwiSGVpZ2h0IjowLjAsIkJvcmRlclN0eWxlIjp7IiRpZCI6IjI3NCIsIkxpbmVDb2xvciI6bnVsbCwiTGluZVdlaWdodCI6MC4wLCJMaW5lVHlwZSI6MCwiUGFyZW50U3R5bGUiOm51bGx9LCJQYXJlbnRTdHlsZSI6bnVsbH0sIkRhdGVTdHlsZSI6eyIkaWQiOiIyNzUiLCJGb250U2V0dGluZ3MiOnsiJGlkIjoiMjc2IiwiRm9udFNpemUiOjEwLCJGb250TmFtZSI6IkNhbGlicmkiLCJJc0JvbGQiOmZhbHNlLCJJc0l0YWxpYyI6ZmFsc2UsIklzVW5kZXJsaW5lZCI6ZmFsc2UsIlBhcmVudFN0eWxlIjpudWxsfSwiQXV0b1NpemUiOjAsIkZvcmVncm91bmQiOnsiJGlkIjoiMjc3IiwiQ29sb3IiOnsiJGlkIjoiMjc4IiwiQSI6MjU1LCJSIjo2OCwiRyI6ODQsIkIiOjEwNn19LCJNYXhXaWR0aCI6MjAwLjAsIk1heEhlaWdodCI6IkluZmluaXR5IiwiU21hcnRGb3JlZ3JvdW5kSXNBY3RpdmUiOmZhbHNlLCJIb3Jpem9udGFsQWxpZ25tZW50IjowLCJWZXJ0aWNhbEFsaWdubWVudCI6MCwiU21hcnRGb3JlZ3JvdW5kIjpudWxsLCJCYWNrZ3JvdW5kRmlsbFR5cGUiOjAsIk1hcmdpbiI6eyIkaWQiOiIyNzkiLCJUb3AiOjAsIkxlZnQiOjAsIlJpZ2h0IjowLCJCb3R0b20iOjB9LCJQYWRkaW5nIjp7IiRpZCI6IjI4MCIsIlRvcCI6MCwiTGVmdCI6MCwiUmlnaHQiOjAsIkJvdHRvbSI6MH0sIkJhY2tncm91bmQiOnsiJHJlZiI6IjEyNCJ9LCJJc1Zpc2libGUiOnRydWUsIldpZHRoIjowLjAsIkhlaWdodCI6MC4wLCJCb3JkZXJTdHlsZSI6eyIkaWQiOiIyODEiLCJMaW5lQ29sb3IiOm51bGwsIkxpbmVXZWlnaHQiOjAuMCwiTGluZVR5cGUiOjAsIlBhcmVudFN0eWxlIjpudWxsfSwiUGFyZW50U3R5bGUiOm51bGx9LCJEYXRlRm9ybWF0Ijp7IiRpZCI6IjI4MiIsIkZvcm1hdFN0cmluZyI6Ik1NTSBkIiwiU2VwYXJhdG9yIjoiLyIsIlVzZUludGVybmF0aW9uYWxEYXRlRm9ybWF0IjpmYWxzZSwiRGF0ZUlzVmlzaWJsZSI6dHJ1ZSwiVGltZUlzVmlzaWJsZSI6ZmFsc2UsIkhvdXJEaWdpdHMiOjEsIkFtUG1EZXNpZ25hdG9yIjoyLCJUcmltMDBNaW51dGVzIjpmYWxzZSwiTGFzdEtub3duVmlzaWJpbGl0eVN0YXRlIjp7IiRyZWYiOiIyMDIifX0sIklzVmlzaWJsZSI6dHJ1ZSwiUGFyZW50U3R5bGUiOm51bGx9LCJJbmRleCI6MiwiU21hcnREdXJhdGlvbkFjdGl2YXRlZCI6ZmFsc2UsIkRhdGVGb3JtYXQiOnsiJHJlZiI6IjI4MiJ9LCJJZCI6ImFiNjdlYTUxLWU1NmYtNDAxMS04NjVlLTk5NmFhMGJjNDg4YSIsIkltcG9ydElkIjpudWxsLCJUaXRsZSI6IkV4cGVyaW1lbnQgd2l0aCBkb21haW5lIGV4cGVydCBpbiBpbmR1c3RyeSIsIk5vdGUiOm51bGwsIkh5cGVybGluayI6eyIkaWQiOiIyODMiLCJBZGRyZXNzIjoiIiwiU3ViQWRkcmVzcyI6IiJ9LCJJc0NoYW5nZWQiOmZhbHNlLCJJc05ldyI6ZmFsc2V9LHsiJGlkIjoiMjg0IiwiR3JvdXBOYW1lIjpudWxsLCJTdGFydERhdGUiOiIyMDIwLTAyLTAxVDAwOjAwOjAwIiwiRW5kRGF0ZSI6IjIwMjAtMDMtMDFUMjM6NTk6MDAiLCJQZXJjZW50YWdlQ29tcGxldGUiOm51bGwsIlN0eWxlIjp7IiRpZCI6IjI4NSIsIlNoYXBlIjoyLCJTaGFwZVRoaWNrbmVzcyI6MSwiRHVyYXRpb25Gb3JtYXQiOjAsIkluY2x1ZGVOb25Xb3JraW5nRGF5c0luRHVyYXRpb24iOmZhbHNlLCJQZXJjZW50YWdlQ29tcGxldGVTdHlsZSI6eyIkaWQiOiIyODYiLCJGb250U2V0dGluZ3MiOnsiJGlkIjoiMjg3IiwiRm9udFNpemUiOjEwLCJGb250TmFtZSI6IkNhbGlicmkiLCJJc0JvbGQiOmZhbHNlLCJJc0l0YWxpYyI6ZmFsc2UsIklzVW5kZXJsaW5lZCI6ZmFsc2UsIlBhcmVudFN0eWxlIjpudWxsfSwiQXV0b1NpemUiOjAsIkZvcmVncm91bmQiOnsiJGlkIjoiMjg4IiwiQ29sb3IiOnsiJHJlZiI6Ijg2In19LCJNYXhXaWR0aCI6MjAwLjAsIk1heEhlaWdodCI6IkluZmluaXR5IiwiU21hcnRGb3JlZ3JvdW5kSXNBY3RpdmUiOmZhbHNlLCJIb3Jpem9udGFsQWxpZ25tZW50IjoxLCJWZXJ0aWNhbEFsaWdubWVudCI6MCwiU21hcnRGb3JlZ3JvdW5kIjpudWxsLCJCYWNrZ3JvdW5kRmlsbFR5cGUiOjAsIk1hcmdpbiI6eyIkaWQiOiIyODkiLCJUb3AiOjAsIkxlZnQiOjAsIlJpZ2h0IjowLCJCb3R0b20iOjB9LCJQYWRkaW5nIjp7IiRpZCI6IjI5MCIsIlRvcCI6MCwiTGVmdCI6MCwiUmlnaHQiOjAsIkJvdHRvbSI6MH0sIkJhY2tncm91bmQiOnsiJHJlZiI6Ijg5In0sIklzVmlzaWJsZSI6dHJ1ZSwiV2lkdGgiOjAuMCwiSGVpZ2h0IjowLjAsIkJvcmRlclN0eWxlIjp7IiRpZCI6IjI5MSIsIkxpbmVDb2xvciI6bnVsbCwiTGluZVdlaWdodCI6MC4wLCJMaW5lVHlwZSI6MCwiUGFyZW50U3R5bGUiOm51bGx9LCJQYXJlbnRTdHlsZSI6bnVsbH0sIkR1cmF0aW9uU3R5bGUiOnsiJGlkIjoiMjkyIiwiRm9udFNldHRpbmdzIjp7IiRpZCI6IjI5MyIsIkZvbnRTaXplIjoxMCwiRm9udE5hbWUiOiJDYWxpYnJpIiwiSXNCb2xkIjpmYWxzZSwiSXNJdGFsaWMiOmZhbHNlLCJJc1VuZGVybGluZWQiOmZhbHNlLCJQYXJlbnRTdHlsZSI6bnVsbH0sIkF1dG9TaXplIjowLCJGb3JlZ3JvdW5kIjp7IiRpZCI6IjI5NCIsIkNvbG9yIjp7IiRyZWYiOiI5MyJ9fSwiTWF4V2lkdGgiOjIwMC4wLCJNYXhIZWlnaHQiOiJJbmZpbml0eSIsIlNtYXJ0Rm9yZWdyb3VuZElzQWN0aXZlIjpmYWxzZSwiSG9yaXpvbnRhbEFsaWdubWVudCI6MCwiVmVydGljYWxBbGlnbm1lbnQiOjAsIlNtYXJ0Rm9yZWdyb3VuZCI6bnVsbCwiQmFja2dyb3VuZEZpbGxUeXBlIjowLCJNYXJnaW4iOnsiJGlkIjoiMjk1IiwiVG9wIjowLCJMZWZ0IjowLCJSaWdodCI6MCwiQm90dG9tIjowfSwiUGFkZGluZyI6eyIkaWQiOiIyOTYiLCJUb3AiOjAsIkxlZnQiOjAsIlJpZ2h0IjowLCJCb3R0b20iOjB9LCJCYWNrZ3JvdW5kIjp7IiRyZWYiOiI5NiJ9LCJJc1Zpc2libGUiOnRydWUsIldpZHRoIjowLjAsIkhlaWdodCI6MC4wLCJCb3JkZXJTdHlsZSI6eyIkaWQiOiIyOTciLCJMaW5lQ29sb3IiOm51bGwsIkxpbmVXZWlnaHQiOjAuMCwiTGluZVR5cGUiOjAsIlBhcmVudFN0eWxlIjpudWxsfSwiUGFyZW50U3R5bGUiOm51bGx9LCJIb3Jpem9udGFsQ29ubmVjdG9yU3R5bGUiOnsiJGlkIjoiMjk4IiwiTGluZUNvbG9yIjp7IiRyZWYiOiI5OCJ9LCJMaW5lV2VpZ2h0IjoxLjAsIkxpbmVUeXBlIjowLCJQYXJlbnRTdHlsZSI6bnVsbH0sIlZlcnRpY2FsQ29ubmVjdG9yU3R5bGUiOnsiJGlkIjoiMjk5IiwiTGluZUNvbG9yIjp7IiRpZCI6IjMwMCIsIiR0eXBlIjoiTkxSRS5Db21tb24uRG9tLlNvbGlkQ29sb3JCcnVzaCwgTkxSRS5Db21tb24iLCJDb2xvciI6eyIkaWQiOiIzMDEiLCJBIjoyNTUsIlIiOjIwNCwiRyI6MjA0LCJCIjoyMDR9fSwiTGluZVdlaWdodCI6MS4wLCJMaW5lVHlwZSI6MCwiUGFyZW50U3R5bGUiOm51bGx9LCJNYXJnaW4iOm51bGwsIlN0YXJ0RGF0ZVBvc2l0aW9uIjowLCJFbmREYXRlUG9zaXRpb24iOjAsIkRhdGVJc1Zpc2libGUiOnRydWUsIlRpdGxlUG9zaXRpb24iOjIsIkR1cmF0aW9uUG9zaXRpb24iOjYsIlBlcmNlbnRhZ2VDb21wbGV0ZWRQb3NpdGlvbiI6MiwiU3BhY2luZyI6NSwiSXNCZWxvd1RpbWViYW5kIjpmYWxzZSwiUGVyY2VudGFnZUNvbXBsZXRlU2hhcGVPcGFjaXR5IjozNSwiU2hhcGVTdHlsZSI6eyIkaWQiOiIzMDIiLCJNYXJnaW4iOnsiJGlkIjoiMzAzIiwiVG9wIjowLCJMZWZ0Ijo0LCJSaWdodCI6NCwiQm90dG9tIjowfSwiUGFkZGluZyI6eyIkaWQiOiIzMDQiLCJUb3AiOjAsIkxlZnQiOjAsIlJpZ2h0IjowLCJCb3R0b20iOjB9LCJCYWNrZ3JvdW5kIjp7IiRpZCI6IjMwNSIsIkNvbG9yIjp7IiRpZCI6IjMwNiIsIkEiOjI1NSwiUiI6MjM3LCJHIjoxMjUsIkIiOjQ5fX0sIklzVmlzaWJsZSI6dHJ1ZSwiV2lkdGgiOjAuMCwiSGVpZ2h0IjoxNi4wLCJCb3JkZXJTdHlsZSI6eyIkaWQiOiIzMDciLCJMaW5lQ29sb3IiOnsiJHJlZiI6IjEwOSJ9LCJMaW5lV2VpZ2h0IjowLjAsIkxpbmVUeXBlIjowLCJQYXJlbnRTdHlsZSI6bnVsbH0sIlBhcmVudFN0eWxlIjpudWxsfSwiVGl0bGVTdHlsZSI6eyIkaWQiOiIzMDgiLCJGb250U2V0dGluZ3MiOnsiJGlkIjoiMzA5IiwiRm9udFNpemUiOjExLCJGb250TmFtZSI6IkNhbGlicmkiLCJJc0JvbGQiOnRydWUsIklzSXRhbGljIjpmYWxzZSwiSXNVbmRlcmxpbmVkIjpmYWxzZSwiUGFyZW50U3R5bGUiOm51bGx9LCJBdXRvU2l6ZSI6MCwiRm9yZWdyb3VuZCI6eyIkaWQiOiIzMTAiLCJDb2xvciI6eyIkaWQiOiIzMTEiLCJBIjoyNTUsIlIiOjIzMSwiRyI6MjMwLCJCIjoyMzB9fSwiTWF4V2lkdGgiOjcyMC4wLCJNYXhIZWlnaHQiOiJJbmZpbml0eSIsIlNtYXJ0Rm9yZWdyb3VuZElzQWN0aXZlIjpmYWxzZSwiSG9yaXpvbnRhbEFsaWdubWVudCI6MSwiVmVydGljYWxBbGlnbm1lbnQiOjAsIlNtYXJ0Rm9yZWdyb3VuZCI6bnVsbCwiQmFja2dyb3VuZEZpbGxUeXBlIjowLCJNYXJnaW4iOnsiJGlkIjoiMzEyIiwiVG9wIjowLCJMZWZ0IjowLCJSaWdodCI6MCwiQm90dG9tIjowfSwiUGFkZGluZyI6eyIkaWQiOiIzMTMiLCJUb3AiOjAsIkxlZnQiOjAsIlJpZ2h0IjowLCJCb3R0b20iOjB9LCJCYWNrZ3JvdW5kIjp7IiRyZWYiOiIxMTcifSwiSXNWaXNpYmxlIjp0cnVlLCJXaWR0aCI6MC4wLCJIZWlnaHQiOjAuMCwiQm9yZGVyU3R5bGUiOnsiJGlkIjoiMzE0IiwiTGluZUNvbG9yIjpudWxsLCJMaW5lV2VpZ2h0IjowLjAsIkxpbmVUeXBlIjowLCJQYXJlbnRTdHlsZSI6bnVsbH0sIlBhcmVudFN0eWxlIjpudWxsfSwiRGF0ZVN0eWxlIjp7IiRpZCI6IjMxNSIsIkZvbnRTZXR0aW5ncyI6eyIkaWQiOiIzMTYiLCJGb250U2l6ZSI6MTAsIkZvbnROYW1lIjoiQ2FsaWJyaSIsIklzQm9sZCI6ZmFsc2UsIklzSXRhbGljIjpmYWxzZSwiSXNVbmRlcmxpbmVkIjpmYWxzZSwiUGFyZW50U3R5bGUiOm51bGx9LCJBdXRvU2l6ZSI6MCwiRm9yZWdyb3VuZCI6eyIkaWQiOiIzMTciLCJDb2xvciI6eyIkaWQiOiIzMTgiLCJBIjoyNTUsIlIiOjY4LCJHIjo4NCwiQiI6MTA2fX0sIk1heFdpZHRoIjoyMDAuMCwiTWF4SGVpZ2h0IjoiSW5maW5pdHkiLCJTbWFydEZvcmVncm91bmRJc0FjdGl2ZSI6ZmFsc2UsIkhvcml6b250YWxBbGlnbm1lbnQiOjAsIlZlcnRpY2FsQWxpZ25tZW50IjowLCJTbWFydEZvcmVncm91bmQiOm51bGwsIkJhY2tncm91bmRGaWxsVHlwZSI6MCwiTWFyZ2luIjp7IiRpZCI6IjMxOSIsIlRvcCI6MCwiTGVmdCI6MCwiUmlnaHQiOjAsIkJvdHRvbSI6MH0sIlBhZGRpbmciOnsiJGlkIjoiMzIwIiwiVG9wIjowLCJMZWZ0IjowLCJSaWdodCI6MCwiQm90dG9tIjowfSwiQmFja2dyb3VuZCI6eyIkcmVmIjoiMTI0In0sIklzVmlzaWJsZSI6dHJ1ZSwiV2lkdGgiOjAuMCwiSGVpZ2h0IjowLjAsIkJvcmRlclN0eWxlIjp7IiRpZCI6IjMyMSIsIkxpbmVDb2xvciI6bnVsbCwiTGluZVdlaWdodCI6MC4wLCJMaW5lVHlwZSI6MCwiUGFyZW50U3R5bGUiOm51bGx9LCJQYXJlbnRTdHlsZSI6bnVsbH0sIkRhdGVGb3JtYXQiOnsiJGlkIjoiMzIyIiwiRm9ybWF0U3RyaW5nIjoiTU1NIGQiLCJTZXBhcmF0b3IiOiIvIiwiVXNlSW50ZXJuYXRpb25hbERhdGVGb3JtYXQiOmZhbHNlLCJEYXRlSXNWaXNpYmxlIjp0cnVlLCJUaW1lSXNWaXNpYmxlIjpmYWxzZSwiSG91ckRpZ2l0cyI6MSwiQW1QbURlc2lnbmF0b3IiOjIsIlRyaW0wME1pbnV0ZXMiOmZhbHNlLCJMYXN0S25vd25WaXNpYmlsaXR5U3RhdGUiOnsiJHJlZiI6IjIwMiJ9fSwiSXNWaXNpYmxlIjp0cnVlLCJQYXJlbnRTdHlsZSI6bnVsbH0sIkluZGV4IjozLCJTbWFydER1cmF0aW9uQWN0aXZhdGVkIjpmYWxzZSwiRGF0ZUZvcm1hdCI6eyIkcmVmIjoiMzIyIn0sIklkIjoiYjY1YTJiYmYtYmRlOS00OTIzLThiMGQtZjg4NGE2NGM5YzQwIiwiSW1wb3J0SWQiOm51bGwsIlRpdGxlIjoiUmVzdWx0IGFuYWx5c2lzIGFuZCByZXBvcnQiLCJOb3RlIjpudWxsLCJIeXBlcmxpbmsiOnsiJGlkIjoiMzIzIiwiQWRkcmVzcyI6IiIsIlN1YkFkZHJlc3MiOiIifSwiSXNDaGFuZ2VkIjpmYWxzZSwiSXNOZXciOmZhbHNlfV0sIlN3aW1sYW5lcyI6W10sIk1zUHJvamVjdEl0ZW1zVHJlZSI6eyIkaWQiOiIzMjQiLCJSb290Ijp7IkltcG9ydElkIjpudWxsLCJJc0ltcG9ydGVkIjpmYWxzZSwiQ2hpbGRyZW4iOltdfX0sIk1ldGFkYXRhIjp7IiRpZCI6IjMyNSIsIlJlY2VudENvbG9yc0NvbGxlY3Rpb24iOiJbXCIjRkY3MEFENDdcIixcIiNGRkZGQzAwMFwiLFwiI0ZGMkY1NTk3XCIsXCIjRkZFRDdEMzFcIixcIiNGRjU0ODIzNVwiLFwiI0ZGRkZEOTY2XCIsXCIjRkZGQ0E4MTBcIixcIiNGRjQ0NzJDNFwiXSJ9LCJTZXR0aW5ncyI6eyIkaWQiOiIzMjYiLCJJbXBhT3B0aW9ucyI6eyIkaWQiOiIzMjciLCJMZWZ0VG9SaWdodCI6ZmFsc2UsIlBheWxvYWRPcHRpb25zIjoyfSwiVXNlQ29tcHJlc3Npb24iOmZhbHNlLCJDb21wcmVzaW9uUGVyY2VudGFnZSI6NTAuMCwiSW5hY3RpdmVJbnRlcnZhbFdpZHRoVGhyZXNob2xkIjozMC4wLCJJbmFjdGl2ZUludGVydmFsV2lkdGgiOjEuMCwiU3BsaXRUYXNrcyI6ZmFsc2UsIlVzZUNsdXN0ZXIiOmZhbHNlLCJFcHNpbG9uIjo1LjAsIk1pblBvaW50c1RvRm9ybUFDbHVzdGVyIjoyLCJHZW5lcmF0ZUludmlzaWJsZVNoYXBlcyI6ZmFsc2UsIlNtYXJ0VGltZWxpbmVUYXNrUGVyY2VudGFnZUZpdCI6ZmFsc2V9LCJJc05ldyI6ZmFsc2UsIkltcG9ydFR5cGUiOjAsIkZpbGVQYXRoIjpudWxsLCJUaW1lQ29uZmlndXJhdGlvbiI6eyIkaWQiOiIzMjgiLCJVc2VUaW1lIjpmYWxzZSwiV29ya0RheVN0YXJ0IjoiMDA6MDA6MDAiLCJXb3JrRGF5RW5kIjoiMjM6NTk6MDAifSwiTGFzdFVzZWRUZW1wbGF0ZUlkIjoiYWQ5ZWNlMjMtMTk5Ny00ZWQ5LWI4MWMtMzFmNTFmMzJiNTYxIn0="/>
 </p:tagLst>
 </file>
 
@@ -19525,13 +18585,187 @@
 </p:tagLst>
 </file>
 
+<file path=ppt/tags/tag71.xml><?xml version="1.0" encoding="utf-8"?>
+<p:tagLst xmlns:a="http://schemas.openxmlformats.org/drawingml/2006/main" xmlns:r="http://schemas.openxmlformats.org/officeDocument/2006/relationships" xmlns:p="http://schemas.openxmlformats.org/presentationml/2006/main">
+  <p:tag name="OTLMARKERSHAPE" val="OTL"/>
+</p:tagLst>
+</file>
+
+<file path=ppt/tags/tag72.xml><?xml version="1.0" encoding="utf-8"?>
+<p:tagLst xmlns:a="http://schemas.openxmlformats.org/drawingml/2006/main" xmlns:r="http://schemas.openxmlformats.org/officeDocument/2006/relationships" xmlns:p="http://schemas.openxmlformats.org/presentationml/2006/main">
+  <p:tag name="OTLMARKERSHAPE" val="OTL"/>
+</p:tagLst>
+</file>
+
+<file path=ppt/tags/tag73.xml><?xml version="1.0" encoding="utf-8"?>
+<p:tagLst xmlns:a="http://schemas.openxmlformats.org/drawingml/2006/main" xmlns:r="http://schemas.openxmlformats.org/officeDocument/2006/relationships" xmlns:p="http://schemas.openxmlformats.org/presentationml/2006/main">
+  <p:tag name="OTLMARKERSHAPE" val="OTL"/>
+</p:tagLst>
+</file>
+
+<file path=ppt/tags/tag74.xml><?xml version="1.0" encoding="utf-8"?>
+<p:tagLst xmlns:a="http://schemas.openxmlformats.org/drawingml/2006/main" xmlns:r="http://schemas.openxmlformats.org/officeDocument/2006/relationships" xmlns:p="http://schemas.openxmlformats.org/presentationml/2006/main">
+  <p:tag name="OTLMARKERSHAPE" val="OTL"/>
+</p:tagLst>
+</file>
+
+<file path=ppt/tags/tag75.xml><?xml version="1.0" encoding="utf-8"?>
+<p:tagLst xmlns:a="http://schemas.openxmlformats.org/drawingml/2006/main" xmlns:r="http://schemas.openxmlformats.org/officeDocument/2006/relationships" xmlns:p="http://schemas.openxmlformats.org/presentationml/2006/main">
+  <p:tag name="OTLMARKERSHAPE" val="OTL"/>
+</p:tagLst>
+</file>
+
+<file path=ppt/tags/tag76.xml><?xml version="1.0" encoding="utf-8"?>
+<p:tagLst xmlns:a="http://schemas.openxmlformats.org/drawingml/2006/main" xmlns:r="http://schemas.openxmlformats.org/officeDocument/2006/relationships" xmlns:p="http://schemas.openxmlformats.org/presentationml/2006/main">
+  <p:tag name="OTLMARKERSHAPE" val="OTL"/>
+</p:tagLst>
+</file>
+
+<file path=ppt/tags/tag77.xml><?xml version="1.0" encoding="utf-8"?>
+<p:tagLst xmlns:a="http://schemas.openxmlformats.org/drawingml/2006/main" xmlns:r="http://schemas.openxmlformats.org/officeDocument/2006/relationships" xmlns:p="http://schemas.openxmlformats.org/presentationml/2006/main">
+  <p:tag name="OTLMARKERSHAPE" val="OTL"/>
+</p:tagLst>
+</file>
+
+<file path=ppt/tags/tag78.xml><?xml version="1.0" encoding="utf-8"?>
+<p:tagLst xmlns:a="http://schemas.openxmlformats.org/drawingml/2006/main" xmlns:r="http://schemas.openxmlformats.org/officeDocument/2006/relationships" xmlns:p="http://schemas.openxmlformats.org/presentationml/2006/main">
+  <p:tag name="OTLMARKERSHAPE" val="OTL"/>
+</p:tagLst>
+</file>
+
+<file path=ppt/tags/tag79.xml><?xml version="1.0" encoding="utf-8"?>
+<p:tagLst xmlns:a="http://schemas.openxmlformats.org/drawingml/2006/main" xmlns:r="http://schemas.openxmlformats.org/officeDocument/2006/relationships" xmlns:p="http://schemas.openxmlformats.org/presentationml/2006/main">
+  <p:tag name="OTLMARKERSHAPE" val="OTL"/>
+</p:tagLst>
+</file>
+
 <file path=ppt/tags/tag8.xml><?xml version="1.0" encoding="utf-8"?>
 <p:tagLst xmlns:a="http://schemas.openxmlformats.org/drawingml/2006/main" xmlns:r="http://schemas.openxmlformats.org/officeDocument/2006/relationships" xmlns:p="http://schemas.openxmlformats.org/presentationml/2006/main">
   <p:tag name="OTLMARKERSHAPE" val="OTL"/>
 </p:tagLst>
 </file>
 
+<file path=ppt/tags/tag80.xml><?xml version="1.0" encoding="utf-8"?>
+<p:tagLst xmlns:a="http://schemas.openxmlformats.org/drawingml/2006/main" xmlns:r="http://schemas.openxmlformats.org/officeDocument/2006/relationships" xmlns:p="http://schemas.openxmlformats.org/presentationml/2006/main">
+  <p:tag name="OTLMARKERSHAPE" val="OTL"/>
+</p:tagLst>
+</file>
+
+<file path=ppt/tags/tag81.xml><?xml version="1.0" encoding="utf-8"?>
+<p:tagLst xmlns:a="http://schemas.openxmlformats.org/drawingml/2006/main" xmlns:r="http://schemas.openxmlformats.org/officeDocument/2006/relationships" xmlns:p="http://schemas.openxmlformats.org/presentationml/2006/main">
+  <p:tag name="OTLMARKERSHAPE" val="OTL"/>
+</p:tagLst>
+</file>
+
+<file path=ppt/tags/tag82.xml><?xml version="1.0" encoding="utf-8"?>
+<p:tagLst xmlns:a="http://schemas.openxmlformats.org/drawingml/2006/main" xmlns:r="http://schemas.openxmlformats.org/officeDocument/2006/relationships" xmlns:p="http://schemas.openxmlformats.org/presentationml/2006/main">
+  <p:tag name="OTLMARKERSHAPE" val="OTL"/>
+</p:tagLst>
+</file>
+
+<file path=ppt/tags/tag83.xml><?xml version="1.0" encoding="utf-8"?>
+<p:tagLst xmlns:a="http://schemas.openxmlformats.org/drawingml/2006/main" xmlns:r="http://schemas.openxmlformats.org/officeDocument/2006/relationships" xmlns:p="http://schemas.openxmlformats.org/presentationml/2006/main">
+  <p:tag name="OTLMARKERSHAPE" val="OTL"/>
+</p:tagLst>
+</file>
+
+<file path=ppt/tags/tag84.xml><?xml version="1.0" encoding="utf-8"?>
+<p:tagLst xmlns:a="http://schemas.openxmlformats.org/drawingml/2006/main" xmlns:r="http://schemas.openxmlformats.org/officeDocument/2006/relationships" xmlns:p="http://schemas.openxmlformats.org/presentationml/2006/main">
+  <p:tag name="OTLMARKERSHAPE" val="OTL"/>
+</p:tagLst>
+</file>
+
+<file path=ppt/tags/tag85.xml><?xml version="1.0" encoding="utf-8"?>
+<p:tagLst xmlns:a="http://schemas.openxmlformats.org/drawingml/2006/main" xmlns:r="http://schemas.openxmlformats.org/officeDocument/2006/relationships" xmlns:p="http://schemas.openxmlformats.org/presentationml/2006/main">
+  <p:tag name="OTLMARKERSHAPE" val="OTL"/>
+</p:tagLst>
+</file>
+
+<file path=ppt/tags/tag86.xml><?xml version="1.0" encoding="utf-8"?>
+<p:tagLst xmlns:a="http://schemas.openxmlformats.org/drawingml/2006/main" xmlns:r="http://schemas.openxmlformats.org/officeDocument/2006/relationships" xmlns:p="http://schemas.openxmlformats.org/presentationml/2006/main">
+  <p:tag name="OTLMARKERSHAPE" val="OTL"/>
+</p:tagLst>
+</file>
+
+<file path=ppt/tags/tag87.xml><?xml version="1.0" encoding="utf-8"?>
+<p:tagLst xmlns:a="http://schemas.openxmlformats.org/drawingml/2006/main" xmlns:r="http://schemas.openxmlformats.org/officeDocument/2006/relationships" xmlns:p="http://schemas.openxmlformats.org/presentationml/2006/main">
+  <p:tag name="OTLMARKERSHAPE" val="OTL"/>
+</p:tagLst>
+</file>
+
+<file path=ppt/tags/tag88.xml><?xml version="1.0" encoding="utf-8"?>
+<p:tagLst xmlns:a="http://schemas.openxmlformats.org/drawingml/2006/main" xmlns:r="http://schemas.openxmlformats.org/officeDocument/2006/relationships" xmlns:p="http://schemas.openxmlformats.org/presentationml/2006/main">
+  <p:tag name="OTLMARKERSHAPE" val="OTL"/>
+</p:tagLst>
+</file>
+
+<file path=ppt/tags/tag89.xml><?xml version="1.0" encoding="utf-8"?>
+<p:tagLst xmlns:a="http://schemas.openxmlformats.org/drawingml/2006/main" xmlns:r="http://schemas.openxmlformats.org/officeDocument/2006/relationships" xmlns:p="http://schemas.openxmlformats.org/presentationml/2006/main">
+  <p:tag name="OTLMARKERSHAPE" val="OTL"/>
+</p:tagLst>
+</file>
+
 <file path=ppt/tags/tag9.xml><?xml version="1.0" encoding="utf-8"?>
+<p:tagLst xmlns:a="http://schemas.openxmlformats.org/drawingml/2006/main" xmlns:r="http://schemas.openxmlformats.org/officeDocument/2006/relationships" xmlns:p="http://schemas.openxmlformats.org/presentationml/2006/main">
+  <p:tag name="OTLMARKERSHAPE" val="OTL"/>
+</p:tagLst>
+</file>
+
+<file path=ppt/tags/tag90.xml><?xml version="1.0" encoding="utf-8"?>
+<p:tagLst xmlns:a="http://schemas.openxmlformats.org/drawingml/2006/main" xmlns:r="http://schemas.openxmlformats.org/officeDocument/2006/relationships" xmlns:p="http://schemas.openxmlformats.org/presentationml/2006/main">
+  <p:tag name="OTLMARKERSHAPE" val="OTL"/>
+</p:tagLst>
+</file>
+
+<file path=ppt/tags/tag91.xml><?xml version="1.0" encoding="utf-8"?>
+<p:tagLst xmlns:a="http://schemas.openxmlformats.org/drawingml/2006/main" xmlns:r="http://schemas.openxmlformats.org/officeDocument/2006/relationships" xmlns:p="http://schemas.openxmlformats.org/presentationml/2006/main">
+  <p:tag name="OTLMARKERSHAPE" val="OTL"/>
+</p:tagLst>
+</file>
+
+<file path=ppt/tags/tag92.xml><?xml version="1.0" encoding="utf-8"?>
+<p:tagLst xmlns:a="http://schemas.openxmlformats.org/drawingml/2006/main" xmlns:r="http://schemas.openxmlformats.org/officeDocument/2006/relationships" xmlns:p="http://schemas.openxmlformats.org/presentationml/2006/main">
+  <p:tag name="OTLMARKERSHAPE" val="OTL"/>
+</p:tagLst>
+</file>
+
+<file path=ppt/tags/tag93.xml><?xml version="1.0" encoding="utf-8"?>
+<p:tagLst xmlns:a="http://schemas.openxmlformats.org/drawingml/2006/main" xmlns:r="http://schemas.openxmlformats.org/officeDocument/2006/relationships" xmlns:p="http://schemas.openxmlformats.org/presentationml/2006/main">
+  <p:tag name="OTLMARKERSHAPE" val="OTL"/>
+</p:tagLst>
+</file>
+
+<file path=ppt/tags/tag94.xml><?xml version="1.0" encoding="utf-8"?>
+<p:tagLst xmlns:a="http://schemas.openxmlformats.org/drawingml/2006/main" xmlns:r="http://schemas.openxmlformats.org/officeDocument/2006/relationships" xmlns:p="http://schemas.openxmlformats.org/presentationml/2006/main">
+  <p:tag name="OTLMARKERSHAPE" val="OTL"/>
+</p:tagLst>
+</file>
+
+<file path=ppt/tags/tag95.xml><?xml version="1.0" encoding="utf-8"?>
+<p:tagLst xmlns:a="http://schemas.openxmlformats.org/drawingml/2006/main" xmlns:r="http://schemas.openxmlformats.org/officeDocument/2006/relationships" xmlns:p="http://schemas.openxmlformats.org/presentationml/2006/main">
+  <p:tag name="OTLMARKERSHAPE" val="OTL"/>
+</p:tagLst>
+</file>
+
+<file path=ppt/tags/tag96.xml><?xml version="1.0" encoding="utf-8"?>
+<p:tagLst xmlns:a="http://schemas.openxmlformats.org/drawingml/2006/main" xmlns:r="http://schemas.openxmlformats.org/officeDocument/2006/relationships" xmlns:p="http://schemas.openxmlformats.org/presentationml/2006/main">
+  <p:tag name="OTLMARKERSHAPE" val="OTL"/>
+</p:tagLst>
+</file>
+
+<file path=ppt/tags/tag97.xml><?xml version="1.0" encoding="utf-8"?>
+<p:tagLst xmlns:a="http://schemas.openxmlformats.org/drawingml/2006/main" xmlns:r="http://schemas.openxmlformats.org/officeDocument/2006/relationships" xmlns:p="http://schemas.openxmlformats.org/presentationml/2006/main">
+  <p:tag name="OTLMARKERSHAPE" val="OTL"/>
+</p:tagLst>
+</file>
+
+<file path=ppt/tags/tag98.xml><?xml version="1.0" encoding="utf-8"?>
+<p:tagLst xmlns:a="http://schemas.openxmlformats.org/drawingml/2006/main" xmlns:r="http://schemas.openxmlformats.org/officeDocument/2006/relationships" xmlns:p="http://schemas.openxmlformats.org/presentationml/2006/main">
+  <p:tag name="OTLMARKERSHAPE" val="OTL"/>
+</p:tagLst>
+</file>
+
+<file path=ppt/tags/tag99.xml><?xml version="1.0" encoding="utf-8"?>
 <p:tagLst xmlns:a="http://schemas.openxmlformats.org/drawingml/2006/main" xmlns:r="http://schemas.openxmlformats.org/officeDocument/2006/relationships" xmlns:p="http://schemas.openxmlformats.org/presentationml/2006/main">
   <p:tag name="OTLMARKERSHAPE" val="OTL"/>
 </p:tagLst>
@@ -20351,7 +19585,7 @@
     <we:reference id="wa104379485" version="1.0.0.2" store="wa104379485" storeType="OMEX"/>
   </we:alternateReferences>
   <we:properties>
-    <we:property name="savedState" value="{&quot;plotlyChartUrl&quot;:&quot;https://plot.ly/~sahismiley11/1.embed&quot;,&quot;plotlyChartJSON&quot;:null,&quot;appVersion&quot;:&quot;1.0&quot;,&quot;savedDate&quot;:&quot;Thu, 10 Oct 2019 13:13:49 GMT&quot;,&quot;plotlyChartIFrameUrl&quot;:null}"/>
+    <we:property name="savedState" value="{&quot;plotlyChartUrl&quot;:&quot;https://plot.ly/~sahismiley11/1.embed&quot;,&quot;plotlyChartJSON&quot;:null,&quot;appVersion&quot;:&quot;1.0&quot;,&quot;savedDate&quot;:&quot;Fri, 14 Feb 2020 09:57:22 GMT&quot;,&quot;plotlyChartIFrameUrl&quot;:null}"/>
   </we:properties>
   <we:bindings/>
   <we:snapshot xmlns:r="http://schemas.openxmlformats.org/officeDocument/2006/relationships" r:embed="rId1"/>
@@ -20365,7 +19599,7 @@
     <we:reference id="wa104379485" version="1.0.0.2" store="wa104379485" storeType="OMEX"/>
   </we:alternateReferences>
   <we:properties>
-    <we:property name="savedState" value="{&quot;plotlyChartUrl&quot;:&quot;https://plot.ly/~sahismiley11/5/#/&quot;,&quot;plotlyChartJSON&quot;:null,&quot;appVersion&quot;:&quot;1.0&quot;,&quot;savedDate&quot;:&quot;Thu, 10 Oct 2019 13:15:13 GMT&quot;}"/>
+    <we:property name="savedState" value="{&quot;plotlyChartUrl&quot;:&quot;https://plot.ly/~sahismiley11/5/#/&quot;,&quot;plotlyChartJSON&quot;:null,&quot;appVersion&quot;:&quot;1.0&quot;,&quot;savedDate&quot;:&quot;Fri, 14 Feb 2020 10:16:37 GMT&quot;}"/>
   </we:properties>
   <we:bindings/>
   <we:snapshot xmlns:r="http://schemas.openxmlformats.org/officeDocument/2006/relationships" r:embed="rId1"/>
@@ -20373,27 +19607,32 @@
 </file>
 
 <file path=customXml/item1.xml><?xml version="1.0" encoding="utf-8"?>
-<ct:contentTypeSchema xmlns:ct="http://schemas.microsoft.com/office/2006/metadata/contentType" xmlns:ma="http://schemas.microsoft.com/office/2006/metadata/properties/metaAttributes" ct:_="" ma:_="" ma:contentTypeName="Document" ma:contentTypeID="0x01010079F111ED35F8CC479449609E8A0923A6" ma:contentTypeVersion="11" ma:contentTypeDescription="Create a new document." ma:contentTypeScope="" ma:versionID="96291512c1ee715ab617f4c07df79fc1">
-  <xsd:schema xmlns:xsd="http://www.w3.org/2001/XMLSchema" xmlns:xs="http://www.w3.org/2001/XMLSchema" xmlns:p="http://schemas.microsoft.com/office/2006/metadata/properties" xmlns:ns2="71af3243-3dd4-4a8d-8c0d-dd76da1f02a5" xmlns:ns3="16c05727-aa75-4e4a-9b5f-8a80a1165891" targetNamespace="http://schemas.microsoft.com/office/2006/metadata/properties" ma:root="true" ma:fieldsID="8256c27c40ca5c40ce1cf6c44f0205df" ns2:_="" ns3:_="">
-    <xsd:import namespace="71af3243-3dd4-4a8d-8c0d-dd76da1f02a5"/>
-    <xsd:import namespace="16c05727-aa75-4e4a-9b5f-8a80a1165891"/>
+<p:properties xmlns:p="http://schemas.microsoft.com/office/2006/metadata/properties" xmlns:xsi="http://www.w3.org/2001/XMLSchema-instance" xmlns:pc="http://schemas.microsoft.com/office/infopath/2007/PartnerControls">
+  <documentManagement/>
+</p:properties>
+</file>
+
+<file path=customXml/item2.xml><?xml version="1.0" encoding="utf-8"?>
+<?mso-contentType ?>
+<FormTemplates xmlns="http://schemas.microsoft.com/sharepoint/v3/contenttype/forms">
+  <Display>DocumentLibraryForm</Display>
+  <Edit>DocumentLibraryForm</Edit>
+  <New>DocumentLibraryForm</New>
+</FormTemplates>
+</file>
+
+<file path=customXml/item3.xml><?xml version="1.0" encoding="utf-8"?>
+<ct:contentTypeSchema xmlns:ct="http://schemas.microsoft.com/office/2006/metadata/contentType" xmlns:ma="http://schemas.microsoft.com/office/2006/metadata/properties/metaAttributes" ct:_="" ma:_="" ma:contentTypeName="Document" ma:contentTypeID="0x010100F3A57275460FBE43A1A7009A883313EA" ma:contentTypeVersion="2" ma:contentTypeDescription="Create a new document." ma:contentTypeScope="" ma:versionID="dcc4f7cd1a91288d3212a4e509e1d911">
+  <xsd:schema xmlns:xsd="http://www.w3.org/2001/XMLSchema" xmlns:xs="http://www.w3.org/2001/XMLSchema" xmlns:p="http://schemas.microsoft.com/office/2006/metadata/properties" xmlns:ns3="7ab3a178-c267-412b-b348-ecea94cde2ae" targetNamespace="http://schemas.microsoft.com/office/2006/metadata/properties" ma:root="true" ma:fieldsID="e43711f943951d6e1215c95d3f79f6bb" ns3:_="">
+    <xsd:import namespace="7ab3a178-c267-412b-b348-ecea94cde2ae"/>
     <xsd:element name="properties">
       <xsd:complexType>
         <xsd:sequence>
           <xsd:element name="documentManagement">
             <xsd:complexType>
               <xsd:all>
-                <xsd:element ref="ns2:MediaServiceMetadata" minOccurs="0"/>
-                <xsd:element ref="ns2:MediaServiceFastMetadata" minOccurs="0"/>
-                <xsd:element ref="ns2:MediaServiceOCR" minOccurs="0"/>
-                <xsd:element ref="ns2:MediaServiceAutoTags" minOccurs="0"/>
-                <xsd:element ref="ns2:MediaServiceEventHashCode" minOccurs="0"/>
-                <xsd:element ref="ns2:MediaServiceGenerationTime" minOccurs="0"/>
-                <xsd:element ref="ns3:SharedWithUsers" minOccurs="0"/>
-                <xsd:element ref="ns3:SharedWithDetails" minOccurs="0"/>
-                <xsd:element ref="ns2:MediaServiceAutoKeyPoints" minOccurs="0"/>
-                <xsd:element ref="ns2:MediaServiceKeyPoints" minOccurs="0"/>
-                <xsd:element ref="ns2:MediaServiceDateTaken" minOccurs="0"/>
+                <xsd:element ref="ns3:MediaServiceMetadata" minOccurs="0"/>
+                <xsd:element ref="ns3:MediaServiceFastMetadata" minOccurs="0"/>
               </xsd:all>
             </xsd:complexType>
           </xsd:element>
@@ -20401,7 +19640,7 @@
       </xsd:complexType>
     </xsd:element>
   </xsd:schema>
-  <xsd:schema xmlns:xsd="http://www.w3.org/2001/XMLSchema" xmlns:xs="http://www.w3.org/2001/XMLSchema" xmlns:dms="http://schemas.microsoft.com/office/2006/documentManagement/types" xmlns:pc="http://schemas.microsoft.com/office/infopath/2007/PartnerControls" targetNamespace="71af3243-3dd4-4a8d-8c0d-dd76da1f02a5" elementFormDefault="qualified">
+  <xsd:schema xmlns:xsd="http://www.w3.org/2001/XMLSchema" xmlns:xs="http://www.w3.org/2001/XMLSchema" xmlns:dms="http://schemas.microsoft.com/office/2006/documentManagement/types" xmlns:pc="http://schemas.microsoft.com/office/infopath/2007/PartnerControls" targetNamespace="7ab3a178-c267-412b-b348-ecea94cde2ae" elementFormDefault="qualified">
     <xsd:import namespace="http://schemas.microsoft.com/office/2006/documentManagement/types"/>
     <xsd:import namespace="http://schemas.microsoft.com/office/infopath/2007/PartnerControls"/>
     <xsd:element name="MediaServiceMetadata" ma:index="8" nillable="true" ma:displayName="MediaServiceMetadata" ma:hidden="true" ma:internalName="MediaServiceMetadata" ma:readOnly="true">
@@ -20412,75 +19651,6 @@
     <xsd:element name="MediaServiceFastMetadata" ma:index="9" nillable="true" ma:displayName="MediaServiceFastMetadata" ma:hidden="true" ma:internalName="MediaServiceFastMetadata" ma:readOnly="true">
       <xsd:simpleType>
         <xsd:restriction base="dms:Note"/>
-      </xsd:simpleType>
-    </xsd:element>
-    <xsd:element name="MediaServiceOCR" ma:index="10" nillable="true" ma:displayName="MediaServiceOCR" ma:internalName="MediaServiceOCR" ma:readOnly="true">
-      <xsd:simpleType>
-        <xsd:restriction base="dms:Note">
-          <xsd:maxLength value="255"/>
-        </xsd:restriction>
-      </xsd:simpleType>
-    </xsd:element>
-    <xsd:element name="MediaServiceAutoTags" ma:index="11" nillable="true" ma:displayName="MediaServiceAutoTags" ma:internalName="MediaServiceAutoTags" ma:readOnly="true">
-      <xsd:simpleType>
-        <xsd:restriction base="dms:Text"/>
-      </xsd:simpleType>
-    </xsd:element>
-    <xsd:element name="MediaServiceEventHashCode" ma:index="12" nillable="true" ma:displayName="MediaServiceEventHashCode" ma:hidden="true" ma:internalName="MediaServiceEventHashCode" ma:readOnly="true">
-      <xsd:simpleType>
-        <xsd:restriction base="dms:Text"/>
-      </xsd:simpleType>
-    </xsd:element>
-    <xsd:element name="MediaServiceGenerationTime" ma:index="13" nillable="true" ma:displayName="MediaServiceGenerationTime" ma:hidden="true" ma:internalName="MediaServiceGenerationTime" ma:readOnly="true">
-      <xsd:simpleType>
-        <xsd:restriction base="dms:Text"/>
-      </xsd:simpleType>
-    </xsd:element>
-    <xsd:element name="MediaServiceAutoKeyPoints" ma:index="16" nillable="true" ma:displayName="MediaServiceAutoKeyPoints" ma:hidden="true" ma:internalName="MediaServiceAutoKeyPoints" ma:readOnly="true">
-      <xsd:simpleType>
-        <xsd:restriction base="dms:Note"/>
-      </xsd:simpleType>
-    </xsd:element>
-    <xsd:element name="MediaServiceKeyPoints" ma:index="17" nillable="true" ma:displayName="KeyPoints" ma:internalName="MediaServiceKeyPoints" ma:readOnly="false">
-      <xsd:simpleType>
-        <xsd:restriction base="dms:Note">
-          <xsd:maxLength value="255"/>
-        </xsd:restriction>
-      </xsd:simpleType>
-    </xsd:element>
-    <xsd:element name="MediaServiceDateTaken" ma:index="18" nillable="true" ma:displayName="MediaServiceDateTaken" ma:hidden="true" ma:internalName="MediaServiceDateTaken" ma:readOnly="true">
-      <xsd:simpleType>
-        <xsd:restriction base="dms:Text"/>
-      </xsd:simpleType>
-    </xsd:element>
-  </xsd:schema>
-  <xsd:schema xmlns:xsd="http://www.w3.org/2001/XMLSchema" xmlns:xs="http://www.w3.org/2001/XMLSchema" xmlns:dms="http://schemas.microsoft.com/office/2006/documentManagement/types" xmlns:pc="http://schemas.microsoft.com/office/infopath/2007/PartnerControls" targetNamespace="16c05727-aa75-4e4a-9b5f-8a80a1165891" elementFormDefault="qualified">
-    <xsd:import namespace="http://schemas.microsoft.com/office/2006/documentManagement/types"/>
-    <xsd:import namespace="http://schemas.microsoft.com/office/infopath/2007/PartnerControls"/>
-    <xsd:element name="SharedWithUsers" ma:index="14" nillable="true" ma:displayName="Shared With" ma:internalName="SharedWithUsers" ma:readOnly="true">
-      <xsd:complexType>
-        <xsd:complexContent>
-          <xsd:extension base="dms:UserMulti">
-            <xsd:sequence>
-              <xsd:element name="UserInfo" minOccurs="0" maxOccurs="unbounded">
-                <xsd:complexType>
-                  <xsd:sequence>
-                    <xsd:element name="DisplayName" type="xsd:string" minOccurs="0"/>
-                    <xsd:element name="AccountId" type="dms:UserId" minOccurs="0" nillable="true"/>
-                    <xsd:element name="AccountType" type="xsd:string" minOccurs="0"/>
-                  </xsd:sequence>
-                </xsd:complexType>
-              </xsd:element>
-            </xsd:sequence>
-          </xsd:extension>
-        </xsd:complexContent>
-      </xsd:complexType>
-    </xsd:element>
-    <xsd:element name="SharedWithDetails" ma:index="15" nillable="true" ma:displayName="Shared With Details" ma:internalName="SharedWithDetails" ma:readOnly="true">
-      <xsd:simpleType>
-        <xsd:restriction base="dms:Note">
-          <xsd:maxLength value="255"/>
-        </xsd:restriction>
       </xsd:simpleType>
     </xsd:element>
   </xsd:schema>
@@ -20583,38 +19753,18 @@
 </ct:contentTypeSchema>
 </file>
 
-<file path=customXml/item2.xml><?xml version="1.0" encoding="utf-8"?>
-<?mso-contentType ?>
-<FormTemplates xmlns="http://schemas.microsoft.com/sharepoint/v3/contenttype/forms">
-  <Display>DocumentLibraryForm</Display>
-  <Edit>DocumentLibraryForm</Edit>
-  <New>DocumentLibraryForm</New>
-</FormTemplates>
-</file>
-
-<file path=customXml/item3.xml><?xml version="1.0" encoding="utf-8"?>
-<p:properties xmlns:p="http://schemas.microsoft.com/office/2006/metadata/properties" xmlns:xsi="http://www.w3.org/2001/XMLSchema-instance" xmlns:pc="http://schemas.microsoft.com/office/infopath/2007/PartnerControls">
-  <documentManagement>
-    <MediaServiceKeyPoints xmlns="71af3243-3dd4-4a8d-8c0d-dd76da1f02a5" xsi:nil="true"/>
-  </documentManagement>
-</p:properties>
-</file>
-
 <file path=customXml/itemProps1.xml><?xml version="1.0" encoding="utf-8"?>
-<ds:datastoreItem xmlns:ds="http://schemas.openxmlformats.org/officeDocument/2006/customXml" ds:itemID="{44CEB76F-5C52-4F69-A3C1-2DBEA8CF7465}">
+<ds:datastoreItem xmlns:ds="http://schemas.openxmlformats.org/officeDocument/2006/customXml" ds:itemID="{8A32D51B-405E-4F81-B5A9-F253CD7FC481}">
   <ds:schemaRefs>
-    <ds:schemaRef ds:uri="http://schemas.microsoft.com/office/2006/metadata/contentType"/>
-    <ds:schemaRef ds:uri="http://schemas.microsoft.com/office/2006/metadata/properties/metaAttributes"/>
-    <ds:schemaRef ds:uri="http://www.w3.org/2001/XMLSchema"/>
+    <ds:schemaRef ds:uri="http://schemas.microsoft.com/office/2006/documentManagement/types"/>
+    <ds:schemaRef ds:uri="http://purl.org/dc/terms/"/>
+    <ds:schemaRef ds:uri="http://schemas.openxmlformats.org/package/2006/metadata/core-properties"/>
+    <ds:schemaRef ds:uri="http://purl.org/dc/dcmitype/"/>
+    <ds:schemaRef ds:uri="http://schemas.microsoft.com/office/infopath/2007/PartnerControls"/>
+    <ds:schemaRef ds:uri="http://purl.org/dc/elements/1.1/"/>
     <ds:schemaRef ds:uri="http://schemas.microsoft.com/office/2006/metadata/properties"/>
-    <ds:schemaRef ds:uri="71af3243-3dd4-4a8d-8c0d-dd76da1f02a5"/>
-    <ds:schemaRef ds:uri="16c05727-aa75-4e4a-9b5f-8a80a1165891"/>
-    <ds:schemaRef ds:uri="http://schemas.microsoft.com/office/2006/documentManagement/types"/>
-    <ds:schemaRef ds:uri="http://schemas.microsoft.com/office/infopath/2007/PartnerControls"/>
-    <ds:schemaRef ds:uri="http://schemas.openxmlformats.org/package/2006/metadata/core-properties"/>
-    <ds:schemaRef ds:uri="http://purl.org/dc/elements/1.1/"/>
-    <ds:schemaRef ds:uri="http://purl.org/dc/terms/"/>
-    <ds:schemaRef ds:uri="http://schemas.microsoft.com/internal/obd"/>
+    <ds:schemaRef ds:uri="7ab3a178-c267-412b-b348-ecea94cde2ae"/>
+    <ds:schemaRef ds:uri="http://www.w3.org/XML/1998/namespace"/>
   </ds:schemaRefs>
 </ds:datastoreItem>
 </file>
@@ -20628,18 +19778,19 @@
 </file>
 
 <file path=customXml/itemProps3.xml><?xml version="1.0" encoding="utf-8"?>
-<ds:datastoreItem xmlns:ds="http://schemas.openxmlformats.org/officeDocument/2006/customXml" ds:itemID="{8A32D51B-405E-4F81-B5A9-F253CD7FC481}">
+<ds:datastoreItem xmlns:ds="http://schemas.openxmlformats.org/officeDocument/2006/customXml" ds:itemID="{2133ADE0-21FE-4710-A45D-E517493A5FDA}">
   <ds:schemaRefs>
-    <ds:schemaRef ds:uri="16c05727-aa75-4e4a-9b5f-8a80a1165891"/>
+    <ds:schemaRef ds:uri="http://schemas.microsoft.com/office/2006/metadata/contentType"/>
+    <ds:schemaRef ds:uri="http://schemas.microsoft.com/office/2006/metadata/properties/metaAttributes"/>
+    <ds:schemaRef ds:uri="http://www.w3.org/2001/XMLSchema"/>
+    <ds:schemaRef ds:uri="http://schemas.microsoft.com/office/2006/metadata/properties"/>
+    <ds:schemaRef ds:uri="7ab3a178-c267-412b-b348-ecea94cde2ae"/>
+    <ds:schemaRef ds:uri="http://schemas.microsoft.com/office/2006/documentManagement/types"/>
+    <ds:schemaRef ds:uri="http://schemas.microsoft.com/office/infopath/2007/PartnerControls"/>
+    <ds:schemaRef ds:uri="http://schemas.openxmlformats.org/package/2006/metadata/core-properties"/>
     <ds:schemaRef ds:uri="http://purl.org/dc/elements/1.1/"/>
-    <ds:schemaRef ds:uri="http://schemas.microsoft.com/office/infopath/2007/PartnerControls"/>
-    <ds:schemaRef ds:uri="http://purl.org/dc/dcmitype/"/>
-    <ds:schemaRef ds:uri="http://schemas.microsoft.com/office/2006/metadata/properties"/>
     <ds:schemaRef ds:uri="http://purl.org/dc/terms/"/>
-    <ds:schemaRef ds:uri="http://schemas.microsoft.com/office/2006/documentManagement/types"/>
-    <ds:schemaRef ds:uri="http://schemas.openxmlformats.org/package/2006/metadata/core-properties"/>
-    <ds:schemaRef ds:uri="71af3243-3dd4-4a8d-8c0d-dd76da1f02a5"/>
-    <ds:schemaRef ds:uri="http://www.w3.org/XML/1998/namespace"/>
+    <ds:schemaRef ds:uri="http://schemas.microsoft.com/internal/obd"/>
   </ds:schemaRefs>
 </ds:datastoreItem>
 </file>